--- a/Whiteboard design session/WDS trainer presentation - Azure Synapse Analytics and AI.pptx
+++ b/Whiteboard design session/WDS trainer presentation - Azure Synapse Analytics and AI.pptx
@@ -233,7 +233,7 @@
           <a:p>
             <a:fld id="{52A13B17-C506-4D51-BB37-16B365906619}" type="datetimeFigureOut">
               <a:rPr lang="en-US" smtClean="0"/>
-              <a:t>7/16/2020</a:t>
+              <a:t>7/18/2020</a:t>
             </a:fld>
             <a:endParaRPr lang="en-US" dirty="0"/>
           </a:p>
@@ -1500,16 +1500,14 @@
               <a:buChar char="•"/>
             </a:pPr>
             <a:r>
-              <a:rPr lang="en-US" sz="1200" b="0" kern="1200" dirty="0">
+              <a:rPr lang="en-US" b="0" dirty="0">
                 <a:solidFill>
-                  <a:schemeClr val="tx1"/>
+                  <a:srgbClr val="D4D4D4"/>
                 </a:solidFill>
                 <a:effectLst/>
-                <a:latin typeface="+mn-lt"/>
-                <a:ea typeface="+mn-ea"/>
-                <a:cs typeface="+mn-cs"/>
-              </a:rPr>
-              <a:t>At this stage Mapping Data Flows, which are Pipeline activities just like the Copy Data activity, can be created using the graphical designer to perform some data preparation tasks. </a:t>
+                <a:latin typeface="Consolas" panose="020B0609020204030204" pitchFamily="49" charset="0"/>
+              </a:rPr>
+              <a:t>At the Preparation stage, Mapping Data Flows, which are Synapse Pipeline activities just like the Copy Data activity, can be created using the graphical designer to perform some data preparation tasks. This preparation step is used to ensure the data being stored in a useful format, like parquet. Initial data cleansing to remove duplicates, filter out erroneous data, as well as impute missing values.</a:t>
             </a:r>
           </a:p>
           <a:p>
@@ -7046,7 +7044,7 @@
                   <a:prstClr val="black"/>
                 </a:solidFill>
               </a:rPr>
-              <a:t>7/16/2020 5:38 PM</a:t>
+              <a:t>7/18/2020 5:07 PM</a:t>
             </a:fld>
             <a:endParaRPr lang="en-US" dirty="0">
               <a:solidFill>
@@ -27307,15 +27305,6 @@
 </file>
 
 <file path=customXml/item1.xml><?xml version="1.0" encoding="utf-8"?>
-<p:properties xmlns:p="http://schemas.microsoft.com/office/2006/metadata/properties" xmlns:xsi="http://www.w3.org/2001/XMLSchema-instance" xmlns:pc="http://schemas.microsoft.com/office/infopath/2007/PartnerControls">
-  <documentManagement>
-    <_ip_UnifiedCompliancePolicyUIAction xmlns="http://schemas.microsoft.com/sharepoint/v3" xsi:nil="true"/>
-    <_ip_UnifiedCompliancePolicyProperties xmlns="http://schemas.microsoft.com/sharepoint/v3" xsi:nil="true"/>
-  </documentManagement>
-</p:properties>
-</file>
-
-<file path=customXml/item2.xml><?xml version="1.0" encoding="utf-8"?>
 <ct:contentTypeSchema xmlns:ct="http://schemas.microsoft.com/office/2006/metadata/contentType" xmlns:ma="http://schemas.microsoft.com/office/2006/metadata/properties/metaAttributes" ct:_="" ma:_="" ma:contentTypeName="Document" ma:contentTypeID="0x010100D15DFA3690A15B4081582BBCC6BEAC3E" ma:contentTypeVersion="9" ma:contentTypeDescription="Create a new document." ma:contentTypeScope="" ma:versionID="642da1784587cbe85a7fdbbe4dc36103">
   <xsd:schema xmlns:xsd="http://www.w3.org/2001/XMLSchema" xmlns:xs="http://www.w3.org/2001/XMLSchema" xmlns:p="http://schemas.microsoft.com/office/2006/metadata/properties" xmlns:ns1="http://schemas.microsoft.com/sharepoint/v3" xmlns:ns2="2023ac63-7b75-4916-a9ee-591457758eee" xmlns:ns3="d9c797ad-d7c3-4982-82b7-81352a75e4a5" targetNamespace="http://schemas.microsoft.com/office/2006/metadata/properties" ma:root="true" ma:fieldsID="91198b0246576053cc55dd2c67035a89" ns1:_="" ns2:_="" ns3:_="">
     <xsd:import namespace="http://schemas.microsoft.com/sharepoint/v3"/>
@@ -27517,6 +27506,15 @@
 </ct:contentTypeSchema>
 </file>
 
+<file path=customXml/item2.xml><?xml version="1.0" encoding="utf-8"?>
+<p:properties xmlns:p="http://schemas.microsoft.com/office/2006/metadata/properties" xmlns:xsi="http://www.w3.org/2001/XMLSchema-instance" xmlns:pc="http://schemas.microsoft.com/office/infopath/2007/PartnerControls">
+  <documentManagement>
+    <_ip_UnifiedCompliancePolicyUIAction xmlns="http://schemas.microsoft.com/sharepoint/v3" xsi:nil="true"/>
+    <_ip_UnifiedCompliancePolicyProperties xmlns="http://schemas.microsoft.com/sharepoint/v3" xsi:nil="true"/>
+  </documentManagement>
+</p:properties>
+</file>
+
 <file path=customXml/item3.xml><?xml version="1.0" encoding="utf-8"?>
 <?mso-contentType ?>
 <FormTemplates xmlns="http://schemas.microsoft.com/sharepoint/v3/contenttype/forms">
@@ -27527,24 +27525,6 @@
 </file>
 
 <file path=customXml/itemProps1.xml><?xml version="1.0" encoding="utf-8"?>
-<ds:datastoreItem xmlns:ds="http://schemas.openxmlformats.org/officeDocument/2006/customXml" ds:itemID="{BAF7D529-36AB-45DA-B239-2F912F2D1610}">
-  <ds:schemaRefs>
-    <ds:schemaRef ds:uri="http://schemas.microsoft.com/office/2006/documentManagement/types"/>
-    <ds:schemaRef ds:uri="http://schemas.microsoft.com/office/infopath/2007/PartnerControls"/>
-    <ds:schemaRef ds:uri="2023ac63-7b75-4916-a9ee-591457758eee"/>
-    <ds:schemaRef ds:uri="http://purl.org/dc/elements/1.1/"/>
-    <ds:schemaRef ds:uri="http://schemas.microsoft.com/office/2006/metadata/properties"/>
-    <ds:schemaRef ds:uri="http://schemas.microsoft.com/sharepoint/v3"/>
-    <ds:schemaRef ds:uri="http://purl.org/dc/terms/"/>
-    <ds:schemaRef ds:uri="http://schemas.openxmlformats.org/package/2006/metadata/core-properties"/>
-    <ds:schemaRef ds:uri="d9c797ad-d7c3-4982-82b7-81352a75e4a5"/>
-    <ds:schemaRef ds:uri="http://www.w3.org/XML/1998/namespace"/>
-    <ds:schemaRef ds:uri="http://purl.org/dc/dcmitype/"/>
-  </ds:schemaRefs>
-</ds:datastoreItem>
-</file>
-
-<file path=customXml/itemProps2.xml><?xml version="1.0" encoding="utf-8"?>
 <ds:datastoreItem xmlns:ds="http://schemas.openxmlformats.org/officeDocument/2006/customXml" ds:itemID="{255F5BEB-6AD6-480A-8556-C80C5EBC10F2}">
   <ds:schemaRefs>
     <ds:schemaRef ds:uri="http://schemas.microsoft.com/office/2006/metadata/contentType"/>
@@ -27564,6 +27544,24 @@
 </ds:datastoreItem>
 </file>
 
+<file path=customXml/itemProps2.xml><?xml version="1.0" encoding="utf-8"?>
+<ds:datastoreItem xmlns:ds="http://schemas.openxmlformats.org/officeDocument/2006/customXml" ds:itemID="{BAF7D529-36AB-45DA-B239-2F912F2D1610}">
+  <ds:schemaRefs>
+    <ds:schemaRef ds:uri="http://schemas.microsoft.com/office/2006/documentManagement/types"/>
+    <ds:schemaRef ds:uri="http://schemas.microsoft.com/office/infopath/2007/PartnerControls"/>
+    <ds:schemaRef ds:uri="2023ac63-7b75-4916-a9ee-591457758eee"/>
+    <ds:schemaRef ds:uri="http://purl.org/dc/elements/1.1/"/>
+    <ds:schemaRef ds:uri="http://schemas.microsoft.com/office/2006/metadata/properties"/>
+    <ds:schemaRef ds:uri="http://schemas.microsoft.com/sharepoint/v3"/>
+    <ds:schemaRef ds:uri="http://purl.org/dc/terms/"/>
+    <ds:schemaRef ds:uri="http://schemas.openxmlformats.org/package/2006/metadata/core-properties"/>
+    <ds:schemaRef ds:uri="d9c797ad-d7c3-4982-82b7-81352a75e4a5"/>
+    <ds:schemaRef ds:uri="http://www.w3.org/XML/1998/namespace"/>
+    <ds:schemaRef ds:uri="http://purl.org/dc/dcmitype/"/>
+  </ds:schemaRefs>
+</ds:datastoreItem>
+</file>
+
 <file path=customXml/itemProps3.xml><?xml version="1.0" encoding="utf-8"?>
 <ds:datastoreItem xmlns:ds="http://schemas.openxmlformats.org/officeDocument/2006/customXml" ds:itemID="{F18501AF-04CF-4482-BAE1-607B49DDC378}">
   <ds:schemaRefs>

--- a/Whiteboard design session/WDS trainer presentation - Azure Synapse Analytics and AI.pptx
+++ b/Whiteboard design session/WDS trainer presentation - Azure Synapse Analytics and AI.pptx
@@ -6,7 +6,7 @@
     <p:sldMasterId id="2147483665" r:id="rId5"/>
   </p:sldMasterIdLst>
   <p:notesMasterIdLst>
-    <p:notesMasterId r:id="rId42"/>
+    <p:notesMasterId r:id="rId45"/>
   </p:notesMasterIdLst>
   <p:sldIdLst>
     <p:sldId id="300" r:id="rId6"/>
@@ -21,30 +21,33 @@
     <p:sldId id="328" r:id="rId15"/>
     <p:sldId id="304" r:id="rId16"/>
     <p:sldId id="329" r:id="rId17"/>
-    <p:sldId id="305" r:id="rId18"/>
-    <p:sldId id="345" r:id="rId19"/>
-    <p:sldId id="346" r:id="rId20"/>
-    <p:sldId id="321" r:id="rId21"/>
-    <p:sldId id="317" r:id="rId22"/>
-    <p:sldId id="316" r:id="rId23"/>
-    <p:sldId id="332" r:id="rId24"/>
-    <p:sldId id="333" r:id="rId25"/>
-    <p:sldId id="330" r:id="rId26"/>
-    <p:sldId id="331" r:id="rId27"/>
-    <p:sldId id="334" r:id="rId28"/>
-    <p:sldId id="335" r:id="rId29"/>
-    <p:sldId id="336" r:id="rId30"/>
-    <p:sldId id="337" r:id="rId31"/>
-    <p:sldId id="338" r:id="rId32"/>
-    <p:sldId id="339" r:id="rId33"/>
-    <p:sldId id="340" r:id="rId34"/>
-    <p:sldId id="341" r:id="rId35"/>
-    <p:sldId id="319" r:id="rId36"/>
-    <p:sldId id="342" r:id="rId37"/>
-    <p:sldId id="343" r:id="rId38"/>
-    <p:sldId id="344" r:id="rId39"/>
-    <p:sldId id="318" r:id="rId40"/>
-    <p:sldId id="315" r:id="rId41"/>
+    <p:sldId id="347" r:id="rId18"/>
+    <p:sldId id="305" r:id="rId19"/>
+    <p:sldId id="345" r:id="rId20"/>
+    <p:sldId id="346" r:id="rId21"/>
+    <p:sldId id="321" r:id="rId22"/>
+    <p:sldId id="317" r:id="rId23"/>
+    <p:sldId id="316" r:id="rId24"/>
+    <p:sldId id="332" r:id="rId25"/>
+    <p:sldId id="333" r:id="rId26"/>
+    <p:sldId id="330" r:id="rId27"/>
+    <p:sldId id="331" r:id="rId28"/>
+    <p:sldId id="334" r:id="rId29"/>
+    <p:sldId id="335" r:id="rId30"/>
+    <p:sldId id="336" r:id="rId31"/>
+    <p:sldId id="337" r:id="rId32"/>
+    <p:sldId id="338" r:id="rId33"/>
+    <p:sldId id="339" r:id="rId34"/>
+    <p:sldId id="340" r:id="rId35"/>
+    <p:sldId id="341" r:id="rId36"/>
+    <p:sldId id="319" r:id="rId37"/>
+    <p:sldId id="342" r:id="rId38"/>
+    <p:sldId id="343" r:id="rId39"/>
+    <p:sldId id="344" r:id="rId40"/>
+    <p:sldId id="348" r:id="rId41"/>
+    <p:sldId id="349" r:id="rId42"/>
+    <p:sldId id="318" r:id="rId43"/>
+    <p:sldId id="315" r:id="rId44"/>
   </p:sldIdLst>
   <p:sldSz cx="12192000" cy="6858000"/>
   <p:notesSz cx="6858000" cy="9144000"/>
@@ -233,7 +236,7 @@
           <a:p>
             <a:fld id="{52A13B17-C506-4D51-BB37-16B365906619}" type="datetimeFigureOut">
               <a:rPr lang="en-US" smtClean="0"/>
-              <a:t>7/18/2020</a:t>
+              <a:t>8/5/2020</a:t>
             </a:fld>
             <a:endParaRPr lang="en-US" dirty="0"/>
           </a:p>
@@ -1087,7 +1090,7 @@
     </p:spTree>
     <p:extLst>
       <p:ext uri="{BB962C8B-B14F-4D97-AF65-F5344CB8AC3E}">
-        <p14:creationId xmlns:p14="http://schemas.microsoft.com/office/powerpoint/2010/main" val="1267405105"/>
+        <p14:creationId xmlns:p14="http://schemas.microsoft.com/office/powerpoint/2010/main" val="2932755737"/>
       </p:ext>
     </p:extLst>
   </p:cSld>
@@ -1164,14 +1167,14 @@
               <a:rPr lang="en-US" smtClean="0"/>
               <a:t>14</a:t>
             </a:fld>
-            <a:endParaRPr lang="en-US"/>
+            <a:endParaRPr lang="en-US" dirty="0"/>
           </a:p>
         </p:txBody>
       </p:sp>
     </p:spTree>
     <p:extLst>
       <p:ext uri="{BB962C8B-B14F-4D97-AF65-F5344CB8AC3E}">
-        <p14:creationId xmlns:p14="http://schemas.microsoft.com/office/powerpoint/2010/main" val="3229744285"/>
+        <p14:creationId xmlns:p14="http://schemas.microsoft.com/office/powerpoint/2010/main" val="1267405105"/>
       </p:ext>
     </p:extLst>
   </p:cSld>
@@ -1255,7 +1258,7 @@
     </p:spTree>
     <p:extLst>
       <p:ext uri="{BB962C8B-B14F-4D97-AF65-F5344CB8AC3E}">
-        <p14:creationId xmlns:p14="http://schemas.microsoft.com/office/powerpoint/2010/main" val="251902611"/>
+        <p14:creationId xmlns:p14="http://schemas.microsoft.com/office/powerpoint/2010/main" val="3229744285"/>
       </p:ext>
     </p:extLst>
   </p:cSld>
@@ -1332,14 +1335,14 @@
               <a:rPr lang="en-US" smtClean="0"/>
               <a:t>16</a:t>
             </a:fld>
-            <a:endParaRPr lang="en-US" dirty="0"/>
+            <a:endParaRPr lang="en-US"/>
           </a:p>
         </p:txBody>
       </p:sp>
     </p:spTree>
     <p:extLst>
       <p:ext uri="{BB962C8B-B14F-4D97-AF65-F5344CB8AC3E}">
-        <p14:creationId xmlns:p14="http://schemas.microsoft.com/office/powerpoint/2010/main" val="1579283386"/>
+        <p14:creationId xmlns:p14="http://schemas.microsoft.com/office/powerpoint/2010/main" val="251902611"/>
       </p:ext>
     </p:extLst>
   </p:cSld>
@@ -1423,7 +1426,7 @@
     </p:spTree>
     <p:extLst>
       <p:ext uri="{BB962C8B-B14F-4D97-AF65-F5344CB8AC3E}">
-        <p14:creationId xmlns:p14="http://schemas.microsoft.com/office/powerpoint/2010/main" val="647674203"/>
+        <p14:creationId xmlns:p14="http://schemas.microsoft.com/office/powerpoint/2010/main" val="1579283386"/>
       </p:ext>
     </p:extLst>
   </p:cSld>
@@ -1477,110 +1480,7 @@
           <a:bodyPr/>
           <a:lstStyle/>
           <a:p>
-            <a:pPr marL="171450" indent="-171450">
-              <a:buFont typeface="Arial" panose="020B0604020202020204" pitchFamily="34" charset="0"/>
-              <a:buChar char="•"/>
-            </a:pPr>
-            <a:r>
-              <a:rPr lang="en-US" sz="1200" b="0" kern="1200" dirty="0">
-                <a:solidFill>
-                  <a:schemeClr val="tx1"/>
-                </a:solidFill>
-                <a:effectLst/>
-                <a:latin typeface="+mn-lt"/>
-                <a:ea typeface="+mn-ea"/>
-                <a:cs typeface="+mn-cs"/>
-              </a:rPr>
-              <a:t>The diagram illustrates the high level process for the "cold path" of the data pipeline architecture. It begins with ingesting the data from the Oracle, SAP Hana and Teradata sources. This can be done within Azure Synapse Analytics using a Azure Synapse Pipelines containing the Copy Data activity, which lands the data in Azure Data Lake Gen2. When performing initial exploration of the data in the data lake, the data can be readily explored using Azure Synapse SQL to explore it with T-SQL or using Azure Synapse Spark to explore it within notebooks. </a:t>
-            </a:r>
-          </a:p>
-          <a:p>
-            <a:pPr marL="171450" indent="-171450">
-              <a:buFont typeface="Arial" panose="020B0604020202020204" pitchFamily="34" charset="0"/>
-              <a:buChar char="•"/>
-            </a:pPr>
-            <a:r>
-              <a:rPr lang="en-US" b="0" dirty="0">
-                <a:solidFill>
-                  <a:srgbClr val="D4D4D4"/>
-                </a:solidFill>
-                <a:effectLst/>
-                <a:latin typeface="Consolas" panose="020B0609020204030204" pitchFamily="49" charset="0"/>
-              </a:rPr>
-              <a:t>At the Preparation stage, Mapping Data Flows, which are Synapse Pipeline activities just like the Copy Data activity, can be created using the graphical designer to perform some data preparation tasks. This preparation step is used to ensure the data being stored in a useful format, like parquet. Initial data cleansing to remove duplicates, filter out erroneous data, as well as impute missing values.</a:t>
-            </a:r>
-          </a:p>
-          <a:p>
-            <a:pPr marL="171450" indent="-171450">
-              <a:buFont typeface="Arial" panose="020B0604020202020204" pitchFamily="34" charset="0"/>
-              <a:buChar char="•"/>
-            </a:pPr>
-            <a:r>
-              <a:rPr lang="en-US" sz="1200" b="0" kern="1200" dirty="0">
-                <a:solidFill>
-                  <a:schemeClr val="tx1"/>
-                </a:solidFill>
-                <a:effectLst/>
-                <a:latin typeface="+mn-lt"/>
-                <a:ea typeface="+mn-ea"/>
-                <a:cs typeface="+mn-cs"/>
-              </a:rPr>
-              <a:t>Next, the data can be transformed and enriched in several ways. </a:t>
-            </a:r>
-          </a:p>
-          <a:p>
-            <a:pPr marL="171450" indent="-171450">
-              <a:buFont typeface="Arial" panose="020B0604020202020204" pitchFamily="34" charset="0"/>
-              <a:buChar char="•"/>
-            </a:pPr>
-            <a:r>
-              <a:rPr lang="en-US" sz="1200" b="0" kern="1200" dirty="0">
-                <a:solidFill>
-                  <a:schemeClr val="tx1"/>
-                </a:solidFill>
-                <a:effectLst/>
-                <a:latin typeface="+mn-lt"/>
-                <a:ea typeface="+mn-ea"/>
-                <a:cs typeface="+mn-cs"/>
-              </a:rPr>
-              <a:t>Azure Synapse SQL offers both serverless and provisioned resource models, offering consumption and billing options to fit the customer's needs. For predictable performance and cost, provision pools to reserve processing power for data stored in SQL tables. For ad hoc or bursty workloads, use the serverless, always-available SQL endpoint. </a:t>
-            </a:r>
-          </a:p>
-          <a:p>
-            <a:pPr marL="171450" indent="-171450">
-              <a:buFont typeface="Arial" panose="020B0604020202020204" pitchFamily="34" charset="0"/>
-              <a:buChar char="•"/>
-            </a:pPr>
-            <a:r>
-              <a:rPr lang="en-US" sz="1200" b="0" kern="1200" dirty="0">
-                <a:solidFill>
-                  <a:schemeClr val="tx1"/>
-                </a:solidFill>
-                <a:effectLst/>
-                <a:latin typeface="+mn-lt"/>
-                <a:ea typeface="+mn-ea"/>
-                <a:cs typeface="+mn-cs"/>
-              </a:rPr>
-              <a:t>Azure Synapse SQL Pools and the Azure Synapse SQL serverless endpoint can be used to apply transformations using T-SQL, as can notebooks running in Azure Synapse Spark. A Pipeline is also commonly used at this stage to define a repeatable process for cleaning, joining, enriching and ultimately loading the data into the Azure Synapse SQL that functions as the serving database. </a:t>
-            </a:r>
-          </a:p>
-          <a:p>
-            <a:pPr marL="171450" indent="-171450">
-              <a:buFont typeface="Arial" panose="020B0604020202020204" pitchFamily="34" charset="0"/>
-              <a:buChar char="•"/>
-            </a:pPr>
-            <a:r>
-              <a:rPr lang="en-US" sz="1200" b="0" kern="1200" dirty="0">
-                <a:solidFill>
-                  <a:schemeClr val="tx1"/>
-                </a:solidFill>
-                <a:effectLst/>
-                <a:latin typeface="+mn-lt"/>
-                <a:ea typeface="+mn-ea"/>
-                <a:cs typeface="+mn-cs"/>
-              </a:rPr>
-              <a:t>The serving layer can consist of dedicated Azure Synapse SQL Pools to provide pre-provisioned compute capacity to serve both data from the relational data warehouse or data sourced from the data lake. Additionally, the serving layer can use Azure Synapse SQL serverless to provide ad-hoc compute capacity for querying data stored in the data lake. Either of these serving options can be used by Power BI reports created within Azure Synapse Analytics, or by external applications. The important take away from this architecture is that all of the components shown are completely managed within Azure Synapse Analytics.</a:t>
-            </a:r>
+            <a:endParaRPr lang="en-US" dirty="0"/>
           </a:p>
         </p:txBody>
       </p:sp>
@@ -1610,7 +1510,7 @@
     </p:spTree>
     <p:extLst>
       <p:ext uri="{BB962C8B-B14F-4D97-AF65-F5344CB8AC3E}">
-        <p14:creationId xmlns:p14="http://schemas.microsoft.com/office/powerpoint/2010/main" val="4179281765"/>
+        <p14:creationId xmlns:p14="http://schemas.microsoft.com/office/powerpoint/2010/main" val="647674203"/>
       </p:ext>
     </p:extLst>
   </p:cSld>
@@ -1664,6 +1564,10 @@
           <a:bodyPr/>
           <a:lstStyle/>
           <a:p>
+            <a:pPr marL="171450" indent="-171450">
+              <a:buFont typeface="Arial" panose="020B0604020202020204" pitchFamily="34" charset="0"/>
+              <a:buChar char="•"/>
+            </a:pPr>
             <a:r>
               <a:rPr lang="en-US" sz="1200" b="0" kern="1200" dirty="0">
                 <a:solidFill>
@@ -1674,7 +1578,95 @@
                 <a:ea typeface="+mn-ea"/>
                 <a:cs typeface="+mn-cs"/>
               </a:rPr>
-              <a:t>This diagram illustrates how they could handle the streaming data, the "hot path". Twitter tweet data needs to be pulled using a WebJob. This WebJob would load the tweets into Event Hubs so that they could be processed reliably using Stream Analytics. Stream Analytics can be used both to archive all tweets to the data lake for offline or batch analysis using Azure Synapse SQL Pools within Azure Synapse Analytics, as well as to send live data to Power BI reports for real-time dashboards and reports. The in-store IoT sensors could ingest their data into IoT Hub directly, and by integrating with IoT Hub also benefit from the device management capabilities that IoT Hub enables. Ultimately this data would also be processed by another Stream Analytics job and served in the same was as the tweets.</a:t>
+              <a:t>The diagram illustrates the high level process for the "cold path" of the data pipeline architecture. It begins with ingesting the data from the Oracle, SAP Hana and Teradata sources. This can be done within Azure Synapse Analytics using a Azure Synapse Pipelines containing the Copy Data activity, which lands the data in Azure Data Lake Gen2. When performing initial exploration of the data in the data lake, the data can be readily explored using Azure Synapse SQL to explore it with T-SQL or using Azure Synapse Spark to explore it within notebooks. </a:t>
+            </a:r>
+          </a:p>
+          <a:p>
+            <a:pPr marL="171450" indent="-171450">
+              <a:buFont typeface="Arial" panose="020B0604020202020204" pitchFamily="34" charset="0"/>
+              <a:buChar char="•"/>
+            </a:pPr>
+            <a:r>
+              <a:rPr lang="en-US" b="0" dirty="0">
+                <a:solidFill>
+                  <a:srgbClr val="D4D4D4"/>
+                </a:solidFill>
+                <a:effectLst/>
+                <a:latin typeface="Consolas" panose="020B0609020204030204" pitchFamily="49" charset="0"/>
+              </a:rPr>
+              <a:t>At the Preparation stage, Mapping Data Flows, which are Synapse Pipeline activities just like the Copy Data activity, can be created using the graphical designer to perform some data preparation tasks. This preparation step is used to ensure the data being stored in a useful format, like parquet. Initial data cleansing to remove duplicates, filter out erroneous data, as well as impute missing values.</a:t>
+            </a:r>
+          </a:p>
+          <a:p>
+            <a:pPr marL="171450" indent="-171450">
+              <a:buFont typeface="Arial" panose="020B0604020202020204" pitchFamily="34" charset="0"/>
+              <a:buChar char="•"/>
+            </a:pPr>
+            <a:r>
+              <a:rPr lang="en-US" sz="1200" b="0" kern="1200" dirty="0">
+                <a:solidFill>
+                  <a:schemeClr val="tx1"/>
+                </a:solidFill>
+                <a:effectLst/>
+                <a:latin typeface="+mn-lt"/>
+                <a:ea typeface="+mn-ea"/>
+                <a:cs typeface="+mn-cs"/>
+              </a:rPr>
+              <a:t>Next, the data can be transformed and enriched in several ways. </a:t>
+            </a:r>
+          </a:p>
+          <a:p>
+            <a:pPr marL="171450" indent="-171450">
+              <a:buFont typeface="Arial" panose="020B0604020202020204" pitchFamily="34" charset="0"/>
+              <a:buChar char="•"/>
+            </a:pPr>
+            <a:r>
+              <a:rPr lang="en-US" sz="1200" b="0" kern="1200" dirty="0">
+                <a:solidFill>
+                  <a:schemeClr val="tx1"/>
+                </a:solidFill>
+                <a:effectLst/>
+                <a:latin typeface="+mn-lt"/>
+                <a:ea typeface="+mn-ea"/>
+                <a:cs typeface="+mn-cs"/>
+              </a:rPr>
+              <a:t>Azure Synapse SQL offers both serverless and provisioned resource models, offering consumption and billing options to fit the customer's needs. For predictable performance and cost, provision pools to reserve processing power for data stored in SQL tables. For ad hoc or bursty workloads, use the serverless, always-available SQL endpoint. </a:t>
+            </a:r>
+          </a:p>
+          <a:p>
+            <a:pPr marL="171450" indent="-171450">
+              <a:buFont typeface="Arial" panose="020B0604020202020204" pitchFamily="34" charset="0"/>
+              <a:buChar char="•"/>
+            </a:pPr>
+            <a:r>
+              <a:rPr lang="en-US" sz="1200" b="0" kern="1200" dirty="0">
+                <a:solidFill>
+                  <a:schemeClr val="tx1"/>
+                </a:solidFill>
+                <a:effectLst/>
+                <a:latin typeface="+mn-lt"/>
+                <a:ea typeface="+mn-ea"/>
+                <a:cs typeface="+mn-cs"/>
+              </a:rPr>
+              <a:t>Azure Synapse SQL Pools and the Azure Synapse SQL serverless endpoint can be used to apply transformations using T-SQL, as can notebooks running in Azure Synapse Spark. A Pipeline is also commonly used at this stage to define a repeatable process for cleaning, joining, enriching and ultimately loading the data into the Azure Synapse SQL that functions as the serving database. </a:t>
+            </a:r>
+          </a:p>
+          <a:p>
+            <a:pPr marL="171450" indent="-171450">
+              <a:buFont typeface="Arial" panose="020B0604020202020204" pitchFamily="34" charset="0"/>
+              <a:buChar char="•"/>
+            </a:pPr>
+            <a:r>
+              <a:rPr lang="en-US" sz="1200" b="0" kern="1200" dirty="0">
+                <a:solidFill>
+                  <a:schemeClr val="tx1"/>
+                </a:solidFill>
+                <a:effectLst/>
+                <a:latin typeface="+mn-lt"/>
+                <a:ea typeface="+mn-ea"/>
+                <a:cs typeface="+mn-cs"/>
+              </a:rPr>
+              <a:t>The serving layer can consist of dedicated Azure Synapse SQL Pools to provide pre-provisioned compute capacity to serve both data from the relational data warehouse or data sourced from the data lake. Additionally, the serving layer can use Azure Synapse SQL serverless to provide ad-hoc compute capacity for querying data stored in the data lake. Either of these serving options can be used by Power BI reports created within Azure Synapse Analytics, or by external applications. The important take away from this architecture is that all of the components shown are completely managed within Azure Synapse Analytics.</a:t>
             </a:r>
           </a:p>
         </p:txBody>
@@ -1705,7 +1697,7 @@
     </p:spTree>
     <p:extLst>
       <p:ext uri="{BB962C8B-B14F-4D97-AF65-F5344CB8AC3E}">
-        <p14:creationId xmlns:p14="http://schemas.microsoft.com/office/powerpoint/2010/main" val="2251652672"/>
+        <p14:creationId xmlns:p14="http://schemas.microsoft.com/office/powerpoint/2010/main" val="4179281765"/>
       </p:ext>
     </p:extLst>
   </p:cSld>
@@ -1844,8 +1836,16 @@
           <a:lstStyle/>
           <a:p>
             <a:r>
-              <a:rPr lang="en-US" dirty="0"/>
-              <a:t>The diagram illustrates the approach the Azure Synapse Analytics enables for WWI with regards to machine learning. WWI could train their machine learning models using notebooks run within Azure Machine Learning or Azure Synapse Spark. They could use their machine learning framework of choice to do so. Within this notebook they would convert the model into the ONNX format and then upload the model to Azure Storage. From there, they would run a T-SQL script in Azure Synapse SQL to load the model into a table in the database. After this, they can use the model within T-SQL scripts running Azure Synapse SQL by loading the model from the table, and using it with the Predict function to score data sourced from a table in the database. The scored results could then be used directly or be inserted into a target table for later querying of the predictions.</a:t>
+              <a:rPr lang="en-US" sz="1200" b="0" kern="1200" dirty="0">
+                <a:solidFill>
+                  <a:schemeClr val="tx1"/>
+                </a:solidFill>
+                <a:effectLst/>
+                <a:latin typeface="+mn-lt"/>
+                <a:ea typeface="+mn-ea"/>
+                <a:cs typeface="+mn-cs"/>
+              </a:rPr>
+              <a:t>This diagram illustrates how they could handle the streaming data, the "hot path". Twitter tweet data needs to be pulled using a WebJob. This WebJob would load the tweets into Event Hubs so that they could be processed reliably using Stream Analytics. Stream Analytics can be used both to archive all tweets to the data lake for offline or batch analysis using Azure Synapse SQL Pools within Azure Synapse Analytics, as well as to send live data to Power BI reports for real-time dashboards and reports. The in-store IoT sensors could ingest their data into IoT Hub directly, and by integrating with IoT Hub also benefit from the device management capabilities that IoT Hub enables. Ultimately this data would also be processed by another Stream Analytics job and served in the same was as the tweets.</a:t>
             </a:r>
           </a:p>
         </p:txBody>
@@ -1876,7 +1876,7 @@
     </p:spTree>
     <p:extLst>
       <p:ext uri="{BB962C8B-B14F-4D97-AF65-F5344CB8AC3E}">
-        <p14:creationId xmlns:p14="http://schemas.microsoft.com/office/powerpoint/2010/main" val="258372210"/>
+        <p14:creationId xmlns:p14="http://schemas.microsoft.com/office/powerpoint/2010/main" val="2251652672"/>
       </p:ext>
     </p:extLst>
   </p:cSld>
@@ -1931,278 +1931,9 @@
           <a:lstStyle/>
           <a:p>
             <a:r>
-              <a:rPr lang="en-US" sz="1200" b="1" i="0" u="none" strike="noStrike" kern="1200" dirty="0">
-                <a:solidFill>
-                  <a:schemeClr val="tx1"/>
-                </a:solidFill>
-                <a:effectLst/>
-                <a:latin typeface="+mn-lt"/>
-                <a:ea typeface="+mn-ea"/>
-                <a:cs typeface="+mn-cs"/>
-              </a:rPr>
-              <a:t>For the solution you recommend, what specific approach would you say to WWI is the most efficient way for moving flat file data from the ingest storage locations to the data lake?</a:t>
-            </a:r>
-          </a:p>
-          <a:p>
-            <a:endParaRPr lang="en-US" sz="1200" b="0" i="0" u="none" strike="noStrike" kern="1200" dirty="0">
-              <a:solidFill>
-                <a:schemeClr val="tx1"/>
-              </a:solidFill>
-              <a:effectLst/>
-              <a:latin typeface="+mn-lt"/>
-              <a:ea typeface="+mn-ea"/>
-              <a:cs typeface="+mn-cs"/>
-            </a:endParaRPr>
-          </a:p>
-          <a:p>
-            <a:r>
-              <a:rPr lang="en-US" sz="1200" b="0" i="0" u="none" strike="noStrike" kern="1200" dirty="0">
-                <a:solidFill>
-                  <a:schemeClr val="tx1"/>
-                </a:solidFill>
-                <a:effectLst/>
-                <a:latin typeface="+mn-lt"/>
-                <a:ea typeface="+mn-ea"/>
-                <a:cs typeface="+mn-cs"/>
-              </a:rPr>
-              <a:t>They should follow the pattern of landing data in the data lake first, then ingest from the flat files into relational tables within the data warehouse. They can create pipelines that extract the source data and store in Azure Data Lake Store Gen2 as Parquet files.</a:t>
-            </a:r>
-          </a:p>
-          <a:p>
-            <a:endParaRPr lang="en-US" sz="1200" b="0" i="0" u="none" strike="noStrike" kern="1200" dirty="0">
-              <a:solidFill>
-                <a:schemeClr val="tx1"/>
-              </a:solidFill>
-              <a:effectLst/>
-              <a:latin typeface="+mn-lt"/>
-              <a:ea typeface="+mn-ea"/>
-              <a:cs typeface="+mn-cs"/>
-            </a:endParaRPr>
-          </a:p>
-          <a:p>
-            <a:r>
-              <a:rPr lang="en-US" sz="1200" b="1" i="0" u="none" strike="noStrike" kern="1200" dirty="0">
-                <a:solidFill>
-                  <a:schemeClr val="tx1"/>
-                </a:solidFill>
-                <a:effectLst/>
-                <a:latin typeface="+mn-lt"/>
-                <a:ea typeface="+mn-ea"/>
-                <a:cs typeface="+mn-cs"/>
-              </a:rPr>
-              <a:t>What storage service would you recommend they use and how would you recommend they structure the folders so they can manage the data at the various levels of refinement?</a:t>
-            </a:r>
-          </a:p>
-          <a:p>
-            <a:endParaRPr lang="en-US" sz="1200" b="0" i="0" u="none" strike="noStrike" kern="1200" dirty="0">
-              <a:solidFill>
-                <a:schemeClr val="tx1"/>
-              </a:solidFill>
-              <a:effectLst/>
-              <a:latin typeface="+mn-lt"/>
-              <a:ea typeface="+mn-ea"/>
-              <a:cs typeface="+mn-cs"/>
-            </a:endParaRPr>
-          </a:p>
-          <a:p>
-            <a:r>
-              <a:rPr lang="en-US" sz="1200" b="0" i="0" u="none" strike="noStrike" kern="1200" dirty="0">
-                <a:solidFill>
-                  <a:schemeClr val="tx1"/>
-                </a:solidFill>
-                <a:effectLst/>
-                <a:latin typeface="+mn-lt"/>
-                <a:ea typeface="+mn-ea"/>
-                <a:cs typeface="+mn-cs"/>
-              </a:rPr>
-              <a:t>They should use Azure Data Lake Store (ADLS) Gen2 (Azure Storage with hierarchical file systems).</a:t>
-            </a:r>
-          </a:p>
-          <a:p>
-            <a:endParaRPr lang="en-US" sz="1200" b="0" i="0" u="none" strike="noStrike" kern="1200" dirty="0">
-              <a:solidFill>
-                <a:schemeClr val="tx1"/>
-              </a:solidFill>
-              <a:effectLst/>
-              <a:latin typeface="+mn-lt"/>
-              <a:ea typeface="+mn-ea"/>
-              <a:cs typeface="+mn-cs"/>
-            </a:endParaRPr>
-          </a:p>
-          <a:p>
-            <a:r>
-              <a:rPr lang="en-US" sz="1200" b="0" i="0" u="none" strike="noStrike" kern="1200" dirty="0">
-                <a:solidFill>
-                  <a:schemeClr val="tx1"/>
-                </a:solidFill>
-                <a:effectLst/>
-                <a:latin typeface="+mn-lt"/>
-                <a:ea typeface="+mn-ea"/>
-                <a:cs typeface="+mn-cs"/>
-              </a:rPr>
-              <a:t>In ADLS, it is a best practice to have a dedicated Storage Account for production, and a separate Storage Account for dev and test workloads. This will ensure that dev or test workloads never interfere with production.</a:t>
-            </a:r>
-          </a:p>
-          <a:p>
-            <a:endParaRPr lang="en-US" sz="1200" b="0" i="0" u="none" strike="noStrike" kern="1200" dirty="0">
-              <a:solidFill>
-                <a:schemeClr val="tx1"/>
-              </a:solidFill>
-              <a:effectLst/>
-              <a:latin typeface="+mn-lt"/>
-              <a:ea typeface="+mn-ea"/>
-              <a:cs typeface="+mn-cs"/>
-            </a:endParaRPr>
-          </a:p>
-          <a:p>
-            <a:r>
-              <a:rPr lang="en-US" sz="1200" b="0" i="0" u="none" strike="noStrike" kern="1200" dirty="0">
-                <a:solidFill>
-                  <a:schemeClr val="tx1"/>
-                </a:solidFill>
-                <a:effectLst/>
-                <a:latin typeface="+mn-lt"/>
-                <a:ea typeface="+mn-ea"/>
-                <a:cs typeface="+mn-cs"/>
-              </a:rPr>
-              <a:t>One common folder structure is to organize the data in separate folders by degree of refinement. For example a bronze folder contains the raw data, silver contains the cleaned, prepared and integrated data and gold contains data ready to support analytics, which might include final refinements such as pre-computed aggregates.</a:t>
-            </a:r>
-          </a:p>
-          <a:p>
-            <a:endParaRPr lang="en-US" sz="1200" b="0" i="0" u="none" strike="noStrike" kern="1200" dirty="0">
-              <a:solidFill>
-                <a:schemeClr val="tx1"/>
-              </a:solidFill>
-              <a:effectLst/>
-              <a:latin typeface="+mn-lt"/>
-              <a:ea typeface="+mn-ea"/>
-              <a:cs typeface="+mn-cs"/>
-            </a:endParaRPr>
-          </a:p>
-          <a:p>
-            <a:r>
-              <a:rPr lang="en-US" sz="1200" b="1" i="0" u="none" strike="noStrike" kern="1200" dirty="0">
-                <a:solidFill>
-                  <a:schemeClr val="tx1"/>
-                </a:solidFill>
-                <a:effectLst/>
-                <a:latin typeface="+mn-lt"/>
-                <a:ea typeface="+mn-ea"/>
-                <a:cs typeface="+mn-cs"/>
-              </a:rPr>
-              <a:t>When it comes to ingesting raw data in batch from new data sources, what data formats could they support with your solution?</a:t>
-            </a:r>
-          </a:p>
-          <a:p>
-            <a:endParaRPr lang="en-US" sz="1200" b="1" i="0" u="none" strike="noStrike" kern="1200" dirty="0">
-              <a:solidFill>
-                <a:schemeClr val="tx1"/>
-              </a:solidFill>
-              <a:effectLst/>
-              <a:latin typeface="+mn-lt"/>
-              <a:ea typeface="+mn-ea"/>
-              <a:cs typeface="+mn-cs"/>
-            </a:endParaRPr>
-          </a:p>
-          <a:p>
-            <a:r>
-              <a:rPr lang="en-US" sz="1200" b="0" i="0" u="none" strike="noStrike" kern="1200" dirty="0">
-                <a:solidFill>
-                  <a:schemeClr val="tx1"/>
-                </a:solidFill>
-                <a:effectLst/>
-                <a:latin typeface="+mn-lt"/>
-                <a:ea typeface="+mn-ea"/>
-                <a:cs typeface="+mn-cs"/>
-              </a:rPr>
-              <a:t>CSV, Parquet, ORC, JSON</a:t>
-            </a:r>
-          </a:p>
-          <a:p>
-            <a:endParaRPr lang="en-US" sz="1200" b="0" i="0" u="none" strike="noStrike" kern="1200" dirty="0">
-              <a:solidFill>
-                <a:schemeClr val="tx1"/>
-              </a:solidFill>
-              <a:effectLst/>
-              <a:latin typeface="+mn-lt"/>
-              <a:ea typeface="+mn-ea"/>
-              <a:cs typeface="+mn-cs"/>
-            </a:endParaRPr>
-          </a:p>
-          <a:p>
-            <a:r>
-              <a:rPr lang="en-US" sz="1200" b="1" i="0" u="none" strike="noStrike" kern="1200" dirty="0">
-                <a:solidFill>
-                  <a:schemeClr val="tx1"/>
-                </a:solidFill>
-                <a:effectLst/>
-                <a:latin typeface="+mn-lt"/>
-                <a:ea typeface="+mn-ea"/>
-                <a:cs typeface="+mn-cs"/>
-              </a:rPr>
-              <a:t>How will you ingest streaming data from the in-store IoT devices?</a:t>
-            </a:r>
-          </a:p>
-          <a:p>
-            <a:endParaRPr lang="en-US" sz="1200" b="1" i="0" u="none" strike="noStrike" kern="1200" dirty="0">
-              <a:solidFill>
-                <a:schemeClr val="tx1"/>
-              </a:solidFill>
-              <a:effectLst/>
-              <a:latin typeface="+mn-lt"/>
-              <a:ea typeface="+mn-ea"/>
-              <a:cs typeface="+mn-cs"/>
-            </a:endParaRPr>
-          </a:p>
-          <a:p>
-            <a:r>
-              <a:rPr lang="en-US" sz="1200" b="0" i="0" u="none" strike="noStrike" kern="1200" dirty="0">
-                <a:solidFill>
-                  <a:schemeClr val="tx1"/>
-                </a:solidFill>
-                <a:effectLst/>
-                <a:latin typeface="+mn-lt"/>
-                <a:ea typeface="+mn-ea"/>
-                <a:cs typeface="+mn-cs"/>
-              </a:rPr>
-              <a:t>They should collect messages in Event Hub or IoT Hub and process them with Stream Analytics.</a:t>
-            </a:r>
-          </a:p>
-          <a:p>
-            <a:endParaRPr lang="en-US" sz="1200" b="0" i="0" u="none" strike="noStrike" kern="1200" dirty="0">
-              <a:solidFill>
-                <a:schemeClr val="tx1"/>
-              </a:solidFill>
-              <a:effectLst/>
-              <a:latin typeface="+mn-lt"/>
-              <a:ea typeface="+mn-ea"/>
-              <a:cs typeface="+mn-cs"/>
-            </a:endParaRPr>
-          </a:p>
-          <a:p>
-            <a:endParaRPr lang="en-US" sz="1200" b="0" i="0" u="none" strike="noStrike" kern="1200" dirty="0">
-              <a:solidFill>
-                <a:schemeClr val="tx1"/>
-              </a:solidFill>
-              <a:effectLst/>
-              <a:latin typeface="+mn-lt"/>
-              <a:ea typeface="+mn-ea"/>
-              <a:cs typeface="+mn-cs"/>
-            </a:endParaRPr>
-          </a:p>
-          <a:p>
-            <a:endParaRPr lang="en-US" sz="1200" b="0" i="0" u="none" strike="noStrike" kern="1200" dirty="0">
-              <a:solidFill>
-                <a:schemeClr val="tx1"/>
-              </a:solidFill>
-              <a:effectLst/>
-              <a:latin typeface="+mn-lt"/>
-              <a:ea typeface="+mn-ea"/>
-              <a:cs typeface="+mn-cs"/>
-            </a:endParaRPr>
-          </a:p>
-          <a:p>
-            <a:endParaRPr lang="en-US" b="1" dirty="0"/>
+              <a:rPr lang="en-US" dirty="0"/>
+              <a:t>The diagram illustrates the approach the Azure Synapse Analytics enables for WWI with regards to machine learning. WWI could train their machine learning models using notebooks run within Azure Machine Learning or Azure Synapse Spark. They could use their machine learning framework of choice to do so. Within this notebook they would convert the model into the ONNX format and then upload the model to Azure Storage. From there, they would run a T-SQL script in Azure Synapse SQL to load the model into a table in the database. After this, they can use the model within T-SQL scripts running Azure Synapse SQL by loading the model from the table, and using it with the Predict function to score data sourced from a table in the database. The scored results could then be used directly or be inserted into a target table for later querying of the predictions.</a:t>
+            </a:r>
           </a:p>
         </p:txBody>
       </p:sp>
@@ -2213,7 +1944,7 @@
             <a:spLocks noGrp="1"/>
           </p:cNvSpPr>
           <p:nvPr>
-            <p:ph type="sldNum" sz="quarter" idx="5"/>
+            <p:ph type="sldNum" sz="quarter" idx="10"/>
           </p:nvPr>
         </p:nvSpPr>
         <p:spPr/>
@@ -2232,7 +1963,7 @@
     </p:spTree>
     <p:extLst>
       <p:ext uri="{BB962C8B-B14F-4D97-AF65-F5344CB8AC3E}">
-        <p14:creationId xmlns:p14="http://schemas.microsoft.com/office/powerpoint/2010/main" val="2968821414"/>
+        <p14:creationId xmlns:p14="http://schemas.microsoft.com/office/powerpoint/2010/main" val="258372210"/>
       </p:ext>
     </p:extLst>
   </p:cSld>
@@ -2296,7 +2027,157 @@
                 <a:ea typeface="+mn-ea"/>
                 <a:cs typeface="+mn-cs"/>
               </a:rPr>
-              <a:t>Before building transformation pipelines or loading it into the data warehouse, how can WWI quickly explore the raw ingested data to understand its contents?</a:t>
+              <a:t>For the solution you recommend, what specific approach would you say to WWI is the most efficient way for moving flat file data from the ingest storage locations to the data lake?</a:t>
+            </a:r>
+          </a:p>
+          <a:p>
+            <a:endParaRPr lang="en-US" sz="1200" b="0" i="0" u="none" strike="noStrike" kern="1200" dirty="0">
+              <a:solidFill>
+                <a:schemeClr val="tx1"/>
+              </a:solidFill>
+              <a:effectLst/>
+              <a:latin typeface="+mn-lt"/>
+              <a:ea typeface="+mn-ea"/>
+              <a:cs typeface="+mn-cs"/>
+            </a:endParaRPr>
+          </a:p>
+          <a:p>
+            <a:r>
+              <a:rPr lang="en-US" sz="1200" b="0" i="0" u="none" strike="noStrike" kern="1200" dirty="0">
+                <a:solidFill>
+                  <a:schemeClr val="tx1"/>
+                </a:solidFill>
+                <a:effectLst/>
+                <a:latin typeface="+mn-lt"/>
+                <a:ea typeface="+mn-ea"/>
+                <a:cs typeface="+mn-cs"/>
+              </a:rPr>
+              <a:t>They should follow the pattern of landing data in the data lake first, then ingest from the flat files into relational tables within the data warehouse. They can create pipelines that extract the source data and store in Azure Data Lake Store Gen2 as Parquet files.</a:t>
+            </a:r>
+          </a:p>
+          <a:p>
+            <a:endParaRPr lang="en-US" sz="1200" b="0" i="0" u="none" strike="noStrike" kern="1200" dirty="0">
+              <a:solidFill>
+                <a:schemeClr val="tx1"/>
+              </a:solidFill>
+              <a:effectLst/>
+              <a:latin typeface="+mn-lt"/>
+              <a:ea typeface="+mn-ea"/>
+              <a:cs typeface="+mn-cs"/>
+            </a:endParaRPr>
+          </a:p>
+          <a:p>
+            <a:r>
+              <a:rPr lang="en-US" sz="1200" b="1" i="0" u="none" strike="noStrike" kern="1200" dirty="0">
+                <a:solidFill>
+                  <a:schemeClr val="tx1"/>
+                </a:solidFill>
+                <a:effectLst/>
+                <a:latin typeface="+mn-lt"/>
+                <a:ea typeface="+mn-ea"/>
+                <a:cs typeface="+mn-cs"/>
+              </a:rPr>
+              <a:t>What storage service would you recommend they use and how would you recommend they structure the folders so they can manage the data at the various levels of refinement?</a:t>
+            </a:r>
+          </a:p>
+          <a:p>
+            <a:endParaRPr lang="en-US" sz="1200" b="0" i="0" u="none" strike="noStrike" kern="1200" dirty="0">
+              <a:solidFill>
+                <a:schemeClr val="tx1"/>
+              </a:solidFill>
+              <a:effectLst/>
+              <a:latin typeface="+mn-lt"/>
+              <a:ea typeface="+mn-ea"/>
+              <a:cs typeface="+mn-cs"/>
+            </a:endParaRPr>
+          </a:p>
+          <a:p>
+            <a:r>
+              <a:rPr lang="en-US" sz="1200" b="0" i="0" u="none" strike="noStrike" kern="1200" dirty="0">
+                <a:solidFill>
+                  <a:schemeClr val="tx1"/>
+                </a:solidFill>
+                <a:effectLst/>
+                <a:latin typeface="+mn-lt"/>
+                <a:ea typeface="+mn-ea"/>
+                <a:cs typeface="+mn-cs"/>
+              </a:rPr>
+              <a:t>They should use Azure Data Lake Store (ADLS) Gen2 (Azure Storage with hierarchical file systems).</a:t>
+            </a:r>
+          </a:p>
+          <a:p>
+            <a:endParaRPr lang="en-US" sz="1200" b="0" i="0" u="none" strike="noStrike" kern="1200" dirty="0">
+              <a:solidFill>
+                <a:schemeClr val="tx1"/>
+              </a:solidFill>
+              <a:effectLst/>
+              <a:latin typeface="+mn-lt"/>
+              <a:ea typeface="+mn-ea"/>
+              <a:cs typeface="+mn-cs"/>
+            </a:endParaRPr>
+          </a:p>
+          <a:p>
+            <a:r>
+              <a:rPr lang="en-US" sz="1200" b="0" i="0" u="none" strike="noStrike" kern="1200" dirty="0">
+                <a:solidFill>
+                  <a:schemeClr val="tx1"/>
+                </a:solidFill>
+                <a:effectLst/>
+                <a:latin typeface="+mn-lt"/>
+                <a:ea typeface="+mn-ea"/>
+                <a:cs typeface="+mn-cs"/>
+              </a:rPr>
+              <a:t>In ADLS, it is a best practice to have a dedicated Storage Account for production, and a separate Storage Account for dev and test workloads. This will ensure that dev or test workloads never interfere with production.</a:t>
+            </a:r>
+          </a:p>
+          <a:p>
+            <a:endParaRPr lang="en-US" sz="1200" b="0" i="0" u="none" strike="noStrike" kern="1200" dirty="0">
+              <a:solidFill>
+                <a:schemeClr val="tx1"/>
+              </a:solidFill>
+              <a:effectLst/>
+              <a:latin typeface="+mn-lt"/>
+              <a:ea typeface="+mn-ea"/>
+              <a:cs typeface="+mn-cs"/>
+            </a:endParaRPr>
+          </a:p>
+          <a:p>
+            <a:r>
+              <a:rPr lang="en-US" sz="1200" b="0" i="0" u="none" strike="noStrike" kern="1200" dirty="0">
+                <a:solidFill>
+                  <a:schemeClr val="tx1"/>
+                </a:solidFill>
+                <a:effectLst/>
+                <a:latin typeface="+mn-lt"/>
+                <a:ea typeface="+mn-ea"/>
+                <a:cs typeface="+mn-cs"/>
+              </a:rPr>
+              <a:t>One common folder structure is to organize the data in separate folders by degree of refinement. For example a bronze folder contains the raw data, silver contains the cleaned, prepared and integrated data and gold contains data ready to support analytics, which might include final refinements such as pre-computed aggregates.</a:t>
+            </a:r>
+          </a:p>
+          <a:p>
+            <a:endParaRPr lang="en-US" sz="1200" b="0" i="0" u="none" strike="noStrike" kern="1200" dirty="0">
+              <a:solidFill>
+                <a:schemeClr val="tx1"/>
+              </a:solidFill>
+              <a:effectLst/>
+              <a:latin typeface="+mn-lt"/>
+              <a:ea typeface="+mn-ea"/>
+              <a:cs typeface="+mn-cs"/>
+            </a:endParaRPr>
+          </a:p>
+          <a:p>
+            <a:r>
+              <a:rPr lang="en-US" sz="1200" b="1" i="0" u="none" strike="noStrike" kern="1200" dirty="0">
+                <a:solidFill>
+                  <a:schemeClr val="tx1"/>
+                </a:solidFill>
+                <a:effectLst/>
+                <a:latin typeface="+mn-lt"/>
+                <a:ea typeface="+mn-ea"/>
+                <a:cs typeface="+mn-cs"/>
+              </a:rPr>
+              <a:t>When it comes to ingesting raw data in batch from new data sources, what data formats could they support with your solution?</a:t>
             </a:r>
           </a:p>
           <a:p>
@@ -2321,7 +2202,7 @@
                 <a:ea typeface="+mn-ea"/>
                 <a:cs typeface="+mn-cs"/>
               </a:rPr>
-              <a:t>Using Azure Synapse Studio, for any parquet files stored in ADLS, they can right click on a parquet file to query as SQL or as DataFrame in a notebook.</a:t>
+              <a:t>CSV, Parquet, ORC, JSON</a:t>
             </a:r>
           </a:p>
           <a:p>
@@ -2346,7 +2227,7 @@
                 <a:ea typeface="+mn-ea"/>
                 <a:cs typeface="+mn-cs"/>
               </a:rPr>
-              <a:t>When it comes to storing refined versions of the data for possible querying, what data format would you recommend they use? Why?</a:t>
+              <a:t>How will you ingest streaming data from the in-store IoT devices?</a:t>
             </a:r>
           </a:p>
           <a:p>
@@ -2371,7 +2252,7 @@
                 <a:ea typeface="+mn-ea"/>
                 <a:cs typeface="+mn-cs"/>
               </a:rPr>
-              <a:t>Parquet. There is industry alignment around the Parquet format for sharing data at the storage layer (e.g., across Hadoop, Databricks, and SQL engine scenarios). Parquet is a high-performance, column oriented format optimized for big data scenarios.</a:t>
+              <a:t>They should collect messages in Event Hub or IoT Hub and process them with Stream Analytics.</a:t>
             </a:r>
           </a:p>
           <a:p>
@@ -2386,45 +2267,6 @@
             </a:endParaRPr>
           </a:p>
           <a:p>
-            <a:r>
-              <a:rPr lang="en-US" sz="1200" b="1" i="0" u="none" strike="noStrike" kern="1200" dirty="0">
-                <a:solidFill>
-                  <a:schemeClr val="tx1"/>
-                </a:solidFill>
-                <a:effectLst/>
-                <a:latin typeface="+mn-lt"/>
-                <a:ea typeface="+mn-ea"/>
-                <a:cs typeface="+mn-cs"/>
-              </a:rPr>
-              <a:t>Regarding the service you recommend they use for preparing, merging and transforming the data, in which situations can they use the graphical designer and which situations would require code?</a:t>
-            </a:r>
-          </a:p>
-          <a:p>
-            <a:endParaRPr lang="en-US" sz="1200" b="1" i="0" u="none" strike="noStrike" kern="1200" dirty="0">
-              <a:solidFill>
-                <a:schemeClr val="tx1"/>
-              </a:solidFill>
-              <a:effectLst/>
-              <a:latin typeface="+mn-lt"/>
-              <a:ea typeface="+mn-ea"/>
-              <a:cs typeface="+mn-cs"/>
-            </a:endParaRPr>
-          </a:p>
-          <a:p>
-            <a:r>
-              <a:rPr lang="en-US" sz="1200" b="0" i="0" u="none" strike="noStrike" kern="1200" dirty="0">
-                <a:solidFill>
-                  <a:schemeClr val="tx1"/>
-                </a:solidFill>
-                <a:effectLst/>
-                <a:latin typeface="+mn-lt"/>
-                <a:ea typeface="+mn-ea"/>
-                <a:cs typeface="+mn-cs"/>
-              </a:rPr>
-              <a:t>They could use Data Flows that they graphically design in Azure Synapse Studio. These code-free data flows provide for scalable execution. Data Flows define a domain specific language for transformation and convert that into code that runs on Spark, which runs at scale and provides elasticity for handling growing volumes of data.</a:t>
-            </a:r>
-          </a:p>
-          <a:p>
             <a:endParaRPr lang="en-US" sz="1200" b="0" i="0" u="none" strike="noStrike" kern="1200" dirty="0">
               <a:solidFill>
                 <a:schemeClr val="tx1"/>
@@ -2436,20 +2278,6 @@
             </a:endParaRPr>
           </a:p>
           <a:p>
-            <a:r>
-              <a:rPr lang="en-US" sz="1200" b="0" i="0" u="none" strike="noStrike" kern="1200" dirty="0">
-                <a:solidFill>
-                  <a:schemeClr val="tx1"/>
-                </a:solidFill>
-                <a:effectLst/>
-                <a:latin typeface="+mn-lt"/>
-                <a:ea typeface="+mn-ea"/>
-                <a:cs typeface="+mn-cs"/>
-              </a:rPr>
-              <a:t>They can use code when their data engineers prefer to use Spark to transform the data via DataFrames.</a:t>
-            </a:r>
-          </a:p>
-          <a:p>
             <a:endParaRPr lang="en-US" sz="1200" b="0" i="0" u="none" strike="noStrike" kern="1200" dirty="0">
               <a:solidFill>
                 <a:schemeClr val="tx1"/>
@@ -2459,124 +2287,6 @@
               <a:ea typeface="+mn-ea"/>
               <a:cs typeface="+mn-cs"/>
             </a:endParaRPr>
-          </a:p>
-          <a:p>
-            <a:r>
-              <a:rPr lang="en-US" sz="1200" b="1" i="0" u="none" strike="noStrike" kern="1200" dirty="0">
-                <a:solidFill>
-                  <a:schemeClr val="tx1"/>
-                </a:solidFill>
-                <a:effectLst/>
-                <a:latin typeface="+mn-lt"/>
-                <a:ea typeface="+mn-ea"/>
-                <a:cs typeface="+mn-cs"/>
-              </a:rPr>
-              <a:t>Their data team is accustomed to leveraging open source packages that help them quickly pre-process the data, as well as enable their data scientists to train machine learning models using both Spark and Python. Explain how your solution would enable this.</a:t>
-            </a:r>
-          </a:p>
-          <a:p>
-            <a:endParaRPr lang="en-US" sz="1200" b="1" i="0" u="none" strike="noStrike" kern="1200" dirty="0">
-              <a:solidFill>
-                <a:schemeClr val="tx1"/>
-              </a:solidFill>
-              <a:effectLst/>
-              <a:latin typeface="+mn-lt"/>
-              <a:ea typeface="+mn-ea"/>
-              <a:cs typeface="+mn-cs"/>
-            </a:endParaRPr>
-          </a:p>
-          <a:p>
-            <a:r>
-              <a:rPr lang="en-US" sz="1200" b="0" i="0" u="none" strike="noStrike" kern="1200" dirty="0">
-                <a:solidFill>
-                  <a:schemeClr val="tx1"/>
-                </a:solidFill>
-                <a:effectLst/>
-                <a:latin typeface="+mn-lt"/>
-                <a:ea typeface="+mn-ea"/>
-                <a:cs typeface="+mn-cs"/>
-              </a:rPr>
-              <a:t>Azure Synapse Analytics supports open source Apache Spark and the execution of Python, Scala and (in the near future) R code. Their data team would be able to use the familiar Jupyter notebooks and leverage their favorite libraries.</a:t>
-            </a:r>
-          </a:p>
-          <a:p>
-            <a:pPr lvl="1"/>
-            <a:endParaRPr lang="en-US" sz="1200" b="0" i="0" u="none" strike="noStrike" kern="1200" dirty="0">
-              <a:solidFill>
-                <a:schemeClr val="tx1"/>
-              </a:solidFill>
-              <a:effectLst/>
-              <a:latin typeface="+mn-lt"/>
-              <a:ea typeface="+mn-ea"/>
-              <a:cs typeface="+mn-cs"/>
-            </a:endParaRPr>
-          </a:p>
-          <a:p>
-            <a:r>
-              <a:rPr lang="en-US" sz="1200" b="1" i="0" u="none" strike="noStrike" kern="1200" dirty="0">
-                <a:solidFill>
-                  <a:schemeClr val="tx1"/>
-                </a:solidFill>
-                <a:effectLst/>
-                <a:latin typeface="+mn-lt"/>
-                <a:ea typeface="+mn-ea"/>
-                <a:cs typeface="+mn-cs"/>
-              </a:rPr>
-              <a:t>Does your solution allow their data engineers and data scientists to work within Jupyter notebooks? How are libraries managed?</a:t>
-            </a:r>
-          </a:p>
-          <a:p>
-            <a:endParaRPr lang="en-US" sz="1200" b="1" i="0" u="none" strike="noStrike" kern="1200" dirty="0">
-              <a:solidFill>
-                <a:schemeClr val="tx1"/>
-              </a:solidFill>
-              <a:effectLst/>
-              <a:latin typeface="+mn-lt"/>
-              <a:ea typeface="+mn-ea"/>
-              <a:cs typeface="+mn-cs"/>
-            </a:endParaRPr>
-          </a:p>
-          <a:p>
-            <a:r>
-              <a:rPr lang="en-US" sz="1200" b="0" i="0" u="none" strike="noStrike" kern="1200" dirty="0">
-                <a:solidFill>
-                  <a:schemeClr val="tx1"/>
-                </a:solidFill>
-                <a:effectLst/>
-                <a:latin typeface="+mn-lt"/>
-                <a:ea typeface="+mn-ea"/>
-                <a:cs typeface="+mn-cs"/>
-              </a:rPr>
-              <a:t>Azure Synapse Spark pools allow the importing of libraries during creation.</a:t>
-            </a:r>
-          </a:p>
-          <a:p>
-            <a:r>
-              <a:rPr lang="en-US" sz="1200" b="0" i="0" u="none" strike="noStrike" kern="1200" dirty="0">
-                <a:solidFill>
-                  <a:schemeClr val="tx1"/>
-                </a:solidFill>
-                <a:effectLst/>
-                <a:latin typeface="+mn-lt"/>
-                <a:ea typeface="+mn-ea"/>
-                <a:cs typeface="+mn-cs"/>
-              </a:rPr>
-              <a:t>These dependencies are specified using a PIP freeze formatted text document listing the desired library names and versions.</a:t>
-            </a:r>
-          </a:p>
-          <a:p>
-            <a:r>
-              <a:rPr lang="en-US" sz="1200" b="0" i="0" u="none" strike="noStrike" kern="1200" dirty="0">
-                <a:solidFill>
-                  <a:schemeClr val="tx1"/>
-                </a:solidFill>
-                <a:effectLst/>
-                <a:latin typeface="+mn-lt"/>
-                <a:ea typeface="+mn-ea"/>
-                <a:cs typeface="+mn-cs"/>
-              </a:rPr>
-              <a:t>The data team can then launch notebooks attached to the Spark pool and author the code that uses their favorite libraries.</a:t>
-            </a:r>
           </a:p>
           <a:p>
             <a:endParaRPr lang="en-US" b="1" dirty="0"/>
@@ -2609,7 +2319,7 @@
     </p:spTree>
     <p:extLst>
       <p:ext uri="{BB962C8B-B14F-4D97-AF65-F5344CB8AC3E}">
-        <p14:creationId xmlns:p14="http://schemas.microsoft.com/office/powerpoint/2010/main" val="3739590"/>
+        <p14:creationId xmlns:p14="http://schemas.microsoft.com/office/powerpoint/2010/main" val="2968821414"/>
       </p:ext>
     </p:extLst>
   </p:cSld>
@@ -2673,7 +2383,7 @@
                 <a:ea typeface="+mn-ea"/>
                 <a:cs typeface="+mn-cs"/>
               </a:rPr>
-              <a:t>Their sales transaction dataset exceeds a billion rows. For their downstream reporting queries, they need to be able to join, project and filter these rows in no longer than 10s of seconds. WWI is concerned their data is just too big to do this.</a:t>
+              <a:t>Before building transformation pipelines or loading it into the data warehouse, how can WWI quickly explore the raw ingested data to understand its contents?</a:t>
             </a:r>
           </a:p>
           <a:p>
@@ -2689,7 +2399,7 @@
           </a:p>
           <a:p>
             <a:r>
-              <a:rPr lang="en-US" sz="1200" b="1" i="0" u="none" strike="noStrike" kern="1200" dirty="0">
+              <a:rPr lang="en-US" sz="1200" b="0" i="0" u="none" strike="noStrike" kern="1200" dirty="0">
                 <a:solidFill>
                   <a:schemeClr val="tx1"/>
                 </a:solidFill>
@@ -2698,7 +2408,32 @@
                 <a:ea typeface="+mn-ea"/>
                 <a:cs typeface="+mn-cs"/>
               </a:rPr>
-              <a:t>What specific indexing techniques should they use to reach this kind of performance for their fact tables? Why?</a:t>
+              <a:t>Using Azure Synapse Studio, for any parquet files stored in ADLS, they can right click on a parquet file to query as SQL or as DataFrame in a notebook.</a:t>
+            </a:r>
+          </a:p>
+          <a:p>
+            <a:endParaRPr lang="en-US" sz="1200" b="0" i="0" u="none" strike="noStrike" kern="1200" dirty="0">
+              <a:solidFill>
+                <a:schemeClr val="tx1"/>
+              </a:solidFill>
+              <a:effectLst/>
+              <a:latin typeface="+mn-lt"/>
+              <a:ea typeface="+mn-ea"/>
+              <a:cs typeface="+mn-cs"/>
+            </a:endParaRPr>
+          </a:p>
+          <a:p>
+            <a:r>
+              <a:rPr lang="en-US" sz="1200" b="1" i="0" u="none" strike="noStrike" kern="1200" dirty="0">
+                <a:solidFill>
+                  <a:schemeClr val="tx1"/>
+                </a:solidFill>
+                <a:effectLst/>
+                <a:latin typeface="+mn-lt"/>
+                <a:ea typeface="+mn-ea"/>
+                <a:cs typeface="+mn-cs"/>
+              </a:rPr>
+              <a:t>When it comes to storing refined versions of the data for possible querying, what data format would you recommend they use? Why?</a:t>
             </a:r>
           </a:p>
           <a:p>
@@ -2723,7 +2458,7 @@
                 <a:ea typeface="+mn-ea"/>
                 <a:cs typeface="+mn-cs"/>
               </a:rPr>
-              <a:t>Clustered Columnstore Indexes. As they offer the highest level of data compression and best overall query performance, columnstore indexes are usually the best choice for large tables such as fact tables.</a:t>
+              <a:t>Parquet. There is industry alignment around the Parquet format for sharing data at the storage layer (e.g., across Hadoop, Databricks, and SQL engine scenarios). Parquet is a high-performance, column oriented format optimized for big data scenarios.</a:t>
             </a:r>
           </a:p>
           <a:p>
@@ -2748,7 +2483,7 @@
                 <a:ea typeface="+mn-ea"/>
                 <a:cs typeface="+mn-cs"/>
               </a:rPr>
-              <a:t>Would you recommend the same approach for tables they have with less than 100 million rows?</a:t>
+              <a:t>Regarding the service you recommend they use for preparing, merging and transforming the data, in which situations can they use the graphical designer and which situations would require code?</a:t>
             </a:r>
           </a:p>
           <a:p>
@@ -2773,7 +2508,7 @@
                 <a:ea typeface="+mn-ea"/>
                 <a:cs typeface="+mn-cs"/>
               </a:rPr>
-              <a:t>No. For "small" tables with less than 100 million rows, they should consider Heap tables.</a:t>
+              <a:t>They could use Data Flows that they graphically design in Azure Synapse Studio. These code-free data flows provide for scalable execution. Data Flows define a domain specific language for transformation and convert that into code that runs on Spark, which runs at scale and provides elasticity for handling growing volumes of data.</a:t>
             </a:r>
           </a:p>
           <a:p>
@@ -2789,7 +2524,7 @@
           </a:p>
           <a:p>
             <a:r>
-              <a:rPr lang="en-US" sz="1200" b="1" i="0" u="none" strike="noStrike" kern="1200" dirty="0">
+              <a:rPr lang="en-US" sz="1200" b="0" i="0" u="none" strike="noStrike" kern="1200" dirty="0">
                 <a:solidFill>
                   <a:schemeClr val="tx1"/>
                 </a:solidFill>
@@ -2798,7 +2533,32 @@
                 <a:ea typeface="+mn-ea"/>
                 <a:cs typeface="+mn-cs"/>
               </a:rPr>
-              <a:t>How should they configure indexes on their smaller lookup tables (e.g., those that contain store names and addresses)?</a:t>
+              <a:t>They can use code when their data engineers prefer to use Spark to transform the data via DataFrames.</a:t>
+            </a:r>
+          </a:p>
+          <a:p>
+            <a:endParaRPr lang="en-US" sz="1200" b="0" i="0" u="none" strike="noStrike" kern="1200" dirty="0">
+              <a:solidFill>
+                <a:schemeClr val="tx1"/>
+              </a:solidFill>
+              <a:effectLst/>
+              <a:latin typeface="+mn-lt"/>
+              <a:ea typeface="+mn-ea"/>
+              <a:cs typeface="+mn-cs"/>
+            </a:endParaRPr>
+          </a:p>
+          <a:p>
+            <a:r>
+              <a:rPr lang="en-US" sz="1200" b="1" i="0" u="none" strike="noStrike" kern="1200" dirty="0">
+                <a:solidFill>
+                  <a:schemeClr val="tx1"/>
+                </a:solidFill>
+                <a:effectLst/>
+                <a:latin typeface="+mn-lt"/>
+                <a:ea typeface="+mn-ea"/>
+                <a:cs typeface="+mn-cs"/>
+              </a:rPr>
+              <a:t>Their data team is accustomed to leveraging open source packages that help them quickly pre-process the data, as well as enable their data scientists to train machine learning models using both Spark and Python. Explain how your solution would enable this.</a:t>
             </a:r>
           </a:p>
           <a:p>
@@ -2823,10 +2583,11 @@
                 <a:ea typeface="+mn-ea"/>
                 <a:cs typeface="+mn-cs"/>
               </a:rPr>
-              <a:t>They should consider using Heap tables. For small lookup tables, less than 100 million rows, often heap tables make sense. Cluster columnstore tables begin to achieve optimal compression once there is more than 100 million rows.</a:t>
-            </a:r>
-          </a:p>
-          <a:p>
+              <a:t>Azure Synapse Analytics supports open source Apache Spark and the execution of Python, Scala and (in the near future) R code. Their data team would be able to use the familiar Jupyter notebooks and leverage their favorite libraries.</a:t>
+            </a:r>
+          </a:p>
+          <a:p>
+            <a:pPr lvl="1"/>
             <a:endParaRPr lang="en-US" sz="1200" b="0" i="0" u="none" strike="noStrike" kern="1200" dirty="0">
               <a:solidFill>
                 <a:schemeClr val="tx1"/>
@@ -2848,7 +2609,7 @@
                 <a:ea typeface="+mn-ea"/>
                 <a:cs typeface="+mn-cs"/>
               </a:rPr>
-              <a:t>What would you suggest for their larger lookup tables that are used just for point lookups that retrieve only a single row? How could they makes these more flexible so that queries filtering against different sets of columns would still yield efficient lookups?</a:t>
+              <a:t>Does your solution allow their data engineers and data scientists to work within Jupyter notebooks? How are libraries managed?</a:t>
             </a:r>
           </a:p>
           <a:p>
@@ -2873,7 +2634,35 @@
                 <a:ea typeface="+mn-ea"/>
                 <a:cs typeface="+mn-cs"/>
               </a:rPr>
-              <a:t>Use clustered indexes. Clustered indexes may outperform clustered columnstore tables when a single row needs to be quickly retrieved. For queries where a single or a very few number of rows to lookup is required to perform with extreme speed, consider a clustered index or non-clustered secondary index.</a:t>
+              <a:t>Azure Synapse Spark pools allow the importing of libraries during creation.</a:t>
+            </a:r>
+          </a:p>
+          <a:p>
+            <a:r>
+              <a:rPr lang="en-US" sz="1200" b="0" i="0" u="none" strike="noStrike" kern="1200" dirty="0">
+                <a:solidFill>
+                  <a:schemeClr val="tx1"/>
+                </a:solidFill>
+                <a:effectLst/>
+                <a:latin typeface="+mn-lt"/>
+                <a:ea typeface="+mn-ea"/>
+                <a:cs typeface="+mn-cs"/>
+              </a:rPr>
+              <a:t>These dependencies are specified using a PIP freeze formatted text document listing the desired library names and versions.</a:t>
+            </a:r>
+          </a:p>
+          <a:p>
+            <a:r>
+              <a:rPr lang="en-US" sz="1200" b="0" i="0" u="none" strike="noStrike" kern="1200" dirty="0">
+                <a:solidFill>
+                  <a:schemeClr val="tx1"/>
+                </a:solidFill>
+                <a:effectLst/>
+                <a:latin typeface="+mn-lt"/>
+                <a:ea typeface="+mn-ea"/>
+                <a:cs typeface="+mn-cs"/>
+              </a:rPr>
+              <a:t>The data team can then launch notebooks attached to the Spark pool and author the code that uses their favorite libraries.</a:t>
             </a:r>
           </a:p>
           <a:p>
@@ -2888,17 +2677,32 @@
             </a:endParaRPr>
           </a:p>
           <a:p>
-            <a:r>
-              <a:rPr lang="en-US" sz="1200" b="0" i="0" u="none" strike="noStrike" kern="1200" dirty="0">
-                <a:solidFill>
-                  <a:schemeClr val="tx1"/>
+            <a:pPr marL="0" marR="0" lvl="0" indent="0" algn="l" defTabSz="914400" rtl="0" eaLnBrk="1" fontAlgn="auto" latinLnBrk="0" hangingPunct="1">
+              <a:lnSpc>
+                <a:spcPct val="100000"/>
+              </a:lnSpc>
+              <a:spcBef>
+                <a:spcPts val="0"/>
+              </a:spcBef>
+              <a:spcAft>
+                <a:spcPts val="0"/>
+              </a:spcAft>
+              <a:buClrTx/>
+              <a:buSzTx/>
+              <a:buFontTx/>
+              <a:buNone/>
+              <a:tabLst/>
+              <a:defRPr/>
+            </a:pPr>
+            <a:r>
+              <a:rPr lang="en-US" b="1" dirty="0">
+                <a:solidFill>
+                  <a:srgbClr val="D4D4D4"/>
                 </a:solidFill>
                 <a:effectLst/>
-                <a:latin typeface="+mn-lt"/>
-                <a:ea typeface="+mn-ea"/>
-                <a:cs typeface="+mn-cs"/>
-              </a:rPr>
-              <a:t>The disadvantage to using a clustered index is that the only queries that benefit are the ones that use a highly selective filter on the clustered index column. To improve filter performance on other columns, a non-clustered index can be added to other columns.</a:t>
+                <a:latin typeface="Consolas" panose="020B0609020204030204" pitchFamily="49" charset="0"/>
+              </a:rPr>
+              <a:t>How does your solution address their need to keep their part costs table in the data warehouse updated by the supplier invoices?</a:t>
             </a:r>
           </a:p>
           <a:p>
@@ -2914,16 +2718,245 @@
           </a:p>
           <a:p>
             <a:r>
-              <a:rPr lang="en-US" sz="1200" b="0" i="0" u="none" strike="noStrike" kern="1200" dirty="0">
-                <a:solidFill>
-                  <a:schemeClr val="tx1"/>
+              <a:rPr lang="en-US" b="0" dirty="0">
+                <a:solidFill>
+                  <a:srgbClr val="D4D4D4"/>
                 </a:solidFill>
                 <a:effectLst/>
-                <a:latin typeface="+mn-lt"/>
-                <a:ea typeface="+mn-ea"/>
-                <a:cs typeface="+mn-cs"/>
-              </a:rPr>
-              <a:t>However, be aware that each index which is added to a table adds both space and processing time to data loads.</a:t>
+                <a:latin typeface="Consolas" panose="020B0609020204030204" pitchFamily="49" charset="0"/>
+              </a:rPr>
+              <a:t>WWI can accomplish this by a combination of a Synapse Pipeline with an Azure Cognitive Search Skillset that invokes the Form Recognizer service as a custom skill. The pipeline would work as follows:</a:t>
+            </a:r>
+            <a:br>
+              <a:rPr lang="en-US" b="0" dirty="0">
+                <a:solidFill>
+                  <a:srgbClr val="D4D4D4"/>
+                </a:solidFill>
+                <a:effectLst/>
+                <a:latin typeface="Consolas" panose="020B0609020204030204" pitchFamily="49" charset="0"/>
+              </a:rPr>
+            </a:br>
+            <a:r>
+              <a:rPr lang="en-US" b="0" dirty="0">
+                <a:solidFill>
+                  <a:srgbClr val="D4D4D4"/>
+                </a:solidFill>
+                <a:effectLst/>
+                <a:latin typeface="Consolas" panose="020B0609020204030204" pitchFamily="49" charset="0"/>
+              </a:rPr>
+              <a:t>     </a:t>
+            </a:r>
+            <a:r>
+              <a:rPr lang="en-US" b="0" dirty="0">
+                <a:solidFill>
+                  <a:srgbClr val="6796E6"/>
+                </a:solidFill>
+                <a:effectLst/>
+                <a:latin typeface="Consolas" panose="020B0609020204030204" pitchFamily="49" charset="0"/>
+              </a:rPr>
+              <a:t>-</a:t>
+            </a:r>
+            <a:r>
+              <a:rPr lang="en-US" b="0" dirty="0">
+                <a:solidFill>
+                  <a:srgbClr val="D4D4D4"/>
+                </a:solidFill>
+                <a:effectLst/>
+                <a:latin typeface="Consolas" panose="020B0609020204030204" pitchFamily="49" charset="0"/>
+              </a:rPr>
+              <a:t> Invoice is uploaded to Azure Storage.</a:t>
+            </a:r>
+          </a:p>
+          <a:p>
+            <a:r>
+              <a:rPr lang="en-US" b="0" dirty="0">
+                <a:solidFill>
+                  <a:srgbClr val="D4D4D4"/>
+                </a:solidFill>
+                <a:effectLst/>
+                <a:latin typeface="Consolas" panose="020B0609020204030204" pitchFamily="49" charset="0"/>
+              </a:rPr>
+              <a:t>     </a:t>
+            </a:r>
+            <a:r>
+              <a:rPr lang="en-US" b="0" dirty="0">
+                <a:solidFill>
+                  <a:srgbClr val="6796E6"/>
+                </a:solidFill>
+                <a:effectLst/>
+                <a:latin typeface="Consolas" panose="020B0609020204030204" pitchFamily="49" charset="0"/>
+              </a:rPr>
+              <a:t>-</a:t>
+            </a:r>
+            <a:r>
+              <a:rPr lang="en-US" b="0" dirty="0">
+                <a:solidFill>
+                  <a:srgbClr val="D4D4D4"/>
+                </a:solidFill>
+                <a:effectLst/>
+                <a:latin typeface="Consolas" panose="020B0609020204030204" pitchFamily="49" charset="0"/>
+              </a:rPr>
+              <a:t> This triggers a Synapse Pipeline.</a:t>
+            </a:r>
+          </a:p>
+          <a:p>
+            <a:r>
+              <a:rPr lang="en-US" b="0" dirty="0">
+                <a:solidFill>
+                  <a:srgbClr val="D4D4D4"/>
+                </a:solidFill>
+                <a:effectLst/>
+                <a:latin typeface="Consolas" panose="020B0609020204030204" pitchFamily="49" charset="0"/>
+              </a:rPr>
+              <a:t>     </a:t>
+            </a:r>
+            <a:r>
+              <a:rPr lang="en-US" b="0" dirty="0">
+                <a:solidFill>
+                  <a:srgbClr val="6796E6"/>
+                </a:solidFill>
+                <a:effectLst/>
+                <a:latin typeface="Consolas" panose="020B0609020204030204" pitchFamily="49" charset="0"/>
+              </a:rPr>
+              <a:t>-</a:t>
+            </a:r>
+            <a:r>
+              <a:rPr lang="en-US" b="0" dirty="0">
+                <a:solidFill>
+                  <a:srgbClr val="D4D4D4"/>
+                </a:solidFill>
+                <a:effectLst/>
+                <a:latin typeface="Consolas" panose="020B0609020204030204" pitchFamily="49" charset="0"/>
+              </a:rPr>
+              <a:t> The Synapse Pipeline has a web activity that invokes an Azure Cognitive Search skillset.</a:t>
+            </a:r>
+          </a:p>
+          <a:p>
+            <a:r>
+              <a:rPr lang="en-US" b="0" dirty="0">
+                <a:solidFill>
+                  <a:srgbClr val="D4D4D4"/>
+                </a:solidFill>
+                <a:effectLst/>
+                <a:latin typeface="Consolas" panose="020B0609020204030204" pitchFamily="49" charset="0"/>
+              </a:rPr>
+              <a:t>     </a:t>
+            </a:r>
+            <a:r>
+              <a:rPr lang="en-US" b="0" dirty="0">
+                <a:solidFill>
+                  <a:srgbClr val="6796E6"/>
+                </a:solidFill>
+                <a:effectLst/>
+                <a:latin typeface="Consolas" panose="020B0609020204030204" pitchFamily="49" charset="0"/>
+              </a:rPr>
+              <a:t>-</a:t>
+            </a:r>
+            <a:r>
+              <a:rPr lang="en-US" b="0" dirty="0">
+                <a:solidFill>
+                  <a:srgbClr val="D4D4D4"/>
+                </a:solidFill>
+                <a:effectLst/>
+                <a:latin typeface="Consolas" panose="020B0609020204030204" pitchFamily="49" charset="0"/>
+              </a:rPr>
+              <a:t> The first skill in the skillset invokes an Azure Function, passing it the URL to the PDF invoice. </a:t>
+            </a:r>
+          </a:p>
+          <a:p>
+            <a:r>
+              <a:rPr lang="en-US" b="0" dirty="0">
+                <a:solidFill>
+                  <a:srgbClr val="D4D4D4"/>
+                </a:solidFill>
+                <a:effectLst/>
+                <a:latin typeface="Consolas" panose="020B0609020204030204" pitchFamily="49" charset="0"/>
+              </a:rPr>
+              <a:t>     </a:t>
+            </a:r>
+            <a:r>
+              <a:rPr lang="en-US" b="0" dirty="0">
+                <a:solidFill>
+                  <a:srgbClr val="6796E6"/>
+                </a:solidFill>
+                <a:effectLst/>
+                <a:latin typeface="Consolas" panose="020B0609020204030204" pitchFamily="49" charset="0"/>
+              </a:rPr>
+              <a:t>-</a:t>
+            </a:r>
+            <a:r>
+              <a:rPr lang="en-US" b="0" dirty="0">
+                <a:solidFill>
+                  <a:srgbClr val="D4D4D4"/>
+                </a:solidFill>
+                <a:effectLst/>
+                <a:latin typeface="Consolas" panose="020B0609020204030204" pitchFamily="49" charset="0"/>
+              </a:rPr>
+              <a:t> The Azure Function invokes the Form Recognizer service, passing it the URL and SAS token to the PDF invoice. Forms recognizer returns the OCR results to the function.</a:t>
+            </a:r>
+          </a:p>
+          <a:p>
+            <a:r>
+              <a:rPr lang="en-US" b="0" dirty="0">
+                <a:solidFill>
+                  <a:srgbClr val="D4D4D4"/>
+                </a:solidFill>
+                <a:effectLst/>
+                <a:latin typeface="Consolas" panose="020B0609020204030204" pitchFamily="49" charset="0"/>
+              </a:rPr>
+              <a:t>     - The Azure Function returns the results to skillset. The skillset extracts only the product names and costs and sends that to a configure knowledge store that writes the extracted data to JSON files in Azure Storage</a:t>
+            </a:r>
+          </a:p>
+          <a:p>
+            <a:r>
+              <a:rPr lang="en-US" b="0" dirty="0">
+                <a:solidFill>
+                  <a:srgbClr val="D4D4D4"/>
+                </a:solidFill>
+                <a:effectLst/>
+                <a:latin typeface="Consolas" panose="020B0609020204030204" pitchFamily="49" charset="0"/>
+              </a:rPr>
+              <a:t>     </a:t>
+            </a:r>
+            <a:r>
+              <a:rPr lang="en-US" b="0" dirty="0">
+                <a:solidFill>
+                  <a:srgbClr val="6796E6"/>
+                </a:solidFill>
+                <a:effectLst/>
+                <a:latin typeface="Consolas" panose="020B0609020204030204" pitchFamily="49" charset="0"/>
+              </a:rPr>
+              <a:t>-</a:t>
+            </a:r>
+            <a:r>
+              <a:rPr lang="en-US" b="0" dirty="0">
+                <a:solidFill>
+                  <a:srgbClr val="D4D4D4"/>
+                </a:solidFill>
+                <a:effectLst/>
+                <a:latin typeface="Consolas" panose="020B0609020204030204" pitchFamily="49" charset="0"/>
+              </a:rPr>
+              <a:t> The Synapse pipeline reads these JSON files from Azure Storage in a Data Flow activity and performs an </a:t>
+            </a:r>
+            <a:r>
+              <a:rPr lang="en-US" b="0" dirty="0" err="1">
+                <a:solidFill>
+                  <a:srgbClr val="D4D4D4"/>
+                </a:solidFill>
+                <a:effectLst/>
+                <a:latin typeface="Consolas" panose="020B0609020204030204" pitchFamily="49" charset="0"/>
+              </a:rPr>
+              <a:t>upsert</a:t>
+            </a:r>
+            <a:r>
+              <a:rPr lang="en-US" b="0" dirty="0">
+                <a:solidFill>
+                  <a:srgbClr val="D4D4D4"/>
+                </a:solidFill>
+                <a:effectLst/>
+                <a:latin typeface="Consolas" panose="020B0609020204030204" pitchFamily="49" charset="0"/>
+              </a:rPr>
+              <a:t> against the product catalog table in the Synapse SQL Pool.</a:t>
             </a:r>
           </a:p>
           <a:p>
@@ -2938,90 +2971,7 @@
             </a:endParaRPr>
           </a:p>
           <a:p>
-            <a:r>
-              <a:rPr lang="en-US" sz="1200" b="1" i="0" u="none" strike="noStrike" kern="1200" dirty="0">
-                <a:solidFill>
-                  <a:schemeClr val="tx1"/>
-                </a:solidFill>
-                <a:effectLst/>
-                <a:latin typeface="+mn-lt"/>
-                <a:ea typeface="+mn-ea"/>
-                <a:cs typeface="+mn-cs"/>
-              </a:rPr>
-              <a:t>What should they use for the fastest loading of staging tables?</a:t>
-            </a:r>
-          </a:p>
-          <a:p>
-            <a:endParaRPr lang="en-US" sz="1200" b="0" i="0" u="none" strike="noStrike" kern="1200" dirty="0">
-              <a:solidFill>
-                <a:schemeClr val="tx1"/>
-              </a:solidFill>
-              <a:effectLst/>
-              <a:latin typeface="+mn-lt"/>
-              <a:ea typeface="+mn-ea"/>
-              <a:cs typeface="+mn-cs"/>
-            </a:endParaRPr>
-          </a:p>
-          <a:p>
-            <a:r>
-              <a:rPr lang="en-US" sz="1200" b="0" i="0" u="none" strike="noStrike" kern="1200" dirty="0">
-                <a:solidFill>
-                  <a:schemeClr val="tx1"/>
-                </a:solidFill>
-                <a:effectLst/>
-                <a:latin typeface="+mn-lt"/>
-                <a:ea typeface="+mn-ea"/>
-                <a:cs typeface="+mn-cs"/>
-              </a:rPr>
-              <a:t>A heap table. If you are loading data only to stage it before running more transformations, loading the table to heap table is much faster than loading the data to a clustered columnstore table.</a:t>
-            </a:r>
-          </a:p>
-          <a:p>
-            <a:endParaRPr lang="en-US" sz="1200" b="0" i="0" u="none" strike="noStrike" kern="1200" dirty="0">
-              <a:solidFill>
-                <a:schemeClr val="tx1"/>
-              </a:solidFill>
-              <a:effectLst/>
-              <a:latin typeface="+mn-lt"/>
-              <a:ea typeface="+mn-ea"/>
-              <a:cs typeface="+mn-cs"/>
-            </a:endParaRPr>
-          </a:p>
-          <a:p>
-            <a:r>
-              <a:rPr lang="en-US" sz="1200" b="0" i="0" u="none" strike="noStrike" kern="1200" dirty="0">
-                <a:solidFill>
-                  <a:schemeClr val="tx1"/>
-                </a:solidFill>
-                <a:effectLst/>
-                <a:latin typeface="+mn-lt"/>
-                <a:ea typeface="+mn-ea"/>
-                <a:cs typeface="+mn-cs"/>
-              </a:rPr>
-              <a:t>A temporary table. Loading data to a temporary table loads faster than loading a table to permanent storage.</a:t>
-            </a:r>
-          </a:p>
-          <a:p>
-            <a:endParaRPr lang="en-US" sz="1200" b="0" i="0" u="none" strike="noStrike" kern="1200" dirty="0">
-              <a:solidFill>
-                <a:schemeClr val="tx1"/>
-              </a:solidFill>
-              <a:effectLst/>
-              <a:latin typeface="+mn-lt"/>
-              <a:ea typeface="+mn-ea"/>
-              <a:cs typeface="+mn-cs"/>
-            </a:endParaRPr>
-          </a:p>
-          <a:p>
-            <a:endParaRPr lang="en-US" sz="1200" b="0" i="0" u="none" strike="noStrike" kern="1200" dirty="0">
-              <a:solidFill>
-                <a:schemeClr val="tx1"/>
-              </a:solidFill>
-              <a:effectLst/>
-              <a:latin typeface="+mn-lt"/>
-              <a:ea typeface="+mn-ea"/>
-              <a:cs typeface="+mn-cs"/>
-            </a:endParaRPr>
+            <a:endParaRPr lang="en-US" b="1" dirty="0"/>
           </a:p>
         </p:txBody>
       </p:sp>
@@ -3051,7 +3001,7 @@
     </p:spTree>
     <p:extLst>
       <p:ext uri="{BB962C8B-B14F-4D97-AF65-F5344CB8AC3E}">
-        <p14:creationId xmlns:p14="http://schemas.microsoft.com/office/powerpoint/2010/main" val="3154370942"/>
+        <p14:creationId xmlns:p14="http://schemas.microsoft.com/office/powerpoint/2010/main" val="3739590"/>
       </p:ext>
     </p:extLst>
   </p:cSld>
@@ -3115,7 +3065,57 @@
                 <a:ea typeface="+mn-ea"/>
                 <a:cs typeface="+mn-cs"/>
               </a:rPr>
-              <a:t>What are the typical issues they should look out for with regards to distributed table design for the following scenarios?</a:t>
+              <a:t>Their sales transaction dataset exceeds a billion rows. For their downstream reporting queries, they need to be able to join, project and filter these rows in no longer than 10s of seconds. WWI is concerned their data is just too big to do this.</a:t>
+            </a:r>
+          </a:p>
+          <a:p>
+            <a:endParaRPr lang="en-US" sz="1200" b="1" i="0" u="none" strike="noStrike" kern="1200" dirty="0">
+              <a:solidFill>
+                <a:schemeClr val="tx1"/>
+              </a:solidFill>
+              <a:effectLst/>
+              <a:latin typeface="+mn-lt"/>
+              <a:ea typeface="+mn-ea"/>
+              <a:cs typeface="+mn-cs"/>
+            </a:endParaRPr>
+          </a:p>
+          <a:p>
+            <a:r>
+              <a:rPr lang="en-US" sz="1200" b="1" i="0" u="none" strike="noStrike" kern="1200" dirty="0">
+                <a:solidFill>
+                  <a:schemeClr val="tx1"/>
+                </a:solidFill>
+                <a:effectLst/>
+                <a:latin typeface="+mn-lt"/>
+                <a:ea typeface="+mn-ea"/>
+                <a:cs typeface="+mn-cs"/>
+              </a:rPr>
+              <a:t>What specific indexing techniques should they use to reach this kind of performance for their fact tables? Why?</a:t>
+            </a:r>
+          </a:p>
+          <a:p>
+            <a:endParaRPr lang="en-US" sz="1200" b="1" i="0" u="none" strike="noStrike" kern="1200" dirty="0">
+              <a:solidFill>
+                <a:schemeClr val="tx1"/>
+              </a:solidFill>
+              <a:effectLst/>
+              <a:latin typeface="+mn-lt"/>
+              <a:ea typeface="+mn-ea"/>
+              <a:cs typeface="+mn-cs"/>
+            </a:endParaRPr>
+          </a:p>
+          <a:p>
+            <a:r>
+              <a:rPr lang="en-US" sz="1200" b="0" i="0" u="none" strike="noStrike" kern="1200" dirty="0">
+                <a:solidFill>
+                  <a:schemeClr val="tx1"/>
+                </a:solidFill>
+                <a:effectLst/>
+                <a:latin typeface="+mn-lt"/>
+                <a:ea typeface="+mn-ea"/>
+                <a:cs typeface="+mn-cs"/>
+              </a:rPr>
+              <a:t>Clustered Columnstore Indexes. As they offer the highest level of data compression and best overall query performance, columnstore indexes are usually the best choice for large tables such as fact tables.</a:t>
             </a:r>
           </a:p>
           <a:p>
@@ -3140,7 +3140,7 @@
                 <a:ea typeface="+mn-ea"/>
                 <a:cs typeface="+mn-cs"/>
               </a:rPr>
-              <a:t>Their smallest fact table exceeds several GB’s and by their nature experiences frequent inserts.</a:t>
+              <a:t>Would you recommend the same approach for tables they have with less than 100 million rows?</a:t>
             </a:r>
           </a:p>
           <a:p>
@@ -3165,7 +3165,7 @@
                 <a:ea typeface="+mn-ea"/>
                 <a:cs typeface="+mn-cs"/>
               </a:rPr>
-              <a:t>They should use a hash distribution.</a:t>
+              <a:t>No. For "small" tables with less than 100 million rows, they should consider Heap tables.</a:t>
             </a:r>
           </a:p>
           <a:p>
@@ -3181,7 +3181,7 @@
           </a:p>
           <a:p>
             <a:r>
-              <a:rPr lang="en-US" sz="1200" b="0" i="0" u="none" strike="noStrike" kern="1200" dirty="0">
+              <a:rPr lang="en-US" sz="1200" b="1" i="0" u="none" strike="noStrike" kern="1200" dirty="0">
                 <a:solidFill>
                   <a:schemeClr val="tx1"/>
                 </a:solidFill>
@@ -3190,7 +3190,32 @@
                 <a:ea typeface="+mn-ea"/>
                 <a:cs typeface="+mn-cs"/>
               </a:rPr>
-              <a:t>A hash-distributed table distributes table rows across the Compute nodes by using a deterministic hash function to assign each row to one distribution.</a:t>
+              <a:t>How should they configure indexes on their smaller lookup tables (e.g., those that contain store names and addresses)?</a:t>
+            </a:r>
+          </a:p>
+          <a:p>
+            <a:endParaRPr lang="en-US" sz="1200" b="1" i="0" u="none" strike="noStrike" kern="1200" dirty="0">
+              <a:solidFill>
+                <a:schemeClr val="tx1"/>
+              </a:solidFill>
+              <a:effectLst/>
+              <a:latin typeface="+mn-lt"/>
+              <a:ea typeface="+mn-ea"/>
+              <a:cs typeface="+mn-cs"/>
+            </a:endParaRPr>
+          </a:p>
+          <a:p>
+            <a:r>
+              <a:rPr lang="en-US" sz="1200" b="0" i="0" u="none" strike="noStrike" kern="1200" dirty="0">
+                <a:solidFill>
+                  <a:schemeClr val="tx1"/>
+                </a:solidFill>
+                <a:effectLst/>
+                <a:latin typeface="+mn-lt"/>
+                <a:ea typeface="+mn-ea"/>
+                <a:cs typeface="+mn-cs"/>
+              </a:rPr>
+              <a:t>They should consider using Heap tables. For small lookup tables, less than 100 million rows, often heap tables make sense. Cluster columnstore tables begin to achieve optimal compression once there is more than 100 million rows.</a:t>
             </a:r>
           </a:p>
           <a:p>
@@ -3206,7 +3231,7 @@
           </a:p>
           <a:p>
             <a:r>
-              <a:rPr lang="en-US" sz="1200" b="0" i="0" u="none" strike="noStrike" kern="1200" dirty="0">
+              <a:rPr lang="en-US" sz="1200" b="1" i="0" u="none" strike="noStrike" kern="1200" dirty="0">
                 <a:solidFill>
                   <a:schemeClr val="tx1"/>
                 </a:solidFill>
@@ -3215,7 +3240,32 @@
                 <a:ea typeface="+mn-ea"/>
                 <a:cs typeface="+mn-cs"/>
               </a:rPr>
-              <a:t>Since identical values always hash to the same distribution, the data warehouse has built-in knowledge of the row locations. SQL Data Warehouse uses this knowledge to minimize data movement during queries, which improves query performance.</a:t>
+              <a:t>What would you suggest for their larger lookup tables that are used just for point lookups that retrieve only a single row? How could they makes these more flexible so that queries filtering against different sets of columns would still yield efficient lookups?</a:t>
+            </a:r>
+          </a:p>
+          <a:p>
+            <a:endParaRPr lang="en-US" sz="1200" b="1" i="0" u="none" strike="noStrike" kern="1200" dirty="0">
+              <a:solidFill>
+                <a:schemeClr val="tx1"/>
+              </a:solidFill>
+              <a:effectLst/>
+              <a:latin typeface="+mn-lt"/>
+              <a:ea typeface="+mn-ea"/>
+              <a:cs typeface="+mn-cs"/>
+            </a:endParaRPr>
+          </a:p>
+          <a:p>
+            <a:r>
+              <a:rPr lang="en-US" sz="1200" b="0" i="0" u="none" strike="noStrike" kern="1200" dirty="0">
+                <a:solidFill>
+                  <a:schemeClr val="tx1"/>
+                </a:solidFill>
+                <a:effectLst/>
+                <a:latin typeface="+mn-lt"/>
+                <a:ea typeface="+mn-ea"/>
+                <a:cs typeface="+mn-cs"/>
+              </a:rPr>
+              <a:t>Use clustered indexes. Clustered indexes may outperform clustered columnstore tables when a single row needs to be quickly retrieved. For queries where a single or a very few number of rows to lookup is required to perform with extreme speed, consider a clustered index or non-clustered secondary index.</a:t>
             </a:r>
           </a:p>
           <a:p>
@@ -3240,7 +3290,7 @@
                 <a:ea typeface="+mn-ea"/>
                 <a:cs typeface="+mn-cs"/>
               </a:rPr>
-              <a:t>Hash-distributed tables work well for large fact tables in a star schema. They can have very large numbers of rows and still achieve high performance.</a:t>
+              <a:t>The disadvantage to using a clustered index is that the only queries that benefit are the ones that use a highly selective filter on the clustered index column. To improve filter performance on other columns, a non-clustered index can be added to other columns.</a:t>
             </a:r>
           </a:p>
           <a:p>
@@ -3265,40 +3315,10 @@
                 <a:ea typeface="+mn-ea"/>
                 <a:cs typeface="+mn-cs"/>
               </a:rPr>
-              <a:t>Consider using a hash-distributed table when:</a:t>
-            </a:r>
-          </a:p>
-          <a:p>
-            <a:r>
-              <a:rPr lang="en-US" sz="1200" b="0" i="0" u="none" strike="noStrike" kern="1200" dirty="0">
-                <a:solidFill>
-                  <a:schemeClr val="tx1"/>
-                </a:solidFill>
-                <a:effectLst/>
-                <a:latin typeface="+mn-lt"/>
-                <a:ea typeface="+mn-ea"/>
-                <a:cs typeface="+mn-cs"/>
-              </a:rPr>
-              <a:t>	The table size on disk is more than 2 GB.</a:t>
-            </a:r>
-          </a:p>
-          <a:p>
-            <a:pPr lvl="2"/>
-            <a:r>
-              <a:rPr lang="en-US" sz="1200" b="0" i="0" u="none" strike="noStrike" kern="1200" dirty="0">
-                <a:solidFill>
-                  <a:schemeClr val="tx1"/>
-                </a:solidFill>
-                <a:effectLst/>
-                <a:latin typeface="+mn-lt"/>
-                <a:ea typeface="+mn-ea"/>
-                <a:cs typeface="+mn-cs"/>
-              </a:rPr>
-              <a:t>The table has frequent insert, update, and delete operations.</a:t>
-            </a:r>
-          </a:p>
-          <a:p>
-            <a:pPr lvl="2"/>
+              <a:t>However, be aware that each index which is added to a table adds both space and processing time to data loads.</a:t>
+            </a:r>
+          </a:p>
+          <a:p>
             <a:endParaRPr lang="en-US" sz="1200" b="0" i="0" u="none" strike="noStrike" kern="1200" dirty="0">
               <a:solidFill>
                 <a:schemeClr val="tx1"/>
@@ -3320,32 +3340,7 @@
                 <a:ea typeface="+mn-ea"/>
                 <a:cs typeface="+mn-cs"/>
               </a:rPr>
-              <a:t>As they develop the data warehouse, the WWI data team identified some tables created from the raw input that might be useful, but they don’t currently join to other tables and they are not sure of the best columns they should use for distributing the data.</a:t>
-            </a:r>
-          </a:p>
-          <a:p>
-            <a:endParaRPr lang="en-US" sz="1200" b="1" i="0" u="none" strike="noStrike" kern="1200" dirty="0">
-              <a:solidFill>
-                <a:schemeClr val="tx1"/>
-              </a:solidFill>
-              <a:effectLst/>
-              <a:latin typeface="+mn-lt"/>
-              <a:ea typeface="+mn-ea"/>
-              <a:cs typeface="+mn-cs"/>
-            </a:endParaRPr>
-          </a:p>
-          <a:p>
-            <a:r>
-              <a:rPr lang="en-US" sz="1200" b="0" i="0" u="none" strike="noStrike" kern="1200" dirty="0">
-                <a:solidFill>
-                  <a:schemeClr val="tx1"/>
-                </a:solidFill>
-                <a:effectLst/>
-                <a:latin typeface="+mn-lt"/>
-                <a:ea typeface="+mn-ea"/>
-                <a:cs typeface="+mn-cs"/>
-              </a:rPr>
-              <a:t>They should consider round-robin distribution.</a:t>
+              <a:t>What should they use for the fastest loading of staging tables?</a:t>
             </a:r>
           </a:p>
           <a:p>
@@ -3370,7 +3365,7 @@
                 <a:ea typeface="+mn-ea"/>
                 <a:cs typeface="+mn-cs"/>
               </a:rPr>
-              <a:t>A round-robin distributed table distributes table rows evenly across all distributions. The assignment of rows to distributions is random. Unlike hash-distributed tables, rows with equal values are not guaranteed to be assigned to the same distribution.</a:t>
+              <a:t>A heap table. If you are loading data only to stage it before running more transformations, loading the table to heap table is much faster than loading the data to a clustered columnstore table.</a:t>
             </a:r>
           </a:p>
           <a:p>
@@ -3395,7 +3390,7 @@
                 <a:ea typeface="+mn-ea"/>
                 <a:cs typeface="+mn-cs"/>
               </a:rPr>
-              <a:t>As a result, the system sometimes needs to invoke a data movement operation to better organize your data before it can resolve a query. This extra step can slow down your queries. For example, joining a round-robin table usually requires reshuffling the rows, which is a performance hit.</a:t>
+              <a:t>A temporary table. Loading data to a temporary table loads faster than loading a table to permanent storage.</a:t>
             </a:r>
           </a:p>
           <a:p>
@@ -3410,111 +3405,6 @@
             </a:endParaRPr>
           </a:p>
           <a:p>
-            <a:r>
-              <a:rPr lang="en-US" sz="1200" b="0" i="0" u="none" strike="noStrike" kern="1200" dirty="0">
-                <a:solidFill>
-                  <a:schemeClr val="tx1"/>
-                </a:solidFill>
-                <a:effectLst/>
-                <a:latin typeface="+mn-lt"/>
-                <a:ea typeface="+mn-ea"/>
-                <a:cs typeface="+mn-cs"/>
-              </a:rPr>
-              <a:t>Consider using the round-robin distribution for your table in the following scenarios:</a:t>
-            </a:r>
-          </a:p>
-          <a:p>
-            <a:pPr lvl="2"/>
-            <a:r>
-              <a:rPr lang="en-US" sz="1200" b="0" i="0" u="none" strike="noStrike" kern="1200" dirty="0">
-                <a:solidFill>
-                  <a:schemeClr val="tx1"/>
-                </a:solidFill>
-                <a:effectLst/>
-                <a:latin typeface="+mn-lt"/>
-                <a:ea typeface="+mn-ea"/>
-                <a:cs typeface="+mn-cs"/>
-              </a:rPr>
-              <a:t>When getting started as a simple starting point since it is the default</a:t>
-            </a:r>
-          </a:p>
-          <a:p>
-            <a:pPr lvl="2"/>
-            <a:r>
-              <a:rPr lang="en-US" sz="1200" b="0" i="0" u="none" strike="noStrike" kern="1200" dirty="0">
-                <a:solidFill>
-                  <a:schemeClr val="tx1"/>
-                </a:solidFill>
-                <a:effectLst/>
-                <a:latin typeface="+mn-lt"/>
-                <a:ea typeface="+mn-ea"/>
-                <a:cs typeface="+mn-cs"/>
-              </a:rPr>
-              <a:t>If there is no obvious joining key</a:t>
-            </a:r>
-          </a:p>
-          <a:p>
-            <a:pPr lvl="2"/>
-            <a:r>
-              <a:rPr lang="en-US" sz="1200" b="0" i="0" u="none" strike="noStrike" kern="1200" dirty="0">
-                <a:solidFill>
-                  <a:schemeClr val="tx1"/>
-                </a:solidFill>
-                <a:effectLst/>
-                <a:latin typeface="+mn-lt"/>
-                <a:ea typeface="+mn-ea"/>
-                <a:cs typeface="+mn-cs"/>
-              </a:rPr>
-              <a:t>If there is not good candidate column for hash distributing the table</a:t>
-            </a:r>
-          </a:p>
-          <a:p>
-            <a:pPr lvl="2"/>
-            <a:r>
-              <a:rPr lang="en-US" sz="1200" b="0" i="0" u="none" strike="noStrike" kern="1200" dirty="0">
-                <a:solidFill>
-                  <a:schemeClr val="tx1"/>
-                </a:solidFill>
-                <a:effectLst/>
-                <a:latin typeface="+mn-lt"/>
-                <a:ea typeface="+mn-ea"/>
-                <a:cs typeface="+mn-cs"/>
-              </a:rPr>
-              <a:t>If the table does not share a common join key with other tables</a:t>
-            </a:r>
-          </a:p>
-          <a:p>
-            <a:pPr lvl="2"/>
-            <a:r>
-              <a:rPr lang="en-US" sz="1200" b="0" i="0" u="none" strike="noStrike" kern="1200" dirty="0">
-                <a:solidFill>
-                  <a:schemeClr val="tx1"/>
-                </a:solidFill>
-                <a:effectLst/>
-                <a:latin typeface="+mn-lt"/>
-                <a:ea typeface="+mn-ea"/>
-                <a:cs typeface="+mn-cs"/>
-              </a:rPr>
-              <a:t>If the join is less significant than other joins in the query</a:t>
-            </a:r>
-          </a:p>
-          <a:p>
-            <a:pPr lvl="2"/>
-            <a:r>
-              <a:rPr lang="en-US" sz="1200" b="0" i="0" u="none" strike="noStrike" kern="1200" dirty="0">
-                <a:solidFill>
-                  <a:schemeClr val="tx1"/>
-                </a:solidFill>
-                <a:effectLst/>
-                <a:latin typeface="+mn-lt"/>
-                <a:ea typeface="+mn-ea"/>
-                <a:cs typeface="+mn-cs"/>
-              </a:rPr>
-              <a:t>When the table is a temporary staging table</a:t>
-            </a:r>
-          </a:p>
-          <a:p>
-            <a:pPr lvl="2"/>
             <a:endParaRPr lang="en-US" sz="1200" b="0" i="0" u="none" strike="noStrike" kern="1200" dirty="0">
               <a:solidFill>
                 <a:schemeClr val="tx1"/>
@@ -3524,120 +3414,6 @@
               <a:ea typeface="+mn-ea"/>
               <a:cs typeface="+mn-cs"/>
             </a:endParaRPr>
-          </a:p>
-          <a:p>
-            <a:r>
-              <a:rPr lang="en-US" sz="1200" b="1" i="0" u="none" strike="noStrike" kern="1200" dirty="0">
-                <a:solidFill>
-                  <a:schemeClr val="tx1"/>
-                </a:solidFill>
-                <a:effectLst/>
-                <a:latin typeface="+mn-lt"/>
-                <a:ea typeface="+mn-ea"/>
-                <a:cs typeface="+mn-cs"/>
-              </a:rPr>
-              <a:t>Their data engineers sometimes use temporary staging tables in their data preparation.</a:t>
-            </a:r>
-          </a:p>
-          <a:p>
-            <a:endParaRPr lang="en-US" sz="1200" b="1" i="0" u="none" strike="noStrike" kern="1200" dirty="0">
-              <a:solidFill>
-                <a:schemeClr val="tx1"/>
-              </a:solidFill>
-              <a:effectLst/>
-              <a:latin typeface="+mn-lt"/>
-              <a:ea typeface="+mn-ea"/>
-              <a:cs typeface="+mn-cs"/>
-            </a:endParaRPr>
-          </a:p>
-          <a:p>
-            <a:r>
-              <a:rPr lang="en-US" sz="1200" b="0" i="0" u="none" strike="noStrike" kern="1200" dirty="0">
-                <a:solidFill>
-                  <a:schemeClr val="tx1"/>
-                </a:solidFill>
-                <a:effectLst/>
-                <a:latin typeface="+mn-lt"/>
-                <a:ea typeface="+mn-ea"/>
-                <a:cs typeface="+mn-cs"/>
-              </a:rPr>
-              <a:t>They should use a round-robin distributed table.</a:t>
-            </a:r>
-          </a:p>
-          <a:p>
-            <a:endParaRPr lang="en-US" sz="1200" b="0" i="0" u="none" strike="noStrike" kern="1200" dirty="0">
-              <a:solidFill>
-                <a:schemeClr val="tx1"/>
-              </a:solidFill>
-              <a:effectLst/>
-              <a:latin typeface="+mn-lt"/>
-              <a:ea typeface="+mn-ea"/>
-              <a:cs typeface="+mn-cs"/>
-            </a:endParaRPr>
-          </a:p>
-          <a:p>
-            <a:r>
-              <a:rPr lang="en-US" sz="1200" b="1" i="0" u="none" strike="noStrike" kern="1200" dirty="0">
-                <a:solidFill>
-                  <a:schemeClr val="tx1"/>
-                </a:solidFill>
-                <a:effectLst/>
-                <a:latin typeface="+mn-lt"/>
-                <a:ea typeface="+mn-ea"/>
-                <a:cs typeface="+mn-cs"/>
-              </a:rPr>
-              <a:t>They have lookup tables that range from several hundred MBs to 1.5 GBs.</a:t>
-            </a:r>
-          </a:p>
-          <a:p>
-            <a:endParaRPr lang="en-US" sz="1200" b="1" i="0" u="none" strike="noStrike" kern="1200" dirty="0">
-              <a:solidFill>
-                <a:schemeClr val="tx1"/>
-              </a:solidFill>
-              <a:effectLst/>
-              <a:latin typeface="+mn-lt"/>
-              <a:ea typeface="+mn-ea"/>
-              <a:cs typeface="+mn-cs"/>
-            </a:endParaRPr>
-          </a:p>
-          <a:p>
-            <a:r>
-              <a:rPr lang="en-US" sz="1200" b="0" i="0" u="none" strike="noStrike" kern="1200" dirty="0">
-                <a:solidFill>
-                  <a:schemeClr val="tx1"/>
-                </a:solidFill>
-                <a:effectLst/>
-                <a:latin typeface="+mn-lt"/>
-                <a:ea typeface="+mn-ea"/>
-                <a:cs typeface="+mn-cs"/>
-              </a:rPr>
-              <a:t>They should consider using replicated tables.</a:t>
-            </a:r>
-          </a:p>
-          <a:p>
-            <a:endParaRPr lang="en-US" sz="1200" b="0" i="0" u="none" strike="noStrike" kern="1200" dirty="0">
-              <a:solidFill>
-                <a:schemeClr val="tx1"/>
-              </a:solidFill>
-              <a:effectLst/>
-              <a:latin typeface="+mn-lt"/>
-              <a:ea typeface="+mn-ea"/>
-              <a:cs typeface="+mn-cs"/>
-            </a:endParaRPr>
-          </a:p>
-          <a:p>
-            <a:r>
-              <a:rPr lang="en-US" sz="1200" b="0" i="0" u="none" strike="noStrike" kern="1200" dirty="0">
-                <a:solidFill>
-                  <a:schemeClr val="tx1"/>
-                </a:solidFill>
-                <a:effectLst/>
-                <a:latin typeface="+mn-lt"/>
-                <a:ea typeface="+mn-ea"/>
-                <a:cs typeface="+mn-cs"/>
-              </a:rPr>
-              <a:t>A replicated table has a full copy of the table accessible on each Compute node. Replicating a table removes the need to transfer data among Compute nodes before a join or aggregation. Since the table has multiple copies, replicated tables work best when the table size is less than 2 GB compressed.</a:t>
-            </a:r>
           </a:p>
         </p:txBody>
       </p:sp>
@@ -3667,7 +3443,7 @@
     </p:spTree>
     <p:extLst>
       <p:ext uri="{BB962C8B-B14F-4D97-AF65-F5344CB8AC3E}">
-        <p14:creationId xmlns:p14="http://schemas.microsoft.com/office/powerpoint/2010/main" val="1994599449"/>
+        <p14:creationId xmlns:p14="http://schemas.microsoft.com/office/powerpoint/2010/main" val="3154370942"/>
       </p:ext>
     </p:extLst>
   </p:cSld>
@@ -3731,7 +3507,32 @@
                 <a:ea typeface="+mn-ea"/>
                 <a:cs typeface="+mn-cs"/>
               </a:rPr>
-              <a:t>Some of their data contains columns in the JSON format, how could they flatten these hierarchical fields to a tabular structure?</a:t>
+              <a:t>What are the typical issues they should look out for with regards to distributed table design for the following scenarios?</a:t>
+            </a:r>
+          </a:p>
+          <a:p>
+            <a:endParaRPr lang="en-US" sz="1200" b="0" i="0" u="none" strike="noStrike" kern="1200" dirty="0">
+              <a:solidFill>
+                <a:schemeClr val="tx1"/>
+              </a:solidFill>
+              <a:effectLst/>
+              <a:latin typeface="+mn-lt"/>
+              <a:ea typeface="+mn-ea"/>
+              <a:cs typeface="+mn-cs"/>
+            </a:endParaRPr>
+          </a:p>
+          <a:p>
+            <a:r>
+              <a:rPr lang="en-US" sz="1200" b="1" i="0" u="none" strike="noStrike" kern="1200" dirty="0">
+                <a:solidFill>
+                  <a:schemeClr val="tx1"/>
+                </a:solidFill>
+                <a:effectLst/>
+                <a:latin typeface="+mn-lt"/>
+                <a:ea typeface="+mn-ea"/>
+                <a:cs typeface="+mn-cs"/>
+              </a:rPr>
+              <a:t>Their smallest fact table exceeds several GB’s and by their nature experiences frequent inserts.</a:t>
             </a:r>
           </a:p>
           <a:p>
@@ -3756,7 +3557,7 @@
                 <a:ea typeface="+mn-ea"/>
                 <a:cs typeface="+mn-cs"/>
               </a:rPr>
-              <a:t>They can use Azure Synapse SQL serverless along with the T-SQL OPENJSON, JSON_VALUE, and JSON_QUERY statements.</a:t>
+              <a:t>They should use a hash distribution.</a:t>
             </a:r>
           </a:p>
           <a:p>
@@ -3772,7 +3573,7 @@
           </a:p>
           <a:p>
             <a:r>
-              <a:rPr lang="en-US" sz="1200" b="1" i="0" u="none" strike="noStrike" kern="1200" dirty="0">
+              <a:rPr lang="en-US" sz="1200" b="0" i="0" u="none" strike="noStrike" kern="1200" dirty="0">
                 <a:solidFill>
                   <a:schemeClr val="tx1"/>
                 </a:solidFill>
@@ -3781,7 +3582,137 @@
                 <a:ea typeface="+mn-ea"/>
                 <a:cs typeface="+mn-cs"/>
               </a:rPr>
-              <a:t>What approach can they use to update the JSON data?</a:t>
+              <a:t>A hash-distributed table distributes table rows across the Compute nodes by using a deterministic hash function to assign each row to one distribution.</a:t>
+            </a:r>
+          </a:p>
+          <a:p>
+            <a:endParaRPr lang="en-US" sz="1200" b="0" i="0" u="none" strike="noStrike" kern="1200" dirty="0">
+              <a:solidFill>
+                <a:schemeClr val="tx1"/>
+              </a:solidFill>
+              <a:effectLst/>
+              <a:latin typeface="+mn-lt"/>
+              <a:ea typeface="+mn-ea"/>
+              <a:cs typeface="+mn-cs"/>
+            </a:endParaRPr>
+          </a:p>
+          <a:p>
+            <a:r>
+              <a:rPr lang="en-US" sz="1200" b="0" i="0" u="none" strike="noStrike" kern="1200" dirty="0">
+                <a:solidFill>
+                  <a:schemeClr val="tx1"/>
+                </a:solidFill>
+                <a:effectLst/>
+                <a:latin typeface="+mn-lt"/>
+                <a:ea typeface="+mn-ea"/>
+                <a:cs typeface="+mn-cs"/>
+              </a:rPr>
+              <a:t>Since identical values always hash to the same distribution, the data warehouse has built-in knowledge of the row locations. SQL Data Warehouse uses this knowledge to minimize data movement during queries, which improves query performance.</a:t>
+            </a:r>
+          </a:p>
+          <a:p>
+            <a:endParaRPr lang="en-US" sz="1200" b="0" i="0" u="none" strike="noStrike" kern="1200" dirty="0">
+              <a:solidFill>
+                <a:schemeClr val="tx1"/>
+              </a:solidFill>
+              <a:effectLst/>
+              <a:latin typeface="+mn-lt"/>
+              <a:ea typeface="+mn-ea"/>
+              <a:cs typeface="+mn-cs"/>
+            </a:endParaRPr>
+          </a:p>
+          <a:p>
+            <a:r>
+              <a:rPr lang="en-US" sz="1200" b="0" i="0" u="none" strike="noStrike" kern="1200" dirty="0">
+                <a:solidFill>
+                  <a:schemeClr val="tx1"/>
+                </a:solidFill>
+                <a:effectLst/>
+                <a:latin typeface="+mn-lt"/>
+                <a:ea typeface="+mn-ea"/>
+                <a:cs typeface="+mn-cs"/>
+              </a:rPr>
+              <a:t>Hash-distributed tables work well for large fact tables in a star schema. They can have very large numbers of rows and still achieve high performance.</a:t>
+            </a:r>
+          </a:p>
+          <a:p>
+            <a:endParaRPr lang="en-US" sz="1200" b="0" i="0" u="none" strike="noStrike" kern="1200" dirty="0">
+              <a:solidFill>
+                <a:schemeClr val="tx1"/>
+              </a:solidFill>
+              <a:effectLst/>
+              <a:latin typeface="+mn-lt"/>
+              <a:ea typeface="+mn-ea"/>
+              <a:cs typeface="+mn-cs"/>
+            </a:endParaRPr>
+          </a:p>
+          <a:p>
+            <a:r>
+              <a:rPr lang="en-US" sz="1200" b="0" i="0" u="none" strike="noStrike" kern="1200" dirty="0">
+                <a:solidFill>
+                  <a:schemeClr val="tx1"/>
+                </a:solidFill>
+                <a:effectLst/>
+                <a:latin typeface="+mn-lt"/>
+                <a:ea typeface="+mn-ea"/>
+                <a:cs typeface="+mn-cs"/>
+              </a:rPr>
+              <a:t>Consider using a hash-distributed table when:</a:t>
+            </a:r>
+          </a:p>
+          <a:p>
+            <a:r>
+              <a:rPr lang="en-US" sz="1200" b="0" i="0" u="none" strike="noStrike" kern="1200" dirty="0">
+                <a:solidFill>
+                  <a:schemeClr val="tx1"/>
+                </a:solidFill>
+                <a:effectLst/>
+                <a:latin typeface="+mn-lt"/>
+                <a:ea typeface="+mn-ea"/>
+                <a:cs typeface="+mn-cs"/>
+              </a:rPr>
+              <a:t>	The table size on disk is more than 2 GB.</a:t>
+            </a:r>
+          </a:p>
+          <a:p>
+            <a:pPr lvl="2"/>
+            <a:r>
+              <a:rPr lang="en-US" sz="1200" b="0" i="0" u="none" strike="noStrike" kern="1200" dirty="0">
+                <a:solidFill>
+                  <a:schemeClr val="tx1"/>
+                </a:solidFill>
+                <a:effectLst/>
+                <a:latin typeface="+mn-lt"/>
+                <a:ea typeface="+mn-ea"/>
+                <a:cs typeface="+mn-cs"/>
+              </a:rPr>
+              <a:t>The table has frequent insert, update, and delete operations.</a:t>
+            </a:r>
+          </a:p>
+          <a:p>
+            <a:pPr lvl="2"/>
+            <a:endParaRPr lang="en-US" sz="1200" b="0" i="0" u="none" strike="noStrike" kern="1200" dirty="0">
+              <a:solidFill>
+                <a:schemeClr val="tx1"/>
+              </a:solidFill>
+              <a:effectLst/>
+              <a:latin typeface="+mn-lt"/>
+              <a:ea typeface="+mn-ea"/>
+              <a:cs typeface="+mn-cs"/>
+            </a:endParaRPr>
+          </a:p>
+          <a:p>
+            <a:r>
+              <a:rPr lang="en-US" sz="1200" b="1" i="0" u="none" strike="noStrike" kern="1200" dirty="0">
+                <a:solidFill>
+                  <a:schemeClr val="tx1"/>
+                </a:solidFill>
+                <a:effectLst/>
+                <a:latin typeface="+mn-lt"/>
+                <a:ea typeface="+mn-ea"/>
+                <a:cs typeface="+mn-cs"/>
+              </a:rPr>
+              <a:t>As they develop the data warehouse, the WWI data team identified some tables created from the raw input that might be useful, but they don’t currently join to other tables and they are not sure of the best columns they should use for distributing the data.</a:t>
             </a:r>
           </a:p>
           <a:p>
@@ -3806,7 +3737,7 @@
                 <a:ea typeface="+mn-ea"/>
                 <a:cs typeface="+mn-cs"/>
               </a:rPr>
-              <a:t>They can use JSON_MODIFY with the UPDATE statement.</a:t>
+              <a:t>They should consider round-robin distribution.</a:t>
             </a:r>
           </a:p>
           <a:p>
@@ -3822,7 +3753,7 @@
           </a:p>
           <a:p>
             <a:r>
-              <a:rPr lang="en-US" sz="1200" b="1" i="0" u="none" strike="noStrike" kern="1200" dirty="0">
+              <a:rPr lang="en-US" sz="1200" b="0" i="0" u="none" strike="noStrike" kern="1200" dirty="0">
                 <a:solidFill>
                   <a:schemeClr val="tx1"/>
                 </a:solidFill>
@@ -3831,7 +3762,173 @@
                 <a:ea typeface="+mn-ea"/>
                 <a:cs typeface="+mn-cs"/>
               </a:rPr>
-              <a:t>In some of their queries, they are OK trading off speed of returning counts for a small reduction in accuracy. How might they do this?</a:t>
+              <a:t>A round-robin distributed table distributes table rows evenly across all distributions. The assignment of rows to distributions is random. Unlike hash-distributed tables, rows with equal values are not guaranteed to be assigned to the same distribution.</a:t>
+            </a:r>
+          </a:p>
+          <a:p>
+            <a:endParaRPr lang="en-US" sz="1200" b="0" i="0" u="none" strike="noStrike" kern="1200" dirty="0">
+              <a:solidFill>
+                <a:schemeClr val="tx1"/>
+              </a:solidFill>
+              <a:effectLst/>
+              <a:latin typeface="+mn-lt"/>
+              <a:ea typeface="+mn-ea"/>
+              <a:cs typeface="+mn-cs"/>
+            </a:endParaRPr>
+          </a:p>
+          <a:p>
+            <a:r>
+              <a:rPr lang="en-US" sz="1200" b="0" i="0" u="none" strike="noStrike" kern="1200" dirty="0">
+                <a:solidFill>
+                  <a:schemeClr val="tx1"/>
+                </a:solidFill>
+                <a:effectLst/>
+                <a:latin typeface="+mn-lt"/>
+                <a:ea typeface="+mn-ea"/>
+                <a:cs typeface="+mn-cs"/>
+              </a:rPr>
+              <a:t>As a result, the system sometimes needs to invoke a data movement operation to better organize your data before it can resolve a query. This extra step can slow down your queries. For example, joining a round-robin table usually requires reshuffling the rows, which is a performance hit.</a:t>
+            </a:r>
+          </a:p>
+          <a:p>
+            <a:endParaRPr lang="en-US" sz="1200" b="0" i="0" u="none" strike="noStrike" kern="1200" dirty="0">
+              <a:solidFill>
+                <a:schemeClr val="tx1"/>
+              </a:solidFill>
+              <a:effectLst/>
+              <a:latin typeface="+mn-lt"/>
+              <a:ea typeface="+mn-ea"/>
+              <a:cs typeface="+mn-cs"/>
+            </a:endParaRPr>
+          </a:p>
+          <a:p>
+            <a:r>
+              <a:rPr lang="en-US" sz="1200" b="0" i="0" u="none" strike="noStrike" kern="1200" dirty="0">
+                <a:solidFill>
+                  <a:schemeClr val="tx1"/>
+                </a:solidFill>
+                <a:effectLst/>
+                <a:latin typeface="+mn-lt"/>
+                <a:ea typeface="+mn-ea"/>
+                <a:cs typeface="+mn-cs"/>
+              </a:rPr>
+              <a:t>Consider using the round-robin distribution for your table in the following scenarios:</a:t>
+            </a:r>
+          </a:p>
+          <a:p>
+            <a:pPr lvl="2"/>
+            <a:r>
+              <a:rPr lang="en-US" sz="1200" b="0" i="0" u="none" strike="noStrike" kern="1200" dirty="0">
+                <a:solidFill>
+                  <a:schemeClr val="tx1"/>
+                </a:solidFill>
+                <a:effectLst/>
+                <a:latin typeface="+mn-lt"/>
+                <a:ea typeface="+mn-ea"/>
+                <a:cs typeface="+mn-cs"/>
+              </a:rPr>
+              <a:t>When getting started as a simple starting point since it is the default</a:t>
+            </a:r>
+          </a:p>
+          <a:p>
+            <a:pPr lvl="2"/>
+            <a:r>
+              <a:rPr lang="en-US" sz="1200" b="0" i="0" u="none" strike="noStrike" kern="1200" dirty="0">
+                <a:solidFill>
+                  <a:schemeClr val="tx1"/>
+                </a:solidFill>
+                <a:effectLst/>
+                <a:latin typeface="+mn-lt"/>
+                <a:ea typeface="+mn-ea"/>
+                <a:cs typeface="+mn-cs"/>
+              </a:rPr>
+              <a:t>If there is no obvious joining key</a:t>
+            </a:r>
+          </a:p>
+          <a:p>
+            <a:pPr lvl="2"/>
+            <a:r>
+              <a:rPr lang="en-US" sz="1200" b="0" i="0" u="none" strike="noStrike" kern="1200" dirty="0">
+                <a:solidFill>
+                  <a:schemeClr val="tx1"/>
+                </a:solidFill>
+                <a:effectLst/>
+                <a:latin typeface="+mn-lt"/>
+                <a:ea typeface="+mn-ea"/>
+                <a:cs typeface="+mn-cs"/>
+              </a:rPr>
+              <a:t>If there is not good candidate column for hash distributing the table</a:t>
+            </a:r>
+          </a:p>
+          <a:p>
+            <a:pPr lvl="2"/>
+            <a:r>
+              <a:rPr lang="en-US" sz="1200" b="0" i="0" u="none" strike="noStrike" kern="1200" dirty="0">
+                <a:solidFill>
+                  <a:schemeClr val="tx1"/>
+                </a:solidFill>
+                <a:effectLst/>
+                <a:latin typeface="+mn-lt"/>
+                <a:ea typeface="+mn-ea"/>
+                <a:cs typeface="+mn-cs"/>
+              </a:rPr>
+              <a:t>If the table does not share a common join key with other tables</a:t>
+            </a:r>
+          </a:p>
+          <a:p>
+            <a:pPr lvl="2"/>
+            <a:r>
+              <a:rPr lang="en-US" sz="1200" b="0" i="0" u="none" strike="noStrike" kern="1200" dirty="0">
+                <a:solidFill>
+                  <a:schemeClr val="tx1"/>
+                </a:solidFill>
+                <a:effectLst/>
+                <a:latin typeface="+mn-lt"/>
+                <a:ea typeface="+mn-ea"/>
+                <a:cs typeface="+mn-cs"/>
+              </a:rPr>
+              <a:t>If the join is less significant than other joins in the query</a:t>
+            </a:r>
+          </a:p>
+          <a:p>
+            <a:pPr lvl="2"/>
+            <a:r>
+              <a:rPr lang="en-US" sz="1200" b="0" i="0" u="none" strike="noStrike" kern="1200" dirty="0">
+                <a:solidFill>
+                  <a:schemeClr val="tx1"/>
+                </a:solidFill>
+                <a:effectLst/>
+                <a:latin typeface="+mn-lt"/>
+                <a:ea typeface="+mn-ea"/>
+                <a:cs typeface="+mn-cs"/>
+              </a:rPr>
+              <a:t>When the table is a temporary staging table</a:t>
+            </a:r>
+          </a:p>
+          <a:p>
+            <a:pPr lvl="2"/>
+            <a:endParaRPr lang="en-US" sz="1200" b="0" i="0" u="none" strike="noStrike" kern="1200" dirty="0">
+              <a:solidFill>
+                <a:schemeClr val="tx1"/>
+              </a:solidFill>
+              <a:effectLst/>
+              <a:latin typeface="+mn-lt"/>
+              <a:ea typeface="+mn-ea"/>
+              <a:cs typeface="+mn-cs"/>
+            </a:endParaRPr>
+          </a:p>
+          <a:p>
+            <a:r>
+              <a:rPr lang="en-US" sz="1200" b="1" i="0" u="none" strike="noStrike" kern="1200" dirty="0">
+                <a:solidFill>
+                  <a:schemeClr val="tx1"/>
+                </a:solidFill>
+                <a:effectLst/>
+                <a:latin typeface="+mn-lt"/>
+                <a:ea typeface="+mn-ea"/>
+                <a:cs typeface="+mn-cs"/>
+              </a:rPr>
+              <a:t>Their data engineers sometimes use temporary staging tables in their data preparation.</a:t>
             </a:r>
           </a:p>
           <a:p>
@@ -3856,7 +3953,7 @@
                 <a:ea typeface="+mn-ea"/>
                 <a:cs typeface="+mn-cs"/>
               </a:rPr>
-              <a:t>They should use the APPROXIMATE_COUNT_DISTINCT statement which uses the HyperLogLog to return a result with an average 2% accuracy of the true cardinality. For example, if COUNT(DISTINCT) returns 1,000,000, then with approximate execution you will get a value between 999,736 to 1,016,234.</a:t>
+              <a:t>They should use a round-robin distributed table.</a:t>
             </a:r>
           </a:p>
           <a:p>
@@ -3881,7 +3978,7 @@
                 <a:ea typeface="+mn-ea"/>
                 <a:cs typeface="+mn-cs"/>
               </a:rPr>
-              <a:t>Their downstream reports are used by many users, which often means the same query is being executed repeatedly against data that does not change that often. What can WWI to improve the performance of these types of queries? How does this approach work when the underlying data changes?</a:t>
+              <a:t>They have lookup tables that range from several hundred MBs to 1.5 GBs.</a:t>
             </a:r>
           </a:p>
           <a:p>
@@ -3906,7 +4003,7 @@
                 <a:ea typeface="+mn-ea"/>
                 <a:cs typeface="+mn-cs"/>
               </a:rPr>
-              <a:t>They should consider result-set caching.</a:t>
+              <a:t>They should consider using replicated tables.</a:t>
             </a:r>
           </a:p>
           <a:p>
@@ -3931,82 +4028,7 @@
                 <a:ea typeface="+mn-ea"/>
                 <a:cs typeface="+mn-cs"/>
               </a:rPr>
-              <a:t>Cache the results of a query in provisioned Azure Synapse SQL Pool storage. This enables interactive response times for repetitive queries against tables with infrequent data changes.</a:t>
-            </a:r>
-          </a:p>
-          <a:p>
-            <a:endParaRPr lang="en-US" sz="1200" b="0" i="0" u="none" strike="noStrike" kern="1200" dirty="0">
-              <a:solidFill>
-                <a:schemeClr val="tx1"/>
-              </a:solidFill>
-              <a:effectLst/>
-              <a:latin typeface="+mn-lt"/>
-              <a:ea typeface="+mn-ea"/>
-              <a:cs typeface="+mn-cs"/>
-            </a:endParaRPr>
-          </a:p>
-          <a:p>
-            <a:r>
-              <a:rPr lang="en-US" sz="1200" b="0" i="0" u="none" strike="noStrike" kern="1200" dirty="0">
-                <a:solidFill>
-                  <a:schemeClr val="tx1"/>
-                </a:solidFill>
-                <a:effectLst/>
-                <a:latin typeface="+mn-lt"/>
-                <a:ea typeface="+mn-ea"/>
-                <a:cs typeface="+mn-cs"/>
-              </a:rPr>
-              <a:t>The result-set cache persists even if SQL pool is paused and resumed later.</a:t>
-            </a:r>
-          </a:p>
-          <a:p>
-            <a:endParaRPr lang="en-US" sz="1200" b="0" i="0" u="none" strike="noStrike" kern="1200" dirty="0">
-              <a:solidFill>
-                <a:schemeClr val="tx1"/>
-              </a:solidFill>
-              <a:effectLst/>
-              <a:latin typeface="+mn-lt"/>
-              <a:ea typeface="+mn-ea"/>
-              <a:cs typeface="+mn-cs"/>
-            </a:endParaRPr>
-          </a:p>
-          <a:p>
-            <a:r>
-              <a:rPr lang="en-US" sz="1200" b="0" i="0" u="none" strike="noStrike" kern="1200" dirty="0">
-                <a:solidFill>
-                  <a:schemeClr val="tx1"/>
-                </a:solidFill>
-                <a:effectLst/>
-                <a:latin typeface="+mn-lt"/>
-                <a:ea typeface="+mn-ea"/>
-                <a:cs typeface="+mn-cs"/>
-              </a:rPr>
-              <a:t>Query cache is invalidated and refreshed when underlying table data or query code changes.</a:t>
-            </a:r>
-          </a:p>
-          <a:p>
-            <a:endParaRPr lang="en-US" sz="1200" b="0" i="0" u="none" strike="noStrike" kern="1200" dirty="0">
-              <a:solidFill>
-                <a:schemeClr val="tx1"/>
-              </a:solidFill>
-              <a:effectLst/>
-              <a:latin typeface="+mn-lt"/>
-              <a:ea typeface="+mn-ea"/>
-              <a:cs typeface="+mn-cs"/>
-            </a:endParaRPr>
-          </a:p>
-          <a:p>
-            <a:r>
-              <a:rPr lang="en-US" sz="1200" b="0" i="0" u="none" strike="noStrike" kern="1200" dirty="0">
-                <a:solidFill>
-                  <a:schemeClr val="tx1"/>
-                </a:solidFill>
-                <a:effectLst/>
-                <a:latin typeface="+mn-lt"/>
-                <a:ea typeface="+mn-ea"/>
-                <a:cs typeface="+mn-cs"/>
-              </a:rPr>
-              <a:t>Result cache is evicted regularly based on a time-aware least recently used algorithm (TLRU).</a:t>
+              <a:t>A replicated table has a full copy of the table accessible on each Compute node. Replicating a table removes the need to transfer data among Compute nodes before a join or aggregation. Since the table has multiple copies, replicated tables work best when the table size is less than 2 GB compressed.</a:t>
             </a:r>
           </a:p>
         </p:txBody>
@@ -4037,7 +4059,7 @@
     </p:spTree>
     <p:extLst>
       <p:ext uri="{BB962C8B-B14F-4D97-AF65-F5344CB8AC3E}">
-        <p14:creationId xmlns:p14="http://schemas.microsoft.com/office/powerpoint/2010/main" val="3815634192"/>
+        <p14:creationId xmlns:p14="http://schemas.microsoft.com/office/powerpoint/2010/main" val="1994599449"/>
       </p:ext>
     </p:extLst>
   </p:cSld>
@@ -4101,7 +4123,7 @@
                 <a:ea typeface="+mn-ea"/>
                 <a:cs typeface="+mn-cs"/>
               </a:rPr>
-              <a:t>What product can WWI use to visualize their retail transaction data? Is it a separate tool that they need to install?</a:t>
+              <a:t>Some of their data contains columns in the JSON format, how could they flatten these hierarchical fields to a tabular structure?</a:t>
             </a:r>
           </a:p>
           <a:p>
@@ -4126,7 +4148,7 @@
                 <a:ea typeface="+mn-ea"/>
                 <a:cs typeface="+mn-cs"/>
               </a:rPr>
-              <a:t>Power BI. They can create, edit and view Power BI reports directly within the Azure Synapse Studio. They can also use Power BI Desktop to create and publish both datasets and reports that are then available within Azure Synapse Studio.</a:t>
+              <a:t>They can use Azure Synapse SQL serverless along with the T-SQL OPENJSON, JSON_VALUE, and JSON_QUERY statements.</a:t>
             </a:r>
           </a:p>
           <a:p>
@@ -4151,7 +4173,7 @@
                 <a:ea typeface="+mn-ea"/>
                 <a:cs typeface="+mn-cs"/>
               </a:rPr>
-              <a:t>Can they use this same tool to visualize both the batch and streaming data in a single dashboard view?</a:t>
+              <a:t>What approach can they use to update the JSON data?</a:t>
             </a:r>
           </a:p>
           <a:p>
@@ -4176,7 +4198,7 @@
                 <a:ea typeface="+mn-ea"/>
                 <a:cs typeface="+mn-cs"/>
               </a:rPr>
-              <a:t>Yes. Power BI can be used to create dashboards that visualize both kinds of data.</a:t>
+              <a:t>They can use JSON_MODIFY with the UPDATE statement.</a:t>
             </a:r>
           </a:p>
           <a:p>
@@ -4201,7 +4223,7 @@
                 <a:ea typeface="+mn-ea"/>
                 <a:cs typeface="+mn-cs"/>
               </a:rPr>
-              <a:t>With the product you recommend, do they need to load all the data into the data warehouse before they can create reports against it?</a:t>
+              <a:t>In some of their queries, they are OK trading off speed of returning counts for a small reduction in accuracy. How might they do this?</a:t>
             </a:r>
           </a:p>
           <a:p>
@@ -4226,7 +4248,7 @@
                 <a:ea typeface="+mn-ea"/>
                 <a:cs typeface="+mn-cs"/>
               </a:rPr>
-              <a:t>No, they only need to load the data into Azure Storage. Using Azure Synapse SQL serverless and Power BI they can create reports against the data directly.</a:t>
+              <a:t>They should use the APPROXIMATE_COUNT_DISTINCT statement which uses the HyperLogLog to return a result with an average 2% accuracy of the true cardinality. For example, if COUNT(DISTINCT) returns 1,000,000, then with approximate execution you will get a value between 999,736 to 1,016,234.</a:t>
             </a:r>
           </a:p>
           <a:p>
@@ -4239,6 +4261,145 @@
               <a:ea typeface="+mn-ea"/>
               <a:cs typeface="+mn-cs"/>
             </a:endParaRPr>
+          </a:p>
+          <a:p>
+            <a:r>
+              <a:rPr lang="en-US" sz="1200" b="1" i="0" u="none" strike="noStrike" kern="1200" dirty="0">
+                <a:solidFill>
+                  <a:schemeClr val="tx1"/>
+                </a:solidFill>
+                <a:effectLst/>
+                <a:latin typeface="+mn-lt"/>
+                <a:ea typeface="+mn-ea"/>
+                <a:cs typeface="+mn-cs"/>
+              </a:rPr>
+              <a:t>Their downstream reports are used by many users, which often means the same query is being executed repeatedly against data that does not change that often. What can WWI to improve the performance of these types of queries? How does this approach work when the underlying data changes?</a:t>
+            </a:r>
+          </a:p>
+          <a:p>
+            <a:endParaRPr lang="en-US" sz="1200" b="1" i="0" u="none" strike="noStrike" kern="1200" dirty="0">
+              <a:solidFill>
+                <a:schemeClr val="tx1"/>
+              </a:solidFill>
+              <a:effectLst/>
+              <a:latin typeface="+mn-lt"/>
+              <a:ea typeface="+mn-ea"/>
+              <a:cs typeface="+mn-cs"/>
+            </a:endParaRPr>
+          </a:p>
+          <a:p>
+            <a:r>
+              <a:rPr lang="en-US" sz="1200" b="0" i="0" u="none" strike="noStrike" kern="1200" dirty="0">
+                <a:solidFill>
+                  <a:schemeClr val="tx1"/>
+                </a:solidFill>
+                <a:effectLst/>
+                <a:latin typeface="+mn-lt"/>
+                <a:ea typeface="+mn-ea"/>
+                <a:cs typeface="+mn-cs"/>
+              </a:rPr>
+              <a:t>They should consider result-set caching.</a:t>
+            </a:r>
+          </a:p>
+          <a:p>
+            <a:endParaRPr lang="en-US" sz="1200" b="0" i="0" u="none" strike="noStrike" kern="1200" dirty="0">
+              <a:solidFill>
+                <a:schemeClr val="tx1"/>
+              </a:solidFill>
+              <a:effectLst/>
+              <a:latin typeface="+mn-lt"/>
+              <a:ea typeface="+mn-ea"/>
+              <a:cs typeface="+mn-cs"/>
+            </a:endParaRPr>
+          </a:p>
+          <a:p>
+            <a:r>
+              <a:rPr lang="en-US" sz="1200" b="0" i="0" u="none" strike="noStrike" kern="1200" dirty="0">
+                <a:solidFill>
+                  <a:schemeClr val="tx1"/>
+                </a:solidFill>
+                <a:effectLst/>
+                <a:latin typeface="+mn-lt"/>
+                <a:ea typeface="+mn-ea"/>
+                <a:cs typeface="+mn-cs"/>
+              </a:rPr>
+              <a:t>Cache the results of a query in provisioned Azure Synapse SQL Pool storage. This enables interactive response times for repetitive queries against tables with infrequent data changes.</a:t>
+            </a:r>
+          </a:p>
+          <a:p>
+            <a:endParaRPr lang="en-US" sz="1200" b="0" i="0" u="none" strike="noStrike" kern="1200" dirty="0">
+              <a:solidFill>
+                <a:schemeClr val="tx1"/>
+              </a:solidFill>
+              <a:effectLst/>
+              <a:latin typeface="+mn-lt"/>
+              <a:ea typeface="+mn-ea"/>
+              <a:cs typeface="+mn-cs"/>
+            </a:endParaRPr>
+          </a:p>
+          <a:p>
+            <a:r>
+              <a:rPr lang="en-US" sz="1200" b="0" i="0" u="none" strike="noStrike" kern="1200" dirty="0">
+                <a:solidFill>
+                  <a:schemeClr val="tx1"/>
+                </a:solidFill>
+                <a:effectLst/>
+                <a:latin typeface="+mn-lt"/>
+                <a:ea typeface="+mn-ea"/>
+                <a:cs typeface="+mn-cs"/>
+              </a:rPr>
+              <a:t>The result-set cache persists even if SQL pool is paused and resumed later.</a:t>
+            </a:r>
+          </a:p>
+          <a:p>
+            <a:endParaRPr lang="en-US" sz="1200" b="0" i="0" u="none" strike="noStrike" kern="1200" dirty="0">
+              <a:solidFill>
+                <a:schemeClr val="tx1"/>
+              </a:solidFill>
+              <a:effectLst/>
+              <a:latin typeface="+mn-lt"/>
+              <a:ea typeface="+mn-ea"/>
+              <a:cs typeface="+mn-cs"/>
+            </a:endParaRPr>
+          </a:p>
+          <a:p>
+            <a:r>
+              <a:rPr lang="en-US" sz="1200" b="0" i="0" u="none" strike="noStrike" kern="1200" dirty="0">
+                <a:solidFill>
+                  <a:schemeClr val="tx1"/>
+                </a:solidFill>
+                <a:effectLst/>
+                <a:latin typeface="+mn-lt"/>
+                <a:ea typeface="+mn-ea"/>
+                <a:cs typeface="+mn-cs"/>
+              </a:rPr>
+              <a:t>Query cache is invalidated and refreshed when underlying table data or query code changes.</a:t>
+            </a:r>
+          </a:p>
+          <a:p>
+            <a:endParaRPr lang="en-US" sz="1200" b="0" i="0" u="none" strike="noStrike" kern="1200" dirty="0">
+              <a:solidFill>
+                <a:schemeClr val="tx1"/>
+              </a:solidFill>
+              <a:effectLst/>
+              <a:latin typeface="+mn-lt"/>
+              <a:ea typeface="+mn-ea"/>
+              <a:cs typeface="+mn-cs"/>
+            </a:endParaRPr>
+          </a:p>
+          <a:p>
+            <a:r>
+              <a:rPr lang="en-US" sz="1200" b="0" i="0" u="none" strike="noStrike" kern="1200" dirty="0">
+                <a:solidFill>
+                  <a:schemeClr val="tx1"/>
+                </a:solidFill>
+                <a:effectLst/>
+                <a:latin typeface="+mn-lt"/>
+                <a:ea typeface="+mn-ea"/>
+                <a:cs typeface="+mn-cs"/>
+              </a:rPr>
+              <a:t>Result cache is evicted regularly based on a time-aware least recently used algorithm (TLRU).</a:t>
+            </a:r>
           </a:p>
         </p:txBody>
       </p:sp>
@@ -4268,7 +4429,7 @@
     </p:spTree>
     <p:extLst>
       <p:ext uri="{BB962C8B-B14F-4D97-AF65-F5344CB8AC3E}">
-        <p14:creationId xmlns:p14="http://schemas.microsoft.com/office/powerpoint/2010/main" val="888691492"/>
+        <p14:creationId xmlns:p14="http://schemas.microsoft.com/office/powerpoint/2010/main" val="3815634192"/>
       </p:ext>
     </p:extLst>
   </p:cSld>
@@ -4332,7 +4493,7 @@
                 <a:ea typeface="+mn-ea"/>
                 <a:cs typeface="+mn-cs"/>
               </a:rPr>
-              <a:t>In previous efforts, WWI systems struggled with their popularity. Exploratory queries that were not time sensitive would saturate the available resources and delay the execution of higher priority queries supporting critical reports. Explain how your solution helps to resolve this.</a:t>
+              <a:t>What product can WWI use to visualize their retail transaction data? Is it a separate tool that they need to install?</a:t>
             </a:r>
           </a:p>
           <a:p>
@@ -4357,7 +4518,7 @@
                 <a:ea typeface="+mn-ea"/>
                 <a:cs typeface="+mn-cs"/>
               </a:rPr>
-              <a:t>We can separate marketing workloads from say the finance workloads using workload management. </a:t>
+              <a:t>Power BI. They can create, edit and view Power BI reports directly within the Azure Synapse Studio. They can also use Power BI Desktop to create and publish both datasets and reports that are then available within Azure Synapse Studio.</a:t>
             </a:r>
           </a:p>
           <a:p>
@@ -4373,7 +4534,7 @@
           </a:p>
           <a:p>
             <a:r>
-              <a:rPr lang="en-US" sz="1200" b="0" i="0" u="none" strike="noStrike" kern="1200" dirty="0">
+              <a:rPr lang="en-US" sz="1200" b="1" i="0" u="none" strike="noStrike" kern="1200" dirty="0">
                 <a:solidFill>
                   <a:schemeClr val="tx1"/>
                 </a:solidFill>
@@ -4382,7 +4543,32 @@
                 <a:ea typeface="+mn-ea"/>
                 <a:cs typeface="+mn-cs"/>
               </a:rPr>
-              <a:t>WWI should configure Workload Management in Azure Synapse Analytics which serves to prevent this situation.</a:t>
+              <a:t>Can they use this same tool to visualize both the batch and streaming data in a single dashboard view?</a:t>
+            </a:r>
+          </a:p>
+          <a:p>
+            <a:endParaRPr lang="en-US" sz="1200" b="1" i="0" u="none" strike="noStrike" kern="1200" dirty="0">
+              <a:solidFill>
+                <a:schemeClr val="tx1"/>
+              </a:solidFill>
+              <a:effectLst/>
+              <a:latin typeface="+mn-lt"/>
+              <a:ea typeface="+mn-ea"/>
+              <a:cs typeface="+mn-cs"/>
+            </a:endParaRPr>
+          </a:p>
+          <a:p>
+            <a:r>
+              <a:rPr lang="en-US" sz="1200" b="0" i="0" u="none" strike="noStrike" kern="1200" dirty="0">
+                <a:solidFill>
+                  <a:schemeClr val="tx1"/>
+                </a:solidFill>
+                <a:effectLst/>
+                <a:latin typeface="+mn-lt"/>
+                <a:ea typeface="+mn-ea"/>
+                <a:cs typeface="+mn-cs"/>
+              </a:rPr>
+              <a:t>Yes. Power BI can be used to create dashboards that visualize both kinds of data.</a:t>
             </a:r>
           </a:p>
           <a:p>
@@ -4398,7 +4584,7 @@
           </a:p>
           <a:p>
             <a:r>
-              <a:rPr lang="en-US" sz="1200" b="0" i="0" u="none" strike="noStrike" kern="1200" dirty="0">
+              <a:rPr lang="en-US" sz="1200" b="1" i="0" u="none" strike="noStrike" kern="1200" dirty="0">
                 <a:solidFill>
                   <a:schemeClr val="tx1"/>
                 </a:solidFill>
@@ -4407,149 +4593,7 @@
                 <a:ea typeface="+mn-ea"/>
                 <a:cs typeface="+mn-cs"/>
               </a:rPr>
-              <a:t>It manages resources, ensures highly efficient resource utilization, and maximizes return on investment (ROI).</a:t>
-            </a:r>
-          </a:p>
-          <a:p>
-            <a:endParaRPr lang="en-US" sz="1200" b="0" i="0" u="none" strike="noStrike" kern="1200" dirty="0">
-              <a:solidFill>
-                <a:schemeClr val="tx1"/>
-              </a:solidFill>
-              <a:effectLst/>
-              <a:latin typeface="+mn-lt"/>
-              <a:ea typeface="+mn-ea"/>
-              <a:cs typeface="+mn-cs"/>
-            </a:endParaRPr>
-          </a:p>
-          <a:p>
-            <a:r>
-              <a:rPr lang="en-US" sz="1200" b="0" i="0" u="none" strike="noStrike" kern="1200" dirty="0">
-                <a:solidFill>
-                  <a:schemeClr val="tx1"/>
-                </a:solidFill>
-                <a:effectLst/>
-                <a:latin typeface="+mn-lt"/>
-                <a:ea typeface="+mn-ea"/>
-                <a:cs typeface="+mn-cs"/>
-              </a:rPr>
-              <a:t>The three pillars of Workload Management are: </a:t>
-            </a:r>
-          </a:p>
-          <a:p>
-            <a:pPr lvl="2"/>
-            <a:r>
-              <a:rPr lang="en-US" sz="1200" b="0" i="0" u="none" strike="noStrike" kern="1200" dirty="0">
-                <a:solidFill>
-                  <a:schemeClr val="tx1"/>
-                </a:solidFill>
-                <a:effectLst/>
-                <a:latin typeface="+mn-lt"/>
-                <a:ea typeface="+mn-ea"/>
-                <a:cs typeface="+mn-cs"/>
-              </a:rPr>
-              <a:t>Workload Classification – To assign a request to a workload group and set importance levels.</a:t>
-            </a:r>
-          </a:p>
-          <a:p>
-            <a:pPr lvl="2"/>
-            <a:r>
-              <a:rPr lang="en-US" sz="1200" b="0" i="0" u="none" strike="noStrike" kern="1200" dirty="0">
-                <a:solidFill>
-                  <a:schemeClr val="tx1"/>
-                </a:solidFill>
-                <a:effectLst/>
-                <a:latin typeface="+mn-lt"/>
-                <a:ea typeface="+mn-ea"/>
-                <a:cs typeface="+mn-cs"/>
-              </a:rPr>
-              <a:t>Workload Importance – To influence the order in which a request gets access to resources.</a:t>
-            </a:r>
-          </a:p>
-          <a:p>
-            <a:pPr lvl="2"/>
-            <a:r>
-              <a:rPr lang="en-US" sz="1200" b="0" i="0" u="none" strike="noStrike" kern="1200" dirty="0">
-                <a:solidFill>
-                  <a:schemeClr val="tx1"/>
-                </a:solidFill>
-                <a:effectLst/>
-                <a:latin typeface="+mn-lt"/>
-                <a:ea typeface="+mn-ea"/>
-                <a:cs typeface="+mn-cs"/>
-              </a:rPr>
-              <a:t>Workload Isolation – To reserve resources for a workload group.</a:t>
-            </a:r>
-          </a:p>
-          <a:p>
-            <a:pPr lvl="2"/>
-            <a:endParaRPr lang="en-US" sz="1200" b="0" i="0" u="none" strike="noStrike" kern="1200" dirty="0">
-              <a:solidFill>
-                <a:schemeClr val="tx1"/>
-              </a:solidFill>
-              <a:effectLst/>
-              <a:latin typeface="+mn-lt"/>
-              <a:ea typeface="+mn-ea"/>
-              <a:cs typeface="+mn-cs"/>
-            </a:endParaRPr>
-          </a:p>
-          <a:p>
-            <a:pPr marL="0" marR="0" lvl="0" indent="0" algn="l" defTabSz="914400" rtl="0" eaLnBrk="1" fontAlgn="auto" latinLnBrk="0" hangingPunct="1">
-              <a:lnSpc>
-                <a:spcPct val="100000"/>
-              </a:lnSpc>
-              <a:spcBef>
-                <a:spcPts val="0"/>
-              </a:spcBef>
-              <a:spcAft>
-                <a:spcPts val="0"/>
-              </a:spcAft>
-              <a:buClrTx/>
-              <a:buSzTx/>
-              <a:buFontTx/>
-              <a:buNone/>
-              <a:tabLst/>
-              <a:defRPr/>
-            </a:pPr>
-            <a:r>
-              <a:rPr lang="en-US" sz="1200" b="0" i="0" u="none" strike="noStrike" kern="1200" dirty="0">
-                <a:solidFill>
-                  <a:schemeClr val="tx1"/>
-                </a:solidFill>
-                <a:effectLst/>
-                <a:latin typeface="+mn-lt"/>
-                <a:ea typeface="+mn-ea"/>
-                <a:cs typeface="+mn-cs"/>
-              </a:rPr>
-              <a:t>If workload management does not suffice, note that online scaling (which allows you to increase the cluster size without incurring downtime) and multi-cluster (which allows you to have several different clusters supporting a single data warehouse) are features that are coming soon.</a:t>
-            </a:r>
-          </a:p>
-          <a:p>
-            <a:pPr lvl="0"/>
-            <a:r>
-              <a:rPr lang="en-US" sz="1200" b="0" i="0" u="none" strike="noStrike" kern="1200" dirty="0">
-                <a:solidFill>
-                  <a:schemeClr val="tx1"/>
-                </a:solidFill>
-                <a:effectLst/>
-                <a:latin typeface="+mn-lt"/>
-                <a:ea typeface="+mn-ea"/>
-                <a:cs typeface="+mn-cs"/>
-              </a:rPr>
-              <a:t>		</a:t>
-            </a:r>
-          </a:p>
-          <a:p>
-            <a:r>
-              <a:rPr lang="en-US" sz="1200" b="1" i="0" u="none" strike="noStrike" kern="1200" dirty="0">
-                <a:solidFill>
-                  <a:schemeClr val="tx1"/>
-                </a:solidFill>
-                <a:effectLst/>
-                <a:latin typeface="+mn-lt"/>
-                <a:ea typeface="+mn-ea"/>
-                <a:cs typeface="+mn-cs"/>
-              </a:rPr>
-              <a:t>What does your solution provide to WWI to help them identify issues such as suboptimal table distribution, data skew, cache misses, tempdb contention and suboptimal plan selection?</a:t>
+              <a:t>With the product you recommend, do they need to load all the data into the data warehouse before they can create reports against it?</a:t>
             </a:r>
           </a:p>
           <a:p>
@@ -4574,102 +4618,7 @@
                 <a:ea typeface="+mn-ea"/>
                 <a:cs typeface="+mn-cs"/>
               </a:rPr>
-              <a:t>They can leverage the Azure Advisor recommendations.</a:t>
-            </a:r>
-          </a:p>
-          <a:p>
-            <a:endParaRPr lang="en-US" sz="1200" b="0" i="0" u="none" strike="noStrike" kern="1200" dirty="0">
-              <a:solidFill>
-                <a:schemeClr val="tx1"/>
-              </a:solidFill>
-              <a:effectLst/>
-              <a:latin typeface="+mn-lt"/>
-              <a:ea typeface="+mn-ea"/>
-              <a:cs typeface="+mn-cs"/>
-            </a:endParaRPr>
-          </a:p>
-          <a:p>
-            <a:r>
-              <a:rPr lang="en-US" sz="1200" b="1" i="0" u="none" strike="noStrike" kern="1200" dirty="0">
-                <a:solidFill>
-                  <a:schemeClr val="tx1"/>
-                </a:solidFill>
-                <a:effectLst/>
-                <a:latin typeface="+mn-lt"/>
-                <a:ea typeface="+mn-ea"/>
-                <a:cs typeface="+mn-cs"/>
-              </a:rPr>
-              <a:t>WWI recognizes there is a balance between the data warehouse software staying up to date and when they can afford downtime that might result. How can they establish their preferences with your solution, so they are never caught off guard with an upgrade?</a:t>
-            </a:r>
-          </a:p>
-          <a:p>
-            <a:endParaRPr lang="en-US" sz="1200" b="1" i="0" u="none" strike="noStrike" kern="1200" dirty="0">
-              <a:solidFill>
-                <a:schemeClr val="tx1"/>
-              </a:solidFill>
-              <a:effectLst/>
-              <a:latin typeface="+mn-lt"/>
-              <a:ea typeface="+mn-ea"/>
-              <a:cs typeface="+mn-cs"/>
-            </a:endParaRPr>
-          </a:p>
-          <a:p>
-            <a:r>
-              <a:rPr lang="en-US" sz="1200" b="0" i="0" u="none" strike="noStrike" kern="1200" dirty="0">
-                <a:solidFill>
-                  <a:schemeClr val="tx1"/>
-                </a:solidFill>
-                <a:effectLst/>
-                <a:latin typeface="+mn-lt"/>
-                <a:ea typeface="+mn-ea"/>
-                <a:cs typeface="+mn-cs"/>
-              </a:rPr>
-              <a:t>They should leverage maintenance windows, a feature of Azure Synapse Analytics. Within this they can: </a:t>
-            </a:r>
-          </a:p>
-          <a:p>
-            <a:pPr lvl="2"/>
-            <a:r>
-              <a:rPr lang="en-US" sz="1200" b="0" i="0" u="none" strike="noStrike" kern="1200" dirty="0">
-                <a:solidFill>
-                  <a:schemeClr val="tx1"/>
-                </a:solidFill>
-                <a:effectLst/>
-                <a:latin typeface="+mn-lt"/>
-                <a:ea typeface="+mn-ea"/>
-                <a:cs typeface="+mn-cs"/>
-              </a:rPr>
-              <a:t>Choose a time window for upgrades.</a:t>
-            </a:r>
-          </a:p>
-          <a:p>
-            <a:pPr lvl="2"/>
-            <a:r>
-              <a:rPr lang="en-US" sz="1200" b="0" i="0" u="none" strike="noStrike" kern="1200" dirty="0">
-                <a:solidFill>
-                  <a:schemeClr val="tx1"/>
-                </a:solidFill>
-                <a:effectLst/>
-                <a:latin typeface="+mn-lt"/>
-                <a:ea typeface="+mn-ea"/>
-                <a:cs typeface="+mn-cs"/>
-              </a:rPr>
-              <a:t>Select a primary and secondary window within a seven-day period, where windows can be from 3 to 8 hours.</a:t>
-            </a:r>
-          </a:p>
-          <a:p>
-            <a:pPr lvl="2"/>
-            <a:r>
-              <a:rPr lang="en-US" sz="1200" b="0" i="0" u="none" strike="noStrike" kern="1200" dirty="0">
-                <a:solidFill>
-                  <a:schemeClr val="tx1"/>
-                </a:solidFill>
-                <a:effectLst/>
-                <a:latin typeface="+mn-lt"/>
-                <a:ea typeface="+mn-ea"/>
-                <a:cs typeface="+mn-cs"/>
-              </a:rPr>
-              <a:t>Receive 24-hour advance notification for maintenance events.</a:t>
+              <a:t>No, they only need to load the data into Azure Storage. Using Azure Synapse SQL serverless and Power BI they can create reports against the data directly.</a:t>
             </a:r>
           </a:p>
           <a:p>
@@ -4711,7 +4660,7 @@
     </p:spTree>
     <p:extLst>
       <p:ext uri="{BB962C8B-B14F-4D97-AF65-F5344CB8AC3E}">
-        <p14:creationId xmlns:p14="http://schemas.microsoft.com/office/powerpoint/2010/main" val="1842677911"/>
+        <p14:creationId xmlns:p14="http://schemas.microsoft.com/office/powerpoint/2010/main" val="888691492"/>
       </p:ext>
     </p:extLst>
   </p:cSld>
@@ -4775,7 +4724,7 @@
                 <a:ea typeface="+mn-ea"/>
                 <a:cs typeface="+mn-cs"/>
               </a:rPr>
-              <a:t>How does your solution provide unified authentication, such as across SQL and Spark workloads?</a:t>
+              <a:t>In previous efforts, WWI systems struggled with their popularity. Exploratory queries that were not time sensitive would saturate the available resources and delay the execution of higher priority queries supporting critical reports. Explain how your solution helps to resolve this.</a:t>
             </a:r>
           </a:p>
           <a:p>
@@ -4800,7 +4749,7 @@
                 <a:ea typeface="+mn-ea"/>
                 <a:cs typeface="+mn-cs"/>
               </a:rPr>
-              <a:t>Azure Synapse Analytics uses Azure Active Directory (AAD) as its authentication mechanism. When a user logs into an Azure Synapse Analytics workspace, the active user's AAD credential is implicitly used to execute T-SQL queries on a SQL Pool, to run notebooks in a Spark Pool and to access Power BI reports. This same AAD credential is also utilized in controlling access to the data stored within SQL Pool Databases or stored within a hierarchical file system in Azure Storage (Azure Data Lake Store Gen2 or ADLS Gen2). By leveraging AAD, Azure Synapse Analytics allows for the centralized management of user identities.</a:t>
+              <a:t>We can separate marketing workloads from say the finance workloads using workload management. </a:t>
             </a:r>
           </a:p>
           <a:p>
@@ -4816,7 +4765,7 @@
           </a:p>
           <a:p>
             <a:r>
-              <a:rPr lang="en-US" sz="1200" b="1" i="0" u="none" strike="noStrike" kern="1200" dirty="0">
+              <a:rPr lang="en-US" sz="1200" b="0" i="0" u="none" strike="noStrike" kern="1200" dirty="0">
                 <a:solidFill>
                   <a:schemeClr val="tx1"/>
                 </a:solidFill>
@@ -4825,7 +4774,7 @@
                 <a:ea typeface="+mn-ea"/>
                 <a:cs typeface="+mn-cs"/>
               </a:rPr>
-              <a:t>How is access to data authorized for data stored in Azure Data Lake Store Gen2? In SQL Pool databases?</a:t>
+              <a:t>WWI should configure Workload Management in Azure Synapse Analytics which serves to prevent this situation.</a:t>
             </a:r>
           </a:p>
           <a:p>
@@ -4841,7 +4790,7 @@
           </a:p>
           <a:p>
             <a:r>
-              <a:rPr lang="en-US" sz="1200" b="0" i="1" u="sng" strike="noStrike" kern="1200" dirty="0">
+              <a:rPr lang="en-US" sz="1200" b="0" i="0" u="none" strike="noStrike" kern="1200" dirty="0">
                 <a:solidFill>
                   <a:schemeClr val="tx1"/>
                 </a:solidFill>
@@ -4850,31 +4799,7 @@
                 <a:ea typeface="+mn-ea"/>
                 <a:cs typeface="+mn-cs"/>
               </a:rPr>
-              <a:t>Authorization in ADLS gen2</a:t>
-            </a:r>
-            <a:r>
-              <a:rPr lang="en-US" sz="1200" b="1" i="0" u="none" strike="noStrike" kern="1200" dirty="0">
-                <a:solidFill>
-                  <a:schemeClr val="tx1"/>
-                </a:solidFill>
-                <a:effectLst/>
-                <a:latin typeface="+mn-lt"/>
-                <a:ea typeface="+mn-ea"/>
-                <a:cs typeface="+mn-cs"/>
-              </a:rPr>
-              <a:t>:</a:t>
-            </a:r>
-            <a:r>
-              <a:rPr lang="en-US" sz="1200" b="0" i="0" u="none" strike="noStrike" kern="1200" dirty="0">
-                <a:solidFill>
-                  <a:schemeClr val="tx1"/>
-                </a:solidFill>
-                <a:effectLst/>
-                <a:latin typeface="+mn-lt"/>
-                <a:ea typeface="+mn-ea"/>
-                <a:cs typeface="+mn-cs"/>
-              </a:rPr>
-              <a:t> From an authorization standpoint, course grained access control can be applied at the container level in Azure Storage by specifying AAD roles. Furthermore, fine grained access control is enabled by setting POSIX ACLs at the folder level.</a:t>
+              <a:t>It manages resources, ensures highly efficient resource utilization, and maximizes return on investment (ROI).</a:t>
             </a:r>
           </a:p>
           <a:p>
@@ -4890,7 +4815,7 @@
           </a:p>
           <a:p>
             <a:r>
-              <a:rPr lang="en-US" sz="1200" b="0" i="1" u="sng" strike="noStrike" kern="1200" dirty="0">
+              <a:rPr lang="en-US" sz="1200" b="0" i="0" u="none" strike="noStrike" kern="1200" dirty="0">
                 <a:solidFill>
                   <a:schemeClr val="tx1"/>
                 </a:solidFill>
@@ -4899,10 +4824,13 @@
                 <a:ea typeface="+mn-ea"/>
                 <a:cs typeface="+mn-cs"/>
               </a:rPr>
-              <a:t>Authorization in databases</a:t>
-            </a:r>
-            <a:r>
-              <a:rPr lang="en-US" sz="1200" b="1" i="0" u="none" strike="noStrike" kern="1200" dirty="0">
+              <a:t>The three pillars of Workload Management are: </a:t>
+            </a:r>
+          </a:p>
+          <a:p>
+            <a:pPr lvl="2"/>
+            <a:r>
+              <a:rPr lang="en-US" sz="1200" b="0" i="0" u="none" strike="noStrike" kern="1200" dirty="0">
                 <a:solidFill>
                   <a:schemeClr val="tx1"/>
                 </a:solidFill>
@@ -4911,8 +4839,11 @@
                 <a:ea typeface="+mn-ea"/>
                 <a:cs typeface="+mn-cs"/>
               </a:rPr>
-              <a:t>:</a:t>
-            </a:r>
+              <a:t>Workload Classification – To assign a request to a workload group and set importance levels.</a:t>
+            </a:r>
+          </a:p>
+          <a:p>
+            <a:pPr lvl="2"/>
             <a:r>
               <a:rPr lang="en-US" sz="1200" b="0" i="0" u="none" strike="noStrike" kern="1200" dirty="0">
                 <a:solidFill>
@@ -4923,10 +4854,26 @@
                 <a:ea typeface="+mn-ea"/>
                 <a:cs typeface="+mn-cs"/>
               </a:rPr>
-              <a:t> Management of database permissions is performed by setting access permissions on Azure Active Directory groups and users, which are external to the database. Object level security allows you to control permissions on tables, views, stored procedures and functions.</a:t>
-            </a:r>
-          </a:p>
-          <a:p>
+              <a:t>Workload Importance – To influence the order in which a request gets access to resources.</a:t>
+            </a:r>
+          </a:p>
+          <a:p>
+            <a:pPr lvl="2"/>
+            <a:r>
+              <a:rPr lang="en-US" sz="1200" b="0" i="0" u="none" strike="noStrike" kern="1200" dirty="0">
+                <a:solidFill>
+                  <a:schemeClr val="tx1"/>
+                </a:solidFill>
+                <a:effectLst/>
+                <a:latin typeface="+mn-lt"/>
+                <a:ea typeface="+mn-ea"/>
+                <a:cs typeface="+mn-cs"/>
+              </a:rPr>
+              <a:t>Workload Isolation – To reserve resources for a workload group.</a:t>
+            </a:r>
+          </a:p>
+          <a:p>
+            <a:pPr lvl="2"/>
             <a:endParaRPr lang="en-US" sz="1200" b="0" i="0" u="none" strike="noStrike" kern="1200" dirty="0">
               <a:solidFill>
                 <a:schemeClr val="tx1"/>
@@ -4936,6 +4883,186 @@
               <a:ea typeface="+mn-ea"/>
               <a:cs typeface="+mn-cs"/>
             </a:endParaRPr>
+          </a:p>
+          <a:p>
+            <a:pPr marL="0" marR="0" lvl="0" indent="0" algn="l" defTabSz="914400" rtl="0" eaLnBrk="1" fontAlgn="auto" latinLnBrk="0" hangingPunct="1">
+              <a:lnSpc>
+                <a:spcPct val="100000"/>
+              </a:lnSpc>
+              <a:spcBef>
+                <a:spcPts val="0"/>
+              </a:spcBef>
+              <a:spcAft>
+                <a:spcPts val="0"/>
+              </a:spcAft>
+              <a:buClrTx/>
+              <a:buSzTx/>
+              <a:buFontTx/>
+              <a:buNone/>
+              <a:tabLst/>
+              <a:defRPr/>
+            </a:pPr>
+            <a:r>
+              <a:rPr lang="en-US" sz="1200" b="0" i="0" u="none" strike="noStrike" kern="1200" dirty="0">
+                <a:solidFill>
+                  <a:schemeClr val="tx1"/>
+                </a:solidFill>
+                <a:effectLst/>
+                <a:latin typeface="+mn-lt"/>
+                <a:ea typeface="+mn-ea"/>
+                <a:cs typeface="+mn-cs"/>
+              </a:rPr>
+              <a:t>If workload management does not suffice, note that online scaling (which allows you to increase the cluster size without incurring downtime) and multi-cluster (which allows you to have several different clusters supporting a single data warehouse) are features that are coming soon.</a:t>
+            </a:r>
+          </a:p>
+          <a:p>
+            <a:pPr lvl="0"/>
+            <a:r>
+              <a:rPr lang="en-US" sz="1200" b="0" i="0" u="none" strike="noStrike" kern="1200" dirty="0">
+                <a:solidFill>
+                  <a:schemeClr val="tx1"/>
+                </a:solidFill>
+                <a:effectLst/>
+                <a:latin typeface="+mn-lt"/>
+                <a:ea typeface="+mn-ea"/>
+                <a:cs typeface="+mn-cs"/>
+              </a:rPr>
+              <a:t>		</a:t>
+            </a:r>
+          </a:p>
+          <a:p>
+            <a:r>
+              <a:rPr lang="en-US" sz="1200" b="1" i="0" u="none" strike="noStrike" kern="1200" dirty="0">
+                <a:solidFill>
+                  <a:schemeClr val="tx1"/>
+                </a:solidFill>
+                <a:effectLst/>
+                <a:latin typeface="+mn-lt"/>
+                <a:ea typeface="+mn-ea"/>
+                <a:cs typeface="+mn-cs"/>
+              </a:rPr>
+              <a:t>What does your solution provide to WWI to help them identify issues such as suboptimal table distribution, data skew, cache misses, tempdb contention and suboptimal plan selection?</a:t>
+            </a:r>
+          </a:p>
+          <a:p>
+            <a:endParaRPr lang="en-US" sz="1200" b="1" i="0" u="none" strike="noStrike" kern="1200" dirty="0">
+              <a:solidFill>
+                <a:schemeClr val="tx1"/>
+              </a:solidFill>
+              <a:effectLst/>
+              <a:latin typeface="+mn-lt"/>
+              <a:ea typeface="+mn-ea"/>
+              <a:cs typeface="+mn-cs"/>
+            </a:endParaRPr>
+          </a:p>
+          <a:p>
+            <a:r>
+              <a:rPr lang="en-US" sz="1200" b="0" i="0" u="none" strike="noStrike" kern="1200" dirty="0">
+                <a:solidFill>
+                  <a:schemeClr val="tx1"/>
+                </a:solidFill>
+                <a:effectLst/>
+                <a:latin typeface="+mn-lt"/>
+                <a:ea typeface="+mn-ea"/>
+                <a:cs typeface="+mn-cs"/>
+              </a:rPr>
+              <a:t>They can leverage the Azure Advisor recommendations.</a:t>
+            </a:r>
+          </a:p>
+          <a:p>
+            <a:endParaRPr lang="en-US" sz="1200" b="0" i="0" u="none" strike="noStrike" kern="1200" dirty="0">
+              <a:solidFill>
+                <a:schemeClr val="tx1"/>
+              </a:solidFill>
+              <a:effectLst/>
+              <a:latin typeface="+mn-lt"/>
+              <a:ea typeface="+mn-ea"/>
+              <a:cs typeface="+mn-cs"/>
+            </a:endParaRPr>
+          </a:p>
+          <a:p>
+            <a:r>
+              <a:rPr lang="en-US" sz="1200" b="1" i="0" u="none" strike="noStrike" kern="1200" dirty="0">
+                <a:solidFill>
+                  <a:schemeClr val="tx1"/>
+                </a:solidFill>
+                <a:effectLst/>
+                <a:latin typeface="+mn-lt"/>
+                <a:ea typeface="+mn-ea"/>
+                <a:cs typeface="+mn-cs"/>
+              </a:rPr>
+              <a:t>WWI recognizes there is a balance between the data warehouse software staying up to date and when they can afford downtime that might result. How can they establish their preferences with your solution, so they are never caught off guard with an upgrade?</a:t>
+            </a:r>
+          </a:p>
+          <a:p>
+            <a:endParaRPr lang="en-US" sz="1200" b="1" i="0" u="none" strike="noStrike" kern="1200" dirty="0">
+              <a:solidFill>
+                <a:schemeClr val="tx1"/>
+              </a:solidFill>
+              <a:effectLst/>
+              <a:latin typeface="+mn-lt"/>
+              <a:ea typeface="+mn-ea"/>
+              <a:cs typeface="+mn-cs"/>
+            </a:endParaRPr>
+          </a:p>
+          <a:p>
+            <a:r>
+              <a:rPr lang="en-US" sz="1200" b="0" i="0" u="none" strike="noStrike" kern="1200" dirty="0">
+                <a:solidFill>
+                  <a:schemeClr val="tx1"/>
+                </a:solidFill>
+                <a:effectLst/>
+                <a:latin typeface="+mn-lt"/>
+                <a:ea typeface="+mn-ea"/>
+                <a:cs typeface="+mn-cs"/>
+              </a:rPr>
+              <a:t>They should leverage maintenance windows, a feature of Azure Synapse Analytics. Within this they can: </a:t>
+            </a:r>
+          </a:p>
+          <a:p>
+            <a:pPr lvl="2"/>
+            <a:r>
+              <a:rPr lang="en-US" sz="1200" b="0" i="0" u="none" strike="noStrike" kern="1200" dirty="0">
+                <a:solidFill>
+                  <a:schemeClr val="tx1"/>
+                </a:solidFill>
+                <a:effectLst/>
+                <a:latin typeface="+mn-lt"/>
+                <a:ea typeface="+mn-ea"/>
+                <a:cs typeface="+mn-cs"/>
+              </a:rPr>
+              <a:t>Choose a time window for upgrades.</a:t>
+            </a:r>
+          </a:p>
+          <a:p>
+            <a:pPr lvl="2"/>
+            <a:r>
+              <a:rPr lang="en-US" sz="1200" b="0" i="0" u="none" strike="noStrike" kern="1200" dirty="0">
+                <a:solidFill>
+                  <a:schemeClr val="tx1"/>
+                </a:solidFill>
+                <a:effectLst/>
+                <a:latin typeface="+mn-lt"/>
+                <a:ea typeface="+mn-ea"/>
+                <a:cs typeface="+mn-cs"/>
+              </a:rPr>
+              <a:t>Select a primary and secondary window within a seven-day period, where windows can be from 3 to 8 hours.</a:t>
+            </a:r>
+          </a:p>
+          <a:p>
+            <a:pPr lvl="2"/>
+            <a:r>
+              <a:rPr lang="en-US" sz="1200" b="0" i="0" u="none" strike="noStrike" kern="1200" dirty="0">
+                <a:solidFill>
+                  <a:schemeClr val="tx1"/>
+                </a:solidFill>
+                <a:effectLst/>
+                <a:latin typeface="+mn-lt"/>
+                <a:ea typeface="+mn-ea"/>
+                <a:cs typeface="+mn-cs"/>
+              </a:rPr>
+              <a:t>Receive 24-hour advance notification for maintenance events.</a:t>
+            </a:r>
           </a:p>
           <a:p>
             <a:endParaRPr lang="en-US" sz="1200" b="0" i="0" u="none" strike="noStrike" kern="1200" dirty="0">
@@ -4976,7 +5103,7 @@
     </p:spTree>
     <p:extLst>
       <p:ext uri="{BB962C8B-B14F-4D97-AF65-F5344CB8AC3E}">
-        <p14:creationId xmlns:p14="http://schemas.microsoft.com/office/powerpoint/2010/main" val="1952098353"/>
+        <p14:creationId xmlns:p14="http://schemas.microsoft.com/office/powerpoint/2010/main" val="1842677911"/>
       </p:ext>
     </p:extLst>
   </p:cSld>
@@ -5040,7 +5167,32 @@
                 <a:ea typeface="+mn-ea"/>
                 <a:cs typeface="+mn-cs"/>
               </a:rPr>
-              <a:t>One of WWI's challenges is that while multiple departments might be able to query a given table, what data they should be allowed to see depends on their department or role within the company. How could your solution support this? You should suggest three options.</a:t>
+              <a:t>How does your solution provide unified authentication, such as across SQL and Spark workloads?</a:t>
+            </a:r>
+          </a:p>
+          <a:p>
+            <a:endParaRPr lang="en-US" sz="1200" b="1" i="0" u="none" strike="noStrike" kern="1200" dirty="0">
+              <a:solidFill>
+                <a:schemeClr val="tx1"/>
+              </a:solidFill>
+              <a:effectLst/>
+              <a:latin typeface="+mn-lt"/>
+              <a:ea typeface="+mn-ea"/>
+              <a:cs typeface="+mn-cs"/>
+            </a:endParaRPr>
+          </a:p>
+          <a:p>
+            <a:r>
+              <a:rPr lang="en-US" sz="1200" b="0" i="0" u="none" strike="noStrike" kern="1200" dirty="0">
+                <a:solidFill>
+                  <a:schemeClr val="tx1"/>
+                </a:solidFill>
+                <a:effectLst/>
+                <a:latin typeface="+mn-lt"/>
+                <a:ea typeface="+mn-ea"/>
+                <a:cs typeface="+mn-cs"/>
+              </a:rPr>
+              <a:t>Azure Synapse Analytics uses Azure Active Directory (AAD) as its authentication mechanism. When a user logs into an Azure Synapse Analytics workspace, the active user's AAD credential is implicitly used to execute T-SQL queries on a SQL Pool, to run notebooks in a Spark Pool and to access Power BI reports. This same AAD credential is also utilized in controlling access to the data stored within SQL Pool Databases or stored within a hierarchical file system in Azure Storage (Azure Data Lake Store Gen2 or ADLS Gen2). By leveraging AAD, Azure Synapse Analytics allows for the centralized management of user identities.</a:t>
             </a:r>
           </a:p>
           <a:p>
@@ -5056,7 +5208,7 @@
           </a:p>
           <a:p>
             <a:r>
-              <a:rPr lang="en-US" sz="1200" b="0" i="0" u="none" strike="noStrike" kern="1200" dirty="0">
+              <a:rPr lang="en-US" sz="1200" b="1" i="0" u="none" strike="noStrike" kern="1200" dirty="0">
                 <a:solidFill>
                   <a:schemeClr val="tx1"/>
                 </a:solidFill>
@@ -5065,7 +5217,7 @@
                 <a:ea typeface="+mn-ea"/>
                 <a:cs typeface="+mn-cs"/>
               </a:rPr>
-              <a:t>WWI could achieve this in several ways using either Row Level Security, Column Level Security or Dynamic Data Masking. They might even benefit from all three being applied to the same table depending on their needs.</a:t>
+              <a:t>How is access to data authorized for data stored in Azure Data Lake Store Gen2? In SQL Pool databases?</a:t>
             </a:r>
           </a:p>
           <a:p>
@@ -5090,7 +5242,7 @@
                 <a:ea typeface="+mn-ea"/>
                 <a:cs typeface="+mn-cs"/>
               </a:rPr>
-              <a:t>Row Level Security</a:t>
+              <a:t>Authorization in ADLS gen2</a:t>
             </a:r>
             <a:r>
               <a:rPr lang="en-US" sz="1200" b="1" i="0" u="none" strike="noStrike" kern="1200" dirty="0">
@@ -5114,7 +5266,7 @@
                 <a:ea typeface="+mn-ea"/>
                 <a:cs typeface="+mn-cs"/>
               </a:rPr>
-              <a:t> In Azure Synapse Analytics, tables in SQL Pool databases support Row Level Security (RLS). RLS enables you to implement restrictions on data row access. The access restriction logic is located in the database tier rather than away from the data in another application tier. The database system applies the access restrictions every time that data access is attempted from any tier. Think of RLS as effectively filtering out rows the user is not authorized to select, update or delete. This makes your security system more reliable and robust by reducing the surface area of your security system.</a:t>
+              <a:t> From an authorization standpoint, course grained access control can be applied at the container level in Azure Storage by specifying AAD roles. Furthermore, fine grained access control is enabled by setting POSIX ACLs at the folder level.</a:t>
             </a:r>
           </a:p>
           <a:p>
@@ -5139,7 +5291,7 @@
                 <a:ea typeface="+mn-ea"/>
                 <a:cs typeface="+mn-cs"/>
               </a:rPr>
-              <a:t>Columns Level Security</a:t>
+              <a:t>Authorization in databases</a:t>
             </a:r>
             <a:r>
               <a:rPr lang="en-US" sz="1200" b="1" i="0" u="none" strike="noStrike" kern="1200" dirty="0">
@@ -5163,493 +5315,10 @@
                 <a:ea typeface="+mn-ea"/>
                 <a:cs typeface="+mn-cs"/>
               </a:rPr>
-              <a:t> In addition, tables in SQL Pool databases support Column Level Security (CLS). CLS enables you to control access to specific columns in a database table based on a user's group membership or execution context.</a:t>
-            </a:r>
-          </a:p>
-          <a:p>
-            <a:endParaRPr lang="en-US" sz="1200" b="0" i="0" u="none" strike="noStrike" kern="1200" dirty="0">
-              <a:solidFill>
-                <a:schemeClr val="tx1"/>
-              </a:solidFill>
-              <a:effectLst/>
-              <a:latin typeface="+mn-lt"/>
-              <a:ea typeface="+mn-ea"/>
-              <a:cs typeface="+mn-cs"/>
-            </a:endParaRPr>
-          </a:p>
-          <a:p>
-            <a:r>
-              <a:rPr lang="en-US" sz="1200" b="0" i="1" u="sng" strike="noStrike" kern="1200" dirty="0">
-                <a:solidFill>
-                  <a:schemeClr val="tx1"/>
-                </a:solidFill>
-                <a:effectLst/>
-                <a:latin typeface="+mn-lt"/>
-                <a:ea typeface="+mn-ea"/>
-                <a:cs typeface="+mn-cs"/>
-              </a:rPr>
-              <a:t>Dynamic Data Masking</a:t>
-            </a:r>
-            <a:r>
-              <a:rPr lang="en-US" sz="1200" b="1" i="0" u="none" strike="noStrike" kern="1200" dirty="0">
-                <a:solidFill>
-                  <a:schemeClr val="tx1"/>
-                </a:solidFill>
-                <a:effectLst/>
-                <a:latin typeface="+mn-lt"/>
-                <a:ea typeface="+mn-ea"/>
-                <a:cs typeface="+mn-cs"/>
-              </a:rPr>
-              <a:t>:</a:t>
-            </a:r>
-            <a:r>
-              <a:rPr lang="en-US" sz="1200" b="0" i="0" u="none" strike="noStrike" kern="1200" dirty="0">
-                <a:solidFill>
-                  <a:schemeClr val="tx1"/>
-                </a:solidFill>
-                <a:effectLst/>
-                <a:latin typeface="+mn-lt"/>
-                <a:ea typeface="+mn-ea"/>
-                <a:cs typeface="+mn-cs"/>
-              </a:rPr>
-              <a:t> Alternately, if parts only parts of a field need to be displayed according to the users' group membership (such as displaying only a few characters of an email address), then WWI could use Dynamic Data Masking.</a:t>
-            </a:r>
-          </a:p>
-          <a:p>
-            <a:endParaRPr lang="en-US" sz="1200" b="0" i="0" u="none" strike="noStrike" kern="1200" dirty="0">
-              <a:solidFill>
-                <a:schemeClr val="tx1"/>
-              </a:solidFill>
-              <a:effectLst/>
-              <a:latin typeface="+mn-lt"/>
-              <a:ea typeface="+mn-ea"/>
-              <a:cs typeface="+mn-cs"/>
-            </a:endParaRPr>
-          </a:p>
-          <a:p>
-            <a:r>
-              <a:rPr lang="en-US" sz="1200" b="1" i="0" u="none" strike="noStrike" kern="1200" dirty="0">
-                <a:solidFill>
-                  <a:schemeClr val="tx1"/>
-                </a:solidFill>
-                <a:effectLst/>
-                <a:latin typeface="+mn-lt"/>
-                <a:ea typeface="+mn-ea"/>
-                <a:cs typeface="+mn-cs"/>
-              </a:rPr>
-              <a:t>Can the solution help WWI discover, track and remediate security misconfigurations and detect threats? How?</a:t>
-            </a:r>
-          </a:p>
-          <a:p>
-            <a:endParaRPr lang="en-US" sz="1200" b="0" i="0" u="none" strike="noStrike" kern="1200" dirty="0">
-              <a:solidFill>
-                <a:schemeClr val="tx1"/>
-              </a:solidFill>
-              <a:effectLst/>
-              <a:latin typeface="+mn-lt"/>
-              <a:ea typeface="+mn-ea"/>
-              <a:cs typeface="+mn-cs"/>
-            </a:endParaRPr>
-          </a:p>
-          <a:p>
-            <a:r>
-              <a:rPr lang="en-US" sz="1200" b="0" i="0" u="none" strike="noStrike" kern="1200" dirty="0">
-                <a:solidFill>
-                  <a:schemeClr val="tx1"/>
-                </a:solidFill>
-                <a:effectLst/>
-                <a:latin typeface="+mn-lt"/>
-                <a:ea typeface="+mn-ea"/>
-                <a:cs typeface="+mn-cs"/>
-              </a:rPr>
-              <a:t>There are two primary ways: using the SQL Vulnerability Assessment and with SQL Threat Detection.</a:t>
-            </a:r>
-          </a:p>
-          <a:p>
-            <a:endParaRPr lang="en-US" sz="1200" b="0" i="0" u="none" strike="noStrike" kern="1200" dirty="0">
-              <a:solidFill>
-                <a:schemeClr val="tx1"/>
-              </a:solidFill>
-              <a:effectLst/>
-              <a:latin typeface="+mn-lt"/>
-              <a:ea typeface="+mn-ea"/>
-              <a:cs typeface="+mn-cs"/>
-            </a:endParaRPr>
-          </a:p>
-          <a:p>
-            <a:r>
-              <a:rPr lang="en-US" sz="1200" b="0" i="0" u="none" strike="noStrike" kern="1200" dirty="0">
-                <a:solidFill>
-                  <a:schemeClr val="tx1"/>
-                </a:solidFill>
-                <a:effectLst/>
-                <a:latin typeface="+mn-lt"/>
-                <a:ea typeface="+mn-ea"/>
-                <a:cs typeface="+mn-cs"/>
-              </a:rPr>
-              <a:t>The SQL Vulnerability Assessment is an easy to use service that can help you discover, track, and remediate potential database vulnerabilities. It provides visibility into your database security state and allows constant improvements. In short, it: </a:t>
-            </a:r>
-          </a:p>
-          <a:p>
-            <a:endParaRPr lang="en-US" sz="1200" b="0" i="0" u="none" strike="noStrike" kern="1200" dirty="0">
-              <a:solidFill>
-                <a:schemeClr val="tx1"/>
-              </a:solidFill>
-              <a:effectLst/>
-              <a:latin typeface="+mn-lt"/>
-              <a:ea typeface="+mn-ea"/>
-              <a:cs typeface="+mn-cs"/>
-            </a:endParaRPr>
-          </a:p>
-          <a:p>
-            <a:pPr lvl="2"/>
-            <a:r>
-              <a:rPr lang="en-US" sz="1200" b="0" i="0" u="none" strike="noStrike" kern="1200" dirty="0">
-                <a:solidFill>
-                  <a:schemeClr val="tx1"/>
-                </a:solidFill>
-                <a:effectLst/>
-                <a:latin typeface="+mn-lt"/>
-                <a:ea typeface="+mn-ea"/>
-                <a:cs typeface="+mn-cs"/>
-              </a:rPr>
-              <a:t>Runs a set of security checks that identify security misconfigurations.</a:t>
-            </a:r>
-          </a:p>
-          <a:p>
-            <a:pPr lvl="2"/>
-            <a:endParaRPr lang="en-US" sz="1200" b="0" i="0" u="none" strike="noStrike" kern="1200" dirty="0">
-              <a:solidFill>
-                <a:schemeClr val="tx1"/>
-              </a:solidFill>
-              <a:effectLst/>
-              <a:latin typeface="+mn-lt"/>
-              <a:ea typeface="+mn-ea"/>
-              <a:cs typeface="+mn-cs"/>
-            </a:endParaRPr>
-          </a:p>
-          <a:p>
-            <a:pPr lvl="2"/>
-            <a:r>
-              <a:rPr lang="en-US" sz="1200" b="0" i="0" u="none" strike="noStrike" kern="1200" dirty="0">
-                <a:solidFill>
-                  <a:schemeClr val="tx1"/>
-                </a:solidFill>
-                <a:effectLst/>
-                <a:latin typeface="+mn-lt"/>
-                <a:ea typeface="+mn-ea"/>
-                <a:cs typeface="+mn-cs"/>
-              </a:rPr>
-              <a:t>Allows setting a security baseline that customize the results to suit your environment.</a:t>
-            </a:r>
-          </a:p>
-          <a:p>
-            <a:pPr lvl="2"/>
-            <a:endParaRPr lang="en-US" sz="1200" b="0" i="0" u="none" strike="noStrike" kern="1200" dirty="0">
-              <a:solidFill>
-                <a:schemeClr val="tx1"/>
-              </a:solidFill>
-              <a:effectLst/>
-              <a:latin typeface="+mn-lt"/>
-              <a:ea typeface="+mn-ea"/>
-              <a:cs typeface="+mn-cs"/>
-            </a:endParaRPr>
-          </a:p>
-          <a:p>
-            <a:pPr lvl="2"/>
-            <a:r>
-              <a:rPr lang="en-US" sz="1200" b="0" i="0" u="none" strike="noStrike" kern="1200" dirty="0">
-                <a:solidFill>
-                  <a:schemeClr val="tx1"/>
-                </a:solidFill>
-                <a:effectLst/>
-                <a:latin typeface="+mn-lt"/>
-                <a:ea typeface="+mn-ea"/>
-                <a:cs typeface="+mn-cs"/>
-              </a:rPr>
-              <a:t>Provides a clear report which is very helpful for security audits.</a:t>
-            </a:r>
-          </a:p>
-          <a:p>
-            <a:endParaRPr lang="en-US" sz="1200" b="0" i="0" u="none" strike="noStrike" kern="1200" dirty="0">
-              <a:solidFill>
-                <a:schemeClr val="tx1"/>
-              </a:solidFill>
-              <a:effectLst/>
-              <a:latin typeface="+mn-lt"/>
-              <a:ea typeface="+mn-ea"/>
-              <a:cs typeface="+mn-cs"/>
-            </a:endParaRPr>
-          </a:p>
-          <a:p>
-            <a:pPr marL="0" marR="0" lvl="0" indent="0" algn="l" defTabSz="914400" rtl="0" eaLnBrk="1" fontAlgn="auto" latinLnBrk="0" hangingPunct="1">
-              <a:lnSpc>
-                <a:spcPct val="100000"/>
-              </a:lnSpc>
-              <a:spcBef>
-                <a:spcPts val="0"/>
-              </a:spcBef>
-              <a:spcAft>
-                <a:spcPts val="0"/>
-              </a:spcAft>
-              <a:buClrTx/>
-              <a:buSzTx/>
-              <a:buFontTx/>
-              <a:buNone/>
-              <a:tabLst/>
-              <a:defRPr/>
-            </a:pPr>
-            <a:r>
-              <a:rPr lang="en-US" sz="1200" b="0" i="0" u="none" strike="noStrike" kern="1200" dirty="0">
-                <a:solidFill>
-                  <a:schemeClr val="tx1"/>
-                </a:solidFill>
-                <a:effectLst/>
-                <a:latin typeface="+mn-lt"/>
-                <a:ea typeface="+mn-ea"/>
-                <a:cs typeface="+mn-cs"/>
-              </a:rPr>
-              <a:t>The SQL Vulnerability Assessment is run from the Azure Portal. It takes a few seconds to run and is entirely read-only. It does not make any changes to your database.</a:t>
-            </a:r>
-          </a:p>
-          <a:p>
-            <a:pPr marL="0" marR="0" lvl="0" indent="0" algn="l" defTabSz="914400" rtl="0" eaLnBrk="1" fontAlgn="auto" latinLnBrk="0" hangingPunct="1">
-              <a:lnSpc>
-                <a:spcPct val="100000"/>
-              </a:lnSpc>
-              <a:spcBef>
-                <a:spcPts val="0"/>
-              </a:spcBef>
-              <a:spcAft>
-                <a:spcPts val="0"/>
-              </a:spcAft>
-              <a:buClrTx/>
-              <a:buSzTx/>
-              <a:buFontTx/>
-              <a:buNone/>
-              <a:tabLst/>
-              <a:defRPr/>
-            </a:pPr>
-            <a:endParaRPr lang="en-US" sz="1200" b="0" i="0" u="none" strike="noStrike" kern="1200" dirty="0">
-              <a:solidFill>
-                <a:schemeClr val="tx1"/>
-              </a:solidFill>
-              <a:effectLst/>
-              <a:latin typeface="+mn-lt"/>
-              <a:ea typeface="+mn-ea"/>
-              <a:cs typeface="+mn-cs"/>
-            </a:endParaRPr>
-          </a:p>
-          <a:p>
-            <a:pPr marL="0" marR="0" lvl="0" indent="0" algn="l" defTabSz="914400" rtl="0" eaLnBrk="1" fontAlgn="auto" latinLnBrk="0" hangingPunct="1">
-              <a:lnSpc>
-                <a:spcPct val="100000"/>
-              </a:lnSpc>
-              <a:spcBef>
-                <a:spcPts val="0"/>
-              </a:spcBef>
-              <a:spcAft>
-                <a:spcPts val="0"/>
-              </a:spcAft>
-              <a:buClrTx/>
-              <a:buSzTx/>
-              <a:buFontTx/>
-              <a:buNone/>
-              <a:tabLst/>
-              <a:defRPr/>
-            </a:pPr>
-            <a:r>
-              <a:rPr lang="en-US" sz="1200" b="0" i="0" u="none" strike="noStrike" kern="1200" dirty="0">
-                <a:solidFill>
-                  <a:schemeClr val="tx1"/>
-                </a:solidFill>
-                <a:effectLst/>
-                <a:latin typeface="+mn-lt"/>
-                <a:ea typeface="+mn-ea"/>
-                <a:cs typeface="+mn-cs"/>
-              </a:rPr>
-              <a:t>When the scan completes, you will presented with a report. The report presents an overview of your security state; how many issues were found, and their respective severities. Results include warnings on deviations from best practices, as well as a snapshot of your security-related settings, such as database principals and roles and their associated permissions. The scan report also provides a map of sensitive data discovered in your database, and includes recommendations of the built-in methods available to protect it.</a:t>
-            </a:r>
-          </a:p>
-          <a:p>
-            <a:pPr marL="0" marR="0" lvl="0" indent="0" algn="l" defTabSz="914400" rtl="0" eaLnBrk="1" fontAlgn="auto" latinLnBrk="0" hangingPunct="1">
-              <a:lnSpc>
-                <a:spcPct val="100000"/>
-              </a:lnSpc>
-              <a:spcBef>
-                <a:spcPts val="0"/>
-              </a:spcBef>
-              <a:spcAft>
-                <a:spcPts val="0"/>
-              </a:spcAft>
-              <a:buClrTx/>
-              <a:buSzTx/>
-              <a:buFontTx/>
-              <a:buNone/>
-              <a:tabLst/>
-              <a:defRPr/>
-            </a:pPr>
-            <a:endParaRPr lang="en-US" sz="1200" b="0" i="0" u="none" strike="noStrike" kern="1200" dirty="0">
-              <a:solidFill>
-                <a:schemeClr val="tx1"/>
-              </a:solidFill>
-              <a:effectLst/>
-              <a:latin typeface="+mn-lt"/>
-              <a:ea typeface="+mn-ea"/>
-              <a:cs typeface="+mn-cs"/>
-            </a:endParaRPr>
-          </a:p>
-          <a:p>
-            <a:pPr marL="0" marR="0" lvl="0" indent="0" algn="l" defTabSz="914400" rtl="0" eaLnBrk="1" fontAlgn="auto" latinLnBrk="0" hangingPunct="1">
-              <a:lnSpc>
-                <a:spcPct val="100000"/>
-              </a:lnSpc>
-              <a:spcBef>
-                <a:spcPts val="0"/>
-              </a:spcBef>
-              <a:spcAft>
-                <a:spcPts val="0"/>
-              </a:spcAft>
-              <a:buClrTx/>
-              <a:buSzTx/>
-              <a:buFontTx/>
-              <a:buNone/>
-              <a:tabLst/>
-              <a:defRPr/>
-            </a:pPr>
-            <a:r>
-              <a:rPr lang="en-US" sz="1200" b="0" i="0" u="none" strike="noStrike" kern="1200" dirty="0">
-                <a:solidFill>
-                  <a:schemeClr val="tx1"/>
-                </a:solidFill>
-                <a:effectLst/>
-                <a:latin typeface="+mn-lt"/>
-                <a:ea typeface="+mn-ea"/>
-                <a:cs typeface="+mn-cs"/>
-              </a:rPr>
-              <a:t>From the report you can drill-down to each failed result to understand the impact of the finding, and why each security check failed. You can use the actionable remediation information provided by the report to resolve the issue, for example, by running a generated remediation script in a new query editor window.</a:t>
-            </a:r>
-          </a:p>
-          <a:p>
-            <a:pPr marL="0" marR="0" lvl="0" indent="0" algn="l" defTabSz="914400" rtl="0" eaLnBrk="1" fontAlgn="auto" latinLnBrk="0" hangingPunct="1">
-              <a:lnSpc>
-                <a:spcPct val="100000"/>
-              </a:lnSpc>
-              <a:spcBef>
-                <a:spcPts val="0"/>
-              </a:spcBef>
-              <a:spcAft>
-                <a:spcPts val="0"/>
-              </a:spcAft>
-              <a:buClrTx/>
-              <a:buSzTx/>
-              <a:buFontTx/>
-              <a:buNone/>
-              <a:tabLst/>
-              <a:defRPr/>
-            </a:pPr>
-            <a:endParaRPr lang="en-US" sz="1200" b="0" i="0" u="none" strike="noStrike" kern="1200" dirty="0">
-              <a:solidFill>
-                <a:schemeClr val="tx1"/>
-              </a:solidFill>
-              <a:effectLst/>
-              <a:latin typeface="+mn-lt"/>
-              <a:ea typeface="+mn-ea"/>
-              <a:cs typeface="+mn-cs"/>
-            </a:endParaRPr>
-          </a:p>
-          <a:p>
-            <a:pPr marL="0" marR="0" lvl="0" indent="0" algn="l" defTabSz="914400" rtl="0" eaLnBrk="1" fontAlgn="auto" latinLnBrk="0" hangingPunct="1">
-              <a:lnSpc>
-                <a:spcPct val="100000"/>
-              </a:lnSpc>
-              <a:spcBef>
-                <a:spcPts val="0"/>
-              </a:spcBef>
-              <a:spcAft>
-                <a:spcPts val="0"/>
-              </a:spcAft>
-              <a:buClrTx/>
-              <a:buSzTx/>
-              <a:buFontTx/>
-              <a:buNone/>
-              <a:tabLst/>
-              <a:defRPr/>
-            </a:pPr>
-            <a:r>
-              <a:rPr lang="en-US" sz="1200" b="0" i="0" u="none" strike="noStrike" kern="1200" dirty="0">
-                <a:solidFill>
-                  <a:schemeClr val="tx1"/>
-                </a:solidFill>
-                <a:effectLst/>
-                <a:latin typeface="+mn-lt"/>
-                <a:ea typeface="+mn-ea"/>
-                <a:cs typeface="+mn-cs"/>
-              </a:rPr>
-              <a:t>As you review your assessment results, you can mark specific results as being an acceptable Baseline in your environment. The baseline is essentially a customization of how the results are reported. Results that match the baseline are considered as passing in subsequent scans.</a:t>
-            </a:r>
-          </a:p>
-          <a:p>
-            <a:pPr marL="0" marR="0" lvl="0" indent="0" algn="l" defTabSz="914400" rtl="0" eaLnBrk="1" fontAlgn="auto" latinLnBrk="0" hangingPunct="1">
-              <a:lnSpc>
-                <a:spcPct val="100000"/>
-              </a:lnSpc>
-              <a:spcBef>
-                <a:spcPts val="0"/>
-              </a:spcBef>
-              <a:spcAft>
-                <a:spcPts val="0"/>
-              </a:spcAft>
-              <a:buClrTx/>
-              <a:buSzTx/>
-              <a:buFontTx/>
-              <a:buNone/>
-              <a:tabLst/>
-              <a:defRPr/>
-            </a:pPr>
-            <a:endParaRPr lang="en-US" sz="1200" b="0" i="0" u="none" strike="noStrike" kern="1200" dirty="0">
-              <a:solidFill>
-                <a:schemeClr val="tx1"/>
-              </a:solidFill>
-              <a:effectLst/>
-              <a:latin typeface="+mn-lt"/>
-              <a:ea typeface="+mn-ea"/>
-              <a:cs typeface="+mn-cs"/>
-            </a:endParaRPr>
-          </a:p>
-          <a:p>
-            <a:pPr marL="0" marR="0" lvl="0" indent="0" algn="l" defTabSz="914400" rtl="0" eaLnBrk="1" fontAlgn="auto" latinLnBrk="0" hangingPunct="1">
-              <a:lnSpc>
-                <a:spcPct val="100000"/>
-              </a:lnSpc>
-              <a:spcBef>
-                <a:spcPts val="0"/>
-              </a:spcBef>
-              <a:spcAft>
-                <a:spcPts val="0"/>
-              </a:spcAft>
-              <a:buClrTx/>
-              <a:buSzTx/>
-              <a:buFontTx/>
-              <a:buNone/>
-              <a:tabLst/>
-              <a:defRPr/>
-            </a:pPr>
-            <a:r>
-              <a:rPr lang="en-US" sz="1200" b="0" i="0" u="none" strike="noStrike" kern="1200" dirty="0">
-                <a:solidFill>
-                  <a:schemeClr val="tx1"/>
-                </a:solidFill>
-                <a:effectLst/>
-                <a:latin typeface="+mn-lt"/>
-                <a:ea typeface="+mn-ea"/>
-                <a:cs typeface="+mn-cs"/>
-              </a:rPr>
-              <a:t>SQL Threat Detection allows you to respond to unusual and harmful attempts to breach your database, including detecting potential SQL injection attacks, unusual access and data exfiltration activities and emailing actionable alerts to investigate and remediate. It is configured in the Azure Portal.</a:t>
-            </a:r>
-          </a:p>
-          <a:p>
-            <a:pPr lvl="1"/>
+              <a:t> Management of database permissions is performed by setting access permissions on Azure Active Directory groups and users, which are external to the database. Object level security allows you to control permissions on tables, views, stored procedures and functions.</a:t>
+            </a:r>
+          </a:p>
+          <a:p>
             <a:endParaRPr lang="en-US" sz="1200" b="0" i="0" u="none" strike="noStrike" kern="1200" dirty="0">
               <a:solidFill>
                 <a:schemeClr val="tx1"/>
@@ -5699,7 +5368,7 @@
     </p:spTree>
     <p:extLst>
       <p:ext uri="{BB962C8B-B14F-4D97-AF65-F5344CB8AC3E}">
-        <p14:creationId xmlns:p14="http://schemas.microsoft.com/office/powerpoint/2010/main" val="3615131990"/>
+        <p14:creationId xmlns:p14="http://schemas.microsoft.com/office/powerpoint/2010/main" val="1952098353"/>
       </p:ext>
     </p:extLst>
   </p:cSld>
@@ -5847,7 +5516,334 @@
                 <a:ea typeface="+mn-ea"/>
                 <a:cs typeface="+mn-cs"/>
               </a:rPr>
-              <a:t>Can WWI use this same solution to monitor for sensitive information by enabling them to discover, classify and protect and track access to such data?</a:t>
+              <a:t>One of WWI's challenges is that while multiple departments might be able to query a given table, what data they should be allowed to see depends on their department or role within the company. How could your solution support this? You should suggest three options.</a:t>
+            </a:r>
+          </a:p>
+          <a:p>
+            <a:endParaRPr lang="en-US" sz="1200" b="0" i="0" u="none" strike="noStrike" kern="1200" dirty="0">
+              <a:solidFill>
+                <a:schemeClr val="tx1"/>
+              </a:solidFill>
+              <a:effectLst/>
+              <a:latin typeface="+mn-lt"/>
+              <a:ea typeface="+mn-ea"/>
+              <a:cs typeface="+mn-cs"/>
+            </a:endParaRPr>
+          </a:p>
+          <a:p>
+            <a:r>
+              <a:rPr lang="en-US" sz="1200" b="0" i="0" u="none" strike="noStrike" kern="1200" dirty="0">
+                <a:solidFill>
+                  <a:schemeClr val="tx1"/>
+                </a:solidFill>
+                <a:effectLst/>
+                <a:latin typeface="+mn-lt"/>
+                <a:ea typeface="+mn-ea"/>
+                <a:cs typeface="+mn-cs"/>
+              </a:rPr>
+              <a:t>WWI could achieve this in several ways using either Row Level Security, Column Level Security or Dynamic Data Masking. They might even benefit from all three being applied to the same table depending on their needs.</a:t>
+            </a:r>
+          </a:p>
+          <a:p>
+            <a:endParaRPr lang="en-US" sz="1200" b="0" i="0" u="none" strike="noStrike" kern="1200" dirty="0">
+              <a:solidFill>
+                <a:schemeClr val="tx1"/>
+              </a:solidFill>
+              <a:effectLst/>
+              <a:latin typeface="+mn-lt"/>
+              <a:ea typeface="+mn-ea"/>
+              <a:cs typeface="+mn-cs"/>
+            </a:endParaRPr>
+          </a:p>
+          <a:p>
+            <a:r>
+              <a:rPr lang="en-US" sz="1200" b="0" i="1" u="sng" strike="noStrike" kern="1200" dirty="0">
+                <a:solidFill>
+                  <a:schemeClr val="tx1"/>
+                </a:solidFill>
+                <a:effectLst/>
+                <a:latin typeface="+mn-lt"/>
+                <a:ea typeface="+mn-ea"/>
+                <a:cs typeface="+mn-cs"/>
+              </a:rPr>
+              <a:t>Row Level Security</a:t>
+            </a:r>
+            <a:r>
+              <a:rPr lang="en-US" sz="1200" b="1" i="0" u="none" strike="noStrike" kern="1200" dirty="0">
+                <a:solidFill>
+                  <a:schemeClr val="tx1"/>
+                </a:solidFill>
+                <a:effectLst/>
+                <a:latin typeface="+mn-lt"/>
+                <a:ea typeface="+mn-ea"/>
+                <a:cs typeface="+mn-cs"/>
+              </a:rPr>
+              <a:t>:</a:t>
+            </a:r>
+            <a:r>
+              <a:rPr lang="en-US" sz="1200" b="0" i="0" u="none" strike="noStrike" kern="1200" dirty="0">
+                <a:solidFill>
+                  <a:schemeClr val="tx1"/>
+                </a:solidFill>
+                <a:effectLst/>
+                <a:latin typeface="+mn-lt"/>
+                <a:ea typeface="+mn-ea"/>
+                <a:cs typeface="+mn-cs"/>
+              </a:rPr>
+              <a:t> In Azure Synapse Analytics, tables in SQL Pool databases support Row Level Security (RLS). RLS enables you to implement restrictions on data row access. The access restriction logic is located in the database tier rather than away from the data in another application tier. The database system applies the access restrictions every time that data access is attempted from any tier. Think of RLS as effectively filtering out rows the user is not authorized to select, update or delete. This makes your security system more reliable and robust by reducing the surface area of your security system.</a:t>
+            </a:r>
+          </a:p>
+          <a:p>
+            <a:endParaRPr lang="en-US" sz="1200" b="0" i="0" u="none" strike="noStrike" kern="1200" dirty="0">
+              <a:solidFill>
+                <a:schemeClr val="tx1"/>
+              </a:solidFill>
+              <a:effectLst/>
+              <a:latin typeface="+mn-lt"/>
+              <a:ea typeface="+mn-ea"/>
+              <a:cs typeface="+mn-cs"/>
+            </a:endParaRPr>
+          </a:p>
+          <a:p>
+            <a:r>
+              <a:rPr lang="en-US" sz="1200" b="0" i="1" u="sng" strike="noStrike" kern="1200" dirty="0">
+                <a:solidFill>
+                  <a:schemeClr val="tx1"/>
+                </a:solidFill>
+                <a:effectLst/>
+                <a:latin typeface="+mn-lt"/>
+                <a:ea typeface="+mn-ea"/>
+                <a:cs typeface="+mn-cs"/>
+              </a:rPr>
+              <a:t>Columns Level Security</a:t>
+            </a:r>
+            <a:r>
+              <a:rPr lang="en-US" sz="1200" b="1" i="0" u="none" strike="noStrike" kern="1200" dirty="0">
+                <a:solidFill>
+                  <a:schemeClr val="tx1"/>
+                </a:solidFill>
+                <a:effectLst/>
+                <a:latin typeface="+mn-lt"/>
+                <a:ea typeface="+mn-ea"/>
+                <a:cs typeface="+mn-cs"/>
+              </a:rPr>
+              <a:t>:</a:t>
+            </a:r>
+            <a:r>
+              <a:rPr lang="en-US" sz="1200" b="0" i="0" u="none" strike="noStrike" kern="1200" dirty="0">
+                <a:solidFill>
+                  <a:schemeClr val="tx1"/>
+                </a:solidFill>
+                <a:effectLst/>
+                <a:latin typeface="+mn-lt"/>
+                <a:ea typeface="+mn-ea"/>
+                <a:cs typeface="+mn-cs"/>
+              </a:rPr>
+              <a:t> In addition, tables in SQL Pool databases support Column Level Security (CLS). CLS enables you to control access to specific columns in a database table based on a user's group membership or execution context.</a:t>
+            </a:r>
+          </a:p>
+          <a:p>
+            <a:endParaRPr lang="en-US" sz="1200" b="0" i="0" u="none" strike="noStrike" kern="1200" dirty="0">
+              <a:solidFill>
+                <a:schemeClr val="tx1"/>
+              </a:solidFill>
+              <a:effectLst/>
+              <a:latin typeface="+mn-lt"/>
+              <a:ea typeface="+mn-ea"/>
+              <a:cs typeface="+mn-cs"/>
+            </a:endParaRPr>
+          </a:p>
+          <a:p>
+            <a:r>
+              <a:rPr lang="en-US" sz="1200" b="0" i="1" u="sng" strike="noStrike" kern="1200" dirty="0">
+                <a:solidFill>
+                  <a:schemeClr val="tx1"/>
+                </a:solidFill>
+                <a:effectLst/>
+                <a:latin typeface="+mn-lt"/>
+                <a:ea typeface="+mn-ea"/>
+                <a:cs typeface="+mn-cs"/>
+              </a:rPr>
+              <a:t>Dynamic Data Masking</a:t>
+            </a:r>
+            <a:r>
+              <a:rPr lang="en-US" sz="1200" b="1" i="0" u="none" strike="noStrike" kern="1200" dirty="0">
+                <a:solidFill>
+                  <a:schemeClr val="tx1"/>
+                </a:solidFill>
+                <a:effectLst/>
+                <a:latin typeface="+mn-lt"/>
+                <a:ea typeface="+mn-ea"/>
+                <a:cs typeface="+mn-cs"/>
+              </a:rPr>
+              <a:t>:</a:t>
+            </a:r>
+            <a:r>
+              <a:rPr lang="en-US" sz="1200" b="0" i="0" u="none" strike="noStrike" kern="1200" dirty="0">
+                <a:solidFill>
+                  <a:schemeClr val="tx1"/>
+                </a:solidFill>
+                <a:effectLst/>
+                <a:latin typeface="+mn-lt"/>
+                <a:ea typeface="+mn-ea"/>
+                <a:cs typeface="+mn-cs"/>
+              </a:rPr>
+              <a:t> Alternately, if parts only parts of a field need to be displayed according to the users' group membership (such as displaying only a few characters of an email address), then WWI could use Dynamic Data Masking.</a:t>
+            </a:r>
+          </a:p>
+          <a:p>
+            <a:endParaRPr lang="en-US" sz="1200" b="0" i="0" u="none" strike="noStrike" kern="1200" dirty="0">
+              <a:solidFill>
+                <a:schemeClr val="tx1"/>
+              </a:solidFill>
+              <a:effectLst/>
+              <a:latin typeface="+mn-lt"/>
+              <a:ea typeface="+mn-ea"/>
+              <a:cs typeface="+mn-cs"/>
+            </a:endParaRPr>
+          </a:p>
+          <a:p>
+            <a:r>
+              <a:rPr lang="en-US" sz="1200" b="1" i="0" u="none" strike="noStrike" kern="1200" dirty="0">
+                <a:solidFill>
+                  <a:schemeClr val="tx1"/>
+                </a:solidFill>
+                <a:effectLst/>
+                <a:latin typeface="+mn-lt"/>
+                <a:ea typeface="+mn-ea"/>
+                <a:cs typeface="+mn-cs"/>
+              </a:rPr>
+              <a:t>Can the solution help WWI discover, track and remediate security misconfigurations and detect threats? How?</a:t>
+            </a:r>
+          </a:p>
+          <a:p>
+            <a:endParaRPr lang="en-US" sz="1200" b="0" i="0" u="none" strike="noStrike" kern="1200" dirty="0">
+              <a:solidFill>
+                <a:schemeClr val="tx1"/>
+              </a:solidFill>
+              <a:effectLst/>
+              <a:latin typeface="+mn-lt"/>
+              <a:ea typeface="+mn-ea"/>
+              <a:cs typeface="+mn-cs"/>
+            </a:endParaRPr>
+          </a:p>
+          <a:p>
+            <a:r>
+              <a:rPr lang="en-US" sz="1200" b="0" i="0" u="none" strike="noStrike" kern="1200" dirty="0">
+                <a:solidFill>
+                  <a:schemeClr val="tx1"/>
+                </a:solidFill>
+                <a:effectLst/>
+                <a:latin typeface="+mn-lt"/>
+                <a:ea typeface="+mn-ea"/>
+                <a:cs typeface="+mn-cs"/>
+              </a:rPr>
+              <a:t>There are two primary ways: using the SQL Vulnerability Assessment and with SQL Threat Detection.</a:t>
+            </a:r>
+          </a:p>
+          <a:p>
+            <a:endParaRPr lang="en-US" sz="1200" b="0" i="0" u="none" strike="noStrike" kern="1200" dirty="0">
+              <a:solidFill>
+                <a:schemeClr val="tx1"/>
+              </a:solidFill>
+              <a:effectLst/>
+              <a:latin typeface="+mn-lt"/>
+              <a:ea typeface="+mn-ea"/>
+              <a:cs typeface="+mn-cs"/>
+            </a:endParaRPr>
+          </a:p>
+          <a:p>
+            <a:r>
+              <a:rPr lang="en-US" sz="1200" b="0" i="0" u="none" strike="noStrike" kern="1200" dirty="0">
+                <a:solidFill>
+                  <a:schemeClr val="tx1"/>
+                </a:solidFill>
+                <a:effectLst/>
+                <a:latin typeface="+mn-lt"/>
+                <a:ea typeface="+mn-ea"/>
+                <a:cs typeface="+mn-cs"/>
+              </a:rPr>
+              <a:t>The SQL Vulnerability Assessment is an easy to use service that can help you discover, track, and remediate potential database vulnerabilities. It provides visibility into your database security state and allows constant improvements. In short, it: </a:t>
+            </a:r>
+          </a:p>
+          <a:p>
+            <a:endParaRPr lang="en-US" sz="1200" b="0" i="0" u="none" strike="noStrike" kern="1200" dirty="0">
+              <a:solidFill>
+                <a:schemeClr val="tx1"/>
+              </a:solidFill>
+              <a:effectLst/>
+              <a:latin typeface="+mn-lt"/>
+              <a:ea typeface="+mn-ea"/>
+              <a:cs typeface="+mn-cs"/>
+            </a:endParaRPr>
+          </a:p>
+          <a:p>
+            <a:pPr lvl="2"/>
+            <a:r>
+              <a:rPr lang="en-US" sz="1200" b="0" i="0" u="none" strike="noStrike" kern="1200" dirty="0">
+                <a:solidFill>
+                  <a:schemeClr val="tx1"/>
+                </a:solidFill>
+                <a:effectLst/>
+                <a:latin typeface="+mn-lt"/>
+                <a:ea typeface="+mn-ea"/>
+                <a:cs typeface="+mn-cs"/>
+              </a:rPr>
+              <a:t>Runs a set of security checks that identify security misconfigurations.</a:t>
+            </a:r>
+          </a:p>
+          <a:p>
+            <a:pPr lvl="2"/>
+            <a:endParaRPr lang="en-US" sz="1200" b="0" i="0" u="none" strike="noStrike" kern="1200" dirty="0">
+              <a:solidFill>
+                <a:schemeClr val="tx1"/>
+              </a:solidFill>
+              <a:effectLst/>
+              <a:latin typeface="+mn-lt"/>
+              <a:ea typeface="+mn-ea"/>
+              <a:cs typeface="+mn-cs"/>
+            </a:endParaRPr>
+          </a:p>
+          <a:p>
+            <a:pPr lvl="2"/>
+            <a:r>
+              <a:rPr lang="en-US" sz="1200" b="0" i="0" u="none" strike="noStrike" kern="1200" dirty="0">
+                <a:solidFill>
+                  <a:schemeClr val="tx1"/>
+                </a:solidFill>
+                <a:effectLst/>
+                <a:latin typeface="+mn-lt"/>
+                <a:ea typeface="+mn-ea"/>
+                <a:cs typeface="+mn-cs"/>
+              </a:rPr>
+              <a:t>Allows setting a security baseline that customize the results to suit your environment.</a:t>
+            </a:r>
+          </a:p>
+          <a:p>
+            <a:pPr lvl="2"/>
+            <a:endParaRPr lang="en-US" sz="1200" b="0" i="0" u="none" strike="noStrike" kern="1200" dirty="0">
+              <a:solidFill>
+                <a:schemeClr val="tx1"/>
+              </a:solidFill>
+              <a:effectLst/>
+              <a:latin typeface="+mn-lt"/>
+              <a:ea typeface="+mn-ea"/>
+              <a:cs typeface="+mn-cs"/>
+            </a:endParaRPr>
+          </a:p>
+          <a:p>
+            <a:pPr lvl="2"/>
+            <a:r>
+              <a:rPr lang="en-US" sz="1200" b="0" i="0" u="none" strike="noStrike" kern="1200" dirty="0">
+                <a:solidFill>
+                  <a:schemeClr val="tx1"/>
+                </a:solidFill>
+                <a:effectLst/>
+                <a:latin typeface="+mn-lt"/>
+                <a:ea typeface="+mn-ea"/>
+                <a:cs typeface="+mn-cs"/>
+              </a:rPr>
+              <a:t>Provides a clear report which is very helpful for security audits.</a:t>
             </a:r>
           </a:p>
           <a:p>
@@ -5889,88 +5885,7 @@
                 <a:ea typeface="+mn-ea"/>
                 <a:cs typeface="+mn-cs"/>
               </a:rPr>
-              <a:t>Yes, by using SQL Data Discovery and Classification, which: </a:t>
-            </a:r>
-          </a:p>
-          <a:p>
-            <a:pPr lvl="2"/>
-            <a:endParaRPr lang="en-US" sz="1200" b="0" i="0" u="none" strike="noStrike" kern="1200" dirty="0">
-              <a:solidFill>
-                <a:schemeClr val="tx1"/>
-              </a:solidFill>
-              <a:effectLst/>
-              <a:latin typeface="+mn-lt"/>
-              <a:ea typeface="+mn-ea"/>
-              <a:cs typeface="+mn-cs"/>
-            </a:endParaRPr>
-          </a:p>
-          <a:p>
-            <a:pPr lvl="2"/>
-            <a:r>
-              <a:rPr lang="en-US" sz="1200" b="0" i="0" u="none" strike="noStrike" kern="1200" dirty="0">
-                <a:solidFill>
-                  <a:schemeClr val="tx1"/>
-                </a:solidFill>
-                <a:effectLst/>
-                <a:latin typeface="+mn-lt"/>
-                <a:ea typeface="+mn-ea"/>
-                <a:cs typeface="+mn-cs"/>
-              </a:rPr>
-              <a:t>Automatically discovers columns containing potentially sensitive data.</a:t>
-            </a:r>
-          </a:p>
-          <a:p>
-            <a:pPr lvl="2"/>
-            <a:endParaRPr lang="en-US" sz="1200" b="0" i="0" u="none" strike="noStrike" kern="1200" dirty="0">
-              <a:solidFill>
-                <a:schemeClr val="tx1"/>
-              </a:solidFill>
-              <a:effectLst/>
-              <a:latin typeface="+mn-lt"/>
-              <a:ea typeface="+mn-ea"/>
-              <a:cs typeface="+mn-cs"/>
-            </a:endParaRPr>
-          </a:p>
-          <a:p>
-            <a:pPr lvl="2"/>
-            <a:r>
-              <a:rPr lang="en-US" sz="1200" b="0" i="0" u="none" strike="noStrike" kern="1200" dirty="0">
-                <a:solidFill>
-                  <a:schemeClr val="tx1"/>
-                </a:solidFill>
-                <a:effectLst/>
-                <a:latin typeface="+mn-lt"/>
-                <a:ea typeface="+mn-ea"/>
-                <a:cs typeface="+mn-cs"/>
-              </a:rPr>
-              <a:t>Provides a simple way to review and apply the classification recommendations through the Azure portal.</a:t>
-            </a:r>
-          </a:p>
-          <a:p>
-            <a:pPr lvl="2"/>
-            <a:endParaRPr lang="en-US" sz="1200" b="0" i="0" u="none" strike="noStrike" kern="1200" dirty="0">
-              <a:solidFill>
-                <a:schemeClr val="tx1"/>
-              </a:solidFill>
-              <a:effectLst/>
-              <a:latin typeface="+mn-lt"/>
-              <a:ea typeface="+mn-ea"/>
-              <a:cs typeface="+mn-cs"/>
-            </a:endParaRPr>
-          </a:p>
-          <a:p>
-            <a:pPr lvl="2"/>
-            <a:r>
-              <a:rPr lang="en-US" sz="1200" b="0" i="0" u="none" strike="noStrike" kern="1200" dirty="0">
-                <a:solidFill>
-                  <a:schemeClr val="tx1"/>
-                </a:solidFill>
-                <a:effectLst/>
-                <a:latin typeface="+mn-lt"/>
-                <a:ea typeface="+mn-ea"/>
-                <a:cs typeface="+mn-cs"/>
-              </a:rPr>
-              <a:t>Persists sensitive data labels in the database (as metadata attributes), audits and detects access to the sensitive data. It includes a built-in set of labels and information types; however users can choose to define custom labels across Azure tenant using Azure Security Center.</a:t>
+              <a:t>The SQL Vulnerability Assessment is run from the Azure Portal. It takes a few seconds to run and is entirely read-only. It does not make any changes to your database.</a:t>
             </a:r>
           </a:p>
           <a:p>
@@ -6029,10 +5944,27 @@
                 <a:ea typeface="+mn-ea"/>
                 <a:cs typeface="+mn-cs"/>
               </a:rPr>
-              <a:t>This feature is accessed using the Azure Portal.</a:t>
-            </a:r>
-          </a:p>
-          <a:p>
+              <a:t>When the scan completes, you will presented with a report. The report presents an overview of your security state; how many issues were found, and their respective severities. Results include warnings on deviations from best practices, as well as a snapshot of your security-related settings, such as database principals and roles and their associated permissions. The scan report also provides a map of sensitive data discovered in your database, and includes recommendations of the built-in methods available to protect it.</a:t>
+            </a:r>
+          </a:p>
+          <a:p>
+            <a:pPr marL="0" marR="0" lvl="0" indent="0" algn="l" defTabSz="914400" rtl="0" eaLnBrk="1" fontAlgn="auto" latinLnBrk="0" hangingPunct="1">
+              <a:lnSpc>
+                <a:spcPct val="100000"/>
+              </a:lnSpc>
+              <a:spcBef>
+                <a:spcPts val="0"/>
+              </a:spcBef>
+              <a:spcAft>
+                <a:spcPts val="0"/>
+              </a:spcAft>
+              <a:buClrTx/>
+              <a:buSzTx/>
+              <a:buFontTx/>
+              <a:buNone/>
+              <a:tabLst/>
+              <a:defRPr/>
+            </a:pPr>
             <a:endParaRPr lang="en-US" sz="1200" b="0" i="0" u="none" strike="noStrike" kern="1200" dirty="0">
               <a:solidFill>
                 <a:schemeClr val="tx1"/>
@@ -6044,8 +5976,25 @@
             </a:endParaRPr>
           </a:p>
           <a:p>
-            <a:r>
-              <a:rPr lang="en-US" sz="1200" b="1" i="0" u="none" strike="noStrike" kern="1200" dirty="0">
+            <a:pPr marL="0" marR="0" lvl="0" indent="0" algn="l" defTabSz="914400" rtl="0" eaLnBrk="1" fontAlgn="auto" latinLnBrk="0" hangingPunct="1">
+              <a:lnSpc>
+                <a:spcPct val="100000"/>
+              </a:lnSpc>
+              <a:spcBef>
+                <a:spcPts val="0"/>
+              </a:spcBef>
+              <a:spcAft>
+                <a:spcPts val="0"/>
+              </a:spcAft>
+              <a:buClrTx/>
+              <a:buSzTx/>
+              <a:buFontTx/>
+              <a:buNone/>
+              <a:tabLst/>
+              <a:defRPr/>
+            </a:pPr>
+            <a:r>
+              <a:rPr lang="en-US" sz="1200" b="0" i="0" u="none" strike="noStrike" kern="1200" dirty="0">
                 <a:solidFill>
                   <a:schemeClr val="tx1"/>
                 </a:solidFill>
@@ -6054,11 +6003,28 @@
                 <a:ea typeface="+mn-ea"/>
                 <a:cs typeface="+mn-cs"/>
               </a:rPr>
-              <a:t>From a network security standpoint, how should your solution be secured?</a:t>
-            </a:r>
-          </a:p>
-          <a:p>
-            <a:endParaRPr lang="en-US" sz="1200" b="1" i="0" u="none" strike="noStrike" kern="1200" dirty="0">
+              <a:t>From the report you can drill-down to each failed result to understand the impact of the finding, and why each security check failed. You can use the actionable remediation information provided by the report to resolve the issue, for example, by running a generated remediation script in a new query editor window.</a:t>
+            </a:r>
+          </a:p>
+          <a:p>
+            <a:pPr marL="0" marR="0" lvl="0" indent="0" algn="l" defTabSz="914400" rtl="0" eaLnBrk="1" fontAlgn="auto" latinLnBrk="0" hangingPunct="1">
+              <a:lnSpc>
+                <a:spcPct val="100000"/>
+              </a:lnSpc>
+              <a:spcBef>
+                <a:spcPts val="0"/>
+              </a:spcBef>
+              <a:spcAft>
+                <a:spcPts val="0"/>
+              </a:spcAft>
+              <a:buClrTx/>
+              <a:buSzTx/>
+              <a:buFontTx/>
+              <a:buNone/>
+              <a:tabLst/>
+              <a:defRPr/>
+            </a:pPr>
+            <a:endParaRPr lang="en-US" sz="1200" b="0" i="0" u="none" strike="noStrike" kern="1200" dirty="0">
               <a:solidFill>
                 <a:schemeClr val="tx1"/>
               </a:solidFill>
@@ -6069,6 +6035,23 @@
             </a:endParaRPr>
           </a:p>
           <a:p>
+            <a:pPr marL="0" marR="0" lvl="0" indent="0" algn="l" defTabSz="914400" rtl="0" eaLnBrk="1" fontAlgn="auto" latinLnBrk="0" hangingPunct="1">
+              <a:lnSpc>
+                <a:spcPct val="100000"/>
+              </a:lnSpc>
+              <a:spcBef>
+                <a:spcPts val="0"/>
+              </a:spcBef>
+              <a:spcAft>
+                <a:spcPts val="0"/>
+              </a:spcAft>
+              <a:buClrTx/>
+              <a:buSzTx/>
+              <a:buFontTx/>
+              <a:buNone/>
+              <a:tabLst/>
+              <a:defRPr/>
+            </a:pPr>
             <a:r>
               <a:rPr lang="en-US" sz="1200" b="0" i="0" u="none" strike="noStrike" kern="1200" dirty="0">
                 <a:solidFill>
@@ -6079,8 +6062,79 @@
                 <a:ea typeface="+mn-ea"/>
                 <a:cs typeface="+mn-cs"/>
               </a:rPr>
-              <a:t>WWI should deploy their Azure Synapse Analytics workspace within a managed workspace Virtual Network (VNet), and then use managed private endpoints to establish a private link to Azure resources. By using a private link, traffic between their VNet and Azure Synapse Analytics workspace traverses entirely over the Microsoft backbone network, which protects against data exfiltration risks. You establish a private link to a resource by creating a private endpoint. Private endpoint uses a private IP address from the VNet to effectively bring the service "into" the VNet. Azure Synapse Analytics creates two Managed private endpoints automatically when the Azure Synapse workspace is created within a managed VNet.</a:t>
-            </a:r>
+              <a:t>As you review your assessment results, you can mark specific results as being an acceptable Baseline in your environment. The baseline is essentially a customization of how the results are reported. Results that match the baseline are considered as passing in subsequent scans.</a:t>
+            </a:r>
+          </a:p>
+          <a:p>
+            <a:pPr marL="0" marR="0" lvl="0" indent="0" algn="l" defTabSz="914400" rtl="0" eaLnBrk="1" fontAlgn="auto" latinLnBrk="0" hangingPunct="1">
+              <a:lnSpc>
+                <a:spcPct val="100000"/>
+              </a:lnSpc>
+              <a:spcBef>
+                <a:spcPts val="0"/>
+              </a:spcBef>
+              <a:spcAft>
+                <a:spcPts val="0"/>
+              </a:spcAft>
+              <a:buClrTx/>
+              <a:buSzTx/>
+              <a:buFontTx/>
+              <a:buNone/>
+              <a:tabLst/>
+              <a:defRPr/>
+            </a:pPr>
+            <a:endParaRPr lang="en-US" sz="1200" b="0" i="0" u="none" strike="noStrike" kern="1200" dirty="0">
+              <a:solidFill>
+                <a:schemeClr val="tx1"/>
+              </a:solidFill>
+              <a:effectLst/>
+              <a:latin typeface="+mn-lt"/>
+              <a:ea typeface="+mn-ea"/>
+              <a:cs typeface="+mn-cs"/>
+            </a:endParaRPr>
+          </a:p>
+          <a:p>
+            <a:pPr marL="0" marR="0" lvl="0" indent="0" algn="l" defTabSz="914400" rtl="0" eaLnBrk="1" fontAlgn="auto" latinLnBrk="0" hangingPunct="1">
+              <a:lnSpc>
+                <a:spcPct val="100000"/>
+              </a:lnSpc>
+              <a:spcBef>
+                <a:spcPts val="0"/>
+              </a:spcBef>
+              <a:spcAft>
+                <a:spcPts val="0"/>
+              </a:spcAft>
+              <a:buClrTx/>
+              <a:buSzTx/>
+              <a:buFontTx/>
+              <a:buNone/>
+              <a:tabLst/>
+              <a:defRPr/>
+            </a:pPr>
+            <a:r>
+              <a:rPr lang="en-US" sz="1200" b="0" i="0" u="none" strike="noStrike" kern="1200" dirty="0">
+                <a:solidFill>
+                  <a:schemeClr val="tx1"/>
+                </a:solidFill>
+                <a:effectLst/>
+                <a:latin typeface="+mn-lt"/>
+                <a:ea typeface="+mn-ea"/>
+                <a:cs typeface="+mn-cs"/>
+              </a:rPr>
+              <a:t>SQL Threat Detection allows you to respond to unusual and harmful attempts to breach your database, including detecting potential SQL injection attacks, unusual access and data exfiltration activities and emailing actionable alerts to investigate and remediate. It is configured in the Azure Portal.</a:t>
+            </a:r>
+          </a:p>
+          <a:p>
+            <a:pPr lvl="1"/>
+            <a:endParaRPr lang="en-US" sz="1200" b="0" i="0" u="none" strike="noStrike" kern="1200" dirty="0">
+              <a:solidFill>
+                <a:schemeClr val="tx1"/>
+              </a:solidFill>
+              <a:effectLst/>
+              <a:latin typeface="+mn-lt"/>
+              <a:ea typeface="+mn-ea"/>
+              <a:cs typeface="+mn-cs"/>
+            </a:endParaRPr>
           </a:p>
           <a:p>
             <a:endParaRPr lang="en-US" sz="1200" b="0" i="0" u="none" strike="noStrike" kern="1200" dirty="0">
@@ -6121,7 +6175,7 @@
     </p:spTree>
     <p:extLst>
       <p:ext uri="{BB962C8B-B14F-4D97-AF65-F5344CB8AC3E}">
-        <p14:creationId xmlns:p14="http://schemas.microsoft.com/office/powerpoint/2010/main" val="3559580795"/>
+        <p14:creationId xmlns:p14="http://schemas.microsoft.com/office/powerpoint/2010/main" val="3615131990"/>
       </p:ext>
     </p:extLst>
   </p:cSld>
@@ -6185,10 +6239,40 @@
                 <a:ea typeface="+mn-ea"/>
                 <a:cs typeface="+mn-cs"/>
               </a:rPr>
-              <a:t>WWI understands that Azure offers several services with overlapping capabilities.  They do not want to spend the time stitching them together to get to the desired analytics solution.</a:t>
-            </a:r>
-            <a:br>
-              <a:rPr lang="en-US" sz="1200" b="1" i="0" u="none" strike="noStrike" kern="1200" dirty="0">
+              <a:t>Can WWI use this same solution to monitor for sensitive information by enabling them to discover, classify and protect and track access to such data?</a:t>
+            </a:r>
+          </a:p>
+          <a:p>
+            <a:endParaRPr lang="en-US" sz="1200" b="0" i="0" u="none" strike="noStrike" kern="1200" dirty="0">
+              <a:solidFill>
+                <a:schemeClr val="tx1"/>
+              </a:solidFill>
+              <a:effectLst/>
+              <a:latin typeface="+mn-lt"/>
+              <a:ea typeface="+mn-ea"/>
+              <a:cs typeface="+mn-cs"/>
+            </a:endParaRPr>
+          </a:p>
+          <a:p>
+            <a:pPr marL="0" marR="0" lvl="0" indent="0" algn="l" defTabSz="914400" rtl="0" eaLnBrk="1" fontAlgn="auto" latinLnBrk="0" hangingPunct="1">
+              <a:lnSpc>
+                <a:spcPct val="100000"/>
+              </a:lnSpc>
+              <a:spcBef>
+                <a:spcPts val="0"/>
+              </a:spcBef>
+              <a:spcAft>
+                <a:spcPts val="0"/>
+              </a:spcAft>
+              <a:buClrTx/>
+              <a:buSzTx/>
+              <a:buFontTx/>
+              <a:buNone/>
+              <a:tabLst/>
+              <a:defRPr/>
+            </a:pPr>
+            <a:r>
+              <a:rPr lang="en-US" sz="1200" b="0" i="0" u="none" strike="noStrike" kern="1200" dirty="0">
                 <a:solidFill>
                   <a:schemeClr val="tx1"/>
                 </a:solidFill>
@@ -6197,7 +6281,175 @@
                 <a:ea typeface="+mn-ea"/>
                 <a:cs typeface="+mn-cs"/>
               </a:rPr>
-            </a:br>
+              <a:t>Yes, by using SQL Data Discovery and Classification, which: </a:t>
+            </a:r>
+          </a:p>
+          <a:p>
+            <a:pPr lvl="2"/>
+            <a:endParaRPr lang="en-US" sz="1200" b="0" i="0" u="none" strike="noStrike" kern="1200" dirty="0">
+              <a:solidFill>
+                <a:schemeClr val="tx1"/>
+              </a:solidFill>
+              <a:effectLst/>
+              <a:latin typeface="+mn-lt"/>
+              <a:ea typeface="+mn-ea"/>
+              <a:cs typeface="+mn-cs"/>
+            </a:endParaRPr>
+          </a:p>
+          <a:p>
+            <a:pPr lvl="2"/>
+            <a:r>
+              <a:rPr lang="en-US" sz="1200" b="0" i="0" u="none" strike="noStrike" kern="1200" dirty="0">
+                <a:solidFill>
+                  <a:schemeClr val="tx1"/>
+                </a:solidFill>
+                <a:effectLst/>
+                <a:latin typeface="+mn-lt"/>
+                <a:ea typeface="+mn-ea"/>
+                <a:cs typeface="+mn-cs"/>
+              </a:rPr>
+              <a:t>Automatically discovers columns containing potentially sensitive data.</a:t>
+            </a:r>
+          </a:p>
+          <a:p>
+            <a:pPr lvl="2"/>
+            <a:endParaRPr lang="en-US" sz="1200" b="0" i="0" u="none" strike="noStrike" kern="1200" dirty="0">
+              <a:solidFill>
+                <a:schemeClr val="tx1"/>
+              </a:solidFill>
+              <a:effectLst/>
+              <a:latin typeface="+mn-lt"/>
+              <a:ea typeface="+mn-ea"/>
+              <a:cs typeface="+mn-cs"/>
+            </a:endParaRPr>
+          </a:p>
+          <a:p>
+            <a:pPr lvl="2"/>
+            <a:r>
+              <a:rPr lang="en-US" sz="1200" b="0" i="0" u="none" strike="noStrike" kern="1200" dirty="0">
+                <a:solidFill>
+                  <a:schemeClr val="tx1"/>
+                </a:solidFill>
+                <a:effectLst/>
+                <a:latin typeface="+mn-lt"/>
+                <a:ea typeface="+mn-ea"/>
+                <a:cs typeface="+mn-cs"/>
+              </a:rPr>
+              <a:t>Provides a simple way to review and apply the classification recommendations through the Azure portal.</a:t>
+            </a:r>
+          </a:p>
+          <a:p>
+            <a:pPr lvl="2"/>
+            <a:endParaRPr lang="en-US" sz="1200" b="0" i="0" u="none" strike="noStrike" kern="1200" dirty="0">
+              <a:solidFill>
+                <a:schemeClr val="tx1"/>
+              </a:solidFill>
+              <a:effectLst/>
+              <a:latin typeface="+mn-lt"/>
+              <a:ea typeface="+mn-ea"/>
+              <a:cs typeface="+mn-cs"/>
+            </a:endParaRPr>
+          </a:p>
+          <a:p>
+            <a:pPr lvl="2"/>
+            <a:r>
+              <a:rPr lang="en-US" sz="1200" b="0" i="0" u="none" strike="noStrike" kern="1200" dirty="0">
+                <a:solidFill>
+                  <a:schemeClr val="tx1"/>
+                </a:solidFill>
+                <a:effectLst/>
+                <a:latin typeface="+mn-lt"/>
+                <a:ea typeface="+mn-ea"/>
+                <a:cs typeface="+mn-cs"/>
+              </a:rPr>
+              <a:t>Persists sensitive data labels in the database (as metadata attributes), audits and detects access to the sensitive data. It includes a built-in set of labels and information types; however users can choose to define custom labels across Azure tenant using Azure Security Center.</a:t>
+            </a:r>
+          </a:p>
+          <a:p>
+            <a:pPr marL="0" marR="0" lvl="0" indent="0" algn="l" defTabSz="914400" rtl="0" eaLnBrk="1" fontAlgn="auto" latinLnBrk="0" hangingPunct="1">
+              <a:lnSpc>
+                <a:spcPct val="100000"/>
+              </a:lnSpc>
+              <a:spcBef>
+                <a:spcPts val="0"/>
+              </a:spcBef>
+              <a:spcAft>
+                <a:spcPts val="0"/>
+              </a:spcAft>
+              <a:buClrTx/>
+              <a:buSzTx/>
+              <a:buFontTx/>
+              <a:buNone/>
+              <a:tabLst/>
+              <a:defRPr/>
+            </a:pPr>
+            <a:endParaRPr lang="en-US" sz="1200" b="0" i="0" u="none" strike="noStrike" kern="1200" dirty="0">
+              <a:solidFill>
+                <a:schemeClr val="tx1"/>
+              </a:solidFill>
+              <a:effectLst/>
+              <a:latin typeface="+mn-lt"/>
+              <a:ea typeface="+mn-ea"/>
+              <a:cs typeface="+mn-cs"/>
+            </a:endParaRPr>
+          </a:p>
+          <a:p>
+            <a:pPr marL="0" marR="0" lvl="0" indent="0" algn="l" defTabSz="914400" rtl="0" eaLnBrk="1" fontAlgn="auto" latinLnBrk="0" hangingPunct="1">
+              <a:lnSpc>
+                <a:spcPct val="100000"/>
+              </a:lnSpc>
+              <a:spcBef>
+                <a:spcPts val="0"/>
+              </a:spcBef>
+              <a:spcAft>
+                <a:spcPts val="0"/>
+              </a:spcAft>
+              <a:buClrTx/>
+              <a:buSzTx/>
+              <a:buFontTx/>
+              <a:buNone/>
+              <a:tabLst/>
+              <a:defRPr/>
+            </a:pPr>
+            <a:r>
+              <a:rPr lang="en-US" sz="1200" b="0" i="0" u="none" strike="noStrike" kern="1200" dirty="0">
+                <a:solidFill>
+                  <a:schemeClr val="tx1"/>
+                </a:solidFill>
+                <a:effectLst/>
+                <a:latin typeface="+mn-lt"/>
+                <a:ea typeface="+mn-ea"/>
+                <a:cs typeface="+mn-cs"/>
+              </a:rPr>
+              <a:t>This feature is accessed using the Azure Portal.</a:t>
+            </a:r>
+          </a:p>
+          <a:p>
+            <a:endParaRPr lang="en-US" sz="1200" b="0" i="0" u="none" strike="noStrike" kern="1200" dirty="0">
+              <a:solidFill>
+                <a:schemeClr val="tx1"/>
+              </a:solidFill>
+              <a:effectLst/>
+              <a:latin typeface="+mn-lt"/>
+              <a:ea typeface="+mn-ea"/>
+              <a:cs typeface="+mn-cs"/>
+            </a:endParaRPr>
+          </a:p>
+          <a:p>
+            <a:r>
+              <a:rPr lang="en-US" sz="1200" b="1" i="0" u="none" strike="noStrike" kern="1200" dirty="0">
+                <a:solidFill>
+                  <a:schemeClr val="tx1"/>
+                </a:solidFill>
+                <a:effectLst/>
+                <a:latin typeface="+mn-lt"/>
+                <a:ea typeface="+mn-ea"/>
+                <a:cs typeface="+mn-cs"/>
+              </a:rPr>
+              <a:t>From a network security standpoint, how should your solution be secured?</a:t>
+            </a:r>
+          </a:p>
+          <a:p>
             <a:endParaRPr lang="en-US" sz="1200" b="1" i="0" u="none" strike="noStrike" kern="1200" dirty="0">
               <a:solidFill>
                 <a:schemeClr val="tx1"/>
@@ -6219,7 +6471,7 @@
                 <a:ea typeface="+mn-ea"/>
                 <a:cs typeface="+mn-cs"/>
               </a:rPr>
-              <a:t>Azure Synapse Analytics was designed to address exactly this situation and enables customers to quickly get to creating business value from their analytics instead of spending time on plumbing infrastructure connecting disparate services.</a:t>
+              <a:t>WWI should deploy their Azure Synapse Analytics workspace within a managed workspace Virtual Network (VNet), and then use managed private endpoints to establish a private link to Azure resources. By using a private link, traffic between their VNet and Azure Synapse Analytics workspace traverses entirely over the Microsoft backbone network, which protects against data exfiltration risks. You establish a private link to a resource by creating a private endpoint. Private endpoint uses a private IP address from the VNet to effectively bring the service "into" the VNet. Azure Synapse Analytics creates two Managed private endpoints automatically when the Azure Synapse workspace is created within a managed VNet.</a:t>
             </a:r>
           </a:p>
           <a:p>
@@ -6233,70 +6485,6 @@
               <a:cs typeface="+mn-cs"/>
             </a:endParaRPr>
           </a:p>
-          <a:p>
-            <a:r>
-              <a:rPr lang="en-US" sz="1200" b="1" i="0" u="none" strike="noStrike" kern="1200" dirty="0">
-                <a:solidFill>
-                  <a:schemeClr val="tx1"/>
-                </a:solidFill>
-                <a:effectLst/>
-                <a:latin typeface="+mn-lt"/>
-                <a:ea typeface="+mn-ea"/>
-                <a:cs typeface="+mn-cs"/>
-              </a:rPr>
-              <a:t>WWI have seen demos from competing systems that claim to load massive datasets in seconds. Does Azure offer such a solution?</a:t>
-            </a:r>
-          </a:p>
-          <a:p>
-            <a:endParaRPr lang="en-US" sz="1200" b="1" i="0" u="none" strike="noStrike" kern="1200" dirty="0">
-              <a:solidFill>
-                <a:schemeClr val="tx1"/>
-              </a:solidFill>
-              <a:effectLst/>
-              <a:latin typeface="+mn-lt"/>
-              <a:ea typeface="+mn-ea"/>
-              <a:cs typeface="+mn-cs"/>
-            </a:endParaRPr>
-          </a:p>
-          <a:p>
-            <a:r>
-              <a:rPr lang="en-US" sz="1200" b="0" i="0" u="none" strike="noStrike" kern="1200" dirty="0">
-                <a:solidFill>
-                  <a:schemeClr val="tx1"/>
-                </a:solidFill>
-                <a:effectLst/>
-                <a:latin typeface="+mn-lt"/>
-                <a:ea typeface="+mn-ea"/>
-                <a:cs typeface="+mn-cs"/>
-              </a:rPr>
-              <a:t>Azure Synapse Analytics is Microsoft's answer to this challenge and is designed for supporting fast loads of massive datasets.</a:t>
-            </a:r>
-          </a:p>
-          <a:p>
-            <a:endParaRPr lang="en-US" sz="1200" b="0" i="0" u="none" strike="noStrike" kern="1200" dirty="0">
-              <a:solidFill>
-                <a:schemeClr val="tx1"/>
-              </a:solidFill>
-              <a:effectLst/>
-              <a:latin typeface="+mn-lt"/>
-              <a:ea typeface="+mn-ea"/>
-              <a:cs typeface="+mn-cs"/>
-            </a:endParaRPr>
-          </a:p>
-          <a:p>
-            <a:endParaRPr lang="en-US" sz="1200" b="0" i="0" u="none" strike="noStrike" kern="1200" dirty="0">
-              <a:solidFill>
-                <a:schemeClr val="tx1"/>
-              </a:solidFill>
-              <a:effectLst/>
-              <a:latin typeface="+mn-lt"/>
-              <a:ea typeface="+mn-ea"/>
-              <a:cs typeface="+mn-cs"/>
-            </a:endParaRPr>
-          </a:p>
-          <a:p>
-            <a:endParaRPr lang="en-US" dirty="0"/>
-          </a:p>
         </p:txBody>
       </p:sp>
       <p:sp>
@@ -6306,7 +6494,7 @@
             <a:spLocks noGrp="1"/>
           </p:cNvSpPr>
           <p:nvPr>
-            <p:ph type="sldNum" sz="quarter" idx="10"/>
+            <p:ph type="sldNum" sz="quarter" idx="5"/>
           </p:nvPr>
         </p:nvSpPr>
         <p:spPr/>
@@ -6325,7 +6513,7 @@
     </p:spTree>
     <p:extLst>
       <p:ext uri="{BB962C8B-B14F-4D97-AF65-F5344CB8AC3E}">
-        <p14:creationId xmlns:p14="http://schemas.microsoft.com/office/powerpoint/2010/main" val="4115832635"/>
+        <p14:creationId xmlns:p14="http://schemas.microsoft.com/office/powerpoint/2010/main" val="3559580795"/>
       </p:ext>
     </p:extLst>
   </p:cSld>
@@ -6389,10 +6577,19 @@
                 <a:ea typeface="+mn-ea"/>
                 <a:cs typeface="+mn-cs"/>
               </a:rPr>
-              <a:t>Is it really possible to minimize the number of disparate services they use across ingest, transformation, querying and storage, so that WWI team of data engineers, data scientists and database administrators can master one tool, and can build shared best practices for development, management and monitoring?</a:t>
-            </a:r>
-          </a:p>
-          <a:p>
+              <a:t>WWI understands that Azure offers several services with overlapping capabilities.  They do not want to spend the time stitching them together to get to the desired analytics solution.</a:t>
+            </a:r>
+            <a:br>
+              <a:rPr lang="en-US" sz="1200" b="1" i="0" u="none" strike="noStrike" kern="1200" dirty="0">
+                <a:solidFill>
+                  <a:schemeClr val="tx1"/>
+                </a:solidFill>
+                <a:effectLst/>
+                <a:latin typeface="+mn-lt"/>
+                <a:ea typeface="+mn-ea"/>
+                <a:cs typeface="+mn-cs"/>
+              </a:rPr>
+            </a:br>
             <a:endParaRPr lang="en-US" sz="1200" b="1" i="0" u="none" strike="noStrike" kern="1200" dirty="0">
               <a:solidFill>
                 <a:schemeClr val="tx1"/>
@@ -6414,7 +6611,7 @@
                 <a:ea typeface="+mn-ea"/>
                 <a:cs typeface="+mn-cs"/>
               </a:rPr>
-              <a:t>Yes, Azure Synapse Analytics provides an integrated environment that does exactly this.</a:t>
+              <a:t>Azure Synapse Analytics was designed to address exactly this situation and enables customers to quickly get to creating business value from their analytics instead of spending time on plumbing infrastructure connecting disparate services.</a:t>
             </a:r>
           </a:p>
           <a:p>
@@ -6439,7 +6636,7 @@
                 <a:ea typeface="+mn-ea"/>
                 <a:cs typeface="+mn-cs"/>
               </a:rPr>
-              <a:t>WWI have heard of serverless querying, does Azure offer this? Does it support querying the data at the scale of WWI and what formats does it support? Would this be appropriate for supporting WWI dashboards or reports?</a:t>
+              <a:t>WWI have seen demos from competing systems that claim to load massive datasets in seconds. Does Azure offer such a solution?</a:t>
             </a:r>
           </a:p>
           <a:p>
@@ -6464,7 +6661,7 @@
                 <a:ea typeface="+mn-ea"/>
                 <a:cs typeface="+mn-cs"/>
               </a:rPr>
-              <a:t>Azure Synapse Analytics support serverless querying via the serverless SQL endpoint.</a:t>
+              <a:t>Azure Synapse Analytics is Microsoft's answer to this challenge and is designed for supporting fast loads of massive datasets.</a:t>
             </a:r>
           </a:p>
           <a:p>
@@ -6479,20 +6676,6 @@
             </a:endParaRPr>
           </a:p>
           <a:p>
-            <a:r>
-              <a:rPr lang="en-US" sz="1200" b="0" i="0" u="none" strike="noStrike" kern="1200" dirty="0">
-                <a:solidFill>
-                  <a:schemeClr val="tx1"/>
-                </a:solidFill>
-                <a:effectLst/>
-                <a:latin typeface="+mn-lt"/>
-                <a:ea typeface="+mn-ea"/>
-                <a:cs typeface="+mn-cs"/>
-              </a:rPr>
-              <a:t>Azure Synapse SQL serverless is an always available SQL endpoint that provides T-SQL querying over high scale data in Azure Storage, and is ideal for ad hoc or bursty workloads.</a:t>
-            </a:r>
-          </a:p>
-          <a:p>
             <a:endParaRPr lang="en-US" sz="1200" b="0" i="0" u="none" strike="noStrike" kern="1200" dirty="0">
               <a:solidFill>
                 <a:schemeClr val="tx1"/>
@@ -6504,43 +6687,7 @@
             </a:endParaRPr>
           </a:p>
           <a:p>
-            <a:r>
-              <a:rPr lang="en-US" sz="1200" b="0" i="0" u="none" strike="noStrike" kern="1200" dirty="0">
-                <a:solidFill>
-                  <a:schemeClr val="tx1"/>
-                </a:solidFill>
-                <a:effectLst/>
-                <a:latin typeface="+mn-lt"/>
-                <a:ea typeface="+mn-ea"/>
-                <a:cs typeface="+mn-cs"/>
-              </a:rPr>
-              <a:t>Supports data in various formats (Parquet, CSV, JSON)</a:t>
-            </a:r>
-          </a:p>
-          <a:p>
-            <a:endParaRPr lang="en-US" sz="1200" b="0" i="0" u="none" strike="noStrike" kern="1200" dirty="0">
-              <a:solidFill>
-                <a:schemeClr val="tx1"/>
-              </a:solidFill>
-              <a:effectLst/>
-              <a:latin typeface="+mn-lt"/>
-              <a:ea typeface="+mn-ea"/>
-              <a:cs typeface="+mn-cs"/>
-            </a:endParaRPr>
-          </a:p>
-          <a:p>
-            <a:r>
-              <a:rPr lang="en-US" sz="1200" b="0" i="0" u="none" strike="noStrike" kern="1200" dirty="0">
-                <a:solidFill>
-                  <a:schemeClr val="tx1"/>
-                </a:solidFill>
-                <a:effectLst/>
-                <a:latin typeface="+mn-lt"/>
-                <a:ea typeface="+mn-ea"/>
-                <a:cs typeface="+mn-cs"/>
-              </a:rPr>
-              <a:t>It would be appropriate for dashboards and reports, as it supports Power BI and can be used refresh dashboard datasets. It is also appropriate for basic data discovery and exploration and supporting "single query ETL" that  transforms Azure Storage based data in a massively parallel fashion.</a:t>
-            </a:r>
+            <a:endParaRPr lang="en-US" dirty="0"/>
           </a:p>
         </p:txBody>
       </p:sp>
@@ -6570,7 +6717,7 @@
     </p:spTree>
     <p:extLst>
       <p:ext uri="{BB962C8B-B14F-4D97-AF65-F5344CB8AC3E}">
-        <p14:creationId xmlns:p14="http://schemas.microsoft.com/office/powerpoint/2010/main" val="207936309"/>
+        <p14:creationId xmlns:p14="http://schemas.microsoft.com/office/powerpoint/2010/main" val="4115832635"/>
       </p:ext>
     </p:extLst>
   </p:cSld>
@@ -6634,7 +6781,7 @@
                 <a:ea typeface="+mn-ea"/>
                 <a:cs typeface="+mn-cs"/>
               </a:rPr>
-              <a:t>If Azure provides serverless querying, does selecting serverless remove the option of using pre-allocated query resources?</a:t>
+              <a:t>Is it really possible to minimize the number of disparate services they use across ingest, transformation, querying and storage, so that WWI team of data engineers, data scientists and database administrators can master one tool, and can build shared best practices for development, management and monitoring?</a:t>
             </a:r>
           </a:p>
           <a:p>
@@ -6659,7 +6806,7 @@
                 <a:ea typeface="+mn-ea"/>
                 <a:cs typeface="+mn-cs"/>
               </a:rPr>
-              <a:t>No. This is a unique differentiator of Azure Synapse Analytics. Within one Azure Synapse Analytics workspace, they can have pre-provisioned Azure Synapse SQL Pools, and also have serverless querying using the Azure Synapse SQL serverless endpoint.</a:t>
+              <a:t>Yes, Azure Synapse Analytics provides an integrated environment that does exactly this.</a:t>
             </a:r>
           </a:p>
           <a:p>
@@ -6684,7 +6831,7 @@
                 <a:ea typeface="+mn-ea"/>
                 <a:cs typeface="+mn-cs"/>
               </a:rPr>
-              <a:t>Would data be protected at rest and are there controls over the keys used to encrypt it?</a:t>
+              <a:t>WWI have heard of serverless querying, does Azure offer this? Does it support querying the data at the scale of WWI and what formats does it support? Would this be appropriate for supporting WWI dashboards or reports?</a:t>
             </a:r>
           </a:p>
           <a:p>
@@ -6709,7 +6856,7 @@
                 <a:ea typeface="+mn-ea"/>
                 <a:cs typeface="+mn-cs"/>
               </a:rPr>
-              <a:t>For data stored in Azure Synapse SQL databases as well as data stored in Azure Storage (including Azure Data Lake Store Gen2), Azure Synapse Analytics supports transparent data encryption (TDE), which means all data is encrypted when written to disk and decrypted when read. When it comes to the keys used for encryption and decryption, TDE provides the option of using service managed keys that are supplied by Microsoft, or user managed keys that are provided by the customer and are stored securely in Azure Key Vault.</a:t>
+              <a:t>Azure Synapse Analytics support serverless querying via the serverless SQL endpoint.</a:t>
             </a:r>
           </a:p>
           <a:p>
@@ -6722,6 +6869,70 @@
               <a:ea typeface="+mn-ea"/>
               <a:cs typeface="+mn-cs"/>
             </a:endParaRPr>
+          </a:p>
+          <a:p>
+            <a:r>
+              <a:rPr lang="en-US" sz="1200" b="0" i="0" u="none" strike="noStrike" kern="1200" dirty="0">
+                <a:solidFill>
+                  <a:schemeClr val="tx1"/>
+                </a:solidFill>
+                <a:effectLst/>
+                <a:latin typeface="+mn-lt"/>
+                <a:ea typeface="+mn-ea"/>
+                <a:cs typeface="+mn-cs"/>
+              </a:rPr>
+              <a:t>Azure Synapse SQL serverless is an always available SQL endpoint that provides T-SQL querying over high scale data in Azure Storage, and is ideal for ad hoc or bursty workloads.</a:t>
+            </a:r>
+          </a:p>
+          <a:p>
+            <a:endParaRPr lang="en-US" sz="1200" b="0" i="0" u="none" strike="noStrike" kern="1200" dirty="0">
+              <a:solidFill>
+                <a:schemeClr val="tx1"/>
+              </a:solidFill>
+              <a:effectLst/>
+              <a:latin typeface="+mn-lt"/>
+              <a:ea typeface="+mn-ea"/>
+              <a:cs typeface="+mn-cs"/>
+            </a:endParaRPr>
+          </a:p>
+          <a:p>
+            <a:r>
+              <a:rPr lang="en-US" sz="1200" b="0" i="0" u="none" strike="noStrike" kern="1200" dirty="0">
+                <a:solidFill>
+                  <a:schemeClr val="tx1"/>
+                </a:solidFill>
+                <a:effectLst/>
+                <a:latin typeface="+mn-lt"/>
+                <a:ea typeface="+mn-ea"/>
+                <a:cs typeface="+mn-cs"/>
+              </a:rPr>
+              <a:t>Supports data in various formats (Parquet, CSV, JSON)</a:t>
+            </a:r>
+          </a:p>
+          <a:p>
+            <a:endParaRPr lang="en-US" sz="1200" b="0" i="0" u="none" strike="noStrike" kern="1200" dirty="0">
+              <a:solidFill>
+                <a:schemeClr val="tx1"/>
+              </a:solidFill>
+              <a:effectLst/>
+              <a:latin typeface="+mn-lt"/>
+              <a:ea typeface="+mn-ea"/>
+              <a:cs typeface="+mn-cs"/>
+            </a:endParaRPr>
+          </a:p>
+          <a:p>
+            <a:r>
+              <a:rPr lang="en-US" sz="1200" b="0" i="0" u="none" strike="noStrike" kern="1200" dirty="0">
+                <a:solidFill>
+                  <a:schemeClr val="tx1"/>
+                </a:solidFill>
+                <a:effectLst/>
+                <a:latin typeface="+mn-lt"/>
+                <a:ea typeface="+mn-ea"/>
+                <a:cs typeface="+mn-cs"/>
+              </a:rPr>
+              <a:t>It would be appropriate for dashboards and reports, as it supports Power BI and can be used refresh dashboard datasets. It is also appropriate for basic data discovery and exploration and supporting "single query ETL" that  transforms Azure Storage based data in a massively parallel fashion.</a:t>
+            </a:r>
           </a:p>
         </p:txBody>
       </p:sp>
@@ -6751,7 +6962,7 @@
     </p:spTree>
     <p:extLst>
       <p:ext uri="{BB962C8B-B14F-4D97-AF65-F5344CB8AC3E}">
-        <p14:creationId xmlns:p14="http://schemas.microsoft.com/office/powerpoint/2010/main" val="1681056147"/>
+        <p14:creationId xmlns:p14="http://schemas.microsoft.com/office/powerpoint/2010/main" val="207936309"/>
       </p:ext>
     </p:extLst>
   </p:cSld>
@@ -6805,6 +7016,95 @@
           <a:bodyPr/>
           <a:lstStyle/>
           <a:p>
+            <a:r>
+              <a:rPr lang="en-US" sz="1200" b="1" i="0" u="none" strike="noStrike" kern="1200" dirty="0">
+                <a:solidFill>
+                  <a:schemeClr val="tx1"/>
+                </a:solidFill>
+                <a:effectLst/>
+                <a:latin typeface="+mn-lt"/>
+                <a:ea typeface="+mn-ea"/>
+                <a:cs typeface="+mn-cs"/>
+              </a:rPr>
+              <a:t>If Azure provides serverless querying, does selecting serverless remove the option of using pre-allocated query resources?</a:t>
+            </a:r>
+          </a:p>
+          <a:p>
+            <a:endParaRPr lang="en-US" sz="1200" b="1" i="0" u="none" strike="noStrike" kern="1200" dirty="0">
+              <a:solidFill>
+                <a:schemeClr val="tx1"/>
+              </a:solidFill>
+              <a:effectLst/>
+              <a:latin typeface="+mn-lt"/>
+              <a:ea typeface="+mn-ea"/>
+              <a:cs typeface="+mn-cs"/>
+            </a:endParaRPr>
+          </a:p>
+          <a:p>
+            <a:r>
+              <a:rPr lang="en-US" sz="1200" b="0" i="0" u="none" strike="noStrike" kern="1200" dirty="0">
+                <a:solidFill>
+                  <a:schemeClr val="tx1"/>
+                </a:solidFill>
+                <a:effectLst/>
+                <a:latin typeface="+mn-lt"/>
+                <a:ea typeface="+mn-ea"/>
+                <a:cs typeface="+mn-cs"/>
+              </a:rPr>
+              <a:t>No. This is a unique differentiator of Azure Synapse Analytics. Within one Azure Synapse Analytics workspace, they can have pre-provisioned Azure Synapse SQL Pools, and also have serverless querying using the Azure Synapse SQL serverless endpoint.</a:t>
+            </a:r>
+          </a:p>
+          <a:p>
+            <a:endParaRPr lang="en-US" sz="1200" b="0" i="0" u="none" strike="noStrike" kern="1200" dirty="0">
+              <a:solidFill>
+                <a:schemeClr val="tx1"/>
+              </a:solidFill>
+              <a:effectLst/>
+              <a:latin typeface="+mn-lt"/>
+              <a:ea typeface="+mn-ea"/>
+              <a:cs typeface="+mn-cs"/>
+            </a:endParaRPr>
+          </a:p>
+          <a:p>
+            <a:r>
+              <a:rPr lang="en-US" sz="1200" b="1" i="0" u="none" strike="noStrike" kern="1200" dirty="0">
+                <a:solidFill>
+                  <a:schemeClr val="tx1"/>
+                </a:solidFill>
+                <a:effectLst/>
+                <a:latin typeface="+mn-lt"/>
+                <a:ea typeface="+mn-ea"/>
+                <a:cs typeface="+mn-cs"/>
+              </a:rPr>
+              <a:t>Would data be protected at rest and are there controls over the keys used to encrypt it?</a:t>
+            </a:r>
+          </a:p>
+          <a:p>
+            <a:endParaRPr lang="en-US" sz="1200" b="1" i="0" u="none" strike="noStrike" kern="1200" dirty="0">
+              <a:solidFill>
+                <a:schemeClr val="tx1"/>
+              </a:solidFill>
+              <a:effectLst/>
+              <a:latin typeface="+mn-lt"/>
+              <a:ea typeface="+mn-ea"/>
+              <a:cs typeface="+mn-cs"/>
+            </a:endParaRPr>
+          </a:p>
+          <a:p>
+            <a:r>
+              <a:rPr lang="en-US" sz="1200" b="0" i="0" u="none" strike="noStrike" kern="1200" dirty="0">
+                <a:solidFill>
+                  <a:schemeClr val="tx1"/>
+                </a:solidFill>
+                <a:effectLst/>
+                <a:latin typeface="+mn-lt"/>
+                <a:ea typeface="+mn-ea"/>
+                <a:cs typeface="+mn-cs"/>
+              </a:rPr>
+              <a:t>For data stored in Azure Synapse SQL databases as well as data stored in Azure Storage (including Azure Data Lake Store Gen2), Azure Synapse Analytics supports transparent data encryption (TDE), which means all data is encrypted when written to disk and decrypted when read. When it comes to the keys used for encryption and decryption, TDE provides the option of using service managed keys that are supplied by Microsoft, or user managed keys that are provided by the customer and are stored securely in Azure Key Vault.</a:t>
+            </a:r>
+          </a:p>
+          <a:p>
             <a:endParaRPr lang="en-US" sz="1200" b="0" i="0" u="none" strike="noStrike" kern="1200" dirty="0">
               <a:solidFill>
                 <a:schemeClr val="tx1"/>
@@ -6843,7 +7143,7 @@
     </p:spTree>
     <p:extLst>
       <p:ext uri="{BB962C8B-B14F-4D97-AF65-F5344CB8AC3E}">
-        <p14:creationId xmlns:p14="http://schemas.microsoft.com/office/powerpoint/2010/main" val="1184667087"/>
+        <p14:creationId xmlns:p14="http://schemas.microsoft.com/office/powerpoint/2010/main" val="1681056147"/>
       </p:ext>
     </p:extLst>
   </p:cSld>
@@ -6897,7 +7197,15 @@
           <a:bodyPr/>
           <a:lstStyle/>
           <a:p>
-            <a:endParaRPr lang="en-US" dirty="0"/>
+            <a:endParaRPr lang="en-US" sz="1200" b="0" i="0" u="none" strike="noStrike" kern="1200" dirty="0">
+              <a:solidFill>
+                <a:schemeClr val="tx1"/>
+              </a:solidFill>
+              <a:effectLst/>
+              <a:latin typeface="+mn-lt"/>
+              <a:ea typeface="+mn-ea"/>
+              <a:cs typeface="+mn-cs"/>
+            </a:endParaRPr>
           </a:p>
         </p:txBody>
       </p:sp>
@@ -6927,6 +7235,370 @@
     </p:spTree>
     <p:extLst>
       <p:ext uri="{BB962C8B-B14F-4D97-AF65-F5344CB8AC3E}">
+        <p14:creationId xmlns:p14="http://schemas.microsoft.com/office/powerpoint/2010/main" val="1184667087"/>
+      </p:ext>
+    </p:extLst>
+  </p:cSld>
+  <p:clrMapOvr>
+    <a:masterClrMapping/>
+  </p:clrMapOvr>
+</p:notes>
+</file>
+
+<file path=ppt/notesSlides/notesSlide36.xml><?xml version="1.0" encoding="utf-8"?>
+<p:notes xmlns:a="http://schemas.openxmlformats.org/drawingml/2006/main" xmlns:r="http://schemas.openxmlformats.org/officeDocument/2006/relationships" xmlns:p="http://schemas.openxmlformats.org/presentationml/2006/main">
+  <p:cSld>
+    <p:spTree>
+      <p:nvGrpSpPr>
+        <p:cNvPr id="1" name=""/>
+        <p:cNvGrpSpPr/>
+        <p:nvPr/>
+      </p:nvGrpSpPr>
+      <p:grpSpPr>
+        <a:xfrm>
+          <a:off x="0" y="0"/>
+          <a:ext cx="0" cy="0"/>
+          <a:chOff x="0" y="0"/>
+          <a:chExt cx="0" cy="0"/>
+        </a:xfrm>
+      </p:grpSpPr>
+      <p:sp>
+        <p:nvSpPr>
+          <p:cNvPr id="2" name="Slide Image Placeholder 1"/>
+          <p:cNvSpPr>
+            <a:spLocks noGrp="1" noRot="1" noChangeAspect="1"/>
+          </p:cNvSpPr>
+          <p:nvPr>
+            <p:ph type="sldImg"/>
+          </p:nvPr>
+        </p:nvSpPr>
+        <p:spPr/>
+      </p:sp>
+      <p:sp>
+        <p:nvSpPr>
+          <p:cNvPr id="3" name="Notes Placeholder 2"/>
+          <p:cNvSpPr>
+            <a:spLocks noGrp="1"/>
+          </p:cNvSpPr>
+          <p:nvPr>
+            <p:ph type="body" idx="1"/>
+          </p:nvPr>
+        </p:nvSpPr>
+        <p:spPr/>
+        <p:txBody>
+          <a:bodyPr/>
+          <a:lstStyle/>
+          <a:p>
+            <a:pPr marL="0" marR="0" lvl="0" indent="0" algn="l" defTabSz="914400" rtl="0" eaLnBrk="1" fontAlgn="auto" latinLnBrk="0" hangingPunct="1">
+              <a:lnSpc>
+                <a:spcPct val="100000"/>
+              </a:lnSpc>
+              <a:spcBef>
+                <a:spcPts val="0"/>
+              </a:spcBef>
+              <a:spcAft>
+                <a:spcPts val="0"/>
+              </a:spcAft>
+              <a:buClrTx/>
+              <a:buSzTx/>
+              <a:buFontTx/>
+              <a:buNone/>
+              <a:tabLst/>
+              <a:defRPr/>
+            </a:pPr>
+            <a:r>
+              <a:rPr lang="en-US" b="0" dirty="0">
+                <a:solidFill>
+                  <a:srgbClr val="D4D4D4"/>
+                </a:solidFill>
+                <a:effectLst/>
+                <a:latin typeface="Consolas" panose="020B0609020204030204" pitchFamily="49" charset="0"/>
+              </a:rPr>
+              <a:t>By using Azure Machine Learning in the solution, WWI will be able to take the models trained elsewhere in the solution and deploy them as REST webservices that are hosted in the Azure Kubernetes Services or Azure Container Instances. They can deploy the webservices from AKS using the Azure Machine Learning SDK. Model deployment typically involves creating a scoring web service script that contains the logic of the web service. This script loads the model from disk and then uses the model for scoring and returns the scored result. By integrating with the Azure Machine Learning model registry, the scoring script can automatically pull the latest model directly from the Azure Machine Learning model registry when the webservice first starts up, ensuring that the web service is always using the latest model, if this is desired. Web services deployed in this fashion can be configured to expose a Swagger </a:t>
+            </a:r>
+            <a:r>
+              <a:rPr lang="en-US" b="0" dirty="0" err="1">
+                <a:solidFill>
+                  <a:srgbClr val="D4D4D4"/>
+                </a:solidFill>
+                <a:effectLst/>
+                <a:latin typeface="Consolas" panose="020B0609020204030204" pitchFamily="49" charset="0"/>
+              </a:rPr>
+              <a:t>OpenAPI</a:t>
+            </a:r>
+            <a:r>
+              <a:rPr lang="en-US" b="0" dirty="0">
+                <a:solidFill>
+                  <a:srgbClr val="D4D4D4"/>
+                </a:solidFill>
+                <a:effectLst/>
+                <a:latin typeface="Consolas" panose="020B0609020204030204" pitchFamily="49" charset="0"/>
+              </a:rPr>
+              <a:t> endpoint that makes it easy for developers by providing auto-generated documentation and the ability to create client libraries for invoking the web service using developer tools.</a:t>
+            </a:r>
+          </a:p>
+          <a:p>
+            <a:endParaRPr lang="en-US" sz="1200" b="0" i="0" u="none" strike="noStrike" kern="1200" dirty="0">
+              <a:solidFill>
+                <a:schemeClr val="tx1"/>
+              </a:solidFill>
+              <a:effectLst/>
+              <a:latin typeface="+mn-lt"/>
+              <a:ea typeface="+mn-ea"/>
+              <a:cs typeface="+mn-cs"/>
+            </a:endParaRPr>
+          </a:p>
+        </p:txBody>
+      </p:sp>
+      <p:sp>
+        <p:nvSpPr>
+          <p:cNvPr id="4" name="Slide Number Placeholder 3"/>
+          <p:cNvSpPr>
+            <a:spLocks noGrp="1"/>
+          </p:cNvSpPr>
+          <p:nvPr>
+            <p:ph type="sldNum" sz="quarter" idx="10"/>
+          </p:nvPr>
+        </p:nvSpPr>
+        <p:spPr/>
+        <p:txBody>
+          <a:bodyPr/>
+          <a:lstStyle/>
+          <a:p>
+            <a:fld id="{0998D5BB-B127-481F-BC0A-2F77C576BB34}" type="slidenum">
+              <a:rPr lang="en-US" smtClean="0"/>
+              <a:t>36</a:t>
+            </a:fld>
+            <a:endParaRPr lang="en-US" dirty="0"/>
+          </a:p>
+        </p:txBody>
+      </p:sp>
+    </p:spTree>
+    <p:extLst>
+      <p:ext uri="{BB962C8B-B14F-4D97-AF65-F5344CB8AC3E}">
+        <p14:creationId xmlns:p14="http://schemas.microsoft.com/office/powerpoint/2010/main" val="2892108141"/>
+      </p:ext>
+    </p:extLst>
+  </p:cSld>
+  <p:clrMapOvr>
+    <a:masterClrMapping/>
+  </p:clrMapOvr>
+</p:notes>
+</file>
+
+<file path=ppt/notesSlides/notesSlide37.xml><?xml version="1.0" encoding="utf-8"?>
+<p:notes xmlns:a="http://schemas.openxmlformats.org/drawingml/2006/main" xmlns:r="http://schemas.openxmlformats.org/officeDocument/2006/relationships" xmlns:p="http://schemas.openxmlformats.org/presentationml/2006/main">
+  <p:cSld>
+    <p:spTree>
+      <p:nvGrpSpPr>
+        <p:cNvPr id="1" name=""/>
+        <p:cNvGrpSpPr/>
+        <p:nvPr/>
+      </p:nvGrpSpPr>
+      <p:grpSpPr>
+        <a:xfrm>
+          <a:off x="0" y="0"/>
+          <a:ext cx="0" cy="0"/>
+          <a:chOff x="0" y="0"/>
+          <a:chExt cx="0" cy="0"/>
+        </a:xfrm>
+      </p:grpSpPr>
+      <p:sp>
+        <p:nvSpPr>
+          <p:cNvPr id="2" name="Slide Image Placeholder 1"/>
+          <p:cNvSpPr>
+            <a:spLocks noGrp="1" noRot="1" noChangeAspect="1"/>
+          </p:cNvSpPr>
+          <p:nvPr>
+            <p:ph type="sldImg"/>
+          </p:nvPr>
+        </p:nvSpPr>
+        <p:spPr/>
+      </p:sp>
+      <p:sp>
+        <p:nvSpPr>
+          <p:cNvPr id="3" name="Notes Placeholder 2"/>
+          <p:cNvSpPr>
+            <a:spLocks noGrp="1"/>
+          </p:cNvSpPr>
+          <p:nvPr>
+            <p:ph type="body" idx="1"/>
+          </p:nvPr>
+        </p:nvSpPr>
+        <p:spPr/>
+        <p:txBody>
+          <a:bodyPr/>
+          <a:lstStyle/>
+          <a:p>
+            <a:pPr marL="0" marR="0" lvl="0" indent="0" algn="l" defTabSz="914400" rtl="0" eaLnBrk="1" fontAlgn="auto" latinLnBrk="0" hangingPunct="1">
+              <a:lnSpc>
+                <a:spcPct val="100000"/>
+              </a:lnSpc>
+              <a:spcBef>
+                <a:spcPts val="0"/>
+              </a:spcBef>
+              <a:spcAft>
+                <a:spcPts val="0"/>
+              </a:spcAft>
+              <a:buClrTx/>
+              <a:buSzTx/>
+              <a:buFontTx/>
+              <a:buNone/>
+              <a:tabLst/>
+              <a:defRPr/>
+            </a:pPr>
+            <a:r>
+              <a:rPr lang="en-US" b="0" dirty="0">
+                <a:solidFill>
+                  <a:srgbClr val="D4D4D4"/>
+                </a:solidFill>
+                <a:effectLst/>
+                <a:latin typeface="Consolas" panose="020B0609020204030204" pitchFamily="49" charset="0"/>
+              </a:rPr>
+              <a:t>The model re-training process can be fully integrated with the DevOps process in an approach referred to as </a:t>
+            </a:r>
+            <a:r>
+              <a:rPr lang="en-US" b="0" dirty="0" err="1">
+                <a:solidFill>
+                  <a:srgbClr val="D4D4D4"/>
+                </a:solidFill>
+                <a:effectLst/>
+                <a:latin typeface="Consolas" panose="020B0609020204030204" pitchFamily="49" charset="0"/>
+              </a:rPr>
+              <a:t>MLOps</a:t>
+            </a:r>
+            <a:r>
+              <a:rPr lang="en-US" b="0" dirty="0">
+                <a:solidFill>
+                  <a:srgbClr val="D4D4D4"/>
+                </a:solidFill>
+                <a:effectLst/>
+                <a:latin typeface="Consolas" panose="020B0609020204030204" pitchFamily="49" charset="0"/>
+              </a:rPr>
+              <a:t>. This approach leverages Azure DevOps. The overall approach is to orchestrate continuous integration and continuous delivery Azure Pipelines from Azure DevOps. These pipelines are triggered by changes to artifacts that describe a machine learning pipeline, that is created with the Azure Machine Learning SDK. For example, checking in a change to the model training script executes the Azure Pipelines Build Pipeline, which trains (or re-trains) the model and creates the container image. Then this triggers an Azure Pipelines Release pipeline that deploys the model as a web service, by using the Docker image that was created in the Build pipeline. Once in production, the scoring web service is monitored using a combination of Application Insights and Azure Storage. This approach enables the deployment pipeline to be re-run to update any component of the solution, included models which have been re-trained.</a:t>
+            </a:r>
+            <a:endParaRPr lang="en-US" sz="1200" b="0" i="0" u="none" strike="noStrike" kern="1200" dirty="0">
+              <a:solidFill>
+                <a:schemeClr val="tx1"/>
+              </a:solidFill>
+              <a:effectLst/>
+              <a:latin typeface="+mn-lt"/>
+              <a:ea typeface="+mn-ea"/>
+              <a:cs typeface="+mn-cs"/>
+            </a:endParaRPr>
+          </a:p>
+        </p:txBody>
+      </p:sp>
+      <p:sp>
+        <p:nvSpPr>
+          <p:cNvPr id="4" name="Slide Number Placeholder 3"/>
+          <p:cNvSpPr>
+            <a:spLocks noGrp="1"/>
+          </p:cNvSpPr>
+          <p:nvPr>
+            <p:ph type="sldNum" sz="quarter" idx="10"/>
+          </p:nvPr>
+        </p:nvSpPr>
+        <p:spPr/>
+        <p:txBody>
+          <a:bodyPr/>
+          <a:lstStyle/>
+          <a:p>
+            <a:fld id="{0998D5BB-B127-481F-BC0A-2F77C576BB34}" type="slidenum">
+              <a:rPr lang="en-US" smtClean="0"/>
+              <a:t>37</a:t>
+            </a:fld>
+            <a:endParaRPr lang="en-US" dirty="0"/>
+          </a:p>
+        </p:txBody>
+      </p:sp>
+    </p:spTree>
+    <p:extLst>
+      <p:ext uri="{BB962C8B-B14F-4D97-AF65-F5344CB8AC3E}">
+        <p14:creationId xmlns:p14="http://schemas.microsoft.com/office/powerpoint/2010/main" val="3100247705"/>
+      </p:ext>
+    </p:extLst>
+  </p:cSld>
+  <p:clrMapOvr>
+    <a:masterClrMapping/>
+  </p:clrMapOvr>
+</p:notes>
+</file>
+
+<file path=ppt/notesSlides/notesSlide38.xml><?xml version="1.0" encoding="utf-8"?>
+<p:notes xmlns:a="http://schemas.openxmlformats.org/drawingml/2006/main" xmlns:r="http://schemas.openxmlformats.org/officeDocument/2006/relationships" xmlns:p="http://schemas.openxmlformats.org/presentationml/2006/main">
+  <p:cSld>
+    <p:spTree>
+      <p:nvGrpSpPr>
+        <p:cNvPr id="1" name=""/>
+        <p:cNvGrpSpPr/>
+        <p:nvPr/>
+      </p:nvGrpSpPr>
+      <p:grpSpPr>
+        <a:xfrm>
+          <a:off x="0" y="0"/>
+          <a:ext cx="0" cy="0"/>
+          <a:chOff x="0" y="0"/>
+          <a:chExt cx="0" cy="0"/>
+        </a:xfrm>
+      </p:grpSpPr>
+      <p:sp>
+        <p:nvSpPr>
+          <p:cNvPr id="2" name="Slide Image Placeholder 1"/>
+          <p:cNvSpPr>
+            <a:spLocks noGrp="1" noRot="1" noChangeAspect="1"/>
+          </p:cNvSpPr>
+          <p:nvPr>
+            <p:ph type="sldImg"/>
+          </p:nvPr>
+        </p:nvSpPr>
+        <p:spPr/>
+      </p:sp>
+      <p:sp>
+        <p:nvSpPr>
+          <p:cNvPr id="3" name="Notes Placeholder 2"/>
+          <p:cNvSpPr>
+            <a:spLocks noGrp="1"/>
+          </p:cNvSpPr>
+          <p:nvPr>
+            <p:ph type="body" idx="1"/>
+          </p:nvPr>
+        </p:nvSpPr>
+        <p:spPr/>
+        <p:txBody>
+          <a:bodyPr/>
+          <a:lstStyle/>
+          <a:p>
+            <a:endParaRPr lang="en-US" dirty="0"/>
+          </a:p>
+        </p:txBody>
+      </p:sp>
+      <p:sp>
+        <p:nvSpPr>
+          <p:cNvPr id="4" name="Slide Number Placeholder 3"/>
+          <p:cNvSpPr>
+            <a:spLocks noGrp="1"/>
+          </p:cNvSpPr>
+          <p:nvPr>
+            <p:ph type="sldNum" sz="quarter" idx="10"/>
+          </p:nvPr>
+        </p:nvSpPr>
+        <p:spPr/>
+        <p:txBody>
+          <a:bodyPr/>
+          <a:lstStyle/>
+          <a:p>
+            <a:fld id="{0998D5BB-B127-481F-BC0A-2F77C576BB34}" type="slidenum">
+              <a:rPr lang="en-US" smtClean="0"/>
+              <a:t>38</a:t>
+            </a:fld>
+            <a:endParaRPr lang="en-US" dirty="0"/>
+          </a:p>
+        </p:txBody>
+      </p:sp>
+    </p:spTree>
+    <p:extLst>
+      <p:ext uri="{BB962C8B-B14F-4D97-AF65-F5344CB8AC3E}">
         <p14:creationId xmlns:p14="http://schemas.microsoft.com/office/powerpoint/2010/main" val="671285550"/>
       </p:ext>
     </p:extLst>
@@ -6937,7 +7609,7 @@
 </p:notes>
 </file>
 
-<file path=ppt/notesSlides/notesSlide36.xml><?xml version="1.0" encoding="utf-8"?>
+<file path=ppt/notesSlides/notesSlide39.xml><?xml version="1.0" encoding="utf-8"?>
 <p:notes xmlns:a="http://schemas.openxmlformats.org/drawingml/2006/main" xmlns:r="http://schemas.openxmlformats.org/officeDocument/2006/relationships" xmlns:p="http://schemas.openxmlformats.org/presentationml/2006/main">
   <p:cSld>
     <p:spTree>
@@ -7044,7 +7716,7 @@
                   <a:prstClr val="black"/>
                 </a:solidFill>
               </a:rPr>
-              <a:t>7/18/2020 5:07 PM</a:t>
+              <a:t>8/5/2020 1:43 PM</a:t>
             </a:fld>
             <a:endParaRPr lang="en-US" dirty="0">
               <a:solidFill>
@@ -7076,7 +7748,7 @@
                 </a:solidFill>
               </a:rPr>
               <a:pPr/>
-              <a:t>36</a:t>
+              <a:t>39</a:t>
             </a:fld>
             <a:endParaRPr lang="en-US" dirty="0">
               <a:solidFill>
@@ -20539,6 +21211,144 @@
                 </a:solidFill>
                 <a:cs typeface="Segoe UI" panose="020B0502040204020203" pitchFamily="34" charset="0"/>
               </a:rPr>
+              <a:t>Customer objections - 3</a:t>
+            </a:r>
+            <a:br>
+              <a:rPr lang="en-US" dirty="0">
+                <a:solidFill>
+                  <a:schemeClr val="tx1"/>
+                </a:solidFill>
+                <a:latin typeface="Segoe UI" panose="020B0502040204020203" pitchFamily="34" charset="0"/>
+              </a:rPr>
+            </a:br>
+            <a:endParaRPr lang="en-US" sz="3236" dirty="0">
+              <a:solidFill>
+                <a:schemeClr val="tx1"/>
+              </a:solidFill>
+              <a:latin typeface="Segoe UI" panose="020B0502040204020203" pitchFamily="34" charset="0"/>
+            </a:endParaRPr>
+          </a:p>
+        </p:txBody>
+      </p:sp>
+      <p:sp>
+        <p:nvSpPr>
+          <p:cNvPr id="5" name="Text Placeholder 4">
+            <a:extLst>
+              <a:ext uri="{FF2B5EF4-FFF2-40B4-BE49-F238E27FC236}">
+                <a16:creationId xmlns:a16="http://schemas.microsoft.com/office/drawing/2014/main" id="{5BFE3E08-2D22-44F2-8BC4-E16CA56F0A17}"/>
+              </a:ext>
+            </a:extLst>
+          </p:cNvPr>
+          <p:cNvSpPr>
+            <a:spLocks noGrp="1"/>
+          </p:cNvSpPr>
+          <p:nvPr>
+            <p:ph type="body" sz="quarter" idx="10"/>
+          </p:nvPr>
+        </p:nvSpPr>
+        <p:spPr>
+          <a:xfrm>
+            <a:off x="269239" y="1189177"/>
+            <a:ext cx="11653523" cy="4579715"/>
+          </a:xfrm>
+        </p:spPr>
+        <p:txBody>
+          <a:bodyPr/>
+          <a:lstStyle/>
+          <a:p>
+            <a:pPr>
+              <a:lnSpc>
+                <a:spcPct val="100000"/>
+              </a:lnSpc>
+            </a:pPr>
+            <a:r>
+              <a:rPr lang="en-US" sz="2800" dirty="0"/>
+              <a:t>How does Azure support deploying the models as web services so that they can easily be invoked from client </a:t>
+            </a:r>
+            <a:r>
+              <a:rPr lang="en-US" sz="2800" dirty="0" err="1"/>
+              <a:t>applications?If</a:t>
+            </a:r>
+            <a:r>
+              <a:rPr lang="en-US" sz="2800" dirty="0"/>
+              <a:t> Azure provides serverless querying, does selecting serverless remove the option of using pre-allocated query resources?</a:t>
+            </a:r>
+          </a:p>
+          <a:p>
+            <a:pPr>
+              <a:lnSpc>
+                <a:spcPct val="100000"/>
+              </a:lnSpc>
+            </a:pPr>
+            <a:r>
+              <a:rPr lang="en-US" sz="2800" dirty="0"/>
+              <a:t>What does the model re-training process look like in Azure? How can WWI data scientists train and evaluate new models but also ensure this re-training becomes part of the DevOps process used to deploy any updates to the application. Can Azure help them orchestrate updates to the client applications, the machine learning API's and the models that power the API's?</a:t>
+            </a:r>
+          </a:p>
+        </p:txBody>
+      </p:sp>
+    </p:spTree>
+    <p:extLst>
+      <p:ext uri="{BB962C8B-B14F-4D97-AF65-F5344CB8AC3E}">
+        <p14:creationId xmlns:p14="http://schemas.microsoft.com/office/powerpoint/2010/main" val="963737175"/>
+      </p:ext>
+    </p:extLst>
+  </p:cSld>
+  <p:clrMapOvr>
+    <a:masterClrMapping/>
+  </p:clrMapOvr>
+  <mc:AlternateContent xmlns:mc="http://schemas.openxmlformats.org/markup-compatibility/2006" xmlns:p14="http://schemas.microsoft.com/office/powerpoint/2010/main">
+    <mc:Choice Requires="p14">
+      <p:transition p14:dur="0"/>
+    </mc:Choice>
+    <mc:Fallback xmlns="">
+      <p:transition/>
+    </mc:Fallback>
+  </mc:AlternateContent>
+</p:sld>
+</file>
+
+<file path=ppt/slides/slide14.xml><?xml version="1.0" encoding="utf-8"?>
+<p:sld xmlns:a="http://schemas.openxmlformats.org/drawingml/2006/main" xmlns:r="http://schemas.openxmlformats.org/officeDocument/2006/relationships" xmlns:p="http://schemas.openxmlformats.org/presentationml/2006/main">
+  <p:cSld>
+    <p:spTree>
+      <p:nvGrpSpPr>
+        <p:cNvPr id="1" name=""/>
+        <p:cNvGrpSpPr/>
+        <p:nvPr/>
+      </p:nvGrpSpPr>
+      <p:grpSpPr>
+        <a:xfrm>
+          <a:off x="0" y="0"/>
+          <a:ext cx="0" cy="0"/>
+          <a:chOff x="0" y="0"/>
+          <a:chExt cx="0" cy="0"/>
+        </a:xfrm>
+      </p:grpSpPr>
+      <p:sp>
+        <p:nvSpPr>
+          <p:cNvPr id="2" name="Title 1"/>
+          <p:cNvSpPr>
+            <a:spLocks noGrp="1"/>
+          </p:cNvSpPr>
+          <p:nvPr>
+            <p:ph type="title"/>
+          </p:nvPr>
+        </p:nvSpPr>
+        <p:spPr/>
+        <p:txBody>
+          <a:bodyPr>
+            <a:normAutofit fontScale="90000"/>
+          </a:bodyPr>
+          <a:lstStyle/>
+          <a:p>
+            <a:r>
+              <a:rPr lang="en-US" sz="4900" dirty="0">
+                <a:solidFill>
+                  <a:schemeClr val="tx1"/>
+                </a:solidFill>
+                <a:cs typeface="Segoe UI" panose="020B0502040204020203" pitchFamily="34" charset="0"/>
+              </a:rPr>
               <a:t>Common scenarios</a:t>
             </a:r>
             <a:br>
@@ -20614,7 +21424,7 @@
 </p:sld>
 </file>
 
-<file path=ppt/slides/slide14.xml><?xml version="1.0" encoding="utf-8"?>
+<file path=ppt/slides/slide15.xml><?xml version="1.0" encoding="utf-8"?>
 <p:sld xmlns:a="http://schemas.openxmlformats.org/drawingml/2006/main" xmlns:r="http://schemas.openxmlformats.org/officeDocument/2006/relationships" xmlns:p="http://schemas.openxmlformats.org/presentationml/2006/main">
   <p:cSld>
     <p:spTree>
@@ -21158,310 +21968,6 @@
 </p:sld>
 </file>
 
-<file path=ppt/slides/slide15.xml><?xml version="1.0" encoding="utf-8"?>
-<p:sld xmlns:a="http://schemas.openxmlformats.org/drawingml/2006/main" xmlns:r="http://schemas.openxmlformats.org/officeDocument/2006/relationships" xmlns:p="http://schemas.openxmlformats.org/presentationml/2006/main">
-  <p:cSld>
-    <p:spTree>
-      <p:nvGrpSpPr>
-        <p:cNvPr id="1" name=""/>
-        <p:cNvGrpSpPr/>
-        <p:nvPr/>
-      </p:nvGrpSpPr>
-      <p:grpSpPr>
-        <a:xfrm>
-          <a:off x="0" y="0"/>
-          <a:ext cx="0" cy="0"/>
-          <a:chOff x="0" y="0"/>
-          <a:chExt cx="0" cy="0"/>
-        </a:xfrm>
-      </p:grpSpPr>
-      <p:sp>
-        <p:nvSpPr>
-          <p:cNvPr id="2" name="Title 1"/>
-          <p:cNvSpPr>
-            <a:spLocks noGrp="1"/>
-          </p:cNvSpPr>
-          <p:nvPr>
-            <p:ph type="title"/>
-          </p:nvPr>
-        </p:nvSpPr>
-        <p:spPr/>
-        <p:txBody>
-          <a:bodyPr>
-            <a:normAutofit/>
-          </a:bodyPr>
-          <a:lstStyle/>
-          <a:p>
-            <a:r>
-              <a:rPr lang="en-US" sz="4400" dirty="0">
-                <a:solidFill>
-                  <a:schemeClr val="tx1"/>
-                </a:solidFill>
-                <a:latin typeface="Segoe UI Light" panose="020B0502040204020203" pitchFamily="34" charset="0"/>
-                <a:cs typeface="Segoe UI Light" panose="020B0502040204020203" pitchFamily="34" charset="0"/>
-              </a:rPr>
-              <a:t>Step 3: Present the solution</a:t>
-            </a:r>
-          </a:p>
-        </p:txBody>
-      </p:sp>
-      <p:sp>
-        <p:nvSpPr>
-          <p:cNvPr id="9" name="TextBox 8">
-            <a:extLst>
-              <a:ext uri="{FF2B5EF4-FFF2-40B4-BE49-F238E27FC236}">
-                <a16:creationId xmlns:a16="http://schemas.microsoft.com/office/drawing/2014/main" id="{0F86F9F9-39B5-4CE6-AF48-9ADAE40EA728}"/>
-              </a:ext>
-            </a:extLst>
-          </p:cNvPr>
-          <p:cNvSpPr txBox="1"/>
-          <p:nvPr/>
-        </p:nvSpPr>
-        <p:spPr>
-          <a:xfrm>
-            <a:off x="340285" y="1062166"/>
-            <a:ext cx="10229103" cy="5838521"/>
-          </a:xfrm>
-          <a:prstGeom prst="rect">
-            <a:avLst/>
-          </a:prstGeom>
-          <a:noFill/>
-        </p:spPr>
-        <p:txBody>
-          <a:bodyPr wrap="square" lIns="182880" tIns="146304" rIns="182880" bIns="146304" rtlCol="0">
-            <a:spAutoFit/>
-          </a:bodyPr>
-          <a:lstStyle/>
-          <a:p>
-            <a:pPr>
-              <a:lnSpc>
-                <a:spcPct val="90000"/>
-              </a:lnSpc>
-              <a:spcAft>
-                <a:spcPts val="600"/>
-              </a:spcAft>
-            </a:pPr>
-            <a:r>
-              <a:rPr lang="en-US" sz="3600" dirty="0">
-                <a:latin typeface="+mj-lt"/>
-              </a:rPr>
-              <a:t>Outcome</a:t>
-            </a:r>
-          </a:p>
-          <a:p>
-            <a:pPr>
-              <a:lnSpc>
-                <a:spcPct val="90000"/>
-              </a:lnSpc>
-              <a:spcAft>
-                <a:spcPts val="600"/>
-              </a:spcAft>
-            </a:pPr>
-            <a:r>
-              <a:rPr lang="en-US" sz="2400" dirty="0">
-                <a:latin typeface="Segoe UI Semilight" panose="020B0402040204020203" pitchFamily="34" charset="0"/>
-                <a:cs typeface="Segoe UI Semilight" panose="020B0402040204020203" pitchFamily="34" charset="0"/>
-              </a:rPr>
-              <a:t>Present a solution to the target customer in a 15-minute chalk-talk format </a:t>
-            </a:r>
-            <a:endParaRPr lang="en-US" sz="3600" dirty="0">
-              <a:latin typeface="+mj-lt"/>
-            </a:endParaRPr>
-          </a:p>
-          <a:p>
-            <a:pPr>
-              <a:lnSpc>
-                <a:spcPct val="90000"/>
-              </a:lnSpc>
-              <a:spcAft>
-                <a:spcPts val="600"/>
-              </a:spcAft>
-            </a:pPr>
-            <a:endParaRPr lang="en-US" sz="2400" dirty="0">
-              <a:latin typeface="+mj-lt"/>
-            </a:endParaRPr>
-          </a:p>
-          <a:p>
-            <a:pPr>
-              <a:lnSpc>
-                <a:spcPct val="90000"/>
-              </a:lnSpc>
-              <a:spcAft>
-                <a:spcPts val="600"/>
-              </a:spcAft>
-            </a:pPr>
-            <a:r>
-              <a:rPr lang="en-US" sz="3600" dirty="0">
-                <a:latin typeface="+mj-lt"/>
-              </a:rPr>
-              <a:t>Timeframe</a:t>
-            </a:r>
-          </a:p>
-          <a:p>
-            <a:pPr>
-              <a:lnSpc>
-                <a:spcPct val="90000"/>
-              </a:lnSpc>
-              <a:spcAft>
-                <a:spcPts val="600"/>
-              </a:spcAft>
-            </a:pPr>
-            <a:r>
-              <a:rPr lang="en-US" sz="2400" dirty="0">
-                <a:latin typeface="Segoe UI Semilight" panose="020B0402040204020203" pitchFamily="34" charset="0"/>
-                <a:cs typeface="Segoe UI Semilight" panose="020B0402040204020203" pitchFamily="34" charset="0"/>
-              </a:rPr>
-              <a:t>30 minutes (15 minutes for each team to present and receive feedback) </a:t>
-            </a:r>
-          </a:p>
-          <a:p>
-            <a:pPr>
-              <a:lnSpc>
-                <a:spcPct val="90000"/>
-              </a:lnSpc>
-              <a:spcAft>
-                <a:spcPts val="600"/>
-              </a:spcAft>
-            </a:pPr>
-            <a:endParaRPr lang="en-US" sz="2400" dirty="0">
-              <a:latin typeface="+mj-lt"/>
-            </a:endParaRPr>
-          </a:p>
-          <a:p>
-            <a:pPr>
-              <a:lnSpc>
-                <a:spcPct val="90000"/>
-              </a:lnSpc>
-              <a:spcAft>
-                <a:spcPts val="600"/>
-              </a:spcAft>
-            </a:pPr>
-            <a:r>
-              <a:rPr lang="en-US" sz="3600" dirty="0">
-                <a:latin typeface="+mj-lt"/>
-              </a:rPr>
-              <a:t>Directions</a:t>
-            </a:r>
-          </a:p>
-          <a:p>
-            <a:pPr marL="342900" lvl="0" indent="-342900">
-              <a:buFont typeface="Arial" panose="020B0604020202020204" pitchFamily="34" charset="0"/>
-              <a:buChar char="•"/>
-            </a:pPr>
-            <a:r>
-              <a:rPr lang="en-US" sz="2000" dirty="0">
-                <a:latin typeface="Segoe UI Semilight" panose="020B0402040204020203" pitchFamily="34" charset="0"/>
-                <a:cs typeface="Segoe UI Semilight" panose="020B0402040204020203" pitchFamily="34" charset="0"/>
-              </a:rPr>
-              <a:t>Pair with another table</a:t>
-            </a:r>
-          </a:p>
-          <a:p>
-            <a:pPr marL="342900" lvl="0" indent="-342900">
-              <a:buFont typeface="Arial" panose="020B0604020202020204" pitchFamily="34" charset="0"/>
-              <a:buChar char="•"/>
-            </a:pPr>
-            <a:r>
-              <a:rPr lang="en-US" sz="2000" dirty="0">
-                <a:latin typeface="Segoe UI Semilight" panose="020B0402040204020203" pitchFamily="34" charset="0"/>
-                <a:cs typeface="Segoe UI Semilight" panose="020B0402040204020203" pitchFamily="34" charset="0"/>
-              </a:rPr>
-              <a:t>One table is the Microsoft team and the other table is the customer</a:t>
-            </a:r>
-          </a:p>
-          <a:p>
-            <a:pPr marL="342900" lvl="0" indent="-342900">
-              <a:buFont typeface="Arial" panose="020B0604020202020204" pitchFamily="34" charset="0"/>
-              <a:buChar char="•"/>
-            </a:pPr>
-            <a:r>
-              <a:rPr lang="en-US" sz="2000" dirty="0">
-                <a:latin typeface="Segoe UI Semilight" panose="020B0402040204020203" pitchFamily="34" charset="0"/>
-                <a:cs typeface="Segoe UI Semilight" panose="020B0402040204020203" pitchFamily="34" charset="0"/>
-              </a:rPr>
-              <a:t>The Microsoft team presents their proposed solution to the customer</a:t>
-            </a:r>
-          </a:p>
-          <a:p>
-            <a:pPr marL="342900" lvl="0" indent="-342900">
-              <a:buFont typeface="Arial" panose="020B0604020202020204" pitchFamily="34" charset="0"/>
-              <a:buChar char="•"/>
-            </a:pPr>
-            <a:r>
-              <a:rPr lang="en-US" sz="2000" dirty="0">
-                <a:latin typeface="Segoe UI Semilight" panose="020B0402040204020203" pitchFamily="34" charset="0"/>
-                <a:cs typeface="Segoe UI Semilight" panose="020B0402040204020203" pitchFamily="34" charset="0"/>
-              </a:rPr>
-              <a:t>The customer asks one of the objections from the list of objections in the case study</a:t>
-            </a:r>
-          </a:p>
-          <a:p>
-            <a:pPr marL="342900" lvl="0" indent="-342900">
-              <a:buFont typeface="Arial" panose="020B0604020202020204" pitchFamily="34" charset="0"/>
-              <a:buChar char="•"/>
-            </a:pPr>
-            <a:r>
-              <a:rPr lang="en-US" sz="2000" dirty="0">
-                <a:latin typeface="Segoe UI Semilight" panose="020B0402040204020203" pitchFamily="34" charset="0"/>
-                <a:cs typeface="Segoe UI Semilight" panose="020B0402040204020203" pitchFamily="34" charset="0"/>
-              </a:rPr>
-              <a:t>The Microsoft team responds to the objection</a:t>
-            </a:r>
-          </a:p>
-          <a:p>
-            <a:pPr marL="342900" lvl="0" indent="-342900">
-              <a:buFont typeface="Arial" panose="020B0604020202020204" pitchFamily="34" charset="0"/>
-              <a:buChar char="•"/>
-            </a:pPr>
-            <a:r>
-              <a:rPr lang="en-US" sz="2000" dirty="0">
-                <a:latin typeface="Segoe UI Semilight" panose="020B0402040204020203" pitchFamily="34" charset="0"/>
-                <a:cs typeface="Segoe UI Semilight" panose="020B0402040204020203" pitchFamily="34" charset="0"/>
-              </a:rPr>
-              <a:t>The customer team gives feedback to the Microsoft team</a:t>
-            </a:r>
-            <a:endParaRPr lang="en-US" sz="2000" strike="sngStrike" dirty="0">
-              <a:latin typeface="Segoe UI Semilight" panose="020B0402040204020203" pitchFamily="34" charset="0"/>
-              <a:cs typeface="Segoe UI Semilight" panose="020B0402040204020203" pitchFamily="34" charset="0"/>
-            </a:endParaRPr>
-          </a:p>
-          <a:p>
-            <a:pPr>
-              <a:lnSpc>
-                <a:spcPct val="90000"/>
-              </a:lnSpc>
-              <a:spcAft>
-                <a:spcPts val="600"/>
-              </a:spcAft>
-            </a:pPr>
-            <a:endParaRPr lang="en-US" sz="2400" dirty="0">
-              <a:latin typeface="Segoe UI Semilight" panose="020B0402040204020203" pitchFamily="34" charset="0"/>
-              <a:cs typeface="Segoe UI Semilight" panose="020B0402040204020203" pitchFamily="34" charset="0"/>
-            </a:endParaRPr>
-          </a:p>
-        </p:txBody>
-      </p:sp>
-    </p:spTree>
-    <p:extLst>
-      <p:ext uri="{BB962C8B-B14F-4D97-AF65-F5344CB8AC3E}">
-        <p14:creationId xmlns:p14="http://schemas.microsoft.com/office/powerpoint/2010/main" val="3864226644"/>
-      </p:ext>
-    </p:extLst>
-  </p:cSld>
-  <p:clrMapOvr>
-    <a:masterClrMapping/>
-  </p:clrMapOvr>
-  <mc:AlternateContent xmlns:mc="http://schemas.openxmlformats.org/markup-compatibility/2006" xmlns:p14="http://schemas.microsoft.com/office/powerpoint/2010/main">
-    <mc:Choice Requires="p14">
-      <p:transition p14:dur="0"/>
-    </mc:Choice>
-    <mc:Fallback xmlns="">
-      <p:transition/>
-    </mc:Fallback>
-  </mc:AlternateContent>
-</p:sld>
-</file>
-
 <file path=ppt/slides/slide16.xml><?xml version="1.0" encoding="utf-8"?>
 <p:sld xmlns:a="http://schemas.openxmlformats.org/drawingml/2006/main" xmlns:r="http://schemas.openxmlformats.org/officeDocument/2006/relationships" xmlns:p="http://schemas.openxmlformats.org/presentationml/2006/main">
   <p:cSld>
@@ -21504,6 +22010,310 @@
                 <a:latin typeface="Segoe UI Light" panose="020B0502040204020203" pitchFamily="34" charset="0"/>
                 <a:cs typeface="Segoe UI Light" panose="020B0502040204020203" pitchFamily="34" charset="0"/>
               </a:rPr>
+              <a:t>Step 3: Present the solution</a:t>
+            </a:r>
+          </a:p>
+        </p:txBody>
+      </p:sp>
+      <p:sp>
+        <p:nvSpPr>
+          <p:cNvPr id="9" name="TextBox 8">
+            <a:extLst>
+              <a:ext uri="{FF2B5EF4-FFF2-40B4-BE49-F238E27FC236}">
+                <a16:creationId xmlns:a16="http://schemas.microsoft.com/office/drawing/2014/main" id="{0F86F9F9-39B5-4CE6-AF48-9ADAE40EA728}"/>
+              </a:ext>
+            </a:extLst>
+          </p:cNvPr>
+          <p:cNvSpPr txBox="1"/>
+          <p:nvPr/>
+        </p:nvSpPr>
+        <p:spPr>
+          <a:xfrm>
+            <a:off x="340285" y="1062166"/>
+            <a:ext cx="10229103" cy="5838521"/>
+          </a:xfrm>
+          <a:prstGeom prst="rect">
+            <a:avLst/>
+          </a:prstGeom>
+          <a:noFill/>
+        </p:spPr>
+        <p:txBody>
+          <a:bodyPr wrap="square" lIns="182880" tIns="146304" rIns="182880" bIns="146304" rtlCol="0">
+            <a:spAutoFit/>
+          </a:bodyPr>
+          <a:lstStyle/>
+          <a:p>
+            <a:pPr>
+              <a:lnSpc>
+                <a:spcPct val="90000"/>
+              </a:lnSpc>
+              <a:spcAft>
+                <a:spcPts val="600"/>
+              </a:spcAft>
+            </a:pPr>
+            <a:r>
+              <a:rPr lang="en-US" sz="3600" dirty="0">
+                <a:latin typeface="+mj-lt"/>
+              </a:rPr>
+              <a:t>Outcome</a:t>
+            </a:r>
+          </a:p>
+          <a:p>
+            <a:pPr>
+              <a:lnSpc>
+                <a:spcPct val="90000"/>
+              </a:lnSpc>
+              <a:spcAft>
+                <a:spcPts val="600"/>
+              </a:spcAft>
+            </a:pPr>
+            <a:r>
+              <a:rPr lang="en-US" sz="2400" dirty="0">
+                <a:latin typeface="Segoe UI Semilight" panose="020B0402040204020203" pitchFamily="34" charset="0"/>
+                <a:cs typeface="Segoe UI Semilight" panose="020B0402040204020203" pitchFamily="34" charset="0"/>
+              </a:rPr>
+              <a:t>Present a solution to the target customer in a 15-minute chalk-talk format </a:t>
+            </a:r>
+            <a:endParaRPr lang="en-US" sz="3600" dirty="0">
+              <a:latin typeface="+mj-lt"/>
+            </a:endParaRPr>
+          </a:p>
+          <a:p>
+            <a:pPr>
+              <a:lnSpc>
+                <a:spcPct val="90000"/>
+              </a:lnSpc>
+              <a:spcAft>
+                <a:spcPts val="600"/>
+              </a:spcAft>
+            </a:pPr>
+            <a:endParaRPr lang="en-US" sz="2400" dirty="0">
+              <a:latin typeface="+mj-lt"/>
+            </a:endParaRPr>
+          </a:p>
+          <a:p>
+            <a:pPr>
+              <a:lnSpc>
+                <a:spcPct val="90000"/>
+              </a:lnSpc>
+              <a:spcAft>
+                <a:spcPts val="600"/>
+              </a:spcAft>
+            </a:pPr>
+            <a:r>
+              <a:rPr lang="en-US" sz="3600" dirty="0">
+                <a:latin typeface="+mj-lt"/>
+              </a:rPr>
+              <a:t>Timeframe</a:t>
+            </a:r>
+          </a:p>
+          <a:p>
+            <a:pPr>
+              <a:lnSpc>
+                <a:spcPct val="90000"/>
+              </a:lnSpc>
+              <a:spcAft>
+                <a:spcPts val="600"/>
+              </a:spcAft>
+            </a:pPr>
+            <a:r>
+              <a:rPr lang="en-US" sz="2400" dirty="0">
+                <a:latin typeface="Segoe UI Semilight" panose="020B0402040204020203" pitchFamily="34" charset="0"/>
+                <a:cs typeface="Segoe UI Semilight" panose="020B0402040204020203" pitchFamily="34" charset="0"/>
+              </a:rPr>
+              <a:t>30 minutes (15 minutes for each team to present and receive feedback) </a:t>
+            </a:r>
+          </a:p>
+          <a:p>
+            <a:pPr>
+              <a:lnSpc>
+                <a:spcPct val="90000"/>
+              </a:lnSpc>
+              <a:spcAft>
+                <a:spcPts val="600"/>
+              </a:spcAft>
+            </a:pPr>
+            <a:endParaRPr lang="en-US" sz="2400" dirty="0">
+              <a:latin typeface="+mj-lt"/>
+            </a:endParaRPr>
+          </a:p>
+          <a:p>
+            <a:pPr>
+              <a:lnSpc>
+                <a:spcPct val="90000"/>
+              </a:lnSpc>
+              <a:spcAft>
+                <a:spcPts val="600"/>
+              </a:spcAft>
+            </a:pPr>
+            <a:r>
+              <a:rPr lang="en-US" sz="3600" dirty="0">
+                <a:latin typeface="+mj-lt"/>
+              </a:rPr>
+              <a:t>Directions</a:t>
+            </a:r>
+          </a:p>
+          <a:p>
+            <a:pPr marL="342900" lvl="0" indent="-342900">
+              <a:buFont typeface="Arial" panose="020B0604020202020204" pitchFamily="34" charset="0"/>
+              <a:buChar char="•"/>
+            </a:pPr>
+            <a:r>
+              <a:rPr lang="en-US" sz="2000" dirty="0">
+                <a:latin typeface="Segoe UI Semilight" panose="020B0402040204020203" pitchFamily="34" charset="0"/>
+                <a:cs typeface="Segoe UI Semilight" panose="020B0402040204020203" pitchFamily="34" charset="0"/>
+              </a:rPr>
+              <a:t>Pair with another table</a:t>
+            </a:r>
+          </a:p>
+          <a:p>
+            <a:pPr marL="342900" lvl="0" indent="-342900">
+              <a:buFont typeface="Arial" panose="020B0604020202020204" pitchFamily="34" charset="0"/>
+              <a:buChar char="•"/>
+            </a:pPr>
+            <a:r>
+              <a:rPr lang="en-US" sz="2000" dirty="0">
+                <a:latin typeface="Segoe UI Semilight" panose="020B0402040204020203" pitchFamily="34" charset="0"/>
+                <a:cs typeface="Segoe UI Semilight" panose="020B0402040204020203" pitchFamily="34" charset="0"/>
+              </a:rPr>
+              <a:t>One table is the Microsoft team and the other table is the customer</a:t>
+            </a:r>
+          </a:p>
+          <a:p>
+            <a:pPr marL="342900" lvl="0" indent="-342900">
+              <a:buFont typeface="Arial" panose="020B0604020202020204" pitchFamily="34" charset="0"/>
+              <a:buChar char="•"/>
+            </a:pPr>
+            <a:r>
+              <a:rPr lang="en-US" sz="2000" dirty="0">
+                <a:latin typeface="Segoe UI Semilight" panose="020B0402040204020203" pitchFamily="34" charset="0"/>
+                <a:cs typeface="Segoe UI Semilight" panose="020B0402040204020203" pitchFamily="34" charset="0"/>
+              </a:rPr>
+              <a:t>The Microsoft team presents their proposed solution to the customer</a:t>
+            </a:r>
+          </a:p>
+          <a:p>
+            <a:pPr marL="342900" lvl="0" indent="-342900">
+              <a:buFont typeface="Arial" panose="020B0604020202020204" pitchFamily="34" charset="0"/>
+              <a:buChar char="•"/>
+            </a:pPr>
+            <a:r>
+              <a:rPr lang="en-US" sz="2000" dirty="0">
+                <a:latin typeface="Segoe UI Semilight" panose="020B0402040204020203" pitchFamily="34" charset="0"/>
+                <a:cs typeface="Segoe UI Semilight" panose="020B0402040204020203" pitchFamily="34" charset="0"/>
+              </a:rPr>
+              <a:t>The customer asks one of the objections from the list of objections in the case study</a:t>
+            </a:r>
+          </a:p>
+          <a:p>
+            <a:pPr marL="342900" lvl="0" indent="-342900">
+              <a:buFont typeface="Arial" panose="020B0604020202020204" pitchFamily="34" charset="0"/>
+              <a:buChar char="•"/>
+            </a:pPr>
+            <a:r>
+              <a:rPr lang="en-US" sz="2000" dirty="0">
+                <a:latin typeface="Segoe UI Semilight" panose="020B0402040204020203" pitchFamily="34" charset="0"/>
+                <a:cs typeface="Segoe UI Semilight" panose="020B0402040204020203" pitchFamily="34" charset="0"/>
+              </a:rPr>
+              <a:t>The Microsoft team responds to the objection</a:t>
+            </a:r>
+          </a:p>
+          <a:p>
+            <a:pPr marL="342900" lvl="0" indent="-342900">
+              <a:buFont typeface="Arial" panose="020B0604020202020204" pitchFamily="34" charset="0"/>
+              <a:buChar char="•"/>
+            </a:pPr>
+            <a:r>
+              <a:rPr lang="en-US" sz="2000" dirty="0">
+                <a:latin typeface="Segoe UI Semilight" panose="020B0402040204020203" pitchFamily="34" charset="0"/>
+                <a:cs typeface="Segoe UI Semilight" panose="020B0402040204020203" pitchFamily="34" charset="0"/>
+              </a:rPr>
+              <a:t>The customer team gives feedback to the Microsoft team</a:t>
+            </a:r>
+            <a:endParaRPr lang="en-US" sz="2000" strike="sngStrike" dirty="0">
+              <a:latin typeface="Segoe UI Semilight" panose="020B0402040204020203" pitchFamily="34" charset="0"/>
+              <a:cs typeface="Segoe UI Semilight" panose="020B0402040204020203" pitchFamily="34" charset="0"/>
+            </a:endParaRPr>
+          </a:p>
+          <a:p>
+            <a:pPr>
+              <a:lnSpc>
+                <a:spcPct val="90000"/>
+              </a:lnSpc>
+              <a:spcAft>
+                <a:spcPts val="600"/>
+              </a:spcAft>
+            </a:pPr>
+            <a:endParaRPr lang="en-US" sz="2400" dirty="0">
+              <a:latin typeface="Segoe UI Semilight" panose="020B0402040204020203" pitchFamily="34" charset="0"/>
+              <a:cs typeface="Segoe UI Semilight" panose="020B0402040204020203" pitchFamily="34" charset="0"/>
+            </a:endParaRPr>
+          </a:p>
+        </p:txBody>
+      </p:sp>
+    </p:spTree>
+    <p:extLst>
+      <p:ext uri="{BB962C8B-B14F-4D97-AF65-F5344CB8AC3E}">
+        <p14:creationId xmlns:p14="http://schemas.microsoft.com/office/powerpoint/2010/main" val="3864226644"/>
+      </p:ext>
+    </p:extLst>
+  </p:cSld>
+  <p:clrMapOvr>
+    <a:masterClrMapping/>
+  </p:clrMapOvr>
+  <mc:AlternateContent xmlns:mc="http://schemas.openxmlformats.org/markup-compatibility/2006" xmlns:p14="http://schemas.microsoft.com/office/powerpoint/2010/main">
+    <mc:Choice Requires="p14">
+      <p:transition p14:dur="0"/>
+    </mc:Choice>
+    <mc:Fallback xmlns="">
+      <p:transition/>
+    </mc:Fallback>
+  </mc:AlternateContent>
+</p:sld>
+</file>
+
+<file path=ppt/slides/slide17.xml><?xml version="1.0" encoding="utf-8"?>
+<p:sld xmlns:a="http://schemas.openxmlformats.org/drawingml/2006/main" xmlns:r="http://schemas.openxmlformats.org/officeDocument/2006/relationships" xmlns:p="http://schemas.openxmlformats.org/presentationml/2006/main">
+  <p:cSld>
+    <p:spTree>
+      <p:nvGrpSpPr>
+        <p:cNvPr id="1" name=""/>
+        <p:cNvGrpSpPr/>
+        <p:nvPr/>
+      </p:nvGrpSpPr>
+      <p:grpSpPr>
+        <a:xfrm>
+          <a:off x="0" y="0"/>
+          <a:ext cx="0" cy="0"/>
+          <a:chOff x="0" y="0"/>
+          <a:chExt cx="0" cy="0"/>
+        </a:xfrm>
+      </p:grpSpPr>
+      <p:sp>
+        <p:nvSpPr>
+          <p:cNvPr id="2" name="Title 1"/>
+          <p:cNvSpPr>
+            <a:spLocks noGrp="1"/>
+          </p:cNvSpPr>
+          <p:nvPr>
+            <p:ph type="title"/>
+          </p:nvPr>
+        </p:nvSpPr>
+        <p:spPr/>
+        <p:txBody>
+          <a:bodyPr>
+            <a:normAutofit/>
+          </a:bodyPr>
+          <a:lstStyle/>
+          <a:p>
+            <a:r>
+              <a:rPr lang="en-US" sz="4400" dirty="0">
+                <a:solidFill>
+                  <a:schemeClr val="tx1"/>
+                </a:solidFill>
+                <a:latin typeface="Segoe UI Light" panose="020B0502040204020203" pitchFamily="34" charset="0"/>
+                <a:cs typeface="Segoe UI Light" panose="020B0502040204020203" pitchFamily="34" charset="0"/>
+              </a:rPr>
               <a:t>Wrap-up</a:t>
             </a:r>
           </a:p>
@@ -21653,7 +22463,7 @@
 </p:sld>
 </file>
 
-<file path=ppt/slides/slide17.xml><?xml version="1.0" encoding="utf-8"?>
+<file path=ppt/slides/slide18.xml><?xml version="1.0" encoding="utf-8"?>
 <p:sld xmlns:a="http://schemas.openxmlformats.org/drawingml/2006/main" xmlns:r="http://schemas.openxmlformats.org/officeDocument/2006/relationships" xmlns:p="http://schemas.openxmlformats.org/presentationml/2006/main">
   <p:cSld>
     <p:bg>
@@ -21885,7 +22695,7 @@
 </p:sld>
 </file>
 
-<file path=ppt/slides/slide18.xml><?xml version="1.0" encoding="utf-8"?>
+<file path=ppt/slides/slide19.xml><?xml version="1.0" encoding="utf-8"?>
 <p:sld xmlns:a="http://schemas.openxmlformats.org/drawingml/2006/main" xmlns:r="http://schemas.openxmlformats.org/officeDocument/2006/relationships" xmlns:p="http://schemas.openxmlformats.org/presentationml/2006/main">
   <p:cSld>
     <p:spTree>
@@ -21984,122 +22794,6 @@
     <p:extLst>
       <p:ext uri="{BB962C8B-B14F-4D97-AF65-F5344CB8AC3E}">
         <p14:creationId xmlns:p14="http://schemas.microsoft.com/office/powerpoint/2010/main" val="2547985055"/>
-      </p:ext>
-    </p:extLst>
-  </p:cSld>
-  <p:clrMapOvr>
-    <a:masterClrMapping/>
-  </p:clrMapOvr>
-  <mc:AlternateContent xmlns:mc="http://schemas.openxmlformats.org/markup-compatibility/2006" xmlns:p14="http://schemas.microsoft.com/office/powerpoint/2010/main">
-    <mc:Choice Requires="p14">
-      <p:transition p14:dur="0"/>
-    </mc:Choice>
-    <mc:Fallback xmlns="">
-      <p:transition/>
-    </mc:Fallback>
-  </mc:AlternateContent>
-</p:sld>
-</file>
-
-<file path=ppt/slides/slide19.xml><?xml version="1.0" encoding="utf-8"?>
-<p:sld xmlns:a="http://schemas.openxmlformats.org/drawingml/2006/main" xmlns:r="http://schemas.openxmlformats.org/officeDocument/2006/relationships" xmlns:p="http://schemas.openxmlformats.org/presentationml/2006/main">
-  <p:cSld>
-    <p:spTree>
-      <p:nvGrpSpPr>
-        <p:cNvPr id="1" name=""/>
-        <p:cNvGrpSpPr/>
-        <p:nvPr/>
-      </p:nvGrpSpPr>
-      <p:grpSpPr>
-        <a:xfrm>
-          <a:off x="0" y="0"/>
-          <a:ext cx="0" cy="0"/>
-          <a:chOff x="0" y="0"/>
-          <a:chExt cx="0" cy="0"/>
-        </a:xfrm>
-      </p:grpSpPr>
-      <p:sp>
-        <p:nvSpPr>
-          <p:cNvPr id="2" name="Title 1"/>
-          <p:cNvSpPr>
-            <a:spLocks noGrp="1"/>
-          </p:cNvSpPr>
-          <p:nvPr>
-            <p:ph type="title"/>
-          </p:nvPr>
-        </p:nvSpPr>
-        <p:spPr/>
-        <p:txBody>
-          <a:bodyPr>
-            <a:normAutofit fontScale="90000"/>
-          </a:bodyPr>
-          <a:lstStyle/>
-          <a:p>
-            <a:r>
-              <a:rPr lang="en-US" sz="4900" dirty="0">
-                <a:solidFill>
-                  <a:schemeClr val="tx1"/>
-                </a:solidFill>
-                <a:cs typeface="Segoe UI" panose="020B0502040204020203" pitchFamily="34" charset="0"/>
-              </a:rPr>
-              <a:t>Preferred solution – Hot Path</a:t>
-            </a:r>
-            <a:br>
-              <a:rPr lang="en-US" dirty="0">
-                <a:solidFill>
-                  <a:schemeClr val="tx1"/>
-                </a:solidFill>
-                <a:latin typeface="Segoe UI" panose="020B0502040204020203" pitchFamily="34" charset="0"/>
-              </a:rPr>
-            </a:br>
-            <a:endParaRPr lang="en-US" sz="3236" dirty="0">
-              <a:solidFill>
-                <a:schemeClr val="tx1"/>
-              </a:solidFill>
-              <a:latin typeface="Segoe UI" panose="020B0502040204020203" pitchFamily="34" charset="0"/>
-            </a:endParaRPr>
-          </a:p>
-        </p:txBody>
-      </p:sp>
-      <p:pic>
-        <p:nvPicPr>
-          <p:cNvPr id="3" name="Picture 2" descr="Diagram of the hot path as described in the speaker notes.">
-            <a:extLst>
-              <a:ext uri="{FF2B5EF4-FFF2-40B4-BE49-F238E27FC236}">
-                <a16:creationId xmlns:a16="http://schemas.microsoft.com/office/drawing/2014/main" id="{7F6CF8AC-7212-4F8C-A1F4-BD3B9334C23D}"/>
-              </a:ext>
-            </a:extLst>
-          </p:cNvPr>
-          <p:cNvPicPr>
-            <a:picLocks noChangeAspect="1"/>
-          </p:cNvPicPr>
-          <p:nvPr/>
-        </p:nvPicPr>
-        <p:blipFill>
-          <a:blip r:embed="rId3">
-            <a:extLst>
-              <a:ext uri="{28A0092B-C50C-407E-A947-70E740481C1C}">
-                <a14:useLocalDpi xmlns:a14="http://schemas.microsoft.com/office/drawing/2010/main" val="0"/>
-              </a:ext>
-            </a:extLst>
-          </a:blip>
-          <a:srcRect/>
-          <a:stretch/>
-        </p:blipFill>
-        <p:spPr>
-          <a:xfrm>
-            <a:off x="838200" y="1244688"/>
-            <a:ext cx="10515600" cy="5242026"/>
-          </a:xfrm>
-          <a:prstGeom prst="rect">
-            <a:avLst/>
-          </a:prstGeom>
-        </p:spPr>
-      </p:pic>
-    </p:spTree>
-    <p:extLst>
-      <p:ext uri="{BB962C8B-B14F-4D97-AF65-F5344CB8AC3E}">
-        <p14:creationId xmlns:p14="http://schemas.microsoft.com/office/powerpoint/2010/main" val="4039753679"/>
       </p:ext>
     </p:extLst>
   </p:cSld>
@@ -22364,6 +23058,122 @@
                 </a:solidFill>
                 <a:cs typeface="Segoe UI" panose="020B0502040204020203" pitchFamily="34" charset="0"/>
               </a:rPr>
+              <a:t>Preferred solution – Hot Path</a:t>
+            </a:r>
+            <a:br>
+              <a:rPr lang="en-US" dirty="0">
+                <a:solidFill>
+                  <a:schemeClr val="tx1"/>
+                </a:solidFill>
+                <a:latin typeface="Segoe UI" panose="020B0502040204020203" pitchFamily="34" charset="0"/>
+              </a:rPr>
+            </a:br>
+            <a:endParaRPr lang="en-US" sz="3236" dirty="0">
+              <a:solidFill>
+                <a:schemeClr val="tx1"/>
+              </a:solidFill>
+              <a:latin typeface="Segoe UI" panose="020B0502040204020203" pitchFamily="34" charset="0"/>
+            </a:endParaRPr>
+          </a:p>
+        </p:txBody>
+      </p:sp>
+      <p:pic>
+        <p:nvPicPr>
+          <p:cNvPr id="3" name="Picture 2" descr="Diagram of the hot path as described in the speaker notes.">
+            <a:extLst>
+              <a:ext uri="{FF2B5EF4-FFF2-40B4-BE49-F238E27FC236}">
+                <a16:creationId xmlns:a16="http://schemas.microsoft.com/office/drawing/2014/main" id="{7F6CF8AC-7212-4F8C-A1F4-BD3B9334C23D}"/>
+              </a:ext>
+            </a:extLst>
+          </p:cNvPr>
+          <p:cNvPicPr>
+            <a:picLocks noChangeAspect="1"/>
+          </p:cNvPicPr>
+          <p:nvPr/>
+        </p:nvPicPr>
+        <p:blipFill>
+          <a:blip r:embed="rId3">
+            <a:extLst>
+              <a:ext uri="{28A0092B-C50C-407E-A947-70E740481C1C}">
+                <a14:useLocalDpi xmlns:a14="http://schemas.microsoft.com/office/drawing/2010/main" val="0"/>
+              </a:ext>
+            </a:extLst>
+          </a:blip>
+          <a:srcRect/>
+          <a:stretch/>
+        </p:blipFill>
+        <p:spPr>
+          <a:xfrm>
+            <a:off x="838200" y="1244688"/>
+            <a:ext cx="10515600" cy="5242026"/>
+          </a:xfrm>
+          <a:prstGeom prst="rect">
+            <a:avLst/>
+          </a:prstGeom>
+        </p:spPr>
+      </p:pic>
+    </p:spTree>
+    <p:extLst>
+      <p:ext uri="{BB962C8B-B14F-4D97-AF65-F5344CB8AC3E}">
+        <p14:creationId xmlns:p14="http://schemas.microsoft.com/office/powerpoint/2010/main" val="4039753679"/>
+      </p:ext>
+    </p:extLst>
+  </p:cSld>
+  <p:clrMapOvr>
+    <a:masterClrMapping/>
+  </p:clrMapOvr>
+  <mc:AlternateContent xmlns:mc="http://schemas.openxmlformats.org/markup-compatibility/2006" xmlns:p14="http://schemas.microsoft.com/office/powerpoint/2010/main">
+    <mc:Choice Requires="p14">
+      <p:transition p14:dur="0"/>
+    </mc:Choice>
+    <mc:Fallback xmlns="">
+      <p:transition/>
+    </mc:Fallback>
+  </mc:AlternateContent>
+</p:sld>
+</file>
+
+<file path=ppt/slides/slide21.xml><?xml version="1.0" encoding="utf-8"?>
+<p:sld xmlns:a="http://schemas.openxmlformats.org/drawingml/2006/main" xmlns:r="http://schemas.openxmlformats.org/officeDocument/2006/relationships" xmlns:p="http://schemas.openxmlformats.org/presentationml/2006/main">
+  <p:cSld>
+    <p:spTree>
+      <p:nvGrpSpPr>
+        <p:cNvPr id="1" name=""/>
+        <p:cNvGrpSpPr/>
+        <p:nvPr/>
+      </p:nvGrpSpPr>
+      <p:grpSpPr>
+        <a:xfrm>
+          <a:off x="0" y="0"/>
+          <a:ext cx="0" cy="0"/>
+          <a:chOff x="0" y="0"/>
+          <a:chExt cx="0" cy="0"/>
+        </a:xfrm>
+      </p:grpSpPr>
+      <p:sp>
+        <p:nvSpPr>
+          <p:cNvPr id="2" name="Title 1"/>
+          <p:cNvSpPr>
+            <a:spLocks noGrp="1"/>
+          </p:cNvSpPr>
+          <p:nvPr>
+            <p:ph type="title"/>
+          </p:nvPr>
+        </p:nvSpPr>
+        <p:spPr/>
+        <p:txBody>
+          <a:bodyPr>
+            <a:normAutofit fontScale="90000"/>
+          </a:bodyPr>
+          <a:lstStyle/>
+          <a:p>
+            <a:r>
+              <a:rPr lang="en-US" sz="4900" dirty="0">
+                <a:solidFill>
+                  <a:schemeClr val="tx1"/>
+                </a:solidFill>
+                <a:cs typeface="Segoe UI" panose="020B0502040204020203" pitchFamily="34" charset="0"/>
+              </a:rPr>
               <a:t>Preferred solution – Machine Learning</a:t>
             </a:r>
             <a:br>
@@ -22439,7 +23249,7 @@
 </p:sld>
 </file>
 
-<file path=ppt/slides/slide21.xml><?xml version="1.0" encoding="utf-8"?>
+<file path=ppt/slides/slide22.xml><?xml version="1.0" encoding="utf-8"?>
 <p:sld xmlns:a="http://schemas.openxmlformats.org/drawingml/2006/main" xmlns:r="http://schemas.openxmlformats.org/officeDocument/2006/relationships" xmlns:p="http://schemas.openxmlformats.org/presentationml/2006/main">
   <p:cSld>
     <p:spTree>
@@ -22581,163 +23391,6 @@
     <p:extLst>
       <p:ext uri="{BB962C8B-B14F-4D97-AF65-F5344CB8AC3E}">
         <p14:creationId xmlns:p14="http://schemas.microsoft.com/office/powerpoint/2010/main" val="329175067"/>
-      </p:ext>
-    </p:extLst>
-  </p:cSld>
-  <p:clrMapOvr>
-    <a:masterClrMapping/>
-  </p:clrMapOvr>
-  <p:transition>
-    <p:fade/>
-  </p:transition>
-</p:sld>
-</file>
-
-<file path=ppt/slides/slide22.xml><?xml version="1.0" encoding="utf-8"?>
-<p:sld xmlns:a="http://schemas.openxmlformats.org/drawingml/2006/main" xmlns:r="http://schemas.openxmlformats.org/officeDocument/2006/relationships" xmlns:p="http://schemas.openxmlformats.org/presentationml/2006/main">
-  <p:cSld>
-    <p:spTree>
-      <p:nvGrpSpPr>
-        <p:cNvPr id="1" name=""/>
-        <p:cNvGrpSpPr/>
-        <p:nvPr/>
-      </p:nvGrpSpPr>
-      <p:grpSpPr>
-        <a:xfrm>
-          <a:off x="0" y="0"/>
-          <a:ext cx="0" cy="0"/>
-          <a:chOff x="0" y="0"/>
-          <a:chExt cx="0" cy="0"/>
-        </a:xfrm>
-      </p:grpSpPr>
-      <p:sp>
-        <p:nvSpPr>
-          <p:cNvPr id="2" name="Text Placeholder 1">
-            <a:extLst>
-              <a:ext uri="{FF2B5EF4-FFF2-40B4-BE49-F238E27FC236}">
-                <a16:creationId xmlns:a16="http://schemas.microsoft.com/office/drawing/2014/main" id="{AE1899AE-2979-4E05-AC56-BA44B9D6B2B7}"/>
-              </a:ext>
-            </a:extLst>
-          </p:cNvPr>
-          <p:cNvSpPr>
-            <a:spLocks noGrp="1"/>
-          </p:cNvSpPr>
-          <p:nvPr>
-            <p:ph type="body" sz="quarter" idx="10"/>
-          </p:nvPr>
-        </p:nvSpPr>
-        <p:spPr>
-          <a:xfrm>
-            <a:off x="266920" y="1150756"/>
-            <a:ext cx="11653523" cy="5829288"/>
-          </a:xfrm>
-        </p:spPr>
-        <p:txBody>
-          <a:bodyPr/>
-          <a:lstStyle/>
-          <a:p>
-            <a:pPr>
-              <a:lnSpc>
-                <a:spcPct val="100000"/>
-              </a:lnSpc>
-            </a:pPr>
-            <a:r>
-              <a:rPr lang="en-US" sz="2800" dirty="0"/>
-              <a:t>Explore raw flat file data easily using Azure Synapse Studio.</a:t>
-            </a:r>
-          </a:p>
-          <a:p>
-            <a:pPr>
-              <a:lnSpc>
-                <a:spcPct val="100000"/>
-              </a:lnSpc>
-            </a:pPr>
-            <a:r>
-              <a:rPr lang="en-US" sz="2800" dirty="0"/>
-              <a:t>Azure Synapse Studio provides a code-free graphical design surface to create Mapping Data Flows that run at scale on Spark. Engineers can also use code in notebooks if they prefer.</a:t>
-            </a:r>
-          </a:p>
-          <a:p>
-            <a:pPr>
-              <a:lnSpc>
-                <a:spcPct val="100000"/>
-              </a:lnSpc>
-            </a:pPr>
-            <a:r>
-              <a:rPr lang="en-US" sz="2800" dirty="0"/>
-              <a:t>Notebook support open source Apache Spark and the execution of Python, Scala, (and soon) R code.</a:t>
-            </a:r>
-          </a:p>
-          <a:p>
-            <a:pPr>
-              <a:lnSpc>
-                <a:spcPct val="100000"/>
-              </a:lnSpc>
-            </a:pPr>
-            <a:r>
-              <a:rPr lang="en-US" sz="2800" dirty="0"/>
-              <a:t>Libraries need by notebook are imported to Azure Synapse Spark pools and used within attached notebooks.</a:t>
-            </a:r>
-          </a:p>
-          <a:p>
-            <a:pPr>
-              <a:lnSpc>
-                <a:spcPct val="100000"/>
-              </a:lnSpc>
-            </a:pPr>
-            <a:r>
-              <a:rPr lang="en-US" sz="2800" dirty="0"/>
-              <a:t>Parquet format recommended for storing transformed data.</a:t>
-            </a:r>
-          </a:p>
-          <a:p>
-            <a:endParaRPr lang="en-US" sz="2800" dirty="0"/>
-          </a:p>
-          <a:p>
-            <a:endParaRPr lang="en-US" sz="2800" dirty="0"/>
-          </a:p>
-          <a:p>
-            <a:endParaRPr lang="en-US" sz="2800" dirty="0"/>
-          </a:p>
-        </p:txBody>
-      </p:sp>
-      <p:sp>
-        <p:nvSpPr>
-          <p:cNvPr id="3" name="Title 2">
-            <a:extLst>
-              <a:ext uri="{FF2B5EF4-FFF2-40B4-BE49-F238E27FC236}">
-                <a16:creationId xmlns:a16="http://schemas.microsoft.com/office/drawing/2014/main" id="{0E64472F-6084-46EC-A165-7396C457B8E9}"/>
-              </a:ext>
-            </a:extLst>
-          </p:cNvPr>
-          <p:cNvSpPr>
-            <a:spLocks noGrp="1"/>
-          </p:cNvSpPr>
-          <p:nvPr>
-            <p:ph type="title"/>
-          </p:nvPr>
-        </p:nvSpPr>
-        <p:spPr>
-          <a:xfrm>
-            <a:off x="269240" y="289511"/>
-            <a:ext cx="11655840" cy="899665"/>
-          </a:xfrm>
-        </p:spPr>
-        <p:txBody>
-          <a:bodyPr/>
-          <a:lstStyle/>
-          <a:p>
-            <a:r>
-              <a:rPr lang="en-US" dirty="0"/>
-              <a:t>Preferred solution - Transform</a:t>
-            </a:r>
-          </a:p>
-        </p:txBody>
-      </p:sp>
-    </p:spTree>
-    <p:extLst>
-      <p:ext uri="{BB962C8B-B14F-4D97-AF65-F5344CB8AC3E}">
-        <p14:creationId xmlns:p14="http://schemas.microsoft.com/office/powerpoint/2010/main" val="2485390128"/>
       </p:ext>
     </p:extLst>
   </p:cSld>
@@ -22786,7 +23439,7 @@
         <p:spPr>
           <a:xfrm>
             <a:off x="266920" y="1150756"/>
-            <a:ext cx="11653523" cy="7709483"/>
+            <a:ext cx="11653523" cy="5829288"/>
           </a:xfrm>
         </p:spPr>
         <p:txBody>
@@ -22800,7 +23453,7 @@
             </a:pPr>
             <a:r>
               <a:rPr lang="en-US" sz="2800" dirty="0"/>
-              <a:t>Clustered Columnstore indexes (CCI) are best for fact tables. </a:t>
+              <a:t>Explore raw flat file data easily using Azure Synapse Studio.</a:t>
             </a:r>
           </a:p>
           <a:p>
@@ -22811,7 +23464,7 @@
             </a:pPr>
             <a:r>
               <a:rPr lang="en-US" sz="2800" dirty="0"/>
-              <a:t>CCI offer the highest level of data compression and best query performance for tables with over 100 million rows. </a:t>
+              <a:t>Azure Synapse Studio provides a code-free graphical design surface to create Mapping Data Flows that run at scale on Spark. Engineers can also use code in notebooks if they prefer.</a:t>
             </a:r>
           </a:p>
           <a:p>
@@ -22822,7 +23475,7 @@
             </a:pPr>
             <a:r>
               <a:rPr lang="en-US" sz="2800" dirty="0"/>
-              <a:t>Heap tables are best for small lookup tables and recommended for tables with less than 100 million rows.</a:t>
+              <a:t>Notebook support open source Apache Spark and the execution of Python, Scala, (and soon) R code.</a:t>
             </a:r>
           </a:p>
           <a:p>
@@ -22833,29 +23486,7 @@
             </a:pPr>
             <a:r>
               <a:rPr lang="en-US" sz="2800" dirty="0"/>
-              <a:t>Clustered Indexes may outperform CCI when very few rows need to be retrieved quickly.</a:t>
-            </a:r>
-          </a:p>
-          <a:p>
-            <a:pPr lvl="1">
-              <a:lnSpc>
-                <a:spcPct val="100000"/>
-              </a:lnSpc>
-            </a:pPr>
-            <a:r>
-              <a:rPr lang="en-US" sz="2400" dirty="0"/>
-              <a:t>Add non-clustered indexes to improve performance for less selective queries. </a:t>
-            </a:r>
-          </a:p>
-          <a:p>
-            <a:pPr lvl="1">
-              <a:lnSpc>
-                <a:spcPct val="100000"/>
-              </a:lnSpc>
-            </a:pPr>
-            <a:r>
-              <a:rPr lang="en-US" sz="2400" dirty="0"/>
-              <a:t>Each additional index added to a table increases storage space required and processing time during data loads.</a:t>
+              <a:t>Libraries need by notebook are imported to Azure Synapse Spark pools and used within attached notebooks.</a:t>
             </a:r>
           </a:p>
           <a:p>
@@ -22866,24 +23497,17 @@
             </a:pPr>
             <a:r>
               <a:rPr lang="en-US" sz="2800" dirty="0"/>
-              <a:t>Speed load performance by staging data in heap tables and temporary tables prior to running transformations.</a:t>
-            </a:r>
-          </a:p>
-          <a:p>
-            <a:endParaRPr lang="en-US" sz="3968" dirty="0"/>
-          </a:p>
-          <a:p>
-            <a:pPr lvl="1"/>
-            <a:r>
-              <a:rPr lang="en-US" sz="200" dirty="0"/>
-              <a:t>as</a:t>
-            </a:r>
-          </a:p>
-          <a:p>
-            <a:endParaRPr lang="en-US" sz="4000" dirty="0"/>
-          </a:p>
-          <a:p>
-            <a:endParaRPr lang="en-US" dirty="0"/>
+              <a:t>Parquet format recommended for storing transformed data.</a:t>
+            </a:r>
+          </a:p>
+          <a:p>
+            <a:endParaRPr lang="en-US" sz="2800" dirty="0"/>
+          </a:p>
+          <a:p>
+            <a:endParaRPr lang="en-US" sz="2800" dirty="0"/>
+          </a:p>
+          <a:p>
+            <a:endParaRPr lang="en-US" sz="2800" dirty="0"/>
           </a:p>
         </p:txBody>
       </p:sp>
@@ -22915,7 +23539,7 @@
           <a:p>
             <a:r>
               <a:rPr lang="en-US" dirty="0"/>
-              <a:t>Preferred solution - Query</a:t>
+              <a:t>Preferred solution - Transform</a:t>
             </a:r>
           </a:p>
         </p:txBody>
@@ -22923,7 +23547,7 @@
     </p:spTree>
     <p:extLst>
       <p:ext uri="{BB962C8B-B14F-4D97-AF65-F5344CB8AC3E}">
-        <p14:creationId xmlns:p14="http://schemas.microsoft.com/office/powerpoint/2010/main" val="249365536"/>
+        <p14:creationId xmlns:p14="http://schemas.microsoft.com/office/powerpoint/2010/main" val="2485390128"/>
       </p:ext>
     </p:extLst>
   </p:cSld>
@@ -22972,7 +23596,7 @@
         <p:spPr>
           <a:xfrm>
             <a:off x="266920" y="1150756"/>
-            <a:ext cx="11653523" cy="5634491"/>
+            <a:ext cx="11653523" cy="7709483"/>
           </a:xfrm>
         </p:spPr>
         <p:txBody>
@@ -22986,7 +23610,40 @@
             </a:pPr>
             <a:r>
               <a:rPr lang="en-US" sz="2800" dirty="0"/>
-              <a:t>Distributed table design recommendations</a:t>
+              <a:t>Clustered Columnstore indexes (CCI) are best for fact tables. </a:t>
+            </a:r>
+          </a:p>
+          <a:p>
+            <a:pPr>
+              <a:lnSpc>
+                <a:spcPct val="100000"/>
+              </a:lnSpc>
+            </a:pPr>
+            <a:r>
+              <a:rPr lang="en-US" sz="2800" dirty="0"/>
+              <a:t>CCI offer the highest level of data compression and best query performance for tables with over 100 million rows. </a:t>
+            </a:r>
+          </a:p>
+          <a:p>
+            <a:pPr>
+              <a:lnSpc>
+                <a:spcPct val="100000"/>
+              </a:lnSpc>
+            </a:pPr>
+            <a:r>
+              <a:rPr lang="en-US" sz="2800" dirty="0"/>
+              <a:t>Heap tables are best for small lookup tables and recommended for tables with less than 100 million rows.</a:t>
+            </a:r>
+          </a:p>
+          <a:p>
+            <a:pPr>
+              <a:lnSpc>
+                <a:spcPct val="100000"/>
+              </a:lnSpc>
+            </a:pPr>
+            <a:r>
+              <a:rPr lang="en-US" sz="2800" dirty="0"/>
+              <a:t>Clustered Indexes may outperform CCI when very few rows need to be retrieved quickly.</a:t>
             </a:r>
           </a:p>
           <a:p>
@@ -22996,19 +23653,8 @@
               </a:lnSpc>
             </a:pPr>
             <a:r>
-              <a:rPr lang="en-US" sz="2800" dirty="0"/>
-              <a:t>Hash Distribution: </a:t>
-            </a:r>
-          </a:p>
-          <a:p>
-            <a:pPr lvl="2">
-              <a:lnSpc>
-                <a:spcPct val="100000"/>
-              </a:lnSpc>
-            </a:pPr>
-            <a:r>
-              <a:rPr lang="en-US" sz="2408" dirty="0"/>
-              <a:t>Small fact tables exceeding several GBs with frequent inserts should use a hash distribution.</a:t>
+              <a:rPr lang="en-US" sz="2400" dirty="0"/>
+              <a:t>Add non-clustered indexes to improve performance for less selective queries. </a:t>
             </a:r>
           </a:p>
           <a:p>
@@ -23018,59 +23664,36 @@
               </a:lnSpc>
             </a:pPr>
             <a:r>
-              <a:rPr lang="en-US" sz="2800" dirty="0"/>
-              <a:t>Round Robin Distribution: </a:t>
-            </a:r>
-          </a:p>
-          <a:p>
-            <a:pPr lvl="2">
+              <a:rPr lang="en-US" sz="2400" dirty="0"/>
+              <a:t>Each additional index added to a table increases storage space required and processing time during data loads.</a:t>
+            </a:r>
+          </a:p>
+          <a:p>
+            <a:pPr>
               <a:lnSpc>
                 <a:spcPct val="100000"/>
               </a:lnSpc>
             </a:pPr>
             <a:r>
-              <a:rPr lang="en-US" sz="2408" dirty="0"/>
-              <a:t>Potentially useful tables created from raw input. </a:t>
-            </a:r>
-          </a:p>
-          <a:p>
-            <a:pPr lvl="2">
-              <a:lnSpc>
-                <a:spcPct val="100000"/>
-              </a:lnSpc>
-            </a:pPr>
-            <a:r>
-              <a:rPr lang="en-US" sz="2408" dirty="0"/>
-              <a:t>Temporary staging tables used in data preparation.</a:t>
-            </a:r>
-          </a:p>
-          <a:p>
-            <a:pPr lvl="1">
-              <a:lnSpc>
-                <a:spcPct val="100000"/>
-              </a:lnSpc>
-            </a:pPr>
-            <a:r>
               <a:rPr lang="en-US" sz="2800" dirty="0"/>
-              <a:t>Replicated Tables: </a:t>
-            </a:r>
-          </a:p>
-          <a:p>
-            <a:pPr lvl="2">
-              <a:lnSpc>
-                <a:spcPct val="100000"/>
-              </a:lnSpc>
-            </a:pPr>
-            <a:r>
-              <a:rPr lang="en-US" sz="2408" dirty="0"/>
-              <a:t>Lookup tables that range in size from 100’s MBs to 1.5 GBs should be replicated. Works best when table size is less than 2 GB compressed.</a:t>
-            </a:r>
-          </a:p>
-          <a:p>
-            <a:endParaRPr lang="en-US" sz="2800" dirty="0"/>
-          </a:p>
-          <a:p>
-            <a:endParaRPr lang="en-US" sz="2800" dirty="0"/>
+              <a:t>Speed load performance by staging data in heap tables and temporary tables prior to running transformations.</a:t>
+            </a:r>
+          </a:p>
+          <a:p>
+            <a:endParaRPr lang="en-US" sz="3968" dirty="0"/>
+          </a:p>
+          <a:p>
+            <a:pPr lvl="1"/>
+            <a:r>
+              <a:rPr lang="en-US" sz="200" dirty="0"/>
+              <a:t>as</a:t>
+            </a:r>
+          </a:p>
+          <a:p>
+            <a:endParaRPr lang="en-US" sz="4000" dirty="0"/>
+          </a:p>
+          <a:p>
+            <a:endParaRPr lang="en-US" dirty="0"/>
           </a:p>
         </p:txBody>
       </p:sp>
@@ -23102,7 +23725,7 @@
           <a:p>
             <a:r>
               <a:rPr lang="en-US" dirty="0"/>
-              <a:t>Preferred solution – Query - 2</a:t>
+              <a:t>Preferred solution - Query</a:t>
             </a:r>
           </a:p>
         </p:txBody>
@@ -23110,7 +23733,7 @@
     </p:spTree>
     <p:extLst>
       <p:ext uri="{BB962C8B-B14F-4D97-AF65-F5344CB8AC3E}">
-        <p14:creationId xmlns:p14="http://schemas.microsoft.com/office/powerpoint/2010/main" val="3190370400"/>
+        <p14:creationId xmlns:p14="http://schemas.microsoft.com/office/powerpoint/2010/main" val="249365536"/>
       </p:ext>
     </p:extLst>
   </p:cSld>
@@ -23159,7 +23782,7 @@
         <p:spPr>
           <a:xfrm>
             <a:off x="266920" y="1150756"/>
-            <a:ext cx="11653523" cy="5398401"/>
+            <a:ext cx="11653523" cy="5634491"/>
           </a:xfrm>
         </p:spPr>
         <p:txBody>
@@ -23173,63 +23796,88 @@
             </a:pPr>
             <a:r>
               <a:rPr lang="en-US" sz="2800" dirty="0"/>
-              <a:t>Query JSON using Azure Synapse SQL in conjunction with T-SQL OPENJSON, JSON_VALUE, and JSON_Query statements. </a:t>
-            </a:r>
-          </a:p>
-          <a:p>
-            <a:pPr>
+              <a:t>Distributed table design recommendations</a:t>
+            </a:r>
+          </a:p>
+          <a:p>
+            <a:pPr lvl="1">
               <a:lnSpc>
                 <a:spcPct val="100000"/>
               </a:lnSpc>
             </a:pPr>
             <a:r>
               <a:rPr lang="en-US" sz="2800" dirty="0"/>
-              <a:t>Modify JSON data during UPDATE using the JSON_MODIFY statement.</a:t>
-            </a:r>
-          </a:p>
-          <a:p>
-            <a:pPr>
+              <a:t>Hash Distribution: </a:t>
+            </a:r>
+          </a:p>
+          <a:p>
+            <a:pPr lvl="2">
               <a:lnSpc>
                 <a:spcPct val="100000"/>
               </a:lnSpc>
             </a:pPr>
             <a:r>
-              <a:rPr lang="en-US" sz="2800" dirty="0"/>
-              <a:t>Use APPROXIMATE_COUNT_DISTINCT for better count query performance- results within average 2% accuracy of the true count.</a:t>
-            </a:r>
-          </a:p>
-          <a:p>
-            <a:pPr>
+              <a:rPr lang="en-US" sz="2408" dirty="0"/>
+              <a:t>Small fact tables exceeding several GBs with frequent inserts should use a hash distribution.</a:t>
+            </a:r>
+          </a:p>
+          <a:p>
+            <a:pPr lvl="1">
               <a:lnSpc>
                 <a:spcPct val="100000"/>
               </a:lnSpc>
             </a:pPr>
             <a:r>
               <a:rPr lang="en-US" sz="2800" dirty="0"/>
-              <a:t>Use result-set caching to improve query performance when the same queries are executed repeatedly against mainly static data. </a:t>
-            </a:r>
-          </a:p>
-          <a:p>
-            <a:pPr>
+              <a:t>Round Robin Distribution: </a:t>
+            </a:r>
+          </a:p>
+          <a:p>
+            <a:pPr lvl="2">
               <a:lnSpc>
                 <a:spcPct val="100000"/>
               </a:lnSpc>
             </a:pPr>
             <a:r>
-              <a:rPr lang="en-US" sz="2800" dirty="0"/>
-              <a:t>Result-set cache is invalidated and refreshed when underlying table data changes or the query code changes</a:t>
-            </a:r>
-          </a:p>
-          <a:p>
-            <a:pPr>
+              <a:rPr lang="en-US" sz="2408" dirty="0"/>
+              <a:t>Potentially useful tables created from raw input. </a:t>
+            </a:r>
+          </a:p>
+          <a:p>
+            <a:pPr lvl="2">
               <a:lnSpc>
                 <a:spcPct val="100000"/>
               </a:lnSpc>
             </a:pPr>
             <a:r>
+              <a:rPr lang="en-US" sz="2408" dirty="0"/>
+              <a:t>Temporary staging tables used in data preparation.</a:t>
+            </a:r>
+          </a:p>
+          <a:p>
+            <a:pPr lvl="1">
+              <a:lnSpc>
+                <a:spcPct val="100000"/>
+              </a:lnSpc>
+            </a:pPr>
+            <a:r>
               <a:rPr lang="en-US" sz="2800" dirty="0"/>
-              <a:t>Result-set cache persists when SQL Pool is paused and resumed.</a:t>
-            </a:r>
+              <a:t>Replicated Tables: </a:t>
+            </a:r>
+          </a:p>
+          <a:p>
+            <a:pPr lvl="2">
+              <a:lnSpc>
+                <a:spcPct val="100000"/>
+              </a:lnSpc>
+            </a:pPr>
+            <a:r>
+              <a:rPr lang="en-US" sz="2408" dirty="0"/>
+              <a:t>Lookup tables that range in size from 100’s MBs to 1.5 GBs should be replicated. Works best when table size is less than 2 GB compressed.</a:t>
+            </a:r>
+          </a:p>
+          <a:p>
+            <a:endParaRPr lang="en-US" sz="2800" dirty="0"/>
           </a:p>
           <a:p>
             <a:endParaRPr lang="en-US" sz="2800" dirty="0"/>
@@ -23264,7 +23912,7 @@
           <a:p>
             <a:r>
               <a:rPr lang="en-US" dirty="0"/>
-              <a:t>Preferred solution – Query - 3</a:t>
+              <a:t>Preferred solution – Query - 2</a:t>
             </a:r>
           </a:p>
         </p:txBody>
@@ -23272,7 +23920,7 @@
     </p:spTree>
     <p:extLst>
       <p:ext uri="{BB962C8B-B14F-4D97-AF65-F5344CB8AC3E}">
-        <p14:creationId xmlns:p14="http://schemas.microsoft.com/office/powerpoint/2010/main" val="2903746650"/>
+        <p14:creationId xmlns:p14="http://schemas.microsoft.com/office/powerpoint/2010/main" val="3190370400"/>
       </p:ext>
     </p:extLst>
   </p:cSld>
@@ -23321,7 +23969,7 @@
         <p:spPr>
           <a:xfrm>
             <a:off x="266920" y="1150756"/>
-            <a:ext cx="11653523" cy="4838248"/>
+            <a:ext cx="11653523" cy="5398401"/>
           </a:xfrm>
         </p:spPr>
         <p:txBody>
@@ -23335,7 +23983,7 @@
             </a:pPr>
             <a:r>
               <a:rPr lang="en-US" sz="2800" dirty="0"/>
-              <a:t>Azure Synapse Studio provides the ability to create Power BI reports.</a:t>
+              <a:t>Query JSON using Azure Synapse SQL in conjunction with T-SQL OPENJSON, JSON_VALUE, and JSON_Query statements. </a:t>
             </a:r>
           </a:p>
           <a:p>
@@ -23346,7 +23994,7 @@
             </a:pPr>
             <a:r>
               <a:rPr lang="en-US" sz="2800" dirty="0"/>
-              <a:t>Power BI Desktop can also be used to publish datasets and reports to Azure Synapse Studio.</a:t>
+              <a:t>Modify JSON data during UPDATE using the JSON_MODIFY statement.</a:t>
             </a:r>
           </a:p>
           <a:p>
@@ -23357,7 +24005,7 @@
             </a:pPr>
             <a:r>
               <a:rPr lang="en-US" sz="2800" dirty="0"/>
-              <a:t>Power BI supports the creation of dashboards that query both batch and streaming data in a single view.</a:t>
+              <a:t>Use APPROXIMATE_COUNT_DISTINCT for better count query performance- results within average 2% accuracy of the true count.</a:t>
             </a:r>
           </a:p>
           <a:p>
@@ -23368,11 +24016,30 @@
             </a:pPr>
             <a:r>
               <a:rPr lang="en-US" sz="2800" dirty="0"/>
-              <a:t>Use Power BI with Azure Synapse SQL serverless to create reports with data residing in Azure Storage that has yet to move into the data warehouse.</a:t>
-            </a:r>
-          </a:p>
-          <a:p>
-            <a:endParaRPr lang="en-US" sz="2800" dirty="0"/>
+              <a:t>Use result-set caching to improve query performance when the same queries are executed repeatedly against mainly static data. </a:t>
+            </a:r>
+          </a:p>
+          <a:p>
+            <a:pPr>
+              <a:lnSpc>
+                <a:spcPct val="100000"/>
+              </a:lnSpc>
+            </a:pPr>
+            <a:r>
+              <a:rPr lang="en-US" sz="2800" dirty="0"/>
+              <a:t>Result-set cache is invalidated and refreshed when underlying table data changes or the query code changes</a:t>
+            </a:r>
+          </a:p>
+          <a:p>
+            <a:pPr>
+              <a:lnSpc>
+                <a:spcPct val="100000"/>
+              </a:lnSpc>
+            </a:pPr>
+            <a:r>
+              <a:rPr lang="en-US" sz="2800" dirty="0"/>
+              <a:t>Result-set cache persists when SQL Pool is paused and resumed.</a:t>
+            </a:r>
           </a:p>
           <a:p>
             <a:endParaRPr lang="en-US" sz="2800" dirty="0"/>
@@ -23407,7 +24074,7 @@
           <a:p>
             <a:r>
               <a:rPr lang="en-US" dirty="0"/>
-              <a:t>Preferred solution – Visualize</a:t>
+              <a:t>Preferred solution – Query - 3</a:t>
             </a:r>
           </a:p>
         </p:txBody>
@@ -23415,7 +24082,7 @@
     </p:spTree>
     <p:extLst>
       <p:ext uri="{BB962C8B-B14F-4D97-AF65-F5344CB8AC3E}">
-        <p14:creationId xmlns:p14="http://schemas.microsoft.com/office/powerpoint/2010/main" val="1608191538"/>
+        <p14:creationId xmlns:p14="http://schemas.microsoft.com/office/powerpoint/2010/main" val="2903746650"/>
       </p:ext>
     </p:extLst>
   </p:cSld>
@@ -23464,7 +24131,7 @@
         <p:spPr>
           <a:xfrm>
             <a:off x="266920" y="1150756"/>
-            <a:ext cx="11653523" cy="6389441"/>
+            <a:ext cx="11653523" cy="4838248"/>
           </a:xfrm>
         </p:spPr>
         <p:txBody>
@@ -23478,55 +24145,7 @@
             </a:pPr>
             <a:r>
               <a:rPr lang="en-US" sz="2800" dirty="0"/>
-              <a:t>Resource contention can be mitigated by applying Workload Management in Azure Synapse Analytics.</a:t>
-            </a:r>
-          </a:p>
-          <a:p>
-            <a:pPr lvl="1">
-              <a:lnSpc>
-                <a:spcPct val="100000"/>
-              </a:lnSpc>
-            </a:pPr>
-            <a:r>
-              <a:rPr lang="en-US" sz="2400" b="1" dirty="0"/>
-              <a:t>Workload Classification: </a:t>
-            </a:r>
-            <a:r>
-              <a:rPr lang="en-US" sz="2400" dirty="0">
-                <a:latin typeface="Segoe UI Semilight" panose="020B0402040204020203" pitchFamily="34" charset="0"/>
-                <a:cs typeface="Segoe UI Semilight" panose="020B0402040204020203" pitchFamily="34" charset="0"/>
-              </a:rPr>
-              <a:t>Assign a request to a workload group and set importance levels.</a:t>
-            </a:r>
-          </a:p>
-          <a:p>
-            <a:pPr lvl="1">
-              <a:lnSpc>
-                <a:spcPct val="100000"/>
-              </a:lnSpc>
-            </a:pPr>
-            <a:r>
-              <a:rPr lang="en-US" sz="2400" b="1" dirty="0"/>
-              <a:t>Workload Importance: </a:t>
-            </a:r>
-            <a:r>
-              <a:rPr lang="en-US" sz="2400" dirty="0"/>
-              <a:t>Influence the order in which a request gets access to resources.</a:t>
-            </a:r>
-          </a:p>
-          <a:p>
-            <a:pPr lvl="1">
-              <a:lnSpc>
-                <a:spcPct val="100000"/>
-              </a:lnSpc>
-            </a:pPr>
-            <a:r>
-              <a:rPr lang="en-US" sz="2400" b="1" dirty="0"/>
-              <a:t>Workload Isolation: </a:t>
-            </a:r>
-            <a:r>
-              <a:rPr lang="en-US" sz="2400" dirty="0"/>
-              <a:t>Reserve resources for a workload group.</a:t>
+              <a:t>Azure Synapse Studio provides the ability to create Power BI reports.</a:t>
             </a:r>
           </a:p>
           <a:p>
@@ -23537,7 +24156,7 @@
             </a:pPr>
             <a:r>
               <a:rPr lang="en-US" sz="2800" dirty="0"/>
-              <a:t>Use Azure Advisor recommendations to identify suboptimal table distribution, data skew, cache misses, tempdb contention, and suboptimal plan selection.</a:t>
+              <a:t>Power BI Desktop can also be used to publish datasets and reports to Azure Synapse Studio.</a:t>
             </a:r>
           </a:p>
           <a:p>
@@ -23548,7 +24167,18 @@
             </a:pPr>
             <a:r>
               <a:rPr lang="en-US" sz="2800" dirty="0"/>
-              <a:t>Avoid disruptive system downtime due to system upgrades by configuring maintenance windows and notifications in Azure Synapse Analytics.</a:t>
+              <a:t>Power BI supports the creation of dashboards that query both batch and streaming data in a single view.</a:t>
+            </a:r>
+          </a:p>
+          <a:p>
+            <a:pPr>
+              <a:lnSpc>
+                <a:spcPct val="100000"/>
+              </a:lnSpc>
+            </a:pPr>
+            <a:r>
+              <a:rPr lang="en-US" sz="2800" dirty="0"/>
+              <a:t>Use Power BI with Azure Synapse SQL serverless to create reports with data residing in Azure Storage that has yet to move into the data warehouse.</a:t>
             </a:r>
           </a:p>
           <a:p>
@@ -23587,7 +24217,7 @@
           <a:p>
             <a:r>
               <a:rPr lang="en-US" dirty="0"/>
-              <a:t>Preferred solution – Manage</a:t>
+              <a:t>Preferred solution – Visualize</a:t>
             </a:r>
           </a:p>
         </p:txBody>
@@ -23595,7 +24225,7 @@
     </p:spTree>
     <p:extLst>
       <p:ext uri="{BB962C8B-B14F-4D97-AF65-F5344CB8AC3E}">
-        <p14:creationId xmlns:p14="http://schemas.microsoft.com/office/powerpoint/2010/main" val="4106401854"/>
+        <p14:creationId xmlns:p14="http://schemas.microsoft.com/office/powerpoint/2010/main" val="1608191538"/>
       </p:ext>
     </p:extLst>
   </p:cSld>
@@ -23644,13 +24274,11 @@
         <p:spPr>
           <a:xfrm>
             <a:off x="266920" y="1150756"/>
-            <a:ext cx="11653523" cy="4881336"/>
+            <a:ext cx="11653523" cy="6389441"/>
           </a:xfrm>
         </p:spPr>
         <p:txBody>
-          <a:bodyPr>
-            <a:noAutofit/>
-          </a:bodyPr>
+          <a:bodyPr/>
           <a:lstStyle/>
           <a:p>
             <a:pPr>
@@ -23660,7 +24288,55 @@
             </a:pPr>
             <a:r>
               <a:rPr lang="en-US" sz="2800" dirty="0"/>
-              <a:t>Azure Synapse Analytics utilizes Azure Active Directory (AAD) as its authentication mechanism.</a:t>
+              <a:t>Resource contention can be mitigated by applying Workload Management in Azure Synapse Analytics.</a:t>
+            </a:r>
+          </a:p>
+          <a:p>
+            <a:pPr lvl="1">
+              <a:lnSpc>
+                <a:spcPct val="100000"/>
+              </a:lnSpc>
+            </a:pPr>
+            <a:r>
+              <a:rPr lang="en-US" sz="2400" b="1" dirty="0"/>
+              <a:t>Workload Classification: </a:t>
+            </a:r>
+            <a:r>
+              <a:rPr lang="en-US" sz="2400" dirty="0">
+                <a:latin typeface="Segoe UI Semilight" panose="020B0402040204020203" pitchFamily="34" charset="0"/>
+                <a:cs typeface="Segoe UI Semilight" panose="020B0402040204020203" pitchFamily="34" charset="0"/>
+              </a:rPr>
+              <a:t>Assign a request to a workload group and set importance levels.</a:t>
+            </a:r>
+          </a:p>
+          <a:p>
+            <a:pPr lvl="1">
+              <a:lnSpc>
+                <a:spcPct val="100000"/>
+              </a:lnSpc>
+            </a:pPr>
+            <a:r>
+              <a:rPr lang="en-US" sz="2400" b="1" dirty="0"/>
+              <a:t>Workload Importance: </a:t>
+            </a:r>
+            <a:r>
+              <a:rPr lang="en-US" sz="2400" dirty="0"/>
+              <a:t>Influence the order in which a request gets access to resources.</a:t>
+            </a:r>
+          </a:p>
+          <a:p>
+            <a:pPr lvl="1">
+              <a:lnSpc>
+                <a:spcPct val="100000"/>
+              </a:lnSpc>
+            </a:pPr>
+            <a:r>
+              <a:rPr lang="en-US" sz="2400" b="1" dirty="0"/>
+              <a:t>Workload Isolation: </a:t>
+            </a:r>
+            <a:r>
+              <a:rPr lang="en-US" sz="2400" dirty="0"/>
+              <a:t>Reserve resources for a workload group.</a:t>
             </a:r>
           </a:p>
           <a:p>
@@ -23671,29 +24347,18 @@
             </a:pPr>
             <a:r>
               <a:rPr lang="en-US" sz="2800" dirty="0"/>
-              <a:t>Different authorization mechanisms apply depending on datastore:</a:t>
-            </a:r>
-          </a:p>
-          <a:p>
-            <a:pPr lvl="1">
+              <a:t>Use Azure Advisor recommendations to identify suboptimal table distribution, data skew, cache misses, tempdb contention, and suboptimal plan selection.</a:t>
+            </a:r>
+          </a:p>
+          <a:p>
+            <a:pPr>
               <a:lnSpc>
                 <a:spcPct val="100000"/>
               </a:lnSpc>
             </a:pPr>
             <a:r>
-              <a:rPr lang="en-US" sz="2400" dirty="0"/>
-              <a:t>Azure Data Lake Store Gen2 authorization provides course grained container level (aka file system level) security via built-in roles assigned to AAD security principals. Fine-grained access control is enabled by setting POSIX ACLs at the folder level.</a:t>
-            </a:r>
-          </a:p>
-          <a:p>
-            <a:pPr lvl="1">
-              <a:lnSpc>
-                <a:spcPct val="100000"/>
-              </a:lnSpc>
-            </a:pPr>
-            <a:r>
-              <a:rPr lang="en-US" sz="2400" dirty="0"/>
-              <a:t>Database permissions (including object level security for tables, views, stored procedures, and functions) are based on AAD group and user security principals. </a:t>
+              <a:rPr lang="en-US" sz="2800" dirty="0"/>
+              <a:t>Avoid disruptive system downtime due to system upgrades by configuring maintenance windows and notifications in Azure Synapse Analytics.</a:t>
             </a:r>
           </a:p>
           <a:p>
@@ -23732,7 +24397,7 @@
           <a:p>
             <a:r>
               <a:rPr lang="en-US" dirty="0"/>
-              <a:t>Preferred solution – Secure</a:t>
+              <a:t>Preferred solution – Manage</a:t>
             </a:r>
           </a:p>
         </p:txBody>
@@ -23740,7 +24405,7 @@
     </p:spTree>
     <p:extLst>
       <p:ext uri="{BB962C8B-B14F-4D97-AF65-F5344CB8AC3E}">
-        <p14:creationId xmlns:p14="http://schemas.microsoft.com/office/powerpoint/2010/main" val="4050701023"/>
+        <p14:creationId xmlns:p14="http://schemas.microsoft.com/office/powerpoint/2010/main" val="4106401854"/>
       </p:ext>
     </p:extLst>
   </p:cSld>
@@ -23789,11 +24454,13 @@
         <p:spPr>
           <a:xfrm>
             <a:off x="266920" y="1150756"/>
-            <a:ext cx="11653523" cy="5964710"/>
+            <a:ext cx="11653523" cy="4881336"/>
           </a:xfrm>
         </p:spPr>
         <p:txBody>
-          <a:bodyPr/>
+          <a:bodyPr>
+            <a:noAutofit/>
+          </a:bodyPr>
           <a:lstStyle/>
           <a:p>
             <a:pPr>
@@ -23803,7 +24470,18 @@
             </a:pPr>
             <a:r>
               <a:rPr lang="en-US" sz="2800" dirty="0"/>
-              <a:t>Fine-grained data security can be achieved via:</a:t>
+              <a:t>Azure Synapse Analytics utilizes Azure Active Directory (AAD) as its authentication mechanism.</a:t>
+            </a:r>
+          </a:p>
+          <a:p>
+            <a:pPr>
+              <a:lnSpc>
+                <a:spcPct val="100000"/>
+              </a:lnSpc>
+            </a:pPr>
+            <a:r>
+              <a:rPr lang="en-US" sz="2800" dirty="0"/>
+              <a:t>Different authorization mechanisms apply depending on datastore:</a:t>
             </a:r>
           </a:p>
           <a:p>
@@ -23813,12 +24491,8 @@
               </a:lnSpc>
             </a:pPr>
             <a:r>
-              <a:rPr lang="en-US" sz="2000" b="1" dirty="0"/>
-              <a:t>Row Level Security </a:t>
-            </a:r>
-            <a:r>
-              <a:rPr lang="en-US" sz="2000" dirty="0"/>
-              <a:t>– access restriction logic resides in the database tier. This logic filters out rows the user is not authorized to select, update, or delete in SQL Pool database tables. This approach makes your security system more reliable and robust by reducing the surface area.</a:t>
+              <a:rPr lang="en-US" sz="2400" dirty="0"/>
+              <a:t>Azure Data Lake Store Gen2 authorization provides course grained container level (aka file system level) security via built-in roles assigned to AAD security principals. Fine-grained access control is enabled by setting POSIX ACLs at the folder level.</a:t>
             </a:r>
           </a:p>
           <a:p>
@@ -23828,61 +24502,12 @@
               </a:lnSpc>
             </a:pPr>
             <a:r>
-              <a:rPr lang="en-US" sz="2000" b="1" dirty="0"/>
-              <a:t>Column Level Security </a:t>
-            </a:r>
-            <a:r>
-              <a:rPr lang="en-US" sz="2000" dirty="0"/>
-              <a:t>– controls access to specific columns in SQL Pool database tables based on a user’s group membership or execution context</a:t>
-            </a:r>
-          </a:p>
-          <a:p>
-            <a:pPr lvl="1">
-              <a:lnSpc>
-                <a:spcPct val="100000"/>
-              </a:lnSpc>
-            </a:pPr>
-            <a:r>
-              <a:rPr lang="en-US" sz="2000" b="1" dirty="0"/>
-              <a:t>Dynamic Data Masking </a:t>
-            </a:r>
-            <a:r>
-              <a:rPr lang="en-US" sz="2000" dirty="0"/>
-              <a:t>– obfuscates sensitive data based on a user’s group membership.</a:t>
-            </a:r>
-          </a:p>
-          <a:p>
-            <a:pPr>
-              <a:lnSpc>
-                <a:spcPct val="100000"/>
-              </a:lnSpc>
-            </a:pPr>
-            <a:r>
-              <a:rPr lang="en-US" sz="2800" dirty="0"/>
-              <a:t>Discover, track, and remediate database vulnerabilities using SQL Vulnerability Assessment (SQL VA).</a:t>
-            </a:r>
-          </a:p>
-          <a:p>
-            <a:pPr>
-              <a:lnSpc>
-                <a:spcPct val="100000"/>
-              </a:lnSpc>
-            </a:pPr>
-            <a:r>
-              <a:rPr lang="en-US" sz="2800" dirty="0"/>
-              <a:t>SQL VA is automated tool that also gives you the ability to set a security baseline that will customize scan results to suit your environment.</a:t>
-            </a:r>
-          </a:p>
-          <a:p>
-            <a:pPr>
-              <a:lnSpc>
-                <a:spcPct val="100000"/>
-              </a:lnSpc>
-            </a:pPr>
-            <a:r>
-              <a:rPr lang="en-US" sz="2800" dirty="0"/>
-              <a:t>Detect and respond to database security threats using SQL Threat Detection.</a:t>
-            </a:r>
+              <a:rPr lang="en-US" sz="2400" dirty="0"/>
+              <a:t>Database permissions (including object level security for tables, views, stored procedures, and functions) are based on AAD group and user security principals. </a:t>
+            </a:r>
+          </a:p>
+          <a:p>
+            <a:endParaRPr lang="en-US" sz="2800" dirty="0"/>
           </a:p>
           <a:p>
             <a:endParaRPr lang="en-US" sz="2800" dirty="0"/>
@@ -23917,7 +24542,7 @@
           <a:p>
             <a:r>
               <a:rPr lang="en-US" dirty="0"/>
-              <a:t>Preferred solution – Secure - 2</a:t>
+              <a:t>Preferred solution – Secure</a:t>
             </a:r>
           </a:p>
         </p:txBody>
@@ -23925,7 +24550,7 @@
     </p:spTree>
     <p:extLst>
       <p:ext uri="{BB962C8B-B14F-4D97-AF65-F5344CB8AC3E}">
-        <p14:creationId xmlns:p14="http://schemas.microsoft.com/office/powerpoint/2010/main" val="1095220356"/>
+        <p14:creationId xmlns:p14="http://schemas.microsoft.com/office/powerpoint/2010/main" val="4050701023"/>
       </p:ext>
     </p:extLst>
   </p:cSld>
@@ -24156,7 +24781,7 @@
         <p:spPr>
           <a:xfrm>
             <a:off x="266920" y="1150756"/>
-            <a:ext cx="11653523" cy="5139869"/>
+            <a:ext cx="11653523" cy="5964710"/>
           </a:xfrm>
         </p:spPr>
         <p:txBody>
@@ -24170,7 +24795,52 @@
             </a:pPr>
             <a:r>
               <a:rPr lang="en-US" sz="2800" dirty="0"/>
-              <a:t>Monitor and discover sensitive data using SQL Data Discovery and Classification. It automatically discovers columns containing potentially sensitive data and provides recommendations for labeling this data via metadata attributes.</a:t>
+              <a:t>Fine-grained data security can be achieved via:</a:t>
+            </a:r>
+          </a:p>
+          <a:p>
+            <a:pPr lvl="1">
+              <a:lnSpc>
+                <a:spcPct val="100000"/>
+              </a:lnSpc>
+            </a:pPr>
+            <a:r>
+              <a:rPr lang="en-US" sz="2000" b="1" dirty="0"/>
+              <a:t>Row Level Security </a:t>
+            </a:r>
+            <a:r>
+              <a:rPr lang="en-US" sz="2000" dirty="0"/>
+              <a:t>– access restriction logic resides in the database tier. This logic filters out rows the user is not authorized to select, update, or delete in SQL Pool database tables. This approach makes your security system more reliable and robust by reducing the surface area.</a:t>
+            </a:r>
+          </a:p>
+          <a:p>
+            <a:pPr lvl="1">
+              <a:lnSpc>
+                <a:spcPct val="100000"/>
+              </a:lnSpc>
+            </a:pPr>
+            <a:r>
+              <a:rPr lang="en-US" sz="2000" b="1" dirty="0"/>
+              <a:t>Column Level Security </a:t>
+            </a:r>
+            <a:r>
+              <a:rPr lang="en-US" sz="2000" dirty="0"/>
+              <a:t>– controls access to specific columns in SQL Pool database tables based on a user’s group membership or execution context</a:t>
+            </a:r>
+          </a:p>
+          <a:p>
+            <a:pPr lvl="1">
+              <a:lnSpc>
+                <a:spcPct val="100000"/>
+              </a:lnSpc>
+            </a:pPr>
+            <a:r>
+              <a:rPr lang="en-US" sz="2000" b="1" dirty="0"/>
+              <a:t>Dynamic Data Masking </a:t>
+            </a:r>
+            <a:r>
+              <a:rPr lang="en-US" sz="2000" dirty="0"/>
+              <a:t>– obfuscates sensitive data based on a user’s group membership.</a:t>
             </a:r>
           </a:p>
           <a:p>
@@ -24181,7 +24851,7 @@
             </a:pPr>
             <a:r>
               <a:rPr lang="en-US" sz="2800" dirty="0"/>
-              <a:t>Prevent data exfiltration using Azure Synapse Analytics with managed private endpoints. </a:t>
+              <a:t>Discover, track, and remediate database vulnerabilities using SQL Vulnerability Assessment (SQL VA).</a:t>
             </a:r>
           </a:p>
           <a:p>
@@ -24192,7 +24862,18 @@
             </a:pPr>
             <a:r>
               <a:rPr lang="en-US" sz="2800" dirty="0"/>
-              <a:t>Azure Synapse Analytics workspaces can be deployed in a Virtual Network that exposes managed private endpoints to data sources. All traffic between the Virtual Network and Azure Synapse Analytics traverses only over the Microsoft backbone network.</a:t>
+              <a:t>SQL VA is automated tool that also gives you the ability to set a security baseline that will customize scan results to suit your environment.</a:t>
+            </a:r>
+          </a:p>
+          <a:p>
+            <a:pPr>
+              <a:lnSpc>
+                <a:spcPct val="100000"/>
+              </a:lnSpc>
+            </a:pPr>
+            <a:r>
+              <a:rPr lang="en-US" sz="2800" dirty="0"/>
+              <a:t>Detect and respond to database security threats using SQL Threat Detection.</a:t>
             </a:r>
           </a:p>
           <a:p>
@@ -24228,7 +24909,7 @@
           <a:p>
             <a:r>
               <a:rPr lang="en-US" dirty="0"/>
-              <a:t>Preferred solution – Secure - 3</a:t>
+              <a:t>Preferred solution – Secure - 2</a:t>
             </a:r>
           </a:p>
         </p:txBody>
@@ -24236,7 +24917,7 @@
     </p:spTree>
     <p:extLst>
       <p:ext uri="{BB962C8B-B14F-4D97-AF65-F5344CB8AC3E}">
-        <p14:creationId xmlns:p14="http://schemas.microsoft.com/office/powerpoint/2010/main" val="665594445"/>
+        <p14:creationId xmlns:p14="http://schemas.microsoft.com/office/powerpoint/2010/main" val="1095220356"/>
       </p:ext>
     </p:extLst>
   </p:cSld>
@@ -24268,50 +24949,13 @@
       </p:grpSpPr>
       <p:sp>
         <p:nvSpPr>
-          <p:cNvPr id="2" name="Title 1"/>
-          <p:cNvSpPr>
-            <a:spLocks noGrp="1"/>
-          </p:cNvSpPr>
-          <p:nvPr>
-            <p:ph type="title"/>
-          </p:nvPr>
-        </p:nvSpPr>
-        <p:spPr/>
-        <p:txBody>
-          <a:bodyPr>
-            <a:normAutofit fontScale="90000"/>
-          </a:bodyPr>
-          <a:lstStyle/>
-          <a:p>
-            <a:r>
-              <a:rPr lang="en-US" sz="4900" dirty="0">
-                <a:solidFill>
-                  <a:schemeClr val="tx1"/>
-                </a:solidFill>
-                <a:cs typeface="Segoe UI" panose="020B0502040204020203" pitchFamily="34" charset="0"/>
-              </a:rPr>
-              <a:t>Preferred objections handling</a:t>
-            </a:r>
-            <a:br>
-              <a:rPr lang="en-US" dirty="0">
-                <a:solidFill>
-                  <a:schemeClr val="tx1"/>
-                </a:solidFill>
-                <a:latin typeface="Segoe UI" panose="020B0502040204020203" pitchFamily="34" charset="0"/>
-              </a:rPr>
-            </a:br>
-            <a:endParaRPr lang="en-US" sz="3236" dirty="0">
-              <a:solidFill>
-                <a:schemeClr val="tx1"/>
-              </a:solidFill>
-              <a:latin typeface="Segoe UI" panose="020B0502040204020203" pitchFamily="34" charset="0"/>
-            </a:endParaRPr>
-          </a:p>
-        </p:txBody>
-      </p:sp>
-      <p:sp>
-        <p:nvSpPr>
-          <p:cNvPr id="3" name="Content Placeholder 2"/>
+          <p:cNvPr id="2" name="Text Placeholder 1">
+            <a:extLst>
+              <a:ext uri="{FF2B5EF4-FFF2-40B4-BE49-F238E27FC236}">
+                <a16:creationId xmlns:a16="http://schemas.microsoft.com/office/drawing/2014/main" id="{AE1899AE-2979-4E05-AC56-BA44B9D6B2B7}"/>
+              </a:ext>
+            </a:extLst>
+          </p:cNvPr>
           <p:cNvSpPr>
             <a:spLocks noGrp="1"/>
           </p:cNvSpPr>
@@ -24321,14 +24965,12 @@
         </p:nvSpPr>
         <p:spPr>
           <a:xfrm>
-            <a:off x="269239" y="1189177"/>
-            <a:ext cx="11653523" cy="5495932"/>
+            <a:off x="266920" y="1150756"/>
+            <a:ext cx="11653523" cy="5139869"/>
           </a:xfrm>
         </p:spPr>
         <p:txBody>
-          <a:bodyPr>
-            <a:normAutofit lnSpcReduction="10000"/>
-          </a:bodyPr>
+          <a:bodyPr/>
           <a:lstStyle/>
           <a:p>
             <a:pPr>
@@ -24337,54 +24979,9 @@
               </a:lnSpc>
             </a:pPr>
             <a:r>
-              <a:rPr lang="en-US" sz="2800" dirty="0">
-                <a:solidFill>
-                  <a:schemeClr val="tx1"/>
-                </a:solidFill>
-              </a:rPr>
-              <a:t>WWI understands that Azure offers several services with overlapping capabilities.  They do not want to spend the time stitching them together to get to the desired analytics solution.</a:t>
-            </a:r>
-            <a:br>
-              <a:rPr lang="en-US" sz="2800" dirty="0">
-                <a:solidFill>
-                  <a:schemeClr val="tx1"/>
-                </a:solidFill>
-              </a:rPr>
-            </a:br>
-            <a:endParaRPr lang="en-US" sz="2400" dirty="0">
-              <a:solidFill>
-                <a:schemeClr val="tx1"/>
-              </a:solidFill>
-            </a:endParaRPr>
-          </a:p>
-          <a:p>
-            <a:pPr marL="336145" lvl="1" indent="0">
-              <a:lnSpc>
-                <a:spcPct val="100000"/>
-              </a:lnSpc>
-              <a:buNone/>
-            </a:pPr>
-            <a:r>
-              <a:rPr lang="en-US" sz="2400" dirty="0">
-                <a:solidFill>
-                  <a:schemeClr val="tx1"/>
-                </a:solidFill>
-              </a:rPr>
-              <a:t>Azure Synapse Analytics was designed to address exactly this situation and enables customers to quickly get to creating business value from their analytics instead of spending time on plumbing infrastructure connecting disparate services</a:t>
-            </a:r>
-          </a:p>
-          <a:p>
-            <a:pPr marL="336145" lvl="1" indent="0">
-              <a:lnSpc>
-                <a:spcPct val="100000"/>
-              </a:lnSpc>
-              <a:buNone/>
-            </a:pPr>
-            <a:endParaRPr lang="en-US" sz="2032" dirty="0">
-              <a:solidFill>
-                <a:schemeClr val="tx1"/>
-              </a:solidFill>
-            </a:endParaRPr>
+              <a:rPr lang="en-US" sz="2800" dirty="0"/>
+              <a:t>Monitor and discover sensitive data using SQL Data Discovery and Classification. It automatically discovers columns containing potentially sensitive data and provides recommendations for labeling this data via metadata attributes.</a:t>
+            </a:r>
           </a:p>
           <a:p>
             <a:pPr>
@@ -24393,82 +24990,72 @@
               </a:lnSpc>
             </a:pPr>
             <a:r>
-              <a:rPr lang="en-US" sz="2800" dirty="0">
-                <a:solidFill>
-                  <a:schemeClr val="tx1"/>
-                </a:solidFill>
-              </a:rPr>
-              <a:t>WWI have seen demos from competing systems that claim to load massive datasets in seconds. Does Azure offer such a solution?</a:t>
-            </a:r>
-          </a:p>
-          <a:p>
-            <a:pPr marL="336145" lvl="1" indent="0">
+              <a:rPr lang="en-US" sz="2800" dirty="0"/>
+              <a:t>Prevent data exfiltration using Azure Synapse Analytics with managed private endpoints. </a:t>
+            </a:r>
+          </a:p>
+          <a:p>
+            <a:pPr>
               <a:lnSpc>
                 <a:spcPct val="100000"/>
               </a:lnSpc>
-              <a:buNone/>
             </a:pPr>
-            <a:endParaRPr lang="en-US" sz="2400" dirty="0">
-              <a:solidFill>
-                <a:schemeClr val="tx1"/>
-              </a:solidFill>
-            </a:endParaRPr>
-          </a:p>
-          <a:p>
-            <a:pPr marL="336145" lvl="1" indent="0">
-              <a:lnSpc>
-                <a:spcPct val="100000"/>
-              </a:lnSpc>
-              <a:buNone/>
-            </a:pPr>
-            <a:r>
-              <a:rPr lang="en-US" sz="2400" dirty="0">
-                <a:solidFill>
-                  <a:schemeClr val="tx1"/>
-                </a:solidFill>
-              </a:rPr>
-              <a:t>Azure Synapse Analytics is Microsoft's answer to this challenge and is designed for supporting fast loads of massive datasets.</a:t>
-            </a:r>
-            <a:endParaRPr lang="en-US" sz="2032" dirty="0">
-              <a:solidFill>
-                <a:schemeClr val="tx1"/>
-              </a:solidFill>
-            </a:endParaRPr>
-          </a:p>
-          <a:p>
-            <a:endParaRPr lang="en-US" sz="3600" dirty="0">
-              <a:solidFill>
-                <a:schemeClr val="tx1"/>
-              </a:solidFill>
-            </a:endParaRPr>
-          </a:p>
-          <a:p>
-            <a:endParaRPr lang="en-US" sz="3600" dirty="0">
-              <a:solidFill>
-                <a:schemeClr val="tx1"/>
-              </a:solidFill>
-            </a:endParaRPr>
+            <a:r>
+              <a:rPr lang="en-US" sz="2800" dirty="0"/>
+              <a:t>Azure Synapse Analytics workspaces can be deployed in a Virtual Network that exposes managed private endpoints to data sources. All traffic between the Virtual Network and Azure Synapse Analytics traverses only over the Microsoft backbone network.</a:t>
+            </a:r>
+          </a:p>
+          <a:p>
+            <a:endParaRPr lang="en-US" sz="2800" dirty="0"/>
+          </a:p>
+        </p:txBody>
+      </p:sp>
+      <p:sp>
+        <p:nvSpPr>
+          <p:cNvPr id="3" name="Title 2">
+            <a:extLst>
+              <a:ext uri="{FF2B5EF4-FFF2-40B4-BE49-F238E27FC236}">
+                <a16:creationId xmlns:a16="http://schemas.microsoft.com/office/drawing/2014/main" id="{0E64472F-6084-46EC-A165-7396C457B8E9}"/>
+              </a:ext>
+            </a:extLst>
+          </p:cNvPr>
+          <p:cNvSpPr>
+            <a:spLocks noGrp="1"/>
+          </p:cNvSpPr>
+          <p:nvPr>
+            <p:ph type="title"/>
+          </p:nvPr>
+        </p:nvSpPr>
+        <p:spPr>
+          <a:xfrm>
+            <a:off x="269240" y="289511"/>
+            <a:ext cx="11655840" cy="899665"/>
+          </a:xfrm>
+        </p:spPr>
+        <p:txBody>
+          <a:bodyPr/>
+          <a:lstStyle/>
+          <a:p>
+            <a:r>
+              <a:rPr lang="en-US" dirty="0"/>
+              <a:t>Preferred solution – Secure - 3</a:t>
+            </a:r>
           </a:p>
         </p:txBody>
       </p:sp>
     </p:spTree>
     <p:extLst>
       <p:ext uri="{BB962C8B-B14F-4D97-AF65-F5344CB8AC3E}">
-        <p14:creationId xmlns:p14="http://schemas.microsoft.com/office/powerpoint/2010/main" val="2371438961"/>
+        <p14:creationId xmlns:p14="http://schemas.microsoft.com/office/powerpoint/2010/main" val="665594445"/>
       </p:ext>
     </p:extLst>
   </p:cSld>
   <p:clrMapOvr>
     <a:masterClrMapping/>
   </p:clrMapOvr>
-  <mc:AlternateContent xmlns:mc="http://schemas.openxmlformats.org/markup-compatibility/2006" xmlns:p14="http://schemas.microsoft.com/office/powerpoint/2010/main">
-    <mc:Choice Requires="p14">
-      <p:transition p14:dur="0"/>
-    </mc:Choice>
-    <mc:Fallback xmlns="">
-      <p:transition/>
-    </mc:Fallback>
-  </mc:AlternateContent>
+  <p:transition>
+    <p:fade/>
+  </p:transition>
 </p:sld>
 </file>
 
@@ -24513,7 +25100,7 @@
                 </a:solidFill>
                 <a:cs typeface="Segoe UI" panose="020B0502040204020203" pitchFamily="34" charset="0"/>
               </a:rPr>
-              <a:t>Preferred objections handling - 2</a:t>
+              <a:t>Preferred objections handling</a:t>
             </a:r>
             <a:br>
               <a:rPr lang="en-US" dirty="0">
@@ -24545,64 +25132,61 @@
         <p:spPr>
           <a:xfrm>
             <a:off x="269239" y="1189177"/>
-            <a:ext cx="11653523" cy="5809500"/>
+            <a:ext cx="11653523" cy="5495932"/>
           </a:xfrm>
         </p:spPr>
         <p:txBody>
           <a:bodyPr>
-            <a:normAutofit fontScale="70000" lnSpcReduction="20000"/>
+            <a:normAutofit lnSpcReduction="10000"/>
           </a:bodyPr>
           <a:lstStyle/>
           <a:p>
             <a:pPr>
               <a:lnSpc>
-                <a:spcPct val="120000"/>
+                <a:spcPct val="100000"/>
               </a:lnSpc>
             </a:pPr>
             <a:r>
-              <a:rPr lang="en-US" sz="3600" dirty="0">
+              <a:rPr lang="en-US" sz="2800" dirty="0">
                 <a:solidFill>
                   <a:schemeClr val="tx1"/>
                 </a:solidFill>
               </a:rPr>
-              <a:t>Is it really possible to minimize the number of disparate services they use across ingest, transformation, querying and storage, so that WWI team of data engineers, data scientists and database administrators can master one tool, and can build shared best practices for development, management and monitoring?</a:t>
-            </a:r>
+              <a:t>WWI understands that Azure offers several services with overlapping capabilities.  They do not want to spend the time stitching them together to get to the desired analytics solution.</a:t>
+            </a:r>
+            <a:br>
+              <a:rPr lang="en-US" sz="2800" dirty="0">
+                <a:solidFill>
+                  <a:schemeClr val="tx1"/>
+                </a:solidFill>
+              </a:rPr>
+            </a:br>
+            <a:endParaRPr lang="en-US" sz="2400" dirty="0">
+              <a:solidFill>
+                <a:schemeClr val="tx1"/>
+              </a:solidFill>
+            </a:endParaRPr>
           </a:p>
           <a:p>
             <a:pPr marL="336145" lvl="1" indent="0">
               <a:lnSpc>
-                <a:spcPct val="120000"/>
+                <a:spcPct val="100000"/>
               </a:lnSpc>
               <a:buNone/>
             </a:pPr>
-            <a:endParaRPr lang="en-US" sz="1400" dirty="0">
-              <a:solidFill>
-                <a:schemeClr val="tx1"/>
-              </a:solidFill>
-              <a:latin typeface="+mj-lt"/>
-            </a:endParaRPr>
+            <a:r>
+              <a:rPr lang="en-US" sz="2400" dirty="0">
+                <a:solidFill>
+                  <a:schemeClr val="tx1"/>
+                </a:solidFill>
+              </a:rPr>
+              <a:t>Azure Synapse Analytics was designed to address exactly this situation and enables customers to quickly get to creating business value from their analytics instead of spending time on plumbing infrastructure connecting disparate services</a:t>
+            </a:r>
           </a:p>
           <a:p>
             <a:pPr marL="336145" lvl="1" indent="0">
               <a:lnSpc>
-                <a:spcPct val="120000"/>
-              </a:lnSpc>
-              <a:buNone/>
-            </a:pPr>
-            <a:r>
-              <a:rPr lang="en-US" sz="2600" dirty="0">
-                <a:solidFill>
-                  <a:schemeClr val="tx1"/>
-                </a:solidFill>
-                <a:latin typeface="+mj-lt"/>
-              </a:rPr>
-              <a:t>Azure Synapse Analytics provides an integrated environment that does exactly this.</a:t>
-            </a:r>
-          </a:p>
-          <a:p>
-            <a:pPr marL="336145" lvl="1" indent="0">
-              <a:lnSpc>
-                <a:spcPct val="120000"/>
+                <a:spcPct val="100000"/>
               </a:lnSpc>
               <a:buNone/>
             </a:pPr>
@@ -24610,54 +25194,56 @@
               <a:solidFill>
                 <a:schemeClr val="tx1"/>
               </a:solidFill>
-              <a:latin typeface="+mj-lt"/>
             </a:endParaRPr>
           </a:p>
           <a:p>
             <a:pPr>
               <a:lnSpc>
-                <a:spcPct val="120000"/>
+                <a:spcPct val="100000"/>
               </a:lnSpc>
             </a:pPr>
             <a:r>
-              <a:rPr lang="en-US" sz="3600" dirty="0">
+              <a:rPr lang="en-US" sz="2800" dirty="0">
                 <a:solidFill>
                   <a:schemeClr val="tx1"/>
                 </a:solidFill>
               </a:rPr>
-              <a:t>WWI have heard of serverless querying, does Azure offer this? Does it support querying the data at the scale of WWI and what formats does it support? Would this be appropriate for supporting WWI dashboards or reports?</a:t>
+              <a:t>WWI have seen demos from competing systems that claim to load massive datasets in seconds. Does Azure offer such a solution?</a:t>
             </a:r>
           </a:p>
           <a:p>
             <a:pPr marL="336145" lvl="1" indent="0">
               <a:lnSpc>
-                <a:spcPct val="120000"/>
+                <a:spcPct val="100000"/>
               </a:lnSpc>
               <a:buNone/>
             </a:pPr>
-            <a:endParaRPr lang="en-US" sz="1600" dirty="0">
+            <a:endParaRPr lang="en-US" sz="2400" dirty="0">
               <a:solidFill>
                 <a:schemeClr val="tx1"/>
               </a:solidFill>
-              <a:latin typeface="+mj-lt"/>
             </a:endParaRPr>
           </a:p>
           <a:p>
             <a:pPr marL="336145" lvl="1" indent="0">
               <a:lnSpc>
-                <a:spcPct val="120000"/>
+                <a:spcPct val="100000"/>
               </a:lnSpc>
               <a:buNone/>
             </a:pPr>
             <a:r>
-              <a:rPr lang="en-US" sz="2600" dirty="0">
+              <a:rPr lang="en-US" sz="2400" dirty="0">
                 <a:solidFill>
                   <a:schemeClr val="tx1"/>
                 </a:solidFill>
-                <a:latin typeface="+mj-lt"/>
-              </a:rPr>
-              <a:t>Azure Synapse Analytics supports serverless querying via Azure Synapse SQL serverless allowing for interactive queries that utilize T-SQL queries over high scale data in Azure storage. It supports data in various formats including Parquet, CSV, and JSON. It would be appropriate for dashboards and reports, as it supports Power BI and can be used refresh dashboard datasets. It is also appropriate for basic data discovery and exploration and supporting "single query ETL" that transforms Azure Storage based data in a massively parallel fashion.</a:t>
-            </a:r>
+              </a:rPr>
+              <a:t>Azure Synapse Analytics is Microsoft's answer to this challenge and is designed for supporting fast loads of massive datasets.</a:t>
+            </a:r>
+            <a:endParaRPr lang="en-US" sz="2032" dirty="0">
+              <a:solidFill>
+                <a:schemeClr val="tx1"/>
+              </a:solidFill>
+            </a:endParaRPr>
           </a:p>
           <a:p>
             <a:endParaRPr lang="en-US" sz="3600" dirty="0">
@@ -24678,7 +25264,7 @@
     </p:spTree>
     <p:extLst>
       <p:ext uri="{BB962C8B-B14F-4D97-AF65-F5344CB8AC3E}">
-        <p14:creationId xmlns:p14="http://schemas.microsoft.com/office/powerpoint/2010/main" val="1953069638"/>
+        <p14:creationId xmlns:p14="http://schemas.microsoft.com/office/powerpoint/2010/main" val="2371438961"/>
       </p:ext>
     </p:extLst>
   </p:cSld>
@@ -24737,7 +25323,7 @@
                 </a:solidFill>
                 <a:cs typeface="Segoe UI" panose="020B0502040204020203" pitchFamily="34" charset="0"/>
               </a:rPr>
-              <a:t>Preferred objections handling - 3</a:t>
+              <a:t>Preferred objections handling - 2</a:t>
             </a:r>
             <a:br>
               <a:rPr lang="en-US" dirty="0">
@@ -24769,12 +25355,12 @@
         <p:spPr>
           <a:xfrm>
             <a:off x="269239" y="1189177"/>
-            <a:ext cx="11653523" cy="5668824"/>
+            <a:ext cx="11653523" cy="5809500"/>
           </a:xfrm>
         </p:spPr>
         <p:txBody>
           <a:bodyPr>
-            <a:normAutofit fontScale="85000" lnSpcReduction="20000"/>
+            <a:normAutofit fontScale="70000" lnSpcReduction="20000"/>
           </a:bodyPr>
           <a:lstStyle/>
           <a:p>
@@ -24784,12 +25370,12 @@
               </a:lnSpc>
             </a:pPr>
             <a:r>
-              <a:rPr lang="en-US" sz="3000" dirty="0">
+              <a:rPr lang="en-US" sz="3600" dirty="0">
                 <a:solidFill>
                   <a:schemeClr val="tx1"/>
                 </a:solidFill>
               </a:rPr>
-              <a:t>If Azure provides serverless querying, does selecting serverless remove the option of using pre-allocated query resources?</a:t>
+              <a:t>Is it really possible to minimize the number of disparate services they use across ingest, transformation, querying and storage, so that WWI team of data engineers, data scientists and database administrators can master one tool, and can build shared best practices for development, management and monitoring?</a:t>
             </a:r>
           </a:p>
           <a:p>
@@ -24814,13 +25400,13 @@
               <a:buNone/>
             </a:pPr>
             <a:r>
-              <a:rPr lang="en-US" sz="2400" dirty="0">
+              <a:rPr lang="en-US" sz="2600" dirty="0">
                 <a:solidFill>
                   <a:schemeClr val="tx1"/>
                 </a:solidFill>
                 <a:latin typeface="+mj-lt"/>
               </a:rPr>
-              <a:t>No. This is a unique differentiator of Azure Synapse Analytics. Within one Azure Synapse Analytics workspace, they can have pre-provisioned Azure Synapse SQL Pools, and also have serverless querying using the Azure Synapse SQL serverless endpoint.</a:t>
+              <a:t>Azure Synapse Analytics provides an integrated environment that does exactly this.</a:t>
             </a:r>
           </a:p>
           <a:p>
@@ -24844,12 +25430,12 @@
               </a:lnSpc>
             </a:pPr>
             <a:r>
-              <a:rPr lang="en-US" sz="3000" dirty="0">
+              <a:rPr lang="en-US" sz="3600" dirty="0">
                 <a:solidFill>
                   <a:schemeClr val="tx1"/>
                 </a:solidFill>
               </a:rPr>
-              <a:t>Would data be protected at rest and are there controls over the keys used to encrypt it?</a:t>
+              <a:t>WWI have heard of serverless querying, does Azure offer this? Does it support querying the data at the scale of WWI and what formats does it support? Would this be appropriate for supporting WWI dashboards or reports?</a:t>
             </a:r>
           </a:p>
           <a:p>
@@ -24859,7 +25445,7 @@
               </a:lnSpc>
               <a:buNone/>
             </a:pPr>
-            <a:endParaRPr lang="en-US" sz="1800" dirty="0">
+            <a:endParaRPr lang="en-US" sz="1600" dirty="0">
               <a:solidFill>
                 <a:schemeClr val="tx1"/>
               </a:solidFill>
@@ -24874,20 +25460,14 @@
               <a:buNone/>
             </a:pPr>
             <a:r>
-              <a:rPr lang="en-US" sz="2400" dirty="0">
+              <a:rPr lang="en-US" sz="2600" dirty="0">
                 <a:solidFill>
                   <a:schemeClr val="tx1"/>
                 </a:solidFill>
                 <a:latin typeface="+mj-lt"/>
               </a:rPr>
-              <a:t>For data stored in Azure Synapse SQL databases as well as data stored in Azure Storage (including Azure Data Lake Store Gen2), Azure Synapse Analytics supports transparent data encryption (TDE), which means all data is encrypted when written to disk and decrypted when read. When it comes to the keys used for encryption and decryption, TDE provides the option of using service managed keys that are supplied by Microsoft, or user managed keys that are provided by the customer and are stored securely in Azure Key Vault.</a:t>
-            </a:r>
-            <a:endParaRPr lang="en-US" sz="3600" dirty="0">
-              <a:solidFill>
-                <a:schemeClr val="tx1"/>
-              </a:solidFill>
-              <a:latin typeface="+mj-lt"/>
-            </a:endParaRPr>
+              <a:t>Azure Synapse Analytics supports serverless querying via Azure Synapse SQL serverless allowing for interactive queries that utilize T-SQL queries over high scale data in Azure storage. It supports data in various formats including Parquet, CSV, and JSON. It would be appropriate for dashboards and reports, as it supports Power BI and can be used refresh dashboard datasets. It is also appropriate for basic data discovery and exploration and supporting "single query ETL" that transforms Azure Storage based data in a massively parallel fashion.</a:t>
+            </a:r>
           </a:p>
           <a:p>
             <a:endParaRPr lang="en-US" sz="3600" dirty="0">
@@ -24896,12 +25476,19 @@
               </a:solidFill>
             </a:endParaRPr>
           </a:p>
+          <a:p>
+            <a:endParaRPr lang="en-US" sz="3600" dirty="0">
+              <a:solidFill>
+                <a:schemeClr val="tx1"/>
+              </a:solidFill>
+            </a:endParaRPr>
+          </a:p>
         </p:txBody>
       </p:sp>
     </p:spTree>
     <p:extLst>
       <p:ext uri="{BB962C8B-B14F-4D97-AF65-F5344CB8AC3E}">
-        <p14:creationId xmlns:p14="http://schemas.microsoft.com/office/powerpoint/2010/main" val="2807529211"/>
+        <p14:creationId xmlns:p14="http://schemas.microsoft.com/office/powerpoint/2010/main" val="1953069638"/>
       </p:ext>
     </p:extLst>
   </p:cSld>
@@ -24960,6 +25547,229 @@
                 </a:solidFill>
                 <a:cs typeface="Segoe UI" panose="020B0502040204020203" pitchFamily="34" charset="0"/>
               </a:rPr>
+              <a:t>Preferred objections handling - 3</a:t>
+            </a:r>
+            <a:br>
+              <a:rPr lang="en-US" dirty="0">
+                <a:solidFill>
+                  <a:schemeClr val="tx1"/>
+                </a:solidFill>
+                <a:latin typeface="Segoe UI" panose="020B0502040204020203" pitchFamily="34" charset="0"/>
+              </a:rPr>
+            </a:br>
+            <a:endParaRPr lang="en-US" sz="3236" dirty="0">
+              <a:solidFill>
+                <a:schemeClr val="tx1"/>
+              </a:solidFill>
+              <a:latin typeface="Segoe UI" panose="020B0502040204020203" pitchFamily="34" charset="0"/>
+            </a:endParaRPr>
+          </a:p>
+        </p:txBody>
+      </p:sp>
+      <p:sp>
+        <p:nvSpPr>
+          <p:cNvPr id="3" name="Content Placeholder 2"/>
+          <p:cNvSpPr>
+            <a:spLocks noGrp="1"/>
+          </p:cNvSpPr>
+          <p:nvPr>
+            <p:ph type="body" sz="quarter" idx="10"/>
+          </p:nvPr>
+        </p:nvSpPr>
+        <p:spPr>
+          <a:xfrm>
+            <a:off x="269239" y="1189177"/>
+            <a:ext cx="11653523" cy="5668824"/>
+          </a:xfrm>
+        </p:spPr>
+        <p:txBody>
+          <a:bodyPr>
+            <a:normAutofit fontScale="85000" lnSpcReduction="20000"/>
+          </a:bodyPr>
+          <a:lstStyle/>
+          <a:p>
+            <a:pPr>
+              <a:lnSpc>
+                <a:spcPct val="120000"/>
+              </a:lnSpc>
+            </a:pPr>
+            <a:r>
+              <a:rPr lang="en-US" sz="3000" dirty="0">
+                <a:solidFill>
+                  <a:schemeClr val="tx1"/>
+                </a:solidFill>
+              </a:rPr>
+              <a:t>If Azure provides serverless querying, does selecting serverless remove the option of using pre-allocated query resources?</a:t>
+            </a:r>
+          </a:p>
+          <a:p>
+            <a:pPr marL="336145" lvl="1" indent="0">
+              <a:lnSpc>
+                <a:spcPct val="120000"/>
+              </a:lnSpc>
+              <a:buNone/>
+            </a:pPr>
+            <a:endParaRPr lang="en-US" sz="1400" dirty="0">
+              <a:solidFill>
+                <a:schemeClr val="tx1"/>
+              </a:solidFill>
+              <a:latin typeface="+mj-lt"/>
+            </a:endParaRPr>
+          </a:p>
+          <a:p>
+            <a:pPr marL="336145" lvl="1" indent="0">
+              <a:lnSpc>
+                <a:spcPct val="120000"/>
+              </a:lnSpc>
+              <a:buNone/>
+            </a:pPr>
+            <a:r>
+              <a:rPr lang="en-US" sz="2400" dirty="0">
+                <a:solidFill>
+                  <a:schemeClr val="tx1"/>
+                </a:solidFill>
+                <a:latin typeface="+mj-lt"/>
+              </a:rPr>
+              <a:t>No. This is a unique differentiator of Azure Synapse Analytics. Within one Azure Synapse Analytics workspace, they can have pre-provisioned Azure Synapse SQL Pools, and also have serverless querying using the Azure Synapse SQL serverless endpoint.</a:t>
+            </a:r>
+          </a:p>
+          <a:p>
+            <a:pPr marL="336145" lvl="1" indent="0">
+              <a:lnSpc>
+                <a:spcPct val="120000"/>
+              </a:lnSpc>
+              <a:buNone/>
+            </a:pPr>
+            <a:endParaRPr lang="en-US" sz="2032" dirty="0">
+              <a:solidFill>
+                <a:schemeClr val="tx1"/>
+              </a:solidFill>
+              <a:latin typeface="+mj-lt"/>
+            </a:endParaRPr>
+          </a:p>
+          <a:p>
+            <a:pPr>
+              <a:lnSpc>
+                <a:spcPct val="120000"/>
+              </a:lnSpc>
+            </a:pPr>
+            <a:r>
+              <a:rPr lang="en-US" sz="3000" dirty="0">
+                <a:solidFill>
+                  <a:schemeClr val="tx1"/>
+                </a:solidFill>
+              </a:rPr>
+              <a:t>Would data be protected at rest and are there controls over the keys used to encrypt it?</a:t>
+            </a:r>
+          </a:p>
+          <a:p>
+            <a:pPr marL="336145" lvl="1" indent="0">
+              <a:lnSpc>
+                <a:spcPct val="120000"/>
+              </a:lnSpc>
+              <a:buNone/>
+            </a:pPr>
+            <a:endParaRPr lang="en-US" sz="1800" dirty="0">
+              <a:solidFill>
+                <a:schemeClr val="tx1"/>
+              </a:solidFill>
+              <a:latin typeface="+mj-lt"/>
+            </a:endParaRPr>
+          </a:p>
+          <a:p>
+            <a:pPr marL="336145" lvl="1" indent="0">
+              <a:lnSpc>
+                <a:spcPct val="120000"/>
+              </a:lnSpc>
+              <a:buNone/>
+            </a:pPr>
+            <a:r>
+              <a:rPr lang="en-US" sz="2400" dirty="0">
+                <a:solidFill>
+                  <a:schemeClr val="tx1"/>
+                </a:solidFill>
+                <a:latin typeface="+mj-lt"/>
+              </a:rPr>
+              <a:t>For data stored in Azure Synapse SQL databases as well as data stored in Azure Storage (including Azure Data Lake Store Gen2), Azure Synapse Analytics supports transparent data encryption (TDE), which means all data is encrypted when written to disk and decrypted when read. When it comes to the keys used for encryption and decryption, TDE provides the option of using service managed keys that are supplied by Microsoft, or user managed keys that are provided by the customer and are stored securely in Azure Key Vault.</a:t>
+            </a:r>
+            <a:endParaRPr lang="en-US" sz="3600" dirty="0">
+              <a:solidFill>
+                <a:schemeClr val="tx1"/>
+              </a:solidFill>
+              <a:latin typeface="+mj-lt"/>
+            </a:endParaRPr>
+          </a:p>
+          <a:p>
+            <a:endParaRPr lang="en-US" sz="3600" dirty="0">
+              <a:solidFill>
+                <a:schemeClr val="tx1"/>
+              </a:solidFill>
+            </a:endParaRPr>
+          </a:p>
+        </p:txBody>
+      </p:sp>
+    </p:spTree>
+    <p:extLst>
+      <p:ext uri="{BB962C8B-B14F-4D97-AF65-F5344CB8AC3E}">
+        <p14:creationId xmlns:p14="http://schemas.microsoft.com/office/powerpoint/2010/main" val="2807529211"/>
+      </p:ext>
+    </p:extLst>
+  </p:cSld>
+  <p:clrMapOvr>
+    <a:masterClrMapping/>
+  </p:clrMapOvr>
+  <mc:AlternateContent xmlns:mc="http://schemas.openxmlformats.org/markup-compatibility/2006" xmlns:p14="http://schemas.microsoft.com/office/powerpoint/2010/main">
+    <mc:Choice Requires="p14">
+      <p:transition p14:dur="0"/>
+    </mc:Choice>
+    <mc:Fallback xmlns="">
+      <p:transition/>
+    </mc:Fallback>
+  </mc:AlternateContent>
+</p:sld>
+</file>
+
+<file path=ppt/slides/slide35.xml><?xml version="1.0" encoding="utf-8"?>
+<p:sld xmlns:a="http://schemas.openxmlformats.org/drawingml/2006/main" xmlns:r="http://schemas.openxmlformats.org/officeDocument/2006/relationships" xmlns:p="http://schemas.openxmlformats.org/presentationml/2006/main">
+  <p:cSld>
+    <p:spTree>
+      <p:nvGrpSpPr>
+        <p:cNvPr id="1" name=""/>
+        <p:cNvGrpSpPr/>
+        <p:nvPr/>
+      </p:nvGrpSpPr>
+      <p:grpSpPr>
+        <a:xfrm>
+          <a:off x="0" y="0"/>
+          <a:ext cx="0" cy="0"/>
+          <a:chOff x="0" y="0"/>
+          <a:chExt cx="0" cy="0"/>
+        </a:xfrm>
+      </p:grpSpPr>
+      <p:sp>
+        <p:nvSpPr>
+          <p:cNvPr id="2" name="Title 1"/>
+          <p:cNvSpPr>
+            <a:spLocks noGrp="1"/>
+          </p:cNvSpPr>
+          <p:nvPr>
+            <p:ph type="title"/>
+          </p:nvPr>
+        </p:nvSpPr>
+        <p:spPr/>
+        <p:txBody>
+          <a:bodyPr>
+            <a:normAutofit fontScale="90000"/>
+          </a:bodyPr>
+          <a:lstStyle/>
+          <a:p>
+            <a:r>
+              <a:rPr lang="en-US" sz="4900" dirty="0">
+                <a:solidFill>
+                  <a:schemeClr val="tx1"/>
+                </a:solidFill>
+                <a:cs typeface="Segoe UI" panose="020B0502040204020203" pitchFamily="34" charset="0"/>
+              </a:rPr>
               <a:t>Preferred objections handling - 4</a:t>
             </a:r>
             <a:br>
@@ -25109,7 +25919,343 @@
 </p:sld>
 </file>
 
-<file path=ppt/slides/slide35.xml><?xml version="1.0" encoding="utf-8"?>
+<file path=ppt/slides/slide36.xml><?xml version="1.0" encoding="utf-8"?>
+<p:sld xmlns:a="http://schemas.openxmlformats.org/drawingml/2006/main" xmlns:r="http://schemas.openxmlformats.org/officeDocument/2006/relationships" xmlns:p="http://schemas.openxmlformats.org/presentationml/2006/main">
+  <p:cSld>
+    <p:spTree>
+      <p:nvGrpSpPr>
+        <p:cNvPr id="1" name=""/>
+        <p:cNvGrpSpPr/>
+        <p:nvPr/>
+      </p:nvGrpSpPr>
+      <p:grpSpPr>
+        <a:xfrm>
+          <a:off x="0" y="0"/>
+          <a:ext cx="0" cy="0"/>
+          <a:chOff x="0" y="0"/>
+          <a:chExt cx="0" cy="0"/>
+        </a:xfrm>
+      </p:grpSpPr>
+      <p:sp>
+        <p:nvSpPr>
+          <p:cNvPr id="2" name="Title 1"/>
+          <p:cNvSpPr>
+            <a:spLocks noGrp="1"/>
+          </p:cNvSpPr>
+          <p:nvPr>
+            <p:ph type="title"/>
+          </p:nvPr>
+        </p:nvSpPr>
+        <p:spPr/>
+        <p:txBody>
+          <a:bodyPr>
+            <a:normAutofit fontScale="90000"/>
+          </a:bodyPr>
+          <a:lstStyle/>
+          <a:p>
+            <a:r>
+              <a:rPr lang="en-US" sz="4900" dirty="0">
+                <a:solidFill>
+                  <a:schemeClr val="tx1"/>
+                </a:solidFill>
+                <a:cs typeface="Segoe UI" panose="020B0502040204020203" pitchFamily="34" charset="0"/>
+              </a:rPr>
+              <a:t>Preferred objections handling - 5</a:t>
+            </a:r>
+            <a:br>
+              <a:rPr lang="en-US" dirty="0">
+                <a:solidFill>
+                  <a:schemeClr val="tx1"/>
+                </a:solidFill>
+                <a:latin typeface="Segoe UI" panose="020B0502040204020203" pitchFamily="34" charset="0"/>
+              </a:rPr>
+            </a:br>
+            <a:endParaRPr lang="en-US" sz="3236" dirty="0">
+              <a:solidFill>
+                <a:schemeClr val="tx1"/>
+              </a:solidFill>
+              <a:latin typeface="Segoe UI" panose="020B0502040204020203" pitchFamily="34" charset="0"/>
+            </a:endParaRPr>
+          </a:p>
+        </p:txBody>
+      </p:sp>
+      <p:sp>
+        <p:nvSpPr>
+          <p:cNvPr id="3" name="Content Placeholder 2"/>
+          <p:cNvSpPr>
+            <a:spLocks noGrp="1"/>
+          </p:cNvSpPr>
+          <p:nvPr>
+            <p:ph type="body" sz="quarter" idx="10"/>
+          </p:nvPr>
+        </p:nvSpPr>
+        <p:spPr>
+          <a:xfrm>
+            <a:off x="269239" y="1189177"/>
+            <a:ext cx="11653523" cy="5668824"/>
+          </a:xfrm>
+        </p:spPr>
+        <p:txBody>
+          <a:bodyPr>
+            <a:normAutofit/>
+          </a:bodyPr>
+          <a:lstStyle/>
+          <a:p>
+            <a:pPr>
+              <a:lnSpc>
+                <a:spcPct val="120000"/>
+              </a:lnSpc>
+            </a:pPr>
+            <a:r>
+              <a:rPr lang="en-US" sz="3000" dirty="0">
+                <a:solidFill>
+                  <a:schemeClr val="tx1"/>
+                </a:solidFill>
+              </a:rPr>
+              <a:t>How does Azure support deploying the models as web services so that they can easily be invoked from client applications? How does a model get deployed as a webservice?</a:t>
+            </a:r>
+          </a:p>
+          <a:p>
+            <a:pPr marL="336145" lvl="1" indent="0">
+              <a:lnSpc>
+                <a:spcPct val="120000"/>
+              </a:lnSpc>
+              <a:buNone/>
+            </a:pPr>
+            <a:endParaRPr lang="en-US" sz="2400" dirty="0">
+              <a:solidFill>
+                <a:schemeClr val="tx1"/>
+              </a:solidFill>
+              <a:latin typeface="+mj-lt"/>
+            </a:endParaRPr>
+          </a:p>
+          <a:p>
+            <a:pPr marL="336145" lvl="1" indent="0">
+              <a:lnSpc>
+                <a:spcPct val="120000"/>
+              </a:lnSpc>
+              <a:buNone/>
+            </a:pPr>
+            <a:r>
+              <a:rPr lang="en-US" sz="2400" dirty="0">
+                <a:solidFill>
+                  <a:schemeClr val="tx1"/>
+                </a:solidFill>
+                <a:latin typeface="+mj-lt"/>
+              </a:rPr>
+              <a:t>By leveraging Azure Machine Learning, models can be deployed and exposed using REST web services. The services can be deployed via Azure Kubernetes Services or Azure Container Instances. Integration with the Azure Machine Learning model registry ensures that the web services always have the most up-to-date model.</a:t>
+            </a:r>
+            <a:endParaRPr lang="en-US" sz="2032" dirty="0">
+              <a:solidFill>
+                <a:schemeClr val="tx1"/>
+              </a:solidFill>
+              <a:latin typeface="+mj-lt"/>
+            </a:endParaRPr>
+          </a:p>
+        </p:txBody>
+      </p:sp>
+    </p:spTree>
+    <p:extLst>
+      <p:ext uri="{BB962C8B-B14F-4D97-AF65-F5344CB8AC3E}">
+        <p14:creationId xmlns:p14="http://schemas.microsoft.com/office/powerpoint/2010/main" val="1018017215"/>
+      </p:ext>
+    </p:extLst>
+  </p:cSld>
+  <p:clrMapOvr>
+    <a:masterClrMapping/>
+  </p:clrMapOvr>
+  <mc:AlternateContent xmlns:mc="http://schemas.openxmlformats.org/markup-compatibility/2006" xmlns:p14="http://schemas.microsoft.com/office/powerpoint/2010/main">
+    <mc:Choice Requires="p14">
+      <p:transition p14:dur="0"/>
+    </mc:Choice>
+    <mc:Fallback xmlns="">
+      <p:transition/>
+    </mc:Fallback>
+  </mc:AlternateContent>
+</p:sld>
+</file>
+
+<file path=ppt/slides/slide37.xml><?xml version="1.0" encoding="utf-8"?>
+<p:sld xmlns:a="http://schemas.openxmlformats.org/drawingml/2006/main" xmlns:r="http://schemas.openxmlformats.org/officeDocument/2006/relationships" xmlns:p="http://schemas.openxmlformats.org/presentationml/2006/main">
+  <p:cSld>
+    <p:spTree>
+      <p:nvGrpSpPr>
+        <p:cNvPr id="1" name=""/>
+        <p:cNvGrpSpPr/>
+        <p:nvPr/>
+      </p:nvGrpSpPr>
+      <p:grpSpPr>
+        <a:xfrm>
+          <a:off x="0" y="0"/>
+          <a:ext cx="0" cy="0"/>
+          <a:chOff x="0" y="0"/>
+          <a:chExt cx="0" cy="0"/>
+        </a:xfrm>
+      </p:grpSpPr>
+      <p:sp>
+        <p:nvSpPr>
+          <p:cNvPr id="2" name="Title 1"/>
+          <p:cNvSpPr>
+            <a:spLocks noGrp="1"/>
+          </p:cNvSpPr>
+          <p:nvPr>
+            <p:ph type="title"/>
+          </p:nvPr>
+        </p:nvSpPr>
+        <p:spPr/>
+        <p:txBody>
+          <a:bodyPr>
+            <a:normAutofit fontScale="90000"/>
+          </a:bodyPr>
+          <a:lstStyle/>
+          <a:p>
+            <a:r>
+              <a:rPr lang="en-US" sz="4900" dirty="0">
+                <a:solidFill>
+                  <a:schemeClr val="tx1"/>
+                </a:solidFill>
+                <a:cs typeface="Segoe UI" panose="020B0502040204020203" pitchFamily="34" charset="0"/>
+              </a:rPr>
+              <a:t>Preferred objections handling - 6</a:t>
+            </a:r>
+            <a:br>
+              <a:rPr lang="en-US" dirty="0">
+                <a:solidFill>
+                  <a:schemeClr val="tx1"/>
+                </a:solidFill>
+                <a:latin typeface="Segoe UI" panose="020B0502040204020203" pitchFamily="34" charset="0"/>
+              </a:rPr>
+            </a:br>
+            <a:endParaRPr lang="en-US" sz="3236" dirty="0">
+              <a:solidFill>
+                <a:schemeClr val="tx1"/>
+              </a:solidFill>
+              <a:latin typeface="Segoe UI" panose="020B0502040204020203" pitchFamily="34" charset="0"/>
+            </a:endParaRPr>
+          </a:p>
+        </p:txBody>
+      </p:sp>
+      <p:sp>
+        <p:nvSpPr>
+          <p:cNvPr id="3" name="Content Placeholder 2"/>
+          <p:cNvSpPr>
+            <a:spLocks noGrp="1"/>
+          </p:cNvSpPr>
+          <p:nvPr>
+            <p:ph type="body" sz="quarter" idx="10"/>
+          </p:nvPr>
+        </p:nvSpPr>
+        <p:spPr>
+          <a:xfrm>
+            <a:off x="269239" y="1189177"/>
+            <a:ext cx="11653523" cy="5668824"/>
+          </a:xfrm>
+        </p:spPr>
+        <p:txBody>
+          <a:bodyPr>
+            <a:normAutofit fontScale="92500"/>
+          </a:bodyPr>
+          <a:lstStyle/>
+          <a:p>
+            <a:pPr>
+              <a:lnSpc>
+                <a:spcPct val="120000"/>
+              </a:lnSpc>
+            </a:pPr>
+            <a:r>
+              <a:rPr lang="en-US" sz="3000" dirty="0">
+                <a:solidFill>
+                  <a:schemeClr val="tx1"/>
+                </a:solidFill>
+              </a:rPr>
+              <a:t>What does the model re-training process look like in Azure? How can WWI data scientists train and evaluate new models but also ensure this re-training becomes part of the DevOps process used to deploy any updates to the application. Can Azure help them orchestrate updates to the client applications, the machine learning API's and the models that power the API’s?</a:t>
+            </a:r>
+            <a:endParaRPr lang="en-US" sz="2400" dirty="0">
+              <a:solidFill>
+                <a:schemeClr val="tx1"/>
+              </a:solidFill>
+              <a:latin typeface="+mj-lt"/>
+            </a:endParaRPr>
+          </a:p>
+          <a:p>
+            <a:pPr marL="336145" lvl="1" indent="0">
+              <a:lnSpc>
+                <a:spcPct val="120000"/>
+              </a:lnSpc>
+              <a:buNone/>
+            </a:pPr>
+            <a:endParaRPr lang="en-US" sz="2400" dirty="0">
+              <a:solidFill>
+                <a:schemeClr val="tx1"/>
+              </a:solidFill>
+              <a:latin typeface="+mj-lt"/>
+            </a:endParaRPr>
+          </a:p>
+          <a:p>
+            <a:pPr marL="336145" lvl="1" indent="0">
+              <a:lnSpc>
+                <a:spcPct val="120000"/>
+              </a:lnSpc>
+              <a:buNone/>
+            </a:pPr>
+            <a:r>
+              <a:rPr lang="en-US" sz="2400" dirty="0">
+                <a:solidFill>
+                  <a:schemeClr val="tx1"/>
+                </a:solidFill>
+                <a:latin typeface="+mj-lt"/>
+              </a:rPr>
+              <a:t>Using an Azure DevOps approach for model re-training allows for the orchestration of re-training and continuous integration and deployment (</a:t>
+            </a:r>
+            <a:r>
+              <a:rPr lang="en-US" sz="2400" dirty="0" err="1">
+                <a:solidFill>
+                  <a:schemeClr val="tx1"/>
+                </a:solidFill>
+                <a:latin typeface="+mj-lt"/>
+              </a:rPr>
+              <a:t>MLOps</a:t>
+            </a:r>
+            <a:r>
+              <a:rPr lang="en-US" sz="2400" dirty="0">
+                <a:solidFill>
+                  <a:schemeClr val="tx1"/>
+                </a:solidFill>
+                <a:latin typeface="+mj-lt"/>
+              </a:rPr>
+              <a:t>).  The orchestration pipeline can be triggered by a change in source control which will in turn re-trains the model and creates the container image to deploy as the docker-based web service host in production.</a:t>
+            </a:r>
+            <a:endParaRPr lang="en-US" sz="2032" dirty="0">
+              <a:solidFill>
+                <a:schemeClr val="tx1"/>
+              </a:solidFill>
+              <a:latin typeface="+mj-lt"/>
+            </a:endParaRPr>
+          </a:p>
+        </p:txBody>
+      </p:sp>
+    </p:spTree>
+    <p:extLst>
+      <p:ext uri="{BB962C8B-B14F-4D97-AF65-F5344CB8AC3E}">
+        <p14:creationId xmlns:p14="http://schemas.microsoft.com/office/powerpoint/2010/main" val="187162311"/>
+      </p:ext>
+    </p:extLst>
+  </p:cSld>
+  <p:clrMapOvr>
+    <a:masterClrMapping/>
+  </p:clrMapOvr>
+  <mc:AlternateContent xmlns:mc="http://schemas.openxmlformats.org/markup-compatibility/2006" xmlns:p14="http://schemas.microsoft.com/office/powerpoint/2010/main">
+    <mc:Choice Requires="p14">
+      <p:transition p14:dur="0"/>
+    </mc:Choice>
+    <mc:Fallback xmlns="">
+      <p:transition/>
+    </mc:Fallback>
+  </mc:AlternateContent>
+</p:sld>
+</file>
+
+<file path=ppt/slides/slide38.xml><?xml version="1.0" encoding="utf-8"?>
 <p:sld xmlns:a="http://schemas.openxmlformats.org/drawingml/2006/main" xmlns:r="http://schemas.openxmlformats.org/officeDocument/2006/relationships" xmlns:p="http://schemas.openxmlformats.org/presentationml/2006/main">
   <p:cSld>
     <p:spTree>
@@ -25276,7 +26422,7 @@
 </p:sld>
 </file>
 
-<file path=ppt/slides/slide36.xml><?xml version="1.0" encoding="utf-8"?>
+<file path=ppt/slides/slide39.xml><?xml version="1.0" encoding="utf-8"?>
 <p:sld xmlns:a="http://schemas.openxmlformats.org/drawingml/2006/main" xmlns:r="http://schemas.openxmlformats.org/officeDocument/2006/relationships" xmlns:p="http://schemas.openxmlformats.org/presentationml/2006/main">
   <p:cSld>
     <p:bg>
@@ -27305,6 +28451,15 @@
 </file>
 
 <file path=customXml/item1.xml><?xml version="1.0" encoding="utf-8"?>
+<p:properties xmlns:p="http://schemas.microsoft.com/office/2006/metadata/properties" xmlns:xsi="http://www.w3.org/2001/XMLSchema-instance" xmlns:pc="http://schemas.microsoft.com/office/infopath/2007/PartnerControls">
+  <documentManagement>
+    <_ip_UnifiedCompliancePolicyUIAction xmlns="http://schemas.microsoft.com/sharepoint/v3" xsi:nil="true"/>
+    <_ip_UnifiedCompliancePolicyProperties xmlns="http://schemas.microsoft.com/sharepoint/v3" xsi:nil="true"/>
+  </documentManagement>
+</p:properties>
+</file>
+
+<file path=customXml/item2.xml><?xml version="1.0" encoding="utf-8"?>
 <ct:contentTypeSchema xmlns:ct="http://schemas.microsoft.com/office/2006/metadata/contentType" xmlns:ma="http://schemas.microsoft.com/office/2006/metadata/properties/metaAttributes" ct:_="" ma:_="" ma:contentTypeName="Document" ma:contentTypeID="0x010100D15DFA3690A15B4081582BBCC6BEAC3E" ma:contentTypeVersion="9" ma:contentTypeDescription="Create a new document." ma:contentTypeScope="" ma:versionID="642da1784587cbe85a7fdbbe4dc36103">
   <xsd:schema xmlns:xsd="http://www.w3.org/2001/XMLSchema" xmlns:xs="http://www.w3.org/2001/XMLSchema" xmlns:p="http://schemas.microsoft.com/office/2006/metadata/properties" xmlns:ns1="http://schemas.microsoft.com/sharepoint/v3" xmlns:ns2="2023ac63-7b75-4916-a9ee-591457758eee" xmlns:ns3="d9c797ad-d7c3-4982-82b7-81352a75e4a5" targetNamespace="http://schemas.microsoft.com/office/2006/metadata/properties" ma:root="true" ma:fieldsID="91198b0246576053cc55dd2c67035a89" ns1:_="" ns2:_="" ns3:_="">
     <xsd:import namespace="http://schemas.microsoft.com/sharepoint/v3"/>
@@ -27506,15 +28661,6 @@
 </ct:contentTypeSchema>
 </file>
 
-<file path=customXml/item2.xml><?xml version="1.0" encoding="utf-8"?>
-<p:properties xmlns:p="http://schemas.microsoft.com/office/2006/metadata/properties" xmlns:xsi="http://www.w3.org/2001/XMLSchema-instance" xmlns:pc="http://schemas.microsoft.com/office/infopath/2007/PartnerControls">
-  <documentManagement>
-    <_ip_UnifiedCompliancePolicyUIAction xmlns="http://schemas.microsoft.com/sharepoint/v3" xsi:nil="true"/>
-    <_ip_UnifiedCompliancePolicyProperties xmlns="http://schemas.microsoft.com/sharepoint/v3" xsi:nil="true"/>
-  </documentManagement>
-</p:properties>
-</file>
-
 <file path=customXml/item3.xml><?xml version="1.0" encoding="utf-8"?>
 <?mso-contentType ?>
 <FormTemplates xmlns="http://schemas.microsoft.com/sharepoint/v3/contenttype/forms">
@@ -27525,6 +28671,24 @@
 </file>
 
 <file path=customXml/itemProps1.xml><?xml version="1.0" encoding="utf-8"?>
+<ds:datastoreItem xmlns:ds="http://schemas.openxmlformats.org/officeDocument/2006/customXml" ds:itemID="{BAF7D529-36AB-45DA-B239-2F912F2D1610}">
+  <ds:schemaRefs>
+    <ds:schemaRef ds:uri="http://schemas.microsoft.com/office/2006/documentManagement/types"/>
+    <ds:schemaRef ds:uri="http://schemas.microsoft.com/office/infopath/2007/PartnerControls"/>
+    <ds:schemaRef ds:uri="2023ac63-7b75-4916-a9ee-591457758eee"/>
+    <ds:schemaRef ds:uri="http://purl.org/dc/elements/1.1/"/>
+    <ds:schemaRef ds:uri="http://schemas.microsoft.com/office/2006/metadata/properties"/>
+    <ds:schemaRef ds:uri="http://schemas.microsoft.com/sharepoint/v3"/>
+    <ds:schemaRef ds:uri="http://purl.org/dc/terms/"/>
+    <ds:schemaRef ds:uri="http://schemas.openxmlformats.org/package/2006/metadata/core-properties"/>
+    <ds:schemaRef ds:uri="d9c797ad-d7c3-4982-82b7-81352a75e4a5"/>
+    <ds:schemaRef ds:uri="http://www.w3.org/XML/1998/namespace"/>
+    <ds:schemaRef ds:uri="http://purl.org/dc/dcmitype/"/>
+  </ds:schemaRefs>
+</ds:datastoreItem>
+</file>
+
+<file path=customXml/itemProps2.xml><?xml version="1.0" encoding="utf-8"?>
 <ds:datastoreItem xmlns:ds="http://schemas.openxmlformats.org/officeDocument/2006/customXml" ds:itemID="{255F5BEB-6AD6-480A-8556-C80C5EBC10F2}">
   <ds:schemaRefs>
     <ds:schemaRef ds:uri="http://schemas.microsoft.com/office/2006/metadata/contentType"/>
@@ -27544,24 +28708,6 @@
 </ds:datastoreItem>
 </file>
 
-<file path=customXml/itemProps2.xml><?xml version="1.0" encoding="utf-8"?>
-<ds:datastoreItem xmlns:ds="http://schemas.openxmlformats.org/officeDocument/2006/customXml" ds:itemID="{BAF7D529-36AB-45DA-B239-2F912F2D1610}">
-  <ds:schemaRefs>
-    <ds:schemaRef ds:uri="http://schemas.microsoft.com/office/2006/documentManagement/types"/>
-    <ds:schemaRef ds:uri="http://schemas.microsoft.com/office/infopath/2007/PartnerControls"/>
-    <ds:schemaRef ds:uri="2023ac63-7b75-4916-a9ee-591457758eee"/>
-    <ds:schemaRef ds:uri="http://purl.org/dc/elements/1.1/"/>
-    <ds:schemaRef ds:uri="http://schemas.microsoft.com/office/2006/metadata/properties"/>
-    <ds:schemaRef ds:uri="http://schemas.microsoft.com/sharepoint/v3"/>
-    <ds:schemaRef ds:uri="http://purl.org/dc/terms/"/>
-    <ds:schemaRef ds:uri="http://schemas.openxmlformats.org/package/2006/metadata/core-properties"/>
-    <ds:schemaRef ds:uri="d9c797ad-d7c3-4982-82b7-81352a75e4a5"/>
-    <ds:schemaRef ds:uri="http://www.w3.org/XML/1998/namespace"/>
-    <ds:schemaRef ds:uri="http://purl.org/dc/dcmitype/"/>
-  </ds:schemaRefs>
-</ds:datastoreItem>
-</file>
-
 <file path=customXml/itemProps3.xml><?xml version="1.0" encoding="utf-8"?>
 <ds:datastoreItem xmlns:ds="http://schemas.openxmlformats.org/officeDocument/2006/customXml" ds:itemID="{F18501AF-04CF-4482-BAE1-607B49DDC378}">
   <ds:schemaRefs>
